--- a/extras/pptx/MPD OS Desktop Environment.pptx
+++ b/extras/pptx/MPD OS Desktop Environment.pptx
@@ -11,6 +11,7 @@
     <p:sldId id="258" r:id="rId6"/>
     <p:sldId id="259" r:id="rId7"/>
     <p:sldId id="260" r:id="rId8"/>
+    <p:sldId id="261" r:id="rId9"/>
   </p:sldIdLst>
   <p:sldSz cx="10080625" cy="5670550"/>
   <p:notesSz cx="7772400" cy="10058400"/>
@@ -2795,7 +2796,7 @@
         <p:spPr>
           <a:xfrm>
             <a:off x="504000" y="1326600"/>
-            <a:ext cx="9071640" cy="3288240"/>
+            <a:ext cx="9072000" cy="3288600"/>
           </a:xfrm>
           <a:prstGeom prst="rect">
             <a:avLst/>
@@ -2808,7 +2809,7 @@
           <a:p>
             <a:pPr marL="432000" indent="-324000">
               <a:spcBef>
-                <a:spcPts val="1414"/>
+                <a:spcPts val="1417"/>
               </a:spcBef>
               <a:buClr>
                 <a:srgbClr val="000000"/>
@@ -2818,12 +2819,12 @@
               <a:buChar char=""/>
             </a:pPr>
             <a:r>
-              <a:rPr b="0" lang="id-ID" sz="1800" spc="-1" strike="noStrike">
+              <a:rPr b="0" lang="id-ID" sz="3200" spc="-1" strike="noStrike">
                 <a:latin typeface="Arial"/>
               </a:rPr>
               <a:t>Click to edit the outline text format</a:t>
             </a:r>
-            <a:endParaRPr b="0" lang="id-ID" sz="1800" spc="-1" strike="noStrike">
+            <a:endParaRPr b="0" lang="id-ID" sz="3200" spc="-1" strike="noStrike">
               <a:latin typeface="Arial"/>
             </a:endParaRPr>
           </a:p>
@@ -2840,12 +2841,12 @@
               <a:buChar char=""/>
             </a:pPr>
             <a:r>
-              <a:rPr b="0" lang="id-ID" sz="1800" spc="-1" strike="noStrike">
+              <a:rPr b="0" lang="id-ID" sz="2800" spc="-1" strike="noStrike">
                 <a:latin typeface="Arial"/>
               </a:rPr>
               <a:t>Second Outline Level</a:t>
             </a:r>
-            <a:endParaRPr b="0" lang="id-ID" sz="1800" spc="-1" strike="noStrike">
+            <a:endParaRPr b="0" lang="id-ID" sz="2800" spc="-1" strike="noStrike">
               <a:latin typeface="Arial"/>
             </a:endParaRPr>
           </a:p>
@@ -2862,12 +2863,12 @@
               <a:buChar char=""/>
             </a:pPr>
             <a:r>
-              <a:rPr b="0" lang="id-ID" sz="1800" spc="-1" strike="noStrike">
+              <a:rPr b="0" lang="id-ID" sz="2400" spc="-1" strike="noStrike">
                 <a:latin typeface="Arial"/>
               </a:rPr>
               <a:t>Third Outline Level</a:t>
             </a:r>
-            <a:endParaRPr b="0" lang="id-ID" sz="1800" spc="-1" strike="noStrike">
+            <a:endParaRPr b="0" lang="id-ID" sz="2400" spc="-1" strike="noStrike">
               <a:latin typeface="Arial"/>
             </a:endParaRPr>
           </a:p>
@@ -2884,12 +2885,12 @@
               <a:buChar char=""/>
             </a:pPr>
             <a:r>
-              <a:rPr b="0" lang="id-ID" sz="1800" spc="-1" strike="noStrike">
+              <a:rPr b="0" lang="id-ID" sz="2000" spc="-1" strike="noStrike">
                 <a:latin typeface="Arial"/>
               </a:rPr>
               <a:t>Fourth Outline Level</a:t>
             </a:r>
-            <a:endParaRPr b="0" lang="id-ID" sz="1800" spc="-1" strike="noStrike">
+            <a:endParaRPr b="0" lang="id-ID" sz="2000" spc="-1" strike="noStrike">
               <a:latin typeface="Arial"/>
             </a:endParaRPr>
           </a:p>
@@ -2906,12 +2907,12 @@
               <a:buChar char=""/>
             </a:pPr>
             <a:r>
-              <a:rPr b="0" lang="id-ID" sz="1800" spc="-1" strike="noStrike">
+              <a:rPr b="0" lang="id-ID" sz="2000" spc="-1" strike="noStrike">
                 <a:latin typeface="Arial"/>
               </a:rPr>
               <a:t>Fifth Outline Level</a:t>
             </a:r>
-            <a:endParaRPr b="0" lang="id-ID" sz="1800" spc="-1" strike="noStrike">
+            <a:endParaRPr b="0" lang="id-ID" sz="2000" spc="-1" strike="noStrike">
               <a:latin typeface="Arial"/>
             </a:endParaRPr>
           </a:p>
@@ -2928,12 +2929,12 @@
               <a:buChar char=""/>
             </a:pPr>
             <a:r>
-              <a:rPr b="0" lang="id-ID" sz="1800" spc="-1" strike="noStrike">
+              <a:rPr b="0" lang="id-ID" sz="2000" spc="-1" strike="noStrike">
                 <a:latin typeface="Arial"/>
               </a:rPr>
               <a:t>Sixth Outline Level</a:t>
             </a:r>
-            <a:endParaRPr b="0" lang="id-ID" sz="1800" spc="-1" strike="noStrike">
+            <a:endParaRPr b="0" lang="id-ID" sz="2000" spc="-1" strike="noStrike">
               <a:latin typeface="Arial"/>
             </a:endParaRPr>
           </a:p>
@@ -2950,12 +2951,12 @@
               <a:buChar char=""/>
             </a:pPr>
             <a:r>
-              <a:rPr b="0" lang="id-ID" sz="1800" spc="-1" strike="noStrike">
+              <a:rPr b="0" lang="id-ID" sz="2000" spc="-1" strike="noStrike">
                 <a:latin typeface="Arial"/>
               </a:rPr>
               <a:t>Seventh Outline Level</a:t>
             </a:r>
-            <a:endParaRPr b="0" lang="id-ID" sz="1800" spc="-1" strike="noStrike">
+            <a:endParaRPr b="0" lang="id-ID" sz="2000" spc="-1" strike="noStrike">
               <a:latin typeface="Arial"/>
             </a:endParaRPr>
           </a:p>
@@ -3061,7 +3062,7 @@
           <a:p>
             <a:pPr marL="432000" indent="-324000">
               <a:spcBef>
-                <a:spcPts val="1414"/>
+                <a:spcPts val="1417"/>
               </a:spcBef>
               <a:buClr>
                 <a:srgbClr val="000000"/>
@@ -3268,7 +3269,7 @@
         <p:spPr>
           <a:xfrm>
             <a:off x="3105000" y="1260000"/>
-            <a:ext cx="3869280" cy="2072520"/>
+            <a:ext cx="3868560" cy="2071800"/>
           </a:xfrm>
           <a:prstGeom prst="rect">
             <a:avLst/>
@@ -3305,9 +3306,6 @@
               <a:t>7:30</a:t>
             </a:r>
             <a:endParaRPr b="0" lang="id-ID" sz="12800" spc="-1" strike="noStrike">
-              <a:solidFill>
-                <a:srgbClr val="ffffff"/>
-              </a:solidFill>
               <a:latin typeface="Arial"/>
             </a:endParaRPr>
           </a:p>
@@ -3322,7 +3320,7 @@
         <p:spPr>
           <a:xfrm>
             <a:off x="3510000" y="3420000"/>
-            <a:ext cx="3059280" cy="539280"/>
+            <a:ext cx="3058560" cy="538560"/>
           </a:xfrm>
           <a:prstGeom prst="rect">
             <a:avLst/>
@@ -3359,9 +3357,6 @@
               <a:t>Sunday, July 11</a:t>
             </a:r>
             <a:endParaRPr b="0" lang="id-ID" sz="2400" spc="-1" strike="noStrike">
-              <a:solidFill>
-                <a:srgbClr val="ffffff"/>
-              </a:solidFill>
               <a:latin typeface="Arial"/>
             </a:endParaRPr>
           </a:p>
@@ -3375,15 +3370,13 @@
         </p:nvSpPr>
         <p:spPr>
           <a:xfrm>
-            <a:off x="4446720" y="5131080"/>
-            <a:ext cx="1186920" cy="539280"/>
-          </a:xfrm>
-          <a:prstGeom prst="rect">
-            <a:avLst/>
-          </a:prstGeom>
-          <a:solidFill>
-            <a:srgbClr val="00b0f0"/>
-          </a:solidFill>
+            <a:off x="4590360" y="5239080"/>
+            <a:ext cx="899640" cy="412560"/>
+          </a:xfrm>
+          <a:prstGeom prst="rect">
+            <a:avLst/>
+          </a:prstGeom>
+          <a:noFill/>
           <a:ln w="0">
             <a:noFill/>
           </a:ln>
@@ -3405,7 +3398,7 @@
               </a:lnSpc>
             </a:pPr>
             <a:r>
-              <a:rPr b="0" i="1" lang="en-US" sz="2400" spc="-1" strike="noStrike">
+              <a:rPr b="0" i="1" lang="en-US" sz="1500" spc="-1" strike="noStrike">
                 <a:solidFill>
                   <a:srgbClr val="ffffff"/>
                 </a:solidFill>
@@ -3414,10 +3407,239 @@
               </a:rPr>
               <a:t>unlock</a:t>
             </a:r>
-            <a:endParaRPr b="0" lang="id-ID" sz="2400" spc="-1" strike="noStrike">
-              <a:solidFill>
-                <a:srgbClr val="ffffff"/>
-              </a:solidFill>
+            <a:endParaRPr b="0" lang="id-ID" sz="1500" spc="-1" strike="noStrike">
+              <a:latin typeface="Arial"/>
+            </a:endParaRPr>
+          </a:p>
+        </p:txBody>
+      </p:sp>
+      <p:sp>
+        <p:nvSpPr>
+          <p:cNvPr id="79" name=""/>
+          <p:cNvSpPr/>
+          <p:nvPr/>
+        </p:nvSpPr>
+        <p:spPr>
+          <a:xfrm>
+            <a:off x="9533880" y="5406840"/>
+            <a:ext cx="94680" cy="94680"/>
+          </a:xfrm>
+          <a:custGeom>
+            <a:avLst/>
+            <a:gdLst/>
+            <a:ahLst/>
+            <a:rect l="l" t="t" r="r" b="b"/>
+            <a:pathLst>
+              <a:path w="640" h="861">
+                <a:moveTo>
+                  <a:pt x="640" y="233"/>
+                </a:moveTo>
+                <a:lnTo>
+                  <a:pt x="221" y="293"/>
+                </a:lnTo>
+                <a:lnTo>
+                  <a:pt x="506" y="12"/>
+                </a:lnTo>
+                <a:lnTo>
+                  <a:pt x="367" y="0"/>
+                </a:lnTo>
+                <a:lnTo>
+                  <a:pt x="29" y="406"/>
+                </a:lnTo>
+                <a:lnTo>
+                  <a:pt x="431" y="347"/>
+                </a:lnTo>
+                <a:lnTo>
+                  <a:pt x="145" y="645"/>
+                </a:lnTo>
+                <a:lnTo>
+                  <a:pt x="99" y="520"/>
+                </a:lnTo>
+                <a:lnTo>
+                  <a:pt x="0" y="861"/>
+                </a:lnTo>
+                <a:lnTo>
+                  <a:pt x="326" y="765"/>
+                </a:lnTo>
+                <a:lnTo>
+                  <a:pt x="209" y="711"/>
+                </a:lnTo>
+                <a:lnTo>
+                  <a:pt x="640" y="233"/>
+                </a:lnTo>
+                <a:lnTo>
+                  <a:pt x="640" y="233"/>
+                </a:lnTo>
+                <a:close/>
+              </a:path>
+            </a:pathLst>
+          </a:custGeom>
+          <a:solidFill>
+            <a:srgbClr val="00ff58"/>
+          </a:solidFill>
+          <a:ln w="0">
+            <a:solidFill>
+              <a:srgbClr val="3465a4">
+                <a:alpha val="0"/>
+              </a:srgbClr>
+            </a:solidFill>
+          </a:ln>
+        </p:spPr>
+        <p:style>
+          <a:lnRef idx="0"/>
+          <a:fillRef idx="0"/>
+          <a:effectRef idx="0"/>
+          <a:fontRef idx="minor"/>
+        </p:style>
+      </p:sp>
+      <p:sp>
+        <p:nvSpPr>
+          <p:cNvPr id="80" name=""/>
+          <p:cNvSpPr/>
+          <p:nvPr/>
+        </p:nvSpPr>
+        <p:spPr>
+          <a:xfrm>
+            <a:off x="9571680" y="5358600"/>
+            <a:ext cx="375480" cy="190800"/>
+          </a:xfrm>
+          <a:prstGeom prst="rect">
+            <a:avLst/>
+          </a:prstGeom>
+          <a:noFill/>
+          <a:ln w="0">
+            <a:noFill/>
+          </a:ln>
+        </p:spPr>
+        <p:style>
+          <a:lnRef idx="0"/>
+          <a:fillRef idx="0"/>
+          <a:effectRef idx="0"/>
+          <a:fontRef idx="minor"/>
+        </p:style>
+        <p:txBody>
+          <a:bodyPr lIns="90000" rIns="90000" tIns="45000" bIns="45000">
+            <a:noAutofit/>
+          </a:bodyPr>
+          <a:p>
+            <a:pPr algn="r">
+              <a:lnSpc>
+                <a:spcPts val="802"/>
+              </a:lnSpc>
+            </a:pPr>
+            <a:r>
+              <a:rPr b="1" lang="en-US" sz="700" spc="-1" strike="noStrike">
+                <a:solidFill>
+                  <a:srgbClr val="ffffff"/>
+                </a:solidFill>
+                <a:latin typeface="Montserrat"/>
+                <a:ea typeface="DejaVu Sans"/>
+              </a:rPr>
+              <a:t>90%</a:t>
+            </a:r>
+            <a:endParaRPr b="0" lang="id-ID" sz="700" spc="-1" strike="noStrike">
+              <a:latin typeface="Arial"/>
+            </a:endParaRPr>
+          </a:p>
+        </p:txBody>
+      </p:sp>
+      <p:sp>
+        <p:nvSpPr>
+          <p:cNvPr id="81" name=""/>
+          <p:cNvSpPr/>
+          <p:nvPr/>
+        </p:nvSpPr>
+        <p:spPr>
+          <a:xfrm>
+            <a:off x="9218880" y="5358600"/>
+            <a:ext cx="331200" cy="325800"/>
+          </a:xfrm>
+          <a:prstGeom prst="rect">
+            <a:avLst/>
+          </a:prstGeom>
+          <a:noFill/>
+          <a:ln w="0">
+            <a:noFill/>
+          </a:ln>
+        </p:spPr>
+        <p:style>
+          <a:lnRef idx="0"/>
+          <a:fillRef idx="0"/>
+          <a:effectRef idx="0"/>
+          <a:fontRef idx="minor"/>
+        </p:style>
+        <p:txBody>
+          <a:bodyPr lIns="90000" rIns="90000" tIns="45000" bIns="45000">
+            <a:noAutofit/>
+          </a:bodyPr>
+          <a:p>
+            <a:pPr algn="r">
+              <a:lnSpc>
+                <a:spcPts val="933"/>
+              </a:lnSpc>
+            </a:pPr>
+            <a:r>
+              <a:rPr b="1" lang="en-US" sz="900" spc="-1" strike="noStrike">
+                <a:solidFill>
+                  <a:srgbClr val="ffffff"/>
+                </a:solidFill>
+                <a:latin typeface="Montserrat"/>
+                <a:ea typeface="DejaVu Sans"/>
+              </a:rPr>
+              <a:t>🕪</a:t>
+            </a:r>
+            <a:endParaRPr b="0" lang="id-ID" sz="900" spc="-1" strike="noStrike">
+              <a:latin typeface="Arial"/>
+            </a:endParaRPr>
+          </a:p>
+        </p:txBody>
+      </p:sp>
+      <p:sp>
+        <p:nvSpPr>
+          <p:cNvPr id="82" name=""/>
+          <p:cNvSpPr/>
+          <p:nvPr/>
+        </p:nvSpPr>
+        <p:spPr>
+          <a:xfrm>
+            <a:off x="9049680" y="5358960"/>
+            <a:ext cx="289440" cy="190800"/>
+          </a:xfrm>
+          <a:prstGeom prst="rect">
+            <a:avLst/>
+          </a:prstGeom>
+          <a:noFill/>
+          <a:ln w="0">
+            <a:noFill/>
+          </a:ln>
+        </p:spPr>
+        <p:style>
+          <a:lnRef idx="0"/>
+          <a:fillRef idx="0"/>
+          <a:effectRef idx="0"/>
+          <a:fontRef idx="minor"/>
+        </p:style>
+        <p:txBody>
+          <a:bodyPr lIns="90000" rIns="90000" tIns="45000" bIns="45000">
+            <a:noAutofit/>
+          </a:bodyPr>
+          <a:p>
+            <a:pPr algn="r">
+              <a:lnSpc>
+                <a:spcPts val="802"/>
+              </a:lnSpc>
+            </a:pPr>
+            <a:r>
+              <a:rPr b="1" lang="en-US" sz="700" spc="-1" strike="noStrike">
+                <a:solidFill>
+                  <a:srgbClr val="000000"/>
+                </a:solidFill>
+                <a:latin typeface="Montserrat"/>
+                <a:ea typeface="DejaVu Sans"/>
+              </a:rPr>
+              <a:t>📶</a:t>
+            </a:r>
+            <a:endParaRPr b="0" lang="id-ID" sz="700" spc="-1" strike="noStrike">
               <a:latin typeface="Arial"/>
             </a:endParaRPr>
           </a:p>
@@ -3467,14 +3689,14 @@
       </p:grpSpPr>
       <p:sp>
         <p:nvSpPr>
-          <p:cNvPr id="79" name=""/>
+          <p:cNvPr id="83" name=""/>
           <p:cNvSpPr/>
           <p:nvPr/>
         </p:nvSpPr>
         <p:spPr>
           <a:xfrm>
-            <a:off x="4320000" y="4344840"/>
-            <a:ext cx="1439280" cy="334440"/>
+            <a:off x="4320000" y="4722480"/>
+            <a:ext cx="1438560" cy="244080"/>
           </a:xfrm>
           <a:prstGeom prst="rect">
             <a:avLst/>
@@ -3499,7 +3721,7 @@
           <a:p>
             <a:pPr algn="ctr">
               <a:lnSpc>
-                <a:spcPts val="1928"/>
+                <a:spcPct val="100000"/>
               </a:lnSpc>
             </a:pPr>
             <a:r>
@@ -3530,14 +3752,14 @@
       </p:sp>
       <p:sp>
         <p:nvSpPr>
-          <p:cNvPr id="80" name=""/>
+          <p:cNvPr id="84" name=""/>
           <p:cNvSpPr/>
           <p:nvPr/>
         </p:nvSpPr>
         <p:spPr>
           <a:xfrm>
             <a:off x="4545000" y="3240000"/>
-            <a:ext cx="989280" cy="461520"/>
+            <a:ext cx="988560" cy="460800"/>
           </a:xfrm>
           <a:prstGeom prst="rect">
             <a:avLst/>
@@ -3574,24 +3796,21 @@
               <a:t>User</a:t>
             </a:r>
             <a:endParaRPr b="0" lang="id-ID" sz="2400" spc="-1" strike="noStrike">
-              <a:solidFill>
-                <a:srgbClr val="ffffff"/>
-              </a:solidFill>
-              <a:latin typeface="Arial"/>
-            </a:endParaRPr>
-          </a:p>
-        </p:txBody>
-      </p:sp>
-      <p:sp>
-        <p:nvSpPr>
-          <p:cNvPr id="81" name=""/>
+              <a:latin typeface="Arial"/>
+            </a:endParaRPr>
+          </a:p>
+        </p:txBody>
+      </p:sp>
+      <p:sp>
+        <p:nvSpPr>
+          <p:cNvPr id="85" name=""/>
           <p:cNvSpPr/>
           <p:nvPr/>
         </p:nvSpPr>
         <p:spPr>
           <a:xfrm>
             <a:off x="4140000" y="1440000"/>
-            <a:ext cx="1799280" cy="1799280"/>
+            <a:ext cx="1798560" cy="1798560"/>
           </a:xfrm>
           <a:prstGeom prst="smileyFace">
             <a:avLst>
@@ -3616,14 +3835,14 @@
       </p:sp>
       <p:sp>
         <p:nvSpPr>
-          <p:cNvPr id="82" name=""/>
+          <p:cNvPr id="86" name=""/>
           <p:cNvSpPr/>
           <p:nvPr/>
         </p:nvSpPr>
         <p:spPr>
           <a:xfrm>
             <a:off x="3996000" y="4140000"/>
-            <a:ext cx="359280" cy="359280"/>
+            <a:ext cx="358560" cy="358560"/>
           </a:xfrm>
           <a:prstGeom prst="ellipse">
             <a:avLst/>
@@ -3648,14 +3867,14 @@
       </p:sp>
       <p:sp>
         <p:nvSpPr>
-          <p:cNvPr id="83" name=""/>
+          <p:cNvPr id="87" name=""/>
           <p:cNvSpPr/>
           <p:nvPr/>
         </p:nvSpPr>
         <p:spPr>
           <a:xfrm>
             <a:off x="4176000" y="4140000"/>
-            <a:ext cx="1619280" cy="359280"/>
+            <a:ext cx="1618560" cy="358560"/>
           </a:xfrm>
           <a:prstGeom prst="rect">
             <a:avLst/>
@@ -3680,14 +3899,14 @@
       </p:sp>
       <p:sp>
         <p:nvSpPr>
-          <p:cNvPr id="84" name=""/>
+          <p:cNvPr id="88" name=""/>
           <p:cNvSpPr/>
           <p:nvPr/>
         </p:nvSpPr>
         <p:spPr>
           <a:xfrm>
             <a:off x="5580000" y="4140000"/>
-            <a:ext cx="395280" cy="359280"/>
+            <a:ext cx="394560" cy="358560"/>
           </a:xfrm>
           <a:prstGeom prst="ellipse">
             <a:avLst/>
@@ -3737,14 +3956,14 @@
       </p:sp>
       <p:sp>
         <p:nvSpPr>
-          <p:cNvPr id="85" name=""/>
+          <p:cNvPr id="89" name=""/>
           <p:cNvSpPr/>
           <p:nvPr/>
         </p:nvSpPr>
         <p:spPr>
           <a:xfrm>
             <a:off x="4032000" y="4140000"/>
-            <a:ext cx="1475280" cy="359280"/>
+            <a:ext cx="1474560" cy="358560"/>
           </a:xfrm>
           <a:prstGeom prst="rect">
             <a:avLst/>
@@ -3830,14 +4049,14 @@
       </p:grpSpPr>
       <p:sp>
         <p:nvSpPr>
-          <p:cNvPr id="86" name=""/>
+          <p:cNvPr id="90" name=""/>
           <p:cNvSpPr/>
           <p:nvPr/>
         </p:nvSpPr>
         <p:spPr>
           <a:xfrm>
             <a:off x="4545000" y="3240000"/>
-            <a:ext cx="989280" cy="461520"/>
+            <a:ext cx="988560" cy="460800"/>
           </a:xfrm>
           <a:prstGeom prst="rect">
             <a:avLst/>
@@ -3874,24 +4093,21 @@
               <a:t>User</a:t>
             </a:r>
             <a:endParaRPr b="0" lang="id-ID" sz="2400" spc="-1" strike="noStrike">
-              <a:solidFill>
-                <a:srgbClr val="ffffff"/>
-              </a:solidFill>
-              <a:latin typeface="Arial"/>
-            </a:endParaRPr>
-          </a:p>
-        </p:txBody>
-      </p:sp>
-      <p:sp>
-        <p:nvSpPr>
-          <p:cNvPr id="87" name=""/>
+              <a:latin typeface="Arial"/>
+            </a:endParaRPr>
+          </a:p>
+        </p:txBody>
+      </p:sp>
+      <p:sp>
+        <p:nvSpPr>
+          <p:cNvPr id="91" name=""/>
           <p:cNvSpPr/>
           <p:nvPr/>
         </p:nvSpPr>
         <p:spPr>
           <a:xfrm>
             <a:off x="4140000" y="1440000"/>
-            <a:ext cx="1799280" cy="1799280"/>
+            <a:ext cx="1798560" cy="1798560"/>
           </a:xfrm>
           <a:prstGeom prst="smileyFace">
             <a:avLst>
@@ -3916,14 +4132,14 @@
       </p:sp>
       <p:sp>
         <p:nvSpPr>
-          <p:cNvPr id="88" name=""/>
+          <p:cNvPr id="92" name=""/>
           <p:cNvSpPr/>
           <p:nvPr/>
         </p:nvSpPr>
         <p:spPr>
           <a:xfrm>
             <a:off x="3510000" y="4104000"/>
-            <a:ext cx="3059280" cy="579240"/>
+            <a:ext cx="3058560" cy="578520"/>
           </a:xfrm>
           <a:prstGeom prst="rect">
             <a:avLst/>
@@ -3960,9 +4176,6 @@
               <a:t>Scan your fingerprint, or use your face to unlock.</a:t>
             </a:r>
             <a:endParaRPr b="0" lang="id-ID" sz="900" spc="-1" strike="noStrike">
-              <a:solidFill>
-                <a:srgbClr val="dee6ef"/>
-              </a:solidFill>
               <a:latin typeface="Arial"/>
             </a:endParaRPr>
           </a:p>
@@ -3972,16 +4185,107 @@
   </p:cSld>
   <mc:AlternateContent>
     <mc:Choice Requires="p14">
-      <p:transition advTm="4000" p14:dur="150">
+      <p:transition advTm="3000" p14:dur="150">
         <p:fade/>
       </p:transition>
     </mc:Choice>
     <mc:Fallback>
-      <p:transition advTm="4000">
+      <p:transition advTm="3000">
         <p:fade/>
       </p:transition>
     </mc:Fallback>
   </mc:AlternateContent>
+  <p:timing>
+    <p:tnLst>
+      <p:par>
+        <p:cTn id="1" dur="indefinite" restart="never" nodeType="tmRoot">
+          <p:childTnLst>
+            <p:seq>
+              <p:cTn id="2" dur="indefinite" nodeType="mainSeq">
+                <p:childTnLst>
+                  <p:par>
+                    <p:cTn id="3" fill="hold">
+                      <p:stCondLst>
+                        <p:cond delay="0"/>
+                      </p:stCondLst>
+                      <p:childTnLst>
+                        <p:par>
+                          <p:cTn id="4" fill="hold">
+                            <p:stCondLst>
+                              <p:cond delay="0"/>
+                            </p:stCondLst>
+                            <p:childTnLst>
+                              <p:par>
+                                <p:cTn id="5" nodeType="withEffect" fill="hold" presetClass="entr" presetID="18" presetSubtype="12">
+                                  <p:stCondLst>
+                                    <p:cond delay="500"/>
+                                  </p:stCondLst>
+                                  <p:childTnLst>
+                                    <p:set>
+                                      <p:cBhvr>
+                                        <p:cTn id="6" dur="1" fill="hold">
+                                          <p:stCondLst>
+                                            <p:cond delay="0"/>
+                                          </p:stCondLst>
+                                        </p:cTn>
+                                        <p:tgtEl>
+                                          <p:spTgt spid="91"/>
+                                        </p:tgtEl>
+                                        <p:attrNameLst>
+                                          <p:attrName>style.visibility</p:attrName>
+                                        </p:attrNameLst>
+                                      </p:cBhvr>
+                                      <p:to>
+                                        <p:strVal val="visible"/>
+                                      </p:to>
+                                    </p:set>
+                                    <p:animEffect filter="strips(downRight)" transition="in">
+                                      <p:cBhvr additive="repl">
+                                        <p:cTn id="7" dur="500"/>
+                                        <p:tgtEl>
+                                          <p:spTgt spid="91"/>
+                                        </p:tgtEl>
+                                      </p:cBhvr>
+                                    </p:animEffect>
+                                    <p:audio>
+                                      <p:cMediaNode>
+                                        <p:cTn/>
+                                        <p:tgtEl>
+                                          <p:sndTgt r:embed="rId2" name="apert.wav"/>
+                                        </p:tgtEl>
+                                      </p:cMediaNode>
+                                    </p:audio>
+                                  </p:childTnLst>
+                                </p:cTn>
+                              </p:par>
+                            </p:childTnLst>
+                          </p:cTn>
+                        </p:par>
+                      </p:childTnLst>
+                    </p:cTn>
+                  </p:par>
+                </p:childTnLst>
+              </p:cTn>
+              <p:prevCondLst>
+                <p:cond evt="onPrev">
+                  <p:tgtEl>
+                    <p:sldTgt/>
+                  </p:tgtEl>
+                </p:cond>
+              </p:prevCondLst>
+              <p:nextCondLst>
+                <p:cond evt="onNext">
+                  <p:tgtEl>
+                    <p:sldTgt/>
+                  </p:tgtEl>
+                </p:cond>
+              </p:nextCondLst>
+            </p:seq>
+          </p:childTnLst>
+        </p:cTn>
+      </p:par>
+    </p:tnLst>
+  </p:timing>
 </p:sld>
 </file>
 
@@ -4012,64 +4316,14 @@
       </p:grpSpPr>
       <p:sp>
         <p:nvSpPr>
-          <p:cNvPr id="89" name=""/>
+          <p:cNvPr id="93" name=""/>
           <p:cNvSpPr/>
           <p:nvPr/>
         </p:nvSpPr>
         <p:spPr>
           <a:xfrm>
-            <a:off x="4903560" y="196200"/>
-            <a:ext cx="264960" cy="218520"/>
-          </a:xfrm>
-          <a:custGeom>
-            <a:avLst/>
-            <a:gdLst/>
-            <a:ahLst/>
-            <a:rect l="l" t="t" r="r" b="b"/>
-            <a:pathLst>
-              <a:path w="404" h="334">
-                <a:moveTo>
-                  <a:pt x="201" y="0"/>
-                </a:moveTo>
-                <a:lnTo>
-                  <a:pt x="403" y="333"/>
-                </a:lnTo>
-                <a:lnTo>
-                  <a:pt x="0" y="333"/>
-                </a:lnTo>
-                <a:lnTo>
-                  <a:pt x="201" y="0"/>
-                </a:lnTo>
-              </a:path>
-            </a:pathLst>
-          </a:custGeom>
-          <a:solidFill>
-            <a:srgbClr val="00b0f0"/>
-          </a:solidFill>
-          <a:ln w="6480">
-            <a:solidFill>
-              <a:srgbClr val="3465a4"/>
-            </a:solidFill>
-            <a:round/>
-          </a:ln>
-        </p:spPr>
-        <p:style>
-          <a:lnRef idx="0"/>
-          <a:fillRef idx="0"/>
-          <a:effectRef idx="0"/>
-          <a:fontRef idx="minor"/>
-        </p:style>
-      </p:sp>
-      <p:sp>
-        <p:nvSpPr>
-          <p:cNvPr id="90" name=""/>
-          <p:cNvSpPr/>
-          <p:nvPr/>
-        </p:nvSpPr>
-        <p:spPr>
-          <a:xfrm>
             <a:off x="0" y="0"/>
-            <a:ext cx="10079280" cy="179280"/>
+            <a:ext cx="10078560" cy="178560"/>
           </a:xfrm>
           <a:prstGeom prst="rect">
             <a:avLst/>
@@ -4096,7 +4350,7 @@
       </p:sp>
       <p:pic>
         <p:nvPicPr>
-          <p:cNvPr id="91" name="" descr=""/>
+          <p:cNvPr id="94" name="" descr=""/>
           <p:cNvPicPr/>
           <p:nvPr/>
         </p:nvPicPr>
@@ -4109,7 +4363,7 @@
         <p:spPr>
           <a:xfrm>
             <a:off x="116640" y="37440"/>
-            <a:ext cx="63000" cy="97920"/>
+            <a:ext cx="62280" cy="97200"/>
           </a:xfrm>
           <a:prstGeom prst="rect">
             <a:avLst/>
@@ -4121,14 +4375,14 @@
       </p:pic>
       <p:sp>
         <p:nvSpPr>
-          <p:cNvPr id="92" name=""/>
+          <p:cNvPr id="95" name=""/>
           <p:cNvSpPr/>
           <p:nvPr/>
         </p:nvSpPr>
         <p:spPr>
           <a:xfrm>
             <a:off x="211680" y="0"/>
-            <a:ext cx="629640" cy="191520"/>
+            <a:ext cx="628920" cy="190800"/>
           </a:xfrm>
           <a:prstGeom prst="rect">
             <a:avLst/>
@@ -4165,33 +4419,26 @@
               <a:t>Desktop</a:t>
             </a:r>
             <a:endParaRPr b="0" lang="id-ID" sz="700" spc="-1" strike="noStrike">
-              <a:solidFill>
-                <a:srgbClr val="ffffff"/>
-              </a:solidFill>
-              <a:latin typeface="Arial"/>
-            </a:endParaRPr>
-          </a:p>
-        </p:txBody>
-      </p:sp>
-      <p:sp>
-        <p:nvSpPr>
-          <p:cNvPr id="93" name=""/>
+              <a:latin typeface="Arial"/>
+            </a:endParaRPr>
+          </a:p>
+        </p:txBody>
+      </p:sp>
+      <p:sp>
+        <p:nvSpPr>
+          <p:cNvPr id="96" name=""/>
           <p:cNvSpPr/>
           <p:nvPr/>
         </p:nvSpPr>
         <p:spPr>
           <a:xfrm>
             <a:off x="4855320" y="-5400"/>
-            <a:ext cx="369000" cy="191520"/>
-          </a:xfrm>
-          <a:prstGeom prst="rect">
-            <a:avLst/>
-          </a:prstGeom>
-          <a:solidFill>
-            <a:srgbClr val="ffffff">
-              <a:alpha val="75000"/>
-            </a:srgbClr>
-          </a:solidFill>
+            <a:ext cx="368280" cy="190800"/>
+          </a:xfrm>
+          <a:prstGeom prst="rect">
+            <a:avLst/>
+          </a:prstGeom>
+          <a:noFill/>
           <a:ln w="0">
             <a:noFill/>
           </a:ln>
@@ -4230,14 +4477,14 @@
       </p:sp>
       <p:sp>
         <p:nvSpPr>
-          <p:cNvPr id="94" name=""/>
+          <p:cNvPr id="97" name=""/>
           <p:cNvSpPr/>
           <p:nvPr/>
         </p:nvSpPr>
         <p:spPr>
           <a:xfrm>
             <a:off x="9713880" y="42840"/>
-            <a:ext cx="95400" cy="95400"/>
+            <a:ext cx="94680" cy="94680"/>
           </a:xfrm>
           <a:custGeom>
             <a:avLst/>
@@ -4309,14 +4556,14 @@
       </p:sp>
       <p:sp>
         <p:nvSpPr>
-          <p:cNvPr id="95" name=""/>
+          <p:cNvPr id="98" name=""/>
           <p:cNvSpPr/>
           <p:nvPr/>
         </p:nvSpPr>
         <p:spPr>
           <a:xfrm>
             <a:off x="9751680" y="-5400"/>
-            <a:ext cx="376200" cy="191520"/>
+            <a:ext cx="375480" cy="190800"/>
           </a:xfrm>
           <a:prstGeom prst="rect">
             <a:avLst/>
@@ -4353,24 +4600,21 @@
               <a:t>90%</a:t>
             </a:r>
             <a:endParaRPr b="0" lang="id-ID" sz="700" spc="-1" strike="noStrike">
-              <a:solidFill>
-                <a:srgbClr val="ffffff"/>
-              </a:solidFill>
-              <a:latin typeface="Arial"/>
-            </a:endParaRPr>
-          </a:p>
-        </p:txBody>
-      </p:sp>
-      <p:sp>
-        <p:nvSpPr>
-          <p:cNvPr id="96" name=""/>
+              <a:latin typeface="Arial"/>
+            </a:endParaRPr>
+          </a:p>
+        </p:txBody>
+      </p:sp>
+      <p:sp>
+        <p:nvSpPr>
+          <p:cNvPr id="99" name=""/>
           <p:cNvSpPr/>
           <p:nvPr/>
         </p:nvSpPr>
         <p:spPr>
           <a:xfrm>
             <a:off x="9398880" y="-5400"/>
-            <a:ext cx="331920" cy="326520"/>
+            <a:ext cx="331200" cy="325800"/>
           </a:xfrm>
           <a:prstGeom prst="rect">
             <a:avLst/>
@@ -4407,24 +4651,21 @@
               <a:t>🕪</a:t>
             </a:r>
             <a:endParaRPr b="0" lang="id-ID" sz="900" spc="-1" strike="noStrike">
-              <a:solidFill>
-                <a:srgbClr val="ffffff"/>
-              </a:solidFill>
-              <a:latin typeface="Arial"/>
-            </a:endParaRPr>
-          </a:p>
-        </p:txBody>
-      </p:sp>
-      <p:sp>
-        <p:nvSpPr>
-          <p:cNvPr id="97" name=""/>
+              <a:latin typeface="Arial"/>
+            </a:endParaRPr>
+          </a:p>
+        </p:txBody>
+      </p:sp>
+      <p:sp>
+        <p:nvSpPr>
+          <p:cNvPr id="100" name=""/>
           <p:cNvSpPr/>
           <p:nvPr/>
         </p:nvSpPr>
         <p:spPr>
           <a:xfrm>
             <a:off x="9229680" y="-5040"/>
-            <a:ext cx="290160" cy="191520"/>
+            <a:ext cx="289440" cy="190800"/>
           </a:xfrm>
           <a:prstGeom prst="rect">
             <a:avLst/>
@@ -4468,14 +4709,14 @@
       </p:sp>
       <p:sp>
         <p:nvSpPr>
-          <p:cNvPr id="98" name=""/>
+          <p:cNvPr id="101" name=""/>
           <p:cNvSpPr/>
           <p:nvPr/>
         </p:nvSpPr>
         <p:spPr>
           <a:xfrm>
             <a:off x="4590360" y="5238000"/>
-            <a:ext cx="847440" cy="359280"/>
+            <a:ext cx="846720" cy="358560"/>
           </a:xfrm>
           <a:custGeom>
             <a:avLst/>
@@ -4531,14 +4772,14 @@
       </p:sp>
       <p:sp>
         <p:nvSpPr>
-          <p:cNvPr id="99" name=""/>
+          <p:cNvPr id="102" name=""/>
           <p:cNvSpPr/>
           <p:nvPr/>
         </p:nvSpPr>
         <p:spPr>
           <a:xfrm>
             <a:off x="4428000" y="5238000"/>
-            <a:ext cx="359640" cy="359640"/>
+            <a:ext cx="358920" cy="358920"/>
           </a:xfrm>
           <a:custGeom>
             <a:avLst/>
@@ -4634,14 +4875,14 @@
       </p:sp>
       <p:sp>
         <p:nvSpPr>
-          <p:cNvPr id="100" name=""/>
+          <p:cNvPr id="103" name=""/>
           <p:cNvSpPr/>
           <p:nvPr/>
         </p:nvSpPr>
         <p:spPr>
           <a:xfrm>
             <a:off x="5256360" y="5238360"/>
-            <a:ext cx="359640" cy="359640"/>
+            <a:ext cx="358920" cy="358920"/>
           </a:xfrm>
           <a:custGeom>
             <a:avLst/>
@@ -4737,14 +4978,14 @@
       </p:sp>
       <p:sp>
         <p:nvSpPr>
-          <p:cNvPr id="101" name=""/>
+          <p:cNvPr id="104" name=""/>
           <p:cNvSpPr/>
           <p:nvPr/>
         </p:nvSpPr>
         <p:spPr>
           <a:xfrm>
             <a:off x="4752000" y="5220360"/>
-            <a:ext cx="539280" cy="363960"/>
+            <a:ext cx="538560" cy="363240"/>
           </a:xfrm>
           <a:prstGeom prst="rect">
             <a:avLst/>
@@ -4788,229 +5029,14 @@
       </p:sp>
       <p:sp>
         <p:nvSpPr>
-          <p:cNvPr id="102" name=""/>
-          <p:cNvSpPr/>
-          <p:nvPr/>
-        </p:nvSpPr>
-        <p:spPr>
-          <a:xfrm>
-            <a:off x="3306240" y="298800"/>
-            <a:ext cx="3459960" cy="3459960"/>
-          </a:xfrm>
-          <a:prstGeom prst="rect">
-            <a:avLst/>
-          </a:prstGeom>
-          <a:gradFill rotWithShape="0">
-            <a:gsLst>
-              <a:gs pos="0">
-                <a:srgbClr val="00b0f0"/>
-              </a:gs>
-              <a:gs pos="50000">
-                <a:srgbClr val="00b0f0"/>
-              </a:gs>
-              <a:gs pos="100000">
-                <a:srgbClr val="00b0f0"/>
-              </a:gs>
-            </a:gsLst>
-            <a:lin ang="5400000"/>
-          </a:gradFill>
-          <a:ln w="6480">
-            <a:solidFill>
-              <a:srgbClr val="3465a4"/>
-            </a:solidFill>
-            <a:round/>
-          </a:ln>
-        </p:spPr>
-        <p:style>
-          <a:lnRef idx="0"/>
-          <a:fillRef idx="0"/>
-          <a:effectRef idx="0"/>
-          <a:fontRef idx="minor"/>
-        </p:style>
-      </p:sp>
-      <p:sp>
-        <p:nvSpPr>
-          <p:cNvPr id="103" name=""/>
-          <p:cNvSpPr/>
-          <p:nvPr/>
-        </p:nvSpPr>
-        <p:spPr>
-          <a:xfrm>
-            <a:off x="3340080" y="2984760"/>
-            <a:ext cx="1869840" cy="707760"/>
-          </a:xfrm>
-          <a:prstGeom prst="rect">
-            <a:avLst/>
-          </a:prstGeom>
-          <a:noFill/>
-          <a:ln w="0">
-            <a:noFill/>
-          </a:ln>
-        </p:spPr>
-        <p:style>
-          <a:lnRef idx="0"/>
-          <a:fillRef idx="0"/>
-          <a:effectRef idx="0"/>
-          <a:fontRef idx="minor"/>
-        </p:style>
-        <p:txBody>
-          <a:bodyPr lIns="90000" rIns="90000" tIns="45000" bIns="45000">
-            <a:noAutofit/>
-          </a:bodyPr>
-          <a:p>
-            <a:pPr>
-              <a:lnSpc>
-                <a:spcPct val="100000"/>
-              </a:lnSpc>
-            </a:pPr>
-            <a:r>
-              <a:rPr b="0" lang="en-US" sz="1500" spc="-1" strike="noStrike">
-                <a:solidFill>
-                  <a:srgbClr val="000000"/>
-                </a:solidFill>
-                <a:latin typeface="Montserrat"/>
-                <a:ea typeface="DejaVu Sans"/>
-              </a:rPr>
-              <a:t>Sunday</a:t>
-            </a:r>
-            <a:endParaRPr b="0" lang="id-ID" sz="1500" spc="-1" strike="noStrike">
-              <a:latin typeface="Arial"/>
-            </a:endParaRPr>
-          </a:p>
-          <a:p>
-            <a:pPr>
-              <a:lnSpc>
-                <a:spcPct val="100000"/>
-              </a:lnSpc>
-            </a:pPr>
-            <a:r>
-              <a:rPr b="1" lang="en-US" sz="2000" spc="-1" strike="noStrike">
-                <a:solidFill>
-                  <a:srgbClr val="000000"/>
-                </a:solidFill>
-                <a:latin typeface="Montserrat"/>
-                <a:ea typeface="DejaVu Sans"/>
-              </a:rPr>
-              <a:t>July 11, 2021</a:t>
-            </a:r>
-            <a:endParaRPr b="0" lang="id-ID" sz="2000" spc="-1" strike="noStrike">
-              <a:latin typeface="Arial"/>
-            </a:endParaRPr>
-          </a:p>
-        </p:txBody>
-      </p:sp>
-      <p:sp>
-        <p:nvSpPr>
-          <p:cNvPr id="104" name=""/>
-          <p:cNvSpPr/>
-          <p:nvPr/>
-        </p:nvSpPr>
-        <p:spPr>
-          <a:xfrm>
-            <a:off x="3468960" y="452160"/>
-            <a:ext cx="3116880" cy="595440"/>
-          </a:xfrm>
-          <a:prstGeom prst="rect">
-            <a:avLst/>
-          </a:prstGeom>
-          <a:solidFill>
-            <a:srgbClr val="008cbf"/>
-          </a:solidFill>
-          <a:ln w="6480">
-            <a:solidFill>
-              <a:srgbClr val="3465a4"/>
-            </a:solidFill>
-            <a:round/>
-          </a:ln>
-        </p:spPr>
-        <p:style>
-          <a:lnRef idx="0"/>
-          <a:fillRef idx="0"/>
-          <a:effectRef idx="0"/>
-          <a:fontRef idx="minor"/>
-        </p:style>
-      </p:sp>
-      <p:sp>
-        <p:nvSpPr>
           <p:cNvPr id="105" name=""/>
           <p:cNvSpPr/>
           <p:nvPr/>
         </p:nvSpPr>
         <p:spPr>
-          <a:xfrm>
-            <a:off x="3425400" y="434160"/>
-            <a:ext cx="3226320" cy="762120"/>
-          </a:xfrm>
-          <a:prstGeom prst="rect">
-            <a:avLst/>
-          </a:prstGeom>
-          <a:noFill/>
-          <a:ln w="0">
-            <a:noFill/>
-          </a:ln>
-        </p:spPr>
-        <p:style>
-          <a:lnRef idx="0"/>
-          <a:fillRef idx="0"/>
-          <a:effectRef idx="0"/>
-          <a:fontRef idx="minor"/>
-        </p:style>
-        <p:txBody>
-          <a:bodyPr lIns="90000" rIns="90000" tIns="45000" bIns="45000">
-            <a:noAutofit/>
-          </a:bodyPr>
-          <a:p>
-            <a:pPr>
-              <a:lnSpc>
-                <a:spcPct val="100000"/>
-              </a:lnSpc>
-            </a:pPr>
-            <a:r>
-              <a:rPr b="0" lang="en-US" sz="1200" spc="-1" strike="noStrike">
-                <a:solidFill>
-                  <a:srgbClr val="ffffff"/>
-                </a:solidFill>
-                <a:latin typeface="Montserrat"/>
-                <a:ea typeface="DejaVu Sans"/>
-              </a:rPr>
-              <a:t>Welcome to MPD OS Remastered!</a:t>
-            </a:r>
-            <a:endParaRPr b="0" lang="id-ID" sz="1200" spc="-1" strike="noStrike">
-              <a:latin typeface="Arial"/>
-            </a:endParaRPr>
-          </a:p>
-          <a:p>
-            <a:pPr>
-              <a:lnSpc>
-                <a:spcPct val="100000"/>
-              </a:lnSpc>
-            </a:pPr>
-            <a:r>
-              <a:rPr b="0" lang="en-US" sz="1200" spc="-1" strike="noStrike">
-                <a:solidFill>
-                  <a:srgbClr val="ffffff"/>
-                </a:solidFill>
-                <a:latin typeface="Montserrat"/>
-                <a:ea typeface="DejaVu Sans"/>
-              </a:rPr>
-              <a:t>Click the notification to learn more.</a:t>
-            </a:r>
-            <a:endParaRPr b="0" lang="id-ID" sz="1200" spc="-1" strike="noStrike">
-              <a:latin typeface="Arial"/>
-            </a:endParaRPr>
-          </a:p>
-        </p:txBody>
-      </p:sp>
-      <p:sp>
-        <p:nvSpPr>
-          <p:cNvPr id="106" name=""/>
-          <p:cNvSpPr/>
-          <p:nvPr/>
-        </p:nvSpPr>
-        <p:spPr>
           <a:xfrm rot="612000">
-            <a:off x="5254920" y="5279400"/>
-            <a:ext cx="283680" cy="262800"/>
+            <a:off x="5254920" y="5278680"/>
+            <a:ext cx="282960" cy="262080"/>
           </a:xfrm>
           <a:custGeom>
             <a:avLst/>
@@ -5092,14 +5118,14 @@
       </p:sp>
       <p:sp>
         <p:nvSpPr>
-          <p:cNvPr id="107" name=""/>
+          <p:cNvPr id="106" name=""/>
           <p:cNvSpPr/>
           <p:nvPr/>
         </p:nvSpPr>
         <p:spPr>
           <a:xfrm>
             <a:off x="4860000" y="5220000"/>
-            <a:ext cx="359280" cy="363960"/>
+            <a:ext cx="358560" cy="363240"/>
           </a:xfrm>
           <a:prstGeom prst="rect">
             <a:avLst/>
@@ -5143,14 +5169,14 @@
       </p:sp>
       <p:sp>
         <p:nvSpPr>
-          <p:cNvPr id="108" name=""/>
+          <p:cNvPr id="107" name=""/>
           <p:cNvSpPr/>
           <p:nvPr/>
         </p:nvSpPr>
         <p:spPr>
           <a:xfrm rot="597600">
-            <a:off x="4521600" y="5271480"/>
-            <a:ext cx="266040" cy="266040"/>
+            <a:off x="4520880" y="5271480"/>
+            <a:ext cx="265320" cy="265320"/>
           </a:xfrm>
           <a:prstGeom prst="smileyFace">
             <a:avLst>
@@ -5163,34 +5189,6 @@
           <a:ln cap="rnd" w="12600">
             <a:solidFill>
               <a:srgbClr val="ffffff"/>
-            </a:solidFill>
-            <a:round/>
-          </a:ln>
-        </p:spPr>
-        <p:style>
-          <a:lnRef idx="0"/>
-          <a:fillRef idx="0"/>
-          <a:effectRef idx="0"/>
-          <a:fontRef idx="minor"/>
-        </p:style>
-      </p:sp>
-      <p:sp>
-        <p:nvSpPr>
-          <p:cNvPr id="109" name=""/>
-          <p:cNvSpPr/>
-          <p:nvPr/>
-        </p:nvSpPr>
-        <p:spPr>
-          <a:xfrm>
-            <a:off x="4979880" y="298800"/>
-            <a:ext cx="110520" cy="0"/>
-          </a:xfrm>
-          <a:prstGeom prst="line">
-            <a:avLst/>
-          </a:prstGeom>
-          <a:ln w="10080">
-            <a:solidFill>
-              <a:srgbClr val="00b0f0"/>
             </a:solidFill>
             <a:round/>
           </a:ln>
@@ -5246,14 +5244,327 @@
       </p:grpSpPr>
       <p:sp>
         <p:nvSpPr>
+          <p:cNvPr id="108" name=""/>
+          <p:cNvSpPr/>
+          <p:nvPr/>
+        </p:nvSpPr>
+        <p:spPr>
+          <a:xfrm>
+            <a:off x="4903560" y="231840"/>
+            <a:ext cx="264240" cy="217800"/>
+          </a:xfrm>
+          <a:custGeom>
+            <a:avLst/>
+            <a:gdLst/>
+            <a:ahLst/>
+            <a:rect l="l" t="t" r="r" b="b"/>
+            <a:pathLst>
+              <a:path w="404" h="334">
+                <a:moveTo>
+                  <a:pt x="201" y="0"/>
+                </a:moveTo>
+                <a:lnTo>
+                  <a:pt x="403" y="333"/>
+                </a:lnTo>
+                <a:lnTo>
+                  <a:pt x="0" y="333"/>
+                </a:lnTo>
+                <a:lnTo>
+                  <a:pt x="201" y="0"/>
+                </a:lnTo>
+              </a:path>
+            </a:pathLst>
+          </a:custGeom>
+          <a:solidFill>
+            <a:srgbClr val="00b0f0"/>
+          </a:solidFill>
+          <a:ln w="6480">
+            <a:solidFill>
+              <a:srgbClr val="3465a4"/>
+            </a:solidFill>
+            <a:round/>
+          </a:ln>
+        </p:spPr>
+        <p:style>
+          <a:lnRef idx="0"/>
+          <a:fillRef idx="0"/>
+          <a:effectRef idx="0"/>
+          <a:fontRef idx="minor"/>
+        </p:style>
+      </p:sp>
+      <p:sp>
+        <p:nvSpPr>
+          <p:cNvPr id="109" name=""/>
+          <p:cNvSpPr/>
+          <p:nvPr/>
+        </p:nvSpPr>
+        <p:spPr>
+          <a:xfrm>
+            <a:off x="3306240" y="334800"/>
+            <a:ext cx="3459240" cy="3459240"/>
+          </a:xfrm>
+          <a:prstGeom prst="rect">
+            <a:avLst/>
+          </a:prstGeom>
+          <a:gradFill rotWithShape="0">
+            <a:gsLst>
+              <a:gs pos="0">
+                <a:srgbClr val="00b0f0"/>
+              </a:gs>
+              <a:gs pos="50000">
+                <a:srgbClr val="00b0f0"/>
+              </a:gs>
+              <a:gs pos="100000">
+                <a:srgbClr val="00b0f0"/>
+              </a:gs>
+            </a:gsLst>
+            <a:lin ang="5400000"/>
+          </a:gradFill>
+          <a:ln w="6480">
+            <a:solidFill>
+              <a:srgbClr val="3465a4"/>
+            </a:solidFill>
+            <a:round/>
+          </a:ln>
+        </p:spPr>
+        <p:style>
+          <a:lnRef idx="0"/>
+          <a:fillRef idx="0"/>
+          <a:effectRef idx="0"/>
+          <a:fontRef idx="minor"/>
+        </p:style>
+      </p:sp>
+      <p:sp>
+        <p:nvSpPr>
           <p:cNvPr id="110" name=""/>
           <p:cNvSpPr/>
           <p:nvPr/>
         </p:nvSpPr>
         <p:spPr>
           <a:xfrm>
+            <a:off x="3340080" y="3020760"/>
+            <a:ext cx="1869120" cy="707040"/>
+          </a:xfrm>
+          <a:prstGeom prst="rect">
+            <a:avLst/>
+          </a:prstGeom>
+          <a:noFill/>
+          <a:ln w="0">
+            <a:noFill/>
+          </a:ln>
+        </p:spPr>
+        <p:style>
+          <a:lnRef idx="0"/>
+          <a:fillRef idx="0"/>
+          <a:effectRef idx="0"/>
+          <a:fontRef idx="minor"/>
+        </p:style>
+        <p:txBody>
+          <a:bodyPr lIns="90000" rIns="90000" tIns="45000" bIns="45000">
+            <a:noAutofit/>
+          </a:bodyPr>
+          <a:p>
+            <a:pPr>
+              <a:lnSpc>
+                <a:spcPct val="100000"/>
+              </a:lnSpc>
+            </a:pPr>
+            <a:r>
+              <a:rPr b="0" lang="en-US" sz="1500" spc="-1" strike="noStrike">
+                <a:solidFill>
+                  <a:srgbClr val="000000"/>
+                </a:solidFill>
+                <a:latin typeface="Montserrat"/>
+                <a:ea typeface="DejaVu Sans"/>
+              </a:rPr>
+              <a:t>S</a:t>
+            </a:r>
+            <a:r>
+              <a:rPr b="0" lang="en-US" sz="1500" spc="-1" strike="noStrike">
+                <a:solidFill>
+                  <a:srgbClr val="000000"/>
+                </a:solidFill>
+                <a:latin typeface="Montserrat"/>
+                <a:ea typeface="DejaVu Sans"/>
+              </a:rPr>
+              <a:t>u</a:t>
+            </a:r>
+            <a:r>
+              <a:rPr b="0" lang="en-US" sz="1500" spc="-1" strike="noStrike">
+                <a:solidFill>
+                  <a:srgbClr val="000000"/>
+                </a:solidFill>
+                <a:latin typeface="Montserrat"/>
+                <a:ea typeface="DejaVu Sans"/>
+              </a:rPr>
+              <a:t>n</a:t>
+            </a:r>
+            <a:r>
+              <a:rPr b="0" lang="en-US" sz="1500" spc="-1" strike="noStrike">
+                <a:solidFill>
+                  <a:srgbClr val="000000"/>
+                </a:solidFill>
+                <a:latin typeface="Montserrat"/>
+                <a:ea typeface="DejaVu Sans"/>
+              </a:rPr>
+              <a:t>d</a:t>
+            </a:r>
+            <a:r>
+              <a:rPr b="0" lang="en-US" sz="1500" spc="-1" strike="noStrike">
+                <a:solidFill>
+                  <a:srgbClr val="000000"/>
+                </a:solidFill>
+                <a:latin typeface="Montserrat"/>
+                <a:ea typeface="DejaVu Sans"/>
+              </a:rPr>
+              <a:t>a</a:t>
+            </a:r>
+            <a:r>
+              <a:rPr b="0" lang="en-US" sz="1500" spc="-1" strike="noStrike">
+                <a:solidFill>
+                  <a:srgbClr val="000000"/>
+                </a:solidFill>
+                <a:latin typeface="Montserrat"/>
+                <a:ea typeface="DejaVu Sans"/>
+              </a:rPr>
+              <a:t>y</a:t>
+            </a:r>
+            <a:endParaRPr b="0" lang="id-ID" sz="1500" spc="-1" strike="noStrike">
+              <a:latin typeface="Arial"/>
+            </a:endParaRPr>
+          </a:p>
+          <a:p>
+            <a:pPr>
+              <a:lnSpc>
+                <a:spcPct val="100000"/>
+              </a:lnSpc>
+            </a:pPr>
+            <a:r>
+              <a:rPr b="1" lang="en-US" sz="2000" spc="-1" strike="noStrike">
+                <a:solidFill>
+                  <a:srgbClr val="000000"/>
+                </a:solidFill>
+                <a:latin typeface="Montserrat"/>
+                <a:ea typeface="DejaVu Sans"/>
+              </a:rPr>
+              <a:t>J</a:t>
+            </a:r>
+            <a:r>
+              <a:rPr b="1" lang="en-US" sz="2000" spc="-1" strike="noStrike">
+                <a:solidFill>
+                  <a:srgbClr val="000000"/>
+                </a:solidFill>
+                <a:latin typeface="Montserrat"/>
+                <a:ea typeface="DejaVu Sans"/>
+              </a:rPr>
+              <a:t>u</a:t>
+            </a:r>
+            <a:r>
+              <a:rPr b="1" lang="en-US" sz="2000" spc="-1" strike="noStrike">
+                <a:solidFill>
+                  <a:srgbClr val="000000"/>
+                </a:solidFill>
+                <a:latin typeface="Montserrat"/>
+                <a:ea typeface="DejaVu Sans"/>
+              </a:rPr>
+              <a:t>l</a:t>
+            </a:r>
+            <a:r>
+              <a:rPr b="1" lang="en-US" sz="2000" spc="-1" strike="noStrike">
+                <a:solidFill>
+                  <a:srgbClr val="000000"/>
+                </a:solidFill>
+                <a:latin typeface="Montserrat"/>
+                <a:ea typeface="DejaVu Sans"/>
+              </a:rPr>
+              <a:t>y </a:t>
+            </a:r>
+            <a:r>
+              <a:rPr b="1" lang="en-US" sz="2000" spc="-1" strike="noStrike">
+                <a:solidFill>
+                  <a:srgbClr val="000000"/>
+                </a:solidFill>
+                <a:latin typeface="Montserrat"/>
+                <a:ea typeface="DejaVu Sans"/>
+              </a:rPr>
+              <a:t>1</a:t>
+            </a:r>
+            <a:r>
+              <a:rPr b="1" lang="en-US" sz="2000" spc="-1" strike="noStrike">
+                <a:solidFill>
+                  <a:srgbClr val="000000"/>
+                </a:solidFill>
+                <a:latin typeface="Montserrat"/>
+                <a:ea typeface="DejaVu Sans"/>
+              </a:rPr>
+              <a:t>1</a:t>
+            </a:r>
+            <a:r>
+              <a:rPr b="1" lang="en-US" sz="2000" spc="-1" strike="noStrike">
+                <a:solidFill>
+                  <a:srgbClr val="000000"/>
+                </a:solidFill>
+                <a:latin typeface="Montserrat"/>
+                <a:ea typeface="DejaVu Sans"/>
+              </a:rPr>
+              <a:t>, </a:t>
+            </a:r>
+            <a:r>
+              <a:rPr b="1" lang="en-US" sz="2000" spc="-1" strike="noStrike">
+                <a:solidFill>
+                  <a:srgbClr val="000000"/>
+                </a:solidFill>
+                <a:latin typeface="Montserrat"/>
+                <a:ea typeface="DejaVu Sans"/>
+              </a:rPr>
+              <a:t>2</a:t>
+            </a:r>
+            <a:r>
+              <a:rPr b="1" lang="en-US" sz="2000" spc="-1" strike="noStrike">
+                <a:solidFill>
+                  <a:srgbClr val="000000"/>
+                </a:solidFill>
+                <a:latin typeface="Montserrat"/>
+                <a:ea typeface="DejaVu Sans"/>
+              </a:rPr>
+              <a:t>0</a:t>
+            </a:r>
+            <a:r>
+              <a:rPr b="1" lang="en-US" sz="2000" spc="-1" strike="noStrike">
+                <a:solidFill>
+                  <a:srgbClr val="000000"/>
+                </a:solidFill>
+                <a:latin typeface="Montserrat"/>
+                <a:ea typeface="DejaVu Sans"/>
+              </a:rPr>
+              <a:t>2</a:t>
+            </a:r>
+            <a:r>
+              <a:rPr b="1" lang="en-US" sz="2000" spc="-1" strike="noStrike">
+                <a:solidFill>
+                  <a:srgbClr val="000000"/>
+                </a:solidFill>
+                <a:latin typeface="Montserrat"/>
+                <a:ea typeface="DejaVu Sans"/>
+              </a:rPr>
+              <a:t>1</a:t>
+            </a:r>
+            <a:endParaRPr b="0" lang="id-ID" sz="2000" spc="-1" strike="noStrike">
+              <a:latin typeface="Arial"/>
+            </a:endParaRPr>
+          </a:p>
+        </p:txBody>
+      </p:sp>
+      <p:sp>
+        <p:nvSpPr>
+          <p:cNvPr id="111" name=""/>
+          <p:cNvSpPr/>
+          <p:nvPr/>
+        </p:nvSpPr>
+        <p:spPr>
+          <a:xfrm>
             <a:off x="0" y="0"/>
-            <a:ext cx="10079280" cy="179280"/>
+            <a:ext cx="10078560" cy="178560"/>
           </a:xfrm>
           <a:prstGeom prst="rect">
             <a:avLst/>
@@ -5280,7 +5591,7 @@
       </p:sp>
       <p:pic>
         <p:nvPicPr>
-          <p:cNvPr id="111" name="" descr=""/>
+          <p:cNvPr id="112" name="" descr=""/>
           <p:cNvPicPr/>
           <p:nvPr/>
         </p:nvPicPr>
@@ -5293,7 +5604,7 @@
         <p:spPr>
           <a:xfrm>
             <a:off x="116640" y="37440"/>
-            <a:ext cx="63000" cy="97920"/>
+            <a:ext cx="62280" cy="97200"/>
           </a:xfrm>
           <a:prstGeom prst="rect">
             <a:avLst/>
@@ -5305,14 +5616,14 @@
       </p:pic>
       <p:sp>
         <p:nvSpPr>
-          <p:cNvPr id="112" name=""/>
+          <p:cNvPr id="113" name=""/>
           <p:cNvSpPr/>
           <p:nvPr/>
         </p:nvSpPr>
         <p:spPr>
           <a:xfrm>
             <a:off x="211680" y="0"/>
-            <a:ext cx="629640" cy="191520"/>
+            <a:ext cx="628920" cy="190800"/>
           </a:xfrm>
           <a:prstGeom prst="rect">
             <a:avLst/>
@@ -5356,14 +5667,1093 @@
       </p:sp>
       <p:sp>
         <p:nvSpPr>
-          <p:cNvPr id="113" name=""/>
+          <p:cNvPr id="114" name=""/>
           <p:cNvSpPr/>
           <p:nvPr/>
         </p:nvSpPr>
         <p:spPr>
           <a:xfrm>
             <a:off x="4855320" y="-5400"/>
-            <a:ext cx="369000" cy="191520"/>
+            <a:ext cx="368280" cy="190800"/>
+          </a:xfrm>
+          <a:prstGeom prst="rect">
+            <a:avLst/>
+          </a:prstGeom>
+          <a:solidFill>
+            <a:srgbClr val="ffffff"/>
+          </a:solidFill>
+          <a:ln w="0">
+            <a:noFill/>
+          </a:ln>
+        </p:spPr>
+        <p:style>
+          <a:lnRef idx="0"/>
+          <a:fillRef idx="0"/>
+          <a:effectRef idx="0"/>
+          <a:fontRef idx="minor"/>
+        </p:style>
+        <p:txBody>
+          <a:bodyPr lIns="90000" rIns="90000" tIns="45000" bIns="45000">
+            <a:noAutofit/>
+          </a:bodyPr>
+          <a:p>
+            <a:pPr algn="ctr">
+              <a:lnSpc>
+                <a:spcPts val="802"/>
+              </a:lnSpc>
+            </a:pPr>
+            <a:r>
+              <a:rPr b="1" lang="en-US" sz="700" spc="-1" strike="noStrike">
+                <a:solidFill>
+                  <a:srgbClr val="000000"/>
+                </a:solidFill>
+                <a:latin typeface="Montserrat"/>
+                <a:ea typeface="DejaVu Sans"/>
+              </a:rPr>
+              <a:t>7:30</a:t>
+            </a:r>
+            <a:endParaRPr b="0" lang="id-ID" sz="700" spc="-1" strike="noStrike">
+              <a:solidFill>
+                <a:srgbClr val="000000"/>
+              </a:solidFill>
+              <a:latin typeface="Arial"/>
+            </a:endParaRPr>
+          </a:p>
+        </p:txBody>
+      </p:sp>
+      <p:sp>
+        <p:nvSpPr>
+          <p:cNvPr id="115" name=""/>
+          <p:cNvSpPr/>
+          <p:nvPr/>
+        </p:nvSpPr>
+        <p:spPr>
+          <a:xfrm>
+            <a:off x="9713880" y="42840"/>
+            <a:ext cx="94680" cy="94680"/>
+          </a:xfrm>
+          <a:custGeom>
+            <a:avLst/>
+            <a:gdLst/>
+            <a:ahLst/>
+            <a:rect l="l" t="t" r="r" b="b"/>
+            <a:pathLst>
+              <a:path w="640" h="861">
+                <a:moveTo>
+                  <a:pt x="640" y="233"/>
+                </a:moveTo>
+                <a:lnTo>
+                  <a:pt x="221" y="293"/>
+                </a:lnTo>
+                <a:lnTo>
+                  <a:pt x="506" y="12"/>
+                </a:lnTo>
+                <a:lnTo>
+                  <a:pt x="367" y="0"/>
+                </a:lnTo>
+                <a:lnTo>
+                  <a:pt x="29" y="406"/>
+                </a:lnTo>
+                <a:lnTo>
+                  <a:pt x="431" y="347"/>
+                </a:lnTo>
+                <a:lnTo>
+                  <a:pt x="145" y="645"/>
+                </a:lnTo>
+                <a:lnTo>
+                  <a:pt x="99" y="520"/>
+                </a:lnTo>
+                <a:lnTo>
+                  <a:pt x="0" y="861"/>
+                </a:lnTo>
+                <a:lnTo>
+                  <a:pt x="326" y="765"/>
+                </a:lnTo>
+                <a:lnTo>
+                  <a:pt x="209" y="711"/>
+                </a:lnTo>
+                <a:lnTo>
+                  <a:pt x="640" y="233"/>
+                </a:lnTo>
+                <a:lnTo>
+                  <a:pt x="640" y="233"/>
+                </a:lnTo>
+                <a:close/>
+              </a:path>
+            </a:pathLst>
+          </a:custGeom>
+          <a:solidFill>
+            <a:srgbClr val="00a933"/>
+          </a:solidFill>
+          <a:ln w="0">
+            <a:solidFill>
+              <a:srgbClr val="3465a4">
+                <a:alpha val="0"/>
+              </a:srgbClr>
+            </a:solidFill>
+          </a:ln>
+        </p:spPr>
+        <p:style>
+          <a:lnRef idx="0"/>
+          <a:fillRef idx="0"/>
+          <a:effectRef idx="0"/>
+          <a:fontRef idx="minor"/>
+        </p:style>
+      </p:sp>
+      <p:sp>
+        <p:nvSpPr>
+          <p:cNvPr id="116" name=""/>
+          <p:cNvSpPr/>
+          <p:nvPr/>
+        </p:nvSpPr>
+        <p:spPr>
+          <a:xfrm>
+            <a:off x="9751680" y="-5400"/>
+            <a:ext cx="375480" cy="190800"/>
+          </a:xfrm>
+          <a:prstGeom prst="rect">
+            <a:avLst/>
+          </a:prstGeom>
+          <a:noFill/>
+          <a:ln w="0">
+            <a:noFill/>
+          </a:ln>
+        </p:spPr>
+        <p:style>
+          <a:lnRef idx="0"/>
+          <a:fillRef idx="0"/>
+          <a:effectRef idx="0"/>
+          <a:fontRef idx="minor"/>
+        </p:style>
+        <p:txBody>
+          <a:bodyPr lIns="90000" rIns="90000" tIns="45000" bIns="45000">
+            <a:noAutofit/>
+          </a:bodyPr>
+          <a:p>
+            <a:pPr algn="r">
+              <a:lnSpc>
+                <a:spcPts val="802"/>
+              </a:lnSpc>
+            </a:pPr>
+            <a:r>
+              <a:rPr b="1" lang="en-US" sz="700" spc="-1" strike="noStrike">
+                <a:solidFill>
+                  <a:srgbClr val="ffffff"/>
+                </a:solidFill>
+                <a:latin typeface="Montserrat"/>
+                <a:ea typeface="DejaVu Sans"/>
+              </a:rPr>
+              <a:t>9</a:t>
+            </a:r>
+            <a:r>
+              <a:rPr b="1" lang="en-US" sz="700" spc="-1" strike="noStrike">
+                <a:solidFill>
+                  <a:srgbClr val="ffffff"/>
+                </a:solidFill>
+                <a:latin typeface="Montserrat"/>
+                <a:ea typeface="DejaVu Sans"/>
+              </a:rPr>
+              <a:t>0</a:t>
+            </a:r>
+            <a:r>
+              <a:rPr b="1" lang="en-US" sz="700" spc="-1" strike="noStrike">
+                <a:solidFill>
+                  <a:srgbClr val="ffffff"/>
+                </a:solidFill>
+                <a:latin typeface="Montserrat"/>
+                <a:ea typeface="DejaVu Sans"/>
+              </a:rPr>
+              <a:t>%</a:t>
+            </a:r>
+            <a:endParaRPr b="0" lang="id-ID" sz="700" spc="-1" strike="noStrike">
+              <a:latin typeface="Arial"/>
+            </a:endParaRPr>
+          </a:p>
+        </p:txBody>
+      </p:sp>
+      <p:sp>
+        <p:nvSpPr>
+          <p:cNvPr id="117" name=""/>
+          <p:cNvSpPr/>
+          <p:nvPr/>
+        </p:nvSpPr>
+        <p:spPr>
+          <a:xfrm>
+            <a:off x="9395280" y="-5400"/>
+            <a:ext cx="334800" cy="325800"/>
+          </a:xfrm>
+          <a:prstGeom prst="rect">
+            <a:avLst/>
+          </a:prstGeom>
+          <a:noFill/>
+          <a:ln w="0">
+            <a:noFill/>
+          </a:ln>
+        </p:spPr>
+        <p:style>
+          <a:lnRef idx="0"/>
+          <a:fillRef idx="0"/>
+          <a:effectRef idx="0"/>
+          <a:fontRef idx="minor"/>
+        </p:style>
+        <p:txBody>
+          <a:bodyPr lIns="90000" rIns="90000" tIns="45000" bIns="45000">
+            <a:noAutofit/>
+          </a:bodyPr>
+          <a:p>
+            <a:pPr algn="r">
+              <a:lnSpc>
+                <a:spcPts val="933"/>
+              </a:lnSpc>
+            </a:pPr>
+            <a:r>
+              <a:rPr b="1" lang="en-US" sz="900" spc="-1" strike="noStrike">
+                <a:solidFill>
+                  <a:srgbClr val="000000"/>
+                </a:solidFill>
+                <a:latin typeface="Montserrat"/>
+                <a:ea typeface="DejaVu Sans"/>
+              </a:rPr>
+              <a:t>🕪</a:t>
+            </a:r>
+            <a:endParaRPr b="0" lang="id-ID" sz="900" spc="-1" strike="noStrike">
+              <a:latin typeface="Arial"/>
+            </a:endParaRPr>
+          </a:p>
+        </p:txBody>
+      </p:sp>
+      <p:sp>
+        <p:nvSpPr>
+          <p:cNvPr id="118" name=""/>
+          <p:cNvSpPr/>
+          <p:nvPr/>
+        </p:nvSpPr>
+        <p:spPr>
+          <a:xfrm>
+            <a:off x="9229680" y="-5040"/>
+            <a:ext cx="289440" cy="190800"/>
+          </a:xfrm>
+          <a:prstGeom prst="rect">
+            <a:avLst/>
+          </a:prstGeom>
+          <a:noFill/>
+          <a:ln w="0">
+            <a:noFill/>
+          </a:ln>
+        </p:spPr>
+        <p:style>
+          <a:lnRef idx="0"/>
+          <a:fillRef idx="0"/>
+          <a:effectRef idx="0"/>
+          <a:fontRef idx="minor"/>
+        </p:style>
+        <p:txBody>
+          <a:bodyPr lIns="90000" rIns="90000" tIns="45000" bIns="45000">
+            <a:noAutofit/>
+          </a:bodyPr>
+          <a:p>
+            <a:pPr algn="r">
+              <a:lnSpc>
+                <a:spcPts val="802"/>
+              </a:lnSpc>
+            </a:pPr>
+            <a:r>
+              <a:rPr b="1" lang="en-US" sz="700" spc="-1" strike="noStrike">
+                <a:solidFill>
+                  <a:srgbClr val="000000"/>
+                </a:solidFill>
+                <a:latin typeface="Montserrat"/>
+                <a:ea typeface="DejaVu Sans"/>
+              </a:rPr>
+              <a:t>📶</a:t>
+            </a:r>
+            <a:endParaRPr b="0" lang="id-ID" sz="700" spc="-1" strike="noStrike">
+              <a:latin typeface="Arial"/>
+            </a:endParaRPr>
+          </a:p>
+        </p:txBody>
+      </p:sp>
+      <p:sp>
+        <p:nvSpPr>
+          <p:cNvPr id="119" name=""/>
+          <p:cNvSpPr/>
+          <p:nvPr/>
+        </p:nvSpPr>
+        <p:spPr>
+          <a:xfrm>
+            <a:off x="3468960" y="487800"/>
+            <a:ext cx="3116160" cy="594720"/>
+          </a:xfrm>
+          <a:prstGeom prst="rect">
+            <a:avLst/>
+          </a:prstGeom>
+          <a:solidFill>
+            <a:srgbClr val="008cbf"/>
+          </a:solidFill>
+          <a:ln w="6480">
+            <a:solidFill>
+              <a:srgbClr val="3465a4"/>
+            </a:solidFill>
+            <a:round/>
+          </a:ln>
+        </p:spPr>
+        <p:style>
+          <a:lnRef idx="0"/>
+          <a:fillRef idx="0"/>
+          <a:effectRef idx="0"/>
+          <a:fontRef idx="minor"/>
+        </p:style>
+      </p:sp>
+      <p:sp>
+        <p:nvSpPr>
+          <p:cNvPr id="120" name=""/>
+          <p:cNvSpPr/>
+          <p:nvPr/>
+        </p:nvSpPr>
+        <p:spPr>
+          <a:xfrm>
+            <a:off x="3425400" y="469800"/>
+            <a:ext cx="3225600" cy="761400"/>
+          </a:xfrm>
+          <a:prstGeom prst="rect">
+            <a:avLst/>
+          </a:prstGeom>
+          <a:noFill/>
+          <a:ln w="0">
+            <a:noFill/>
+          </a:ln>
+        </p:spPr>
+        <p:style>
+          <a:lnRef idx="0"/>
+          <a:fillRef idx="0"/>
+          <a:effectRef idx="0"/>
+          <a:fontRef idx="minor"/>
+        </p:style>
+        <p:txBody>
+          <a:bodyPr lIns="90000" rIns="90000" tIns="45000" bIns="45000">
+            <a:noAutofit/>
+          </a:bodyPr>
+          <a:p>
+            <a:pPr>
+              <a:lnSpc>
+                <a:spcPct val="100000"/>
+              </a:lnSpc>
+            </a:pPr>
+            <a:r>
+              <a:rPr b="0" lang="en-US" sz="1200" spc="-1" strike="noStrike">
+                <a:solidFill>
+                  <a:srgbClr val="ffffff"/>
+                </a:solidFill>
+                <a:latin typeface="Montserrat"/>
+                <a:ea typeface="DejaVu Sans"/>
+              </a:rPr>
+              <a:t>Welcome to MPD OS Remastered!</a:t>
+            </a:r>
+            <a:endParaRPr b="0" lang="id-ID" sz="1200" spc="-1" strike="noStrike">
+              <a:latin typeface="Arial"/>
+            </a:endParaRPr>
+          </a:p>
+          <a:p>
+            <a:pPr>
+              <a:lnSpc>
+                <a:spcPct val="100000"/>
+              </a:lnSpc>
+            </a:pPr>
+            <a:r>
+              <a:rPr b="0" lang="en-US" sz="1200" spc="-1" strike="noStrike">
+                <a:solidFill>
+                  <a:srgbClr val="ffffff"/>
+                </a:solidFill>
+                <a:latin typeface="Montserrat"/>
+                <a:ea typeface="DejaVu Sans"/>
+              </a:rPr>
+              <a:t>Click the notification to learn more.</a:t>
+            </a:r>
+            <a:endParaRPr b="0" lang="id-ID" sz="1200" spc="-1" strike="noStrike">
+              <a:latin typeface="Arial"/>
+            </a:endParaRPr>
+          </a:p>
+        </p:txBody>
+      </p:sp>
+      <p:sp>
+        <p:nvSpPr>
+          <p:cNvPr id="121" name=""/>
+          <p:cNvSpPr/>
+          <p:nvPr/>
+        </p:nvSpPr>
+        <p:spPr>
+          <a:xfrm>
+            <a:off x="4979880" y="334440"/>
+            <a:ext cx="110520" cy="360"/>
+          </a:xfrm>
+          <a:prstGeom prst="line">
+            <a:avLst/>
+          </a:prstGeom>
+          <a:ln w="10080">
+            <a:solidFill>
+              <a:srgbClr val="00b0f0"/>
+            </a:solidFill>
+            <a:round/>
+          </a:ln>
+        </p:spPr>
+        <p:style>
+          <a:lnRef idx="0"/>
+          <a:fillRef idx="0"/>
+          <a:effectRef idx="0"/>
+          <a:fontRef idx="minor"/>
+        </p:style>
+      </p:sp>
+      <p:sp>
+        <p:nvSpPr>
+          <p:cNvPr id="122" name=""/>
+          <p:cNvSpPr/>
+          <p:nvPr/>
+        </p:nvSpPr>
+        <p:spPr>
+          <a:xfrm>
+            <a:off x="4590000" y="5238000"/>
+            <a:ext cx="846720" cy="358560"/>
+          </a:xfrm>
+          <a:custGeom>
+            <a:avLst/>
+            <a:gdLst/>
+            <a:ahLst/>
+            <a:rect l="l" t="t" r="r" b="b"/>
+            <a:pathLst>
+              <a:path w="2357" h="1001">
+                <a:moveTo>
+                  <a:pt x="0" y="1000"/>
+                </a:moveTo>
+                <a:cubicBezTo>
+                  <a:pt x="0" y="667"/>
+                  <a:pt x="0" y="333"/>
+                  <a:pt x="0" y="0"/>
+                </a:cubicBezTo>
+                <a:cubicBezTo>
+                  <a:pt x="785" y="0"/>
+                  <a:pt x="1571" y="0"/>
+                  <a:pt x="2356" y="0"/>
+                </a:cubicBezTo>
+                <a:cubicBezTo>
+                  <a:pt x="2356" y="333"/>
+                  <a:pt x="2356" y="667"/>
+                  <a:pt x="2356" y="1000"/>
+                </a:cubicBezTo>
+                <a:cubicBezTo>
+                  <a:pt x="1571" y="1000"/>
+                  <a:pt x="785" y="1000"/>
+                  <a:pt x="0" y="1000"/>
+                </a:cubicBezTo>
+                <a:close/>
+              </a:path>
+            </a:pathLst>
+          </a:custGeom>
+          <a:solidFill>
+            <a:srgbClr val="2ba5d2"/>
+          </a:solidFill>
+          <a:ln w="0">
+            <a:solidFill>
+              <a:srgbClr val="3465a4">
+                <a:alpha val="0"/>
+              </a:srgbClr>
+            </a:solidFill>
+          </a:ln>
+        </p:spPr>
+        <p:style>
+          <a:lnRef idx="0"/>
+          <a:fillRef idx="0"/>
+          <a:effectRef idx="0"/>
+          <a:fontRef idx="minor"/>
+        </p:style>
+      </p:sp>
+      <p:sp>
+        <p:nvSpPr>
+          <p:cNvPr id="123" name=""/>
+          <p:cNvSpPr/>
+          <p:nvPr/>
+        </p:nvSpPr>
+        <p:spPr>
+          <a:xfrm>
+            <a:off x="4427640" y="5238000"/>
+            <a:ext cx="358920" cy="358920"/>
+          </a:xfrm>
+          <a:custGeom>
+            <a:avLst/>
+            <a:gdLst/>
+            <a:ahLst/>
+            <a:rect l="l" t="t" r="r" b="b"/>
+            <a:pathLst>
+              <a:path w="1002" h="1002">
+                <a:moveTo>
+                  <a:pt x="1001" y="501"/>
+                </a:moveTo>
+                <a:cubicBezTo>
+                  <a:pt x="1001" y="588"/>
+                  <a:pt x="978" y="675"/>
+                  <a:pt x="934" y="751"/>
+                </a:cubicBezTo>
+                <a:cubicBezTo>
+                  <a:pt x="890" y="827"/>
+                  <a:pt x="827" y="890"/>
+                  <a:pt x="751" y="934"/>
+                </a:cubicBezTo>
+                <a:cubicBezTo>
+                  <a:pt x="675" y="978"/>
+                  <a:pt x="588" y="1001"/>
+                  <a:pt x="501" y="1001"/>
+                </a:cubicBezTo>
+                <a:cubicBezTo>
+                  <a:pt x="413" y="1001"/>
+                  <a:pt x="326" y="978"/>
+                  <a:pt x="250" y="934"/>
+                </a:cubicBezTo>
+                <a:cubicBezTo>
+                  <a:pt x="174" y="890"/>
+                  <a:pt x="111" y="827"/>
+                  <a:pt x="67" y="751"/>
+                </a:cubicBezTo>
+                <a:cubicBezTo>
+                  <a:pt x="23" y="675"/>
+                  <a:pt x="0" y="588"/>
+                  <a:pt x="0" y="501"/>
+                </a:cubicBezTo>
+                <a:cubicBezTo>
+                  <a:pt x="0" y="413"/>
+                  <a:pt x="23" y="326"/>
+                  <a:pt x="67" y="250"/>
+                </a:cubicBezTo>
+                <a:cubicBezTo>
+                  <a:pt x="111" y="174"/>
+                  <a:pt x="174" y="111"/>
+                  <a:pt x="250" y="67"/>
+                </a:cubicBezTo>
+                <a:cubicBezTo>
+                  <a:pt x="326" y="23"/>
+                  <a:pt x="413" y="0"/>
+                  <a:pt x="501" y="0"/>
+                </a:cubicBezTo>
+                <a:cubicBezTo>
+                  <a:pt x="588" y="0"/>
+                  <a:pt x="675" y="23"/>
+                  <a:pt x="751" y="67"/>
+                </a:cubicBezTo>
+                <a:cubicBezTo>
+                  <a:pt x="827" y="111"/>
+                  <a:pt x="890" y="174"/>
+                  <a:pt x="934" y="250"/>
+                </a:cubicBezTo>
+                <a:cubicBezTo>
+                  <a:pt x="978" y="326"/>
+                  <a:pt x="1001" y="413"/>
+                  <a:pt x="1001" y="501"/>
+                </a:cubicBezTo>
+                <a:close/>
+              </a:path>
+            </a:pathLst>
+          </a:custGeom>
+          <a:solidFill>
+            <a:srgbClr val="2ba5d2"/>
+          </a:solidFill>
+          <a:ln w="0">
+            <a:solidFill>
+              <a:srgbClr val="3465a4">
+                <a:alpha val="10000"/>
+              </a:srgbClr>
+            </a:solidFill>
+          </a:ln>
+        </p:spPr>
+        <p:style>
+          <a:lnRef idx="0"/>
+          <a:fillRef idx="0"/>
+          <a:effectRef idx="0"/>
+          <a:fontRef idx="minor"/>
+        </p:style>
+      </p:sp>
+      <p:sp>
+        <p:nvSpPr>
+          <p:cNvPr id="124" name=""/>
+          <p:cNvSpPr/>
+          <p:nvPr/>
+        </p:nvSpPr>
+        <p:spPr>
+          <a:xfrm>
+            <a:off x="5256000" y="5238360"/>
+            <a:ext cx="358920" cy="358920"/>
+          </a:xfrm>
+          <a:custGeom>
+            <a:avLst/>
+            <a:gdLst/>
+            <a:ahLst/>
+            <a:rect l="l" t="t" r="r" b="b"/>
+            <a:pathLst>
+              <a:path w="1002" h="1002">
+                <a:moveTo>
+                  <a:pt x="1001" y="501"/>
+                </a:moveTo>
+                <a:cubicBezTo>
+                  <a:pt x="1001" y="588"/>
+                  <a:pt x="978" y="675"/>
+                  <a:pt x="934" y="751"/>
+                </a:cubicBezTo>
+                <a:cubicBezTo>
+                  <a:pt x="890" y="827"/>
+                  <a:pt x="827" y="890"/>
+                  <a:pt x="751" y="934"/>
+                </a:cubicBezTo>
+                <a:cubicBezTo>
+                  <a:pt x="675" y="978"/>
+                  <a:pt x="588" y="1001"/>
+                  <a:pt x="501" y="1001"/>
+                </a:cubicBezTo>
+                <a:cubicBezTo>
+                  <a:pt x="413" y="1001"/>
+                  <a:pt x="326" y="978"/>
+                  <a:pt x="250" y="934"/>
+                </a:cubicBezTo>
+                <a:cubicBezTo>
+                  <a:pt x="174" y="890"/>
+                  <a:pt x="111" y="827"/>
+                  <a:pt x="67" y="751"/>
+                </a:cubicBezTo>
+                <a:cubicBezTo>
+                  <a:pt x="23" y="675"/>
+                  <a:pt x="0" y="588"/>
+                  <a:pt x="0" y="501"/>
+                </a:cubicBezTo>
+                <a:cubicBezTo>
+                  <a:pt x="0" y="413"/>
+                  <a:pt x="23" y="326"/>
+                  <a:pt x="67" y="250"/>
+                </a:cubicBezTo>
+                <a:cubicBezTo>
+                  <a:pt x="111" y="174"/>
+                  <a:pt x="174" y="111"/>
+                  <a:pt x="250" y="67"/>
+                </a:cubicBezTo>
+                <a:cubicBezTo>
+                  <a:pt x="326" y="23"/>
+                  <a:pt x="413" y="0"/>
+                  <a:pt x="501" y="0"/>
+                </a:cubicBezTo>
+                <a:cubicBezTo>
+                  <a:pt x="588" y="0"/>
+                  <a:pt x="675" y="23"/>
+                  <a:pt x="751" y="67"/>
+                </a:cubicBezTo>
+                <a:cubicBezTo>
+                  <a:pt x="827" y="111"/>
+                  <a:pt x="890" y="174"/>
+                  <a:pt x="934" y="250"/>
+                </a:cubicBezTo>
+                <a:cubicBezTo>
+                  <a:pt x="978" y="326"/>
+                  <a:pt x="1001" y="413"/>
+                  <a:pt x="1001" y="501"/>
+                </a:cubicBezTo>
+                <a:close/>
+              </a:path>
+            </a:pathLst>
+          </a:custGeom>
+          <a:solidFill>
+            <a:srgbClr val="2ba5d2"/>
+          </a:solidFill>
+          <a:ln w="0">
+            <a:solidFill>
+              <a:srgbClr val="3465a4">
+                <a:alpha val="10000"/>
+              </a:srgbClr>
+            </a:solidFill>
+          </a:ln>
+        </p:spPr>
+        <p:style>
+          <a:lnRef idx="0"/>
+          <a:fillRef idx="0"/>
+          <a:effectRef idx="0"/>
+          <a:fontRef idx="minor"/>
+        </p:style>
+      </p:sp>
+      <p:sp>
+        <p:nvSpPr>
+          <p:cNvPr id="125" name=""/>
+          <p:cNvSpPr/>
+          <p:nvPr/>
+        </p:nvSpPr>
+        <p:spPr>
+          <a:xfrm>
+            <a:off x="4751640" y="5220360"/>
+            <a:ext cx="538560" cy="363240"/>
+          </a:xfrm>
+          <a:prstGeom prst="rect">
+            <a:avLst/>
+          </a:prstGeom>
+          <a:noFill/>
+          <a:ln w="0">
+            <a:noFill/>
+          </a:ln>
+        </p:spPr>
+        <p:style>
+          <a:lnRef idx="0"/>
+          <a:fillRef idx="0"/>
+          <a:effectRef idx="0"/>
+          <a:fontRef idx="minor"/>
+        </p:style>
+        <p:txBody>
+          <a:bodyPr lIns="90000" rIns="90000" tIns="45000" bIns="45000">
+            <a:noAutofit/>
+          </a:bodyPr>
+          <a:p>
+            <a:pPr algn="ctr">
+              <a:lnSpc>
+                <a:spcPct val="100000"/>
+              </a:lnSpc>
+            </a:pPr>
+            <a:r>
+              <a:rPr b="0" lang="en-US" sz="1800" spc="-1" strike="noStrike">
+                <a:solidFill>
+                  <a:srgbClr val="000000"/>
+                </a:solidFill>
+                <a:latin typeface="Cantarell"/>
+                <a:ea typeface="DejaVu Sans"/>
+              </a:rPr>
+              <a:t>⬛</a:t>
+            </a:r>
+            <a:endParaRPr b="0" lang="id-ID" sz="1800" spc="-1" strike="noStrike">
+              <a:latin typeface="Arial"/>
+            </a:endParaRPr>
+          </a:p>
+        </p:txBody>
+      </p:sp>
+      <p:sp>
+        <p:nvSpPr>
+          <p:cNvPr id="126" name=""/>
+          <p:cNvSpPr/>
+          <p:nvPr/>
+        </p:nvSpPr>
+        <p:spPr>
+          <a:xfrm rot="612000">
+            <a:off x="5254560" y="5278680"/>
+            <a:ext cx="282960" cy="262080"/>
+          </a:xfrm>
+          <a:custGeom>
+            <a:avLst/>
+            <a:gdLst/>
+            <a:ahLst/>
+            <a:rect l="l" t="t" r="r" b="b"/>
+            <a:pathLst>
+              <a:path w="792" h="733">
+                <a:moveTo>
+                  <a:pt x="0" y="365"/>
+                </a:moveTo>
+                <a:lnTo>
+                  <a:pt x="113" y="471"/>
+                </a:lnTo>
+                <a:lnTo>
+                  <a:pt x="115" y="624"/>
+                </a:lnTo>
+                <a:lnTo>
+                  <a:pt x="276" y="625"/>
+                </a:lnTo>
+                <a:lnTo>
+                  <a:pt x="395" y="732"/>
+                </a:lnTo>
+                <a:lnTo>
+                  <a:pt x="509" y="626"/>
+                </a:lnTo>
+                <a:lnTo>
+                  <a:pt x="675" y="624"/>
+                </a:lnTo>
+                <a:lnTo>
+                  <a:pt x="675" y="476"/>
+                </a:lnTo>
+                <a:lnTo>
+                  <a:pt x="791" y="365"/>
+                </a:lnTo>
+                <a:lnTo>
+                  <a:pt x="677" y="260"/>
+                </a:lnTo>
+                <a:lnTo>
+                  <a:pt x="674" y="107"/>
+                </a:lnTo>
+                <a:lnTo>
+                  <a:pt x="514" y="106"/>
+                </a:lnTo>
+                <a:lnTo>
+                  <a:pt x="395" y="0"/>
+                </a:lnTo>
+                <a:lnTo>
+                  <a:pt x="281" y="104"/>
+                </a:lnTo>
+                <a:lnTo>
+                  <a:pt x="115" y="107"/>
+                </a:lnTo>
+                <a:lnTo>
+                  <a:pt x="115" y="255"/>
+                </a:lnTo>
+                <a:lnTo>
+                  <a:pt x="0" y="365"/>
+                </a:lnTo>
+              </a:path>
+            </a:pathLst>
+          </a:custGeom>
+          <a:solidFill>
+            <a:srgbClr val="ffbf00"/>
+          </a:solidFill>
+          <a:ln w="12600">
+            <a:solidFill>
+              <a:srgbClr val="ffff00"/>
+            </a:solidFill>
+            <a:round/>
+          </a:ln>
+        </p:spPr>
+        <p:style>
+          <a:lnRef idx="0"/>
+          <a:fillRef idx="0"/>
+          <a:effectRef idx="0"/>
+          <a:fontRef idx="minor"/>
+        </p:style>
+      </p:sp>
+      <p:sp>
+        <p:nvSpPr>
+          <p:cNvPr id="127" name=""/>
+          <p:cNvSpPr/>
+          <p:nvPr/>
+        </p:nvSpPr>
+        <p:spPr>
+          <a:xfrm>
+            <a:off x="4859640" y="5220000"/>
+            <a:ext cx="358560" cy="363240"/>
+          </a:xfrm>
+          <a:prstGeom prst="rect">
+            <a:avLst/>
+          </a:prstGeom>
+          <a:noFill/>
+          <a:ln w="0">
+            <a:noFill/>
+          </a:ln>
+        </p:spPr>
+        <p:style>
+          <a:lnRef idx="0"/>
+          <a:fillRef idx="0"/>
+          <a:effectRef idx="0"/>
+          <a:fontRef idx="minor"/>
+        </p:style>
+        <p:txBody>
+          <a:bodyPr lIns="90000" rIns="90000" tIns="45000" bIns="45000">
+            <a:noAutofit/>
+          </a:bodyPr>
+          <a:p>
+            <a:pPr>
+              <a:lnSpc>
+                <a:spcPct val="100000"/>
+              </a:lnSpc>
+            </a:pPr>
+            <a:r>
+              <a:rPr b="0" lang="en-US" sz="1800" spc="-1" strike="noStrike">
+                <a:solidFill>
+                  <a:srgbClr val="ffffff"/>
+                </a:solidFill>
+                <a:latin typeface="Cantarell"/>
+                <a:ea typeface="DejaVu Sans"/>
+              </a:rPr>
+              <a:t>↑</a:t>
+            </a:r>
+            <a:endParaRPr b="0" lang="id-ID" sz="1800" spc="-1" strike="noStrike">
+              <a:latin typeface="Arial"/>
+            </a:endParaRPr>
+          </a:p>
+        </p:txBody>
+      </p:sp>
+      <p:sp>
+        <p:nvSpPr>
+          <p:cNvPr id="128" name=""/>
+          <p:cNvSpPr/>
+          <p:nvPr/>
+        </p:nvSpPr>
+        <p:spPr>
+          <a:xfrm rot="597600">
+            <a:off x="4520520" y="5271480"/>
+            <a:ext cx="265320" cy="265320"/>
+          </a:xfrm>
+          <a:prstGeom prst="smileyFace">
+            <a:avLst>
+              <a:gd name="adj" fmla="val 9282"/>
+            </a:avLst>
+          </a:prstGeom>
+          <a:solidFill>
+            <a:srgbClr val="006eff"/>
+          </a:solidFill>
+          <a:ln cap="rnd" w="12600">
+            <a:solidFill>
+              <a:srgbClr val="ffffff"/>
+            </a:solidFill>
+            <a:round/>
+          </a:ln>
+        </p:spPr>
+        <p:style>
+          <a:lnRef idx="0"/>
+          <a:fillRef idx="0"/>
+          <a:effectRef idx="0"/>
+          <a:fontRef idx="minor"/>
+        </p:style>
+      </p:sp>
+    </p:spTree>
+  </p:cSld>
+  <mc:AlternateContent>
+    <mc:Choice Requires="p14">
+      <p:transition spd="slow" p14:dur="2000"/>
+    </mc:Choice>
+    <mc:Fallback>
+      <p:transition spd="slow"/>
+    </mc:Fallback>
+  </mc:AlternateContent>
+</p:sld>
+</file>
+
+<file path=ppt/slides/slide6.xml><?xml version="1.0" encoding="utf-8"?>
+<p:sld xmlns:a="http://schemas.openxmlformats.org/drawingml/2006/main" xmlns:p="http://schemas.openxmlformats.org/presentationml/2006/main" xmlns:r="http://schemas.openxmlformats.org/officeDocument/2006/relationships" xmlns:p14="http://schemas.microsoft.com/office/powerpoint/2010/main" xmlns:p15="http://schemas.microsoft.com/office/powerpoint/2012/main" xmlns:mc="http://schemas.openxmlformats.org/markup-compatibility/2006">
+  <p:cSld>
+    <p:bg>
+      <p:bgPr>
+        <a:blipFill rotWithShape="0">
+          <a:blip r:embed="rId1"/>
+          <a:stretch/>
+        </a:blipFill>
+      </p:bgPr>
+    </p:bg>
+    <p:spTree>
+      <p:nvGrpSpPr>
+        <p:cNvPr id="1" name=""/>
+        <p:cNvGrpSpPr/>
+        <p:nvPr/>
+      </p:nvGrpSpPr>
+      <p:grpSpPr>
+        <a:xfrm>
+          <a:off x="0" y="0"/>
+          <a:ext cx="0" cy="0"/>
+          <a:chOff x="0" y="0"/>
+          <a:chExt cx="0" cy="0"/>
+        </a:xfrm>
+      </p:grpSpPr>
+      <p:sp>
+        <p:nvSpPr>
+          <p:cNvPr id="129" name=""/>
+          <p:cNvSpPr/>
+          <p:nvPr/>
+        </p:nvSpPr>
+        <p:spPr>
+          <a:xfrm>
+            <a:off x="0" y="0"/>
+            <a:ext cx="10078560" cy="178560"/>
+          </a:xfrm>
+          <a:prstGeom prst="rect">
+            <a:avLst/>
+          </a:prstGeom>
+          <a:solidFill>
+            <a:srgbClr val="000000">
+              <a:alpha val="15000"/>
+            </a:srgbClr>
+          </a:solidFill>
+          <a:ln w="0">
+            <a:solidFill>
+              <a:srgbClr val="3465a4">
+                <a:alpha val="0"/>
+              </a:srgbClr>
+            </a:solidFill>
+          </a:ln>
+        </p:spPr>
+        <p:style>
+          <a:lnRef idx="0"/>
+          <a:fillRef idx="0"/>
+          <a:effectRef idx="0"/>
+          <a:fontRef idx="minor"/>
+        </p:style>
+      </p:sp>
+      <p:pic>
+        <p:nvPicPr>
+          <p:cNvPr id="130" name="" descr=""/>
+          <p:cNvPicPr/>
+          <p:nvPr/>
+        </p:nvPicPr>
+        <p:blipFill>
+          <a:blip r:embed="rId2">
+            <a:lum bright="100000"/>
+          </a:blip>
+          <a:stretch/>
+        </p:blipFill>
+        <p:spPr>
+          <a:xfrm>
+            <a:off x="116640" y="37440"/>
+            <a:ext cx="62280" cy="97200"/>
+          </a:xfrm>
+          <a:prstGeom prst="rect">
+            <a:avLst/>
+          </a:prstGeom>
+          <a:ln w="0">
+            <a:noFill/>
+          </a:ln>
+        </p:spPr>
+      </p:pic>
+      <p:sp>
+        <p:nvSpPr>
+          <p:cNvPr id="131" name=""/>
+          <p:cNvSpPr/>
+          <p:nvPr/>
+        </p:nvSpPr>
+        <p:spPr>
+          <a:xfrm>
+            <a:off x="211680" y="0"/>
+            <a:ext cx="628920" cy="190800"/>
+          </a:xfrm>
+          <a:prstGeom prst="rect">
+            <a:avLst/>
+          </a:prstGeom>
+          <a:noFill/>
+          <a:ln w="0">
+            <a:noFill/>
+          </a:ln>
+        </p:spPr>
+        <p:style>
+          <a:lnRef idx="0"/>
+          <a:fillRef idx="0"/>
+          <a:effectRef idx="0"/>
+          <a:fontRef idx="minor"/>
+        </p:style>
+        <p:txBody>
+          <a:bodyPr lIns="90000" rIns="90000" tIns="45000" bIns="45000">
+            <a:noAutofit/>
+          </a:bodyPr>
+          <a:p>
+            <a:pPr>
+              <a:lnSpc>
+                <a:spcPts val="802"/>
+              </a:lnSpc>
+            </a:pPr>
+            <a:r>
+              <a:rPr b="1" lang="en-US" sz="700" spc="-1" strike="noStrike">
+                <a:solidFill>
+                  <a:srgbClr val="ffffff"/>
+                </a:solidFill>
+                <a:latin typeface="Montserrat"/>
+                <a:ea typeface="DejaVu Sans"/>
+              </a:rPr>
+              <a:t>Desktop</a:t>
+            </a:r>
+            <a:endParaRPr b="0" lang="id-ID" sz="700" spc="-1" strike="noStrike">
+              <a:latin typeface="Arial"/>
+            </a:endParaRPr>
+          </a:p>
+        </p:txBody>
+      </p:sp>
+      <p:sp>
+        <p:nvSpPr>
+          <p:cNvPr id="132" name=""/>
+          <p:cNvSpPr/>
+          <p:nvPr/>
+        </p:nvSpPr>
+        <p:spPr>
+          <a:xfrm>
+            <a:off x="4855320" y="-5400"/>
+            <a:ext cx="368280" cy="190800"/>
           </a:xfrm>
           <a:prstGeom prst="rect">
             <a:avLst/>
@@ -5400,24 +6790,21 @@
               <a:t>7:30</a:t>
             </a:r>
             <a:endParaRPr b="0" lang="id-ID" sz="700" spc="-1" strike="noStrike">
-              <a:solidFill>
-                <a:srgbClr val="ffffff"/>
-              </a:solidFill>
-              <a:latin typeface="Arial"/>
-            </a:endParaRPr>
-          </a:p>
-        </p:txBody>
-      </p:sp>
-      <p:sp>
-        <p:nvSpPr>
-          <p:cNvPr id="114" name=""/>
+              <a:latin typeface="Arial"/>
+            </a:endParaRPr>
+          </a:p>
+        </p:txBody>
+      </p:sp>
+      <p:sp>
+        <p:nvSpPr>
+          <p:cNvPr id="133" name=""/>
           <p:cNvSpPr/>
           <p:nvPr/>
         </p:nvSpPr>
         <p:spPr>
           <a:xfrm>
             <a:off x="9713880" y="42840"/>
-            <a:ext cx="95400" cy="95400"/>
+            <a:ext cx="94680" cy="94680"/>
           </a:xfrm>
           <a:custGeom>
             <a:avLst/>
@@ -5489,14 +6876,14 @@
       </p:sp>
       <p:sp>
         <p:nvSpPr>
-          <p:cNvPr id="115" name=""/>
+          <p:cNvPr id="134" name=""/>
           <p:cNvSpPr/>
           <p:nvPr/>
         </p:nvSpPr>
         <p:spPr>
           <a:xfrm>
             <a:off x="9751680" y="-5400"/>
-            <a:ext cx="376200" cy="191520"/>
+            <a:ext cx="375480" cy="190800"/>
           </a:xfrm>
           <a:prstGeom prst="rect">
             <a:avLst/>
@@ -5533,24 +6920,21 @@
               <a:t>90%</a:t>
             </a:r>
             <a:endParaRPr b="0" lang="id-ID" sz="700" spc="-1" strike="noStrike">
-              <a:solidFill>
-                <a:srgbClr val="ffffff"/>
-              </a:solidFill>
-              <a:latin typeface="Arial"/>
-            </a:endParaRPr>
-          </a:p>
-        </p:txBody>
-      </p:sp>
-      <p:sp>
-        <p:nvSpPr>
-          <p:cNvPr id="116" name=""/>
+              <a:latin typeface="Arial"/>
+            </a:endParaRPr>
+          </a:p>
+        </p:txBody>
+      </p:sp>
+      <p:sp>
+        <p:nvSpPr>
+          <p:cNvPr id="135" name=""/>
           <p:cNvSpPr/>
           <p:nvPr/>
         </p:nvSpPr>
         <p:spPr>
           <a:xfrm>
             <a:off x="9395280" y="-5400"/>
-            <a:ext cx="335520" cy="326520"/>
+            <a:ext cx="334800" cy="325800"/>
           </a:xfrm>
           <a:prstGeom prst="rect">
             <a:avLst/>
@@ -5594,14 +6978,14 @@
       </p:sp>
       <p:sp>
         <p:nvSpPr>
-          <p:cNvPr id="117" name=""/>
+          <p:cNvPr id="136" name=""/>
           <p:cNvSpPr/>
           <p:nvPr/>
         </p:nvSpPr>
         <p:spPr>
           <a:xfrm>
             <a:off x="9229680" y="-5040"/>
-            <a:ext cx="290160" cy="191520"/>
+            <a:ext cx="289440" cy="190800"/>
           </a:xfrm>
           <a:prstGeom prst="rect">
             <a:avLst/>
@@ -5645,14 +7029,14 @@
       </p:sp>
       <p:sp>
         <p:nvSpPr>
-          <p:cNvPr id="118" name=""/>
+          <p:cNvPr id="137" name=""/>
           <p:cNvSpPr/>
           <p:nvPr/>
         </p:nvSpPr>
         <p:spPr>
           <a:xfrm>
             <a:off x="4590360" y="3222000"/>
-            <a:ext cx="847440" cy="359280"/>
+            <a:ext cx="846720" cy="358560"/>
           </a:xfrm>
           <a:custGeom>
             <a:avLst/>
@@ -5708,14 +7092,14 @@
       </p:sp>
       <p:sp>
         <p:nvSpPr>
-          <p:cNvPr id="119" name=""/>
+          <p:cNvPr id="138" name=""/>
           <p:cNvSpPr/>
           <p:nvPr/>
         </p:nvSpPr>
         <p:spPr>
           <a:xfrm>
             <a:off x="4428000" y="3222000"/>
-            <a:ext cx="359640" cy="359640"/>
+            <a:ext cx="358920" cy="358920"/>
           </a:xfrm>
           <a:custGeom>
             <a:avLst/>
@@ -5811,14 +7195,14 @@
       </p:sp>
       <p:sp>
         <p:nvSpPr>
-          <p:cNvPr id="120" name=""/>
+          <p:cNvPr id="139" name=""/>
           <p:cNvSpPr/>
           <p:nvPr/>
         </p:nvSpPr>
         <p:spPr>
           <a:xfrm>
             <a:off x="5256360" y="3222360"/>
-            <a:ext cx="359640" cy="359640"/>
+            <a:ext cx="358920" cy="358920"/>
           </a:xfrm>
           <a:custGeom>
             <a:avLst/>
@@ -5914,14 +7298,14 @@
       </p:sp>
       <p:sp>
         <p:nvSpPr>
-          <p:cNvPr id="121" name=""/>
+          <p:cNvPr id="140" name=""/>
           <p:cNvSpPr/>
           <p:nvPr/>
         </p:nvSpPr>
         <p:spPr>
           <a:xfrm>
             <a:off x="4752000" y="3204360"/>
-            <a:ext cx="539280" cy="363960"/>
+            <a:ext cx="538560" cy="363240"/>
           </a:xfrm>
           <a:prstGeom prst="rect">
             <a:avLst/>
@@ -5965,14 +7349,14 @@
       </p:sp>
       <p:sp>
         <p:nvSpPr>
-          <p:cNvPr id="122" name=""/>
+          <p:cNvPr id="141" name=""/>
           <p:cNvSpPr/>
           <p:nvPr/>
         </p:nvSpPr>
         <p:spPr>
           <a:xfrm rot="612000">
-            <a:off x="5254920" y="3263400"/>
-            <a:ext cx="283680" cy="262800"/>
+            <a:off x="5254920" y="3262680"/>
+            <a:ext cx="282960" cy="262080"/>
           </a:xfrm>
           <a:custGeom>
             <a:avLst/>
@@ -6054,117 +7438,14 @@
       </p:sp>
       <p:sp>
         <p:nvSpPr>
-          <p:cNvPr id="123" name=""/>
+          <p:cNvPr id="142" name=""/>
           <p:cNvSpPr/>
           <p:nvPr/>
         </p:nvSpPr>
         <p:spPr>
           <a:xfrm>
-            <a:off x="3835440" y="3657600"/>
-            <a:ext cx="2382480" cy="2011680"/>
-          </a:xfrm>
-          <a:prstGeom prst="rect">
-            <a:avLst/>
-          </a:prstGeom>
-          <a:solidFill>
-            <a:srgbClr val="008cbf"/>
-          </a:solidFill>
-          <a:ln w="0">
-            <a:solidFill>
-              <a:srgbClr val="3465a4">
-                <a:alpha val="0"/>
-              </a:srgbClr>
-            </a:solidFill>
-          </a:ln>
-        </p:spPr>
-        <p:style>
-          <a:lnRef idx="0"/>
-          <a:fillRef idx="0"/>
-          <a:effectRef idx="0"/>
-          <a:fontRef idx="minor"/>
-        </p:style>
-      </p:sp>
-      <p:sp>
-        <p:nvSpPr>
-          <p:cNvPr id="124" name=""/>
-          <p:cNvSpPr/>
-          <p:nvPr/>
-        </p:nvSpPr>
-        <p:spPr>
-          <a:xfrm>
-            <a:off x="4324320" y="4454280"/>
-            <a:ext cx="1397520" cy="420480"/>
-          </a:xfrm>
-          <a:prstGeom prst="rect">
-            <a:avLst/>
-          </a:prstGeom>
-          <a:noFill/>
-          <a:ln w="0">
-            <a:noFill/>
-          </a:ln>
-        </p:spPr>
-        <p:style>
-          <a:lnRef idx="0"/>
-          <a:fillRef idx="0"/>
-          <a:effectRef idx="0"/>
-          <a:fontRef idx="minor"/>
-        </p:style>
-        <p:txBody>
-          <a:bodyPr lIns="90000" rIns="90000" tIns="45000" bIns="45000">
-            <a:noAutofit/>
-          </a:bodyPr>
-          <a:p>
-            <a:pPr>
-              <a:lnSpc>
-                <a:spcPct val="100000"/>
-              </a:lnSpc>
-            </a:pPr>
-            <a:r>
-              <a:rPr b="0" i="1" lang="id-ID" sz="1800" spc="-1" strike="noStrike">
-                <a:solidFill>
-                  <a:srgbClr val="ffffff"/>
-                </a:solidFill>
-                <a:latin typeface="Arial"/>
-                <a:ea typeface="DejaVu Sans"/>
-              </a:rPr>
-              <a:t>¯\_(</a:t>
-            </a:r>
-            <a:r>
-              <a:rPr b="0" i="1" lang="zh-CN" sz="1800" spc="-1" strike="noStrike">
-                <a:solidFill>
-                  <a:srgbClr val="ffffff"/>
-                </a:solidFill>
-                <a:latin typeface="Arial"/>
-                <a:ea typeface="DejaVu Sans"/>
-              </a:rPr>
-              <a:t>ツ</a:t>
-            </a:r>
-            <a:r>
-              <a:rPr b="0" i="1" lang="id-ID" sz="1800" spc="-1" strike="noStrike">
-                <a:solidFill>
-                  <a:srgbClr val="ffffff"/>
-                </a:solidFill>
-                <a:latin typeface="Arial"/>
-                <a:ea typeface="DejaVu Sans"/>
-              </a:rPr>
-              <a:t>)_/¯</a:t>
-            </a:r>
-            <a:endParaRPr b="0" lang="id-ID" sz="1800" spc="-1" strike="noStrike">
-              <a:latin typeface="Arial"/>
-            </a:endParaRPr>
-          </a:p>
-        </p:txBody>
-      </p:sp>
-      <p:sp>
-        <p:nvSpPr>
-          <p:cNvPr id="125" name=""/>
-          <p:cNvSpPr/>
-          <p:nvPr/>
-        </p:nvSpPr>
-        <p:spPr>
-          <a:xfrm>
             <a:off x="4860000" y="3204360"/>
-            <a:ext cx="359280" cy="363960"/>
+            <a:ext cx="358560" cy="363240"/>
           </a:xfrm>
           <a:prstGeom prst="rect">
             <a:avLst/>
@@ -6208,14 +7489,14 @@
       </p:sp>
       <p:sp>
         <p:nvSpPr>
-          <p:cNvPr id="126" name=""/>
+          <p:cNvPr id="143" name=""/>
           <p:cNvSpPr/>
           <p:nvPr/>
         </p:nvSpPr>
         <p:spPr>
           <a:xfrm rot="597600">
-            <a:off x="4521960" y="3255840"/>
-            <a:ext cx="266040" cy="266040"/>
+            <a:off x="4521240" y="3255840"/>
+            <a:ext cx="265320" cy="265320"/>
           </a:xfrm>
           <a:prstGeom prst="smileyFace">
             <a:avLst>
@@ -6238,6 +7519,484 @@
           <a:effectRef idx="0"/>
           <a:fontRef idx="minor"/>
         </p:style>
+      </p:sp>
+      <p:sp>
+        <p:nvSpPr>
+          <p:cNvPr id="144" name=""/>
+          <p:cNvSpPr/>
+          <p:nvPr/>
+        </p:nvSpPr>
+        <p:spPr>
+          <a:xfrm>
+            <a:off x="3835440" y="3657600"/>
+            <a:ext cx="2381760" cy="2282040"/>
+          </a:xfrm>
+          <a:prstGeom prst="flowChartAlternateProcess">
+            <a:avLst/>
+          </a:prstGeom>
+          <a:solidFill>
+            <a:srgbClr val="008cbf"/>
+          </a:solidFill>
+          <a:ln w="0">
+            <a:solidFill>
+              <a:srgbClr val="3465a4">
+                <a:alpha val="0"/>
+              </a:srgbClr>
+            </a:solidFill>
+          </a:ln>
+        </p:spPr>
+        <p:style>
+          <a:lnRef idx="0"/>
+          <a:fillRef idx="0"/>
+          <a:effectRef idx="0"/>
+          <a:fontRef idx="minor"/>
+        </p:style>
+      </p:sp>
+      <p:sp>
+        <p:nvSpPr>
+          <p:cNvPr id="145" name=""/>
+          <p:cNvSpPr/>
+          <p:nvPr/>
+        </p:nvSpPr>
+        <p:spPr>
+          <a:xfrm>
+            <a:off x="3960000" y="5400000"/>
+            <a:ext cx="179640" cy="179640"/>
+          </a:xfrm>
+          <a:prstGeom prst="smileyFace">
+            <a:avLst>
+              <a:gd name="adj" fmla="val 9282"/>
+            </a:avLst>
+          </a:prstGeom>
+          <a:solidFill>
+            <a:srgbClr val="729fcf"/>
+          </a:solidFill>
+          <a:ln w="0">
+            <a:solidFill>
+              <a:srgbClr val="3465a4"/>
+            </a:solidFill>
+          </a:ln>
+        </p:spPr>
+        <p:style>
+          <a:lnRef idx="0"/>
+          <a:fillRef idx="0"/>
+          <a:effectRef idx="0"/>
+          <a:fontRef idx="minor"/>
+        </p:style>
+      </p:sp>
+      <p:sp>
+        <p:nvSpPr>
+          <p:cNvPr id="146" name=""/>
+          <p:cNvSpPr/>
+          <p:nvPr/>
+        </p:nvSpPr>
+        <p:spPr>
+          <a:xfrm>
+            <a:off x="4104000" y="5360400"/>
+            <a:ext cx="539640" cy="260640"/>
+          </a:xfrm>
+          <a:prstGeom prst="rect">
+            <a:avLst/>
+          </a:prstGeom>
+          <a:noFill/>
+          <a:ln w="0">
+            <a:noFill/>
+          </a:ln>
+        </p:spPr>
+        <p:style>
+          <a:lnRef idx="0"/>
+          <a:fillRef idx="0"/>
+          <a:effectRef idx="0"/>
+          <a:fontRef idx="minor"/>
+        </p:style>
+        <p:txBody>
+          <a:bodyPr lIns="90000" rIns="90000" tIns="45000" bIns="45000">
+            <a:noAutofit/>
+          </a:bodyPr>
+          <a:p>
+            <a:pPr>
+              <a:lnSpc>
+                <a:spcPct val="100000"/>
+              </a:lnSpc>
+            </a:pPr>
+            <a:r>
+              <a:rPr b="0" lang="id-ID" sz="1100" spc="-1" strike="noStrike">
+                <a:solidFill>
+                  <a:srgbClr val="ffffff"/>
+                </a:solidFill>
+                <a:latin typeface="Montserrat"/>
+              </a:rPr>
+              <a:t>User</a:t>
+            </a:r>
+            <a:endParaRPr b="0" lang="id-ID" sz="1100" spc="-1" strike="noStrike">
+              <a:latin typeface="Arial"/>
+            </a:endParaRPr>
+          </a:p>
+        </p:txBody>
+      </p:sp>
+      <p:sp>
+        <p:nvSpPr>
+          <p:cNvPr id="147" name=""/>
+          <p:cNvSpPr/>
+          <p:nvPr/>
+        </p:nvSpPr>
+        <p:spPr>
+          <a:xfrm>
+            <a:off x="5940000" y="5400000"/>
+            <a:ext cx="179640" cy="179640"/>
+          </a:xfrm>
+          <a:custGeom>
+            <a:avLst/>
+            <a:gdLst/>
+            <a:ahLst/>
+            <a:rect l="l" t="t" r="r" b="b"/>
+            <a:pathLst>
+              <a:path w="21600" h="21600">
+                <a:moveTo>
+                  <a:pt x="10800" y="5143"/>
+                </a:moveTo>
+                <a:cubicBezTo>
+                  <a:pt x="7593" y="5143"/>
+                  <a:pt x="5143" y="7593"/>
+                  <a:pt x="5143" y="10800"/>
+                </a:cubicBezTo>
+                <a:cubicBezTo>
+                  <a:pt x="5143" y="14007"/>
+                  <a:pt x="7593" y="16457"/>
+                  <a:pt x="10800" y="16457"/>
+                </a:cubicBezTo>
+                <a:cubicBezTo>
+                  <a:pt x="14007" y="16457"/>
+                  <a:pt x="16457" y="14007"/>
+                  <a:pt x="16457" y="10800"/>
+                </a:cubicBezTo>
+                <a:cubicBezTo>
+                  <a:pt x="16457" y="7593"/>
+                  <a:pt x="14007" y="5143"/>
+                  <a:pt x="10800" y="5143"/>
+                </a:cubicBezTo>
+                <a:close/>
+                <a:moveTo>
+                  <a:pt x="0" y="10800"/>
+                </a:moveTo>
+                <a:cubicBezTo>
+                  <a:pt x="0" y="9159"/>
+                  <a:pt x="1010" y="7827"/>
+                  <a:pt x="2468" y="7371"/>
+                </a:cubicBezTo>
+                <a:cubicBezTo>
+                  <a:pt x="2205" y="6866"/>
+                  <a:pt x="2057" y="6285"/>
+                  <a:pt x="2057" y="5657"/>
+                </a:cubicBezTo>
+                <a:cubicBezTo>
+                  <a:pt x="2057" y="3617"/>
+                  <a:pt x="3616" y="2057"/>
+                  <a:pt x="5657" y="2057"/>
+                </a:cubicBezTo>
+                <a:cubicBezTo>
+                  <a:pt x="6285" y="2057"/>
+                  <a:pt x="6867" y="2206"/>
+                  <a:pt x="7371" y="2468"/>
+                </a:cubicBezTo>
+                <a:cubicBezTo>
+                  <a:pt x="7827" y="1010"/>
+                  <a:pt x="9158" y="0"/>
+                  <a:pt x="10800" y="0"/>
+                </a:cubicBezTo>
+                <a:cubicBezTo>
+                  <a:pt x="12442" y="0"/>
+                  <a:pt x="13773" y="1010"/>
+                  <a:pt x="14229" y="2468"/>
+                </a:cubicBezTo>
+                <a:cubicBezTo>
+                  <a:pt x="14733" y="2206"/>
+                  <a:pt x="15315" y="2057"/>
+                  <a:pt x="15943" y="2057"/>
+                </a:cubicBezTo>
+                <a:cubicBezTo>
+                  <a:pt x="17984" y="2057"/>
+                  <a:pt x="19543" y="3617"/>
+                  <a:pt x="19543" y="5657"/>
+                </a:cubicBezTo>
+                <a:cubicBezTo>
+                  <a:pt x="19543" y="6285"/>
+                  <a:pt x="19395" y="6866"/>
+                  <a:pt x="19132" y="7371"/>
+                </a:cubicBezTo>
+                <a:cubicBezTo>
+                  <a:pt x="20590" y="7827"/>
+                  <a:pt x="21600" y="9159"/>
+                  <a:pt x="21600" y="10800"/>
+                </a:cubicBezTo>
+                <a:cubicBezTo>
+                  <a:pt x="21600" y="12441"/>
+                  <a:pt x="20590" y="13773"/>
+                  <a:pt x="19132" y="14229"/>
+                </a:cubicBezTo>
+                <a:cubicBezTo>
+                  <a:pt x="19395" y="14734"/>
+                  <a:pt x="19543" y="15315"/>
+                  <a:pt x="19543" y="15943"/>
+                </a:cubicBezTo>
+                <a:cubicBezTo>
+                  <a:pt x="19543" y="17983"/>
+                  <a:pt x="17984" y="19543"/>
+                  <a:pt x="15943" y="19543"/>
+                </a:cubicBezTo>
+                <a:cubicBezTo>
+                  <a:pt x="15315" y="19543"/>
+                  <a:pt x="14733" y="19394"/>
+                  <a:pt x="14229" y="19132"/>
+                </a:cubicBezTo>
+                <a:cubicBezTo>
+                  <a:pt x="13773" y="20590"/>
+                  <a:pt x="12442" y="21600"/>
+                  <a:pt x="10800" y="21600"/>
+                </a:cubicBezTo>
+                <a:cubicBezTo>
+                  <a:pt x="9158" y="21600"/>
+                  <a:pt x="7827" y="20590"/>
+                  <a:pt x="7371" y="19132"/>
+                </a:cubicBezTo>
+                <a:cubicBezTo>
+                  <a:pt x="6867" y="19394"/>
+                  <a:pt x="6285" y="19543"/>
+                  <a:pt x="5657" y="19543"/>
+                </a:cubicBezTo>
+                <a:cubicBezTo>
+                  <a:pt x="3616" y="19543"/>
+                  <a:pt x="2057" y="17983"/>
+                  <a:pt x="2057" y="15943"/>
+                </a:cubicBezTo>
+                <a:cubicBezTo>
+                  <a:pt x="2057" y="15315"/>
+                  <a:pt x="2205" y="14734"/>
+                  <a:pt x="2468" y="14229"/>
+                </a:cubicBezTo>
+                <a:cubicBezTo>
+                  <a:pt x="1010" y="13773"/>
+                  <a:pt x="0" y="12441"/>
+                  <a:pt x="0" y="10800"/>
+                </a:cubicBezTo>
+                <a:close/>
+              </a:path>
+            </a:pathLst>
+          </a:custGeom>
+          <a:solidFill>
+            <a:srgbClr val="ffffff"/>
+          </a:solidFill>
+          <a:ln w="0">
+            <a:solidFill>
+              <a:srgbClr val="3465a4">
+                <a:alpha val="0"/>
+              </a:srgbClr>
+            </a:solidFill>
+          </a:ln>
+        </p:spPr>
+        <p:style>
+          <a:lnRef idx="0"/>
+          <a:fillRef idx="0"/>
+          <a:effectRef idx="0"/>
+          <a:fontRef idx="minor"/>
+        </p:style>
+      </p:sp>
+      <p:sp>
+        <p:nvSpPr>
+          <p:cNvPr id="148" name=""/>
+          <p:cNvSpPr/>
+          <p:nvPr/>
+        </p:nvSpPr>
+        <p:spPr>
+          <a:xfrm>
+            <a:off x="3996000" y="3780000"/>
+            <a:ext cx="221760" cy="221760"/>
+          </a:xfrm>
+          <a:prstGeom prst="ellipse">
+            <a:avLst/>
+          </a:prstGeom>
+          <a:solidFill>
+            <a:srgbClr val="ffffff"/>
+          </a:solidFill>
+          <a:ln w="0">
+            <a:solidFill>
+              <a:srgbClr val="3465a4">
+                <a:alpha val="0"/>
+              </a:srgbClr>
+            </a:solidFill>
+          </a:ln>
+        </p:spPr>
+        <p:style>
+          <a:lnRef idx="0"/>
+          <a:fillRef idx="0"/>
+          <a:effectRef idx="0"/>
+          <a:fontRef idx="minor"/>
+        </p:style>
+      </p:sp>
+      <p:sp>
+        <p:nvSpPr>
+          <p:cNvPr id="149" name=""/>
+          <p:cNvSpPr/>
+          <p:nvPr/>
+        </p:nvSpPr>
+        <p:spPr>
+          <a:xfrm>
+            <a:off x="4107240" y="3780000"/>
+            <a:ext cx="1832400" cy="221760"/>
+          </a:xfrm>
+          <a:prstGeom prst="rect">
+            <a:avLst/>
+          </a:prstGeom>
+          <a:solidFill>
+            <a:srgbClr val="ffffff"/>
+          </a:solidFill>
+          <a:ln w="0">
+            <a:solidFill>
+              <a:srgbClr val="3465a4">
+                <a:alpha val="0"/>
+              </a:srgbClr>
+            </a:solidFill>
+          </a:ln>
+        </p:spPr>
+        <p:style>
+          <a:lnRef idx="0"/>
+          <a:fillRef idx="0"/>
+          <a:effectRef idx="0"/>
+          <a:fontRef idx="minor"/>
+        </p:style>
+      </p:sp>
+      <p:sp>
+        <p:nvSpPr>
+          <p:cNvPr id="150" name=""/>
+          <p:cNvSpPr/>
+          <p:nvPr/>
+        </p:nvSpPr>
+        <p:spPr>
+          <a:xfrm>
+            <a:off x="4018320" y="3780000"/>
+            <a:ext cx="1921320" cy="221760"/>
+          </a:xfrm>
+          <a:prstGeom prst="rect">
+            <a:avLst/>
+          </a:prstGeom>
+          <a:noFill/>
+          <a:ln w="0">
+            <a:noFill/>
+          </a:ln>
+        </p:spPr>
+        <p:style>
+          <a:lnRef idx="0"/>
+          <a:fillRef idx="0"/>
+          <a:effectRef idx="0"/>
+          <a:fontRef idx="minor"/>
+        </p:style>
+        <p:txBody>
+          <a:bodyPr lIns="90000" rIns="90000" tIns="45000" bIns="45000">
+            <a:noAutofit/>
+          </a:bodyPr>
+          <a:p>
+            <a:pPr>
+              <a:lnSpc>
+                <a:spcPts val="1287"/>
+              </a:lnSpc>
+            </a:pPr>
+            <a:r>
+              <a:rPr b="0" lang="en-US" sz="1400" spc="-1" strike="noStrike">
+                <a:solidFill>
+                  <a:srgbClr val="b2b2b2"/>
+                </a:solidFill>
+                <a:latin typeface="Montserrat Thin"/>
+                <a:ea typeface="Noto Sans CJK SC"/>
+              </a:rPr>
+              <a:t>Search...</a:t>
+            </a:r>
+            <a:endParaRPr b="0" lang="id-ID" sz="1400" spc="-1" strike="noStrike">
+              <a:latin typeface="Arial"/>
+            </a:endParaRPr>
+          </a:p>
+        </p:txBody>
+      </p:sp>
+      <p:sp>
+        <p:nvSpPr>
+          <p:cNvPr id="151" name=""/>
+          <p:cNvSpPr/>
+          <p:nvPr/>
+        </p:nvSpPr>
+        <p:spPr>
+          <a:xfrm>
+            <a:off x="5825880" y="3780000"/>
+            <a:ext cx="221760" cy="221760"/>
+          </a:xfrm>
+          <a:prstGeom prst="ellipse">
+            <a:avLst/>
+          </a:prstGeom>
+          <a:solidFill>
+            <a:srgbClr val="ffffff"/>
+          </a:solidFill>
+          <a:ln w="0">
+            <a:solidFill>
+              <a:srgbClr val="3465a4">
+                <a:alpha val="0"/>
+              </a:srgbClr>
+            </a:solidFill>
+          </a:ln>
+        </p:spPr>
+        <p:style>
+          <a:lnRef idx="0"/>
+          <a:fillRef idx="0"/>
+          <a:effectRef idx="0"/>
+          <a:fontRef idx="minor"/>
+        </p:style>
+      </p:sp>
+      <p:sp>
+        <p:nvSpPr>
+          <p:cNvPr id="152" name=""/>
+          <p:cNvSpPr/>
+          <p:nvPr/>
+        </p:nvSpPr>
+        <p:spPr>
+          <a:xfrm>
+            <a:off x="3960000" y="4019400"/>
+            <a:ext cx="2087640" cy="300240"/>
+          </a:xfrm>
+          <a:prstGeom prst="rect">
+            <a:avLst/>
+          </a:prstGeom>
+          <a:noFill/>
+          <a:ln w="0">
+            <a:noFill/>
+          </a:ln>
+        </p:spPr>
+        <p:style>
+          <a:lnRef idx="0"/>
+          <a:fillRef idx="0"/>
+          <a:effectRef idx="0"/>
+          <a:fontRef idx="minor"/>
+        </p:style>
+        <p:txBody>
+          <a:bodyPr lIns="90000" rIns="90000" tIns="45000" bIns="45000">
+            <a:noAutofit/>
+          </a:bodyPr>
+          <a:p>
+            <a:pPr algn="ctr">
+              <a:lnSpc>
+                <a:spcPct val="100000"/>
+              </a:lnSpc>
+            </a:pPr>
+            <a:r>
+              <a:rPr b="0" i="1" lang="id-ID" sz="700" spc="-1" strike="noStrike">
+                <a:solidFill>
+                  <a:srgbClr val="ffffff"/>
+                </a:solidFill>
+                <a:latin typeface="Montserrat Thin"/>
+              </a:rPr>
+              <a:t>Do more with the search feature. Try it!</a:t>
+            </a:r>
+            <a:endParaRPr b="0" lang="id-ID" sz="700" spc="-1" strike="noStrike">
+              <a:latin typeface="Arial"/>
+            </a:endParaRPr>
+          </a:p>
+        </p:txBody>
       </p:sp>
     </p:spTree>
   </p:cSld>

--- a/extras/pptx/MPD OS Desktop Environment.pptx
+++ b/extras/pptx/MPD OS Desktop Environment.pptx
@@ -2775,7 +2775,73 @@
               <a:rPr b="0" lang="id-ID" sz="1800" spc="-1" strike="noStrike">
                 <a:latin typeface="Arial"/>
               </a:rPr>
-              <a:t>Click to edit the title text format</a:t>
+              <a:t>Cli</a:t>
+            </a:r>
+            <a:r>
+              <a:rPr b="0" lang="id-ID" sz="1800" spc="-1" strike="noStrike">
+                <a:latin typeface="Arial"/>
+              </a:rPr>
+              <a:t>ck </a:t>
+            </a:r>
+            <a:r>
+              <a:rPr b="0" lang="id-ID" sz="1800" spc="-1" strike="noStrike">
+                <a:latin typeface="Arial"/>
+              </a:rPr>
+              <a:t>to </a:t>
+            </a:r>
+            <a:r>
+              <a:rPr b="0" lang="id-ID" sz="1800" spc="-1" strike="noStrike">
+                <a:latin typeface="Arial"/>
+              </a:rPr>
+              <a:t>edi</a:t>
+            </a:r>
+            <a:r>
+              <a:rPr b="0" lang="id-ID" sz="1800" spc="-1" strike="noStrike">
+                <a:latin typeface="Arial"/>
+              </a:rPr>
+              <a:t>t </a:t>
+            </a:r>
+            <a:r>
+              <a:rPr b="0" lang="id-ID" sz="1800" spc="-1" strike="noStrike">
+                <a:latin typeface="Arial"/>
+              </a:rPr>
+              <a:t>the </a:t>
+            </a:r>
+            <a:r>
+              <a:rPr b="0" lang="id-ID" sz="1800" spc="-1" strike="noStrike">
+                <a:latin typeface="Arial"/>
+              </a:rPr>
+              <a:t>title </a:t>
+            </a:r>
+            <a:r>
+              <a:rPr b="0" lang="id-ID" sz="1800" spc="-1" strike="noStrike">
+                <a:latin typeface="Arial"/>
+              </a:rPr>
+              <a:t>tex</a:t>
+            </a:r>
+            <a:r>
+              <a:rPr b="0" lang="id-ID" sz="1800" spc="-1" strike="noStrike">
+                <a:latin typeface="Arial"/>
+              </a:rPr>
+              <a:t>t </a:t>
+            </a:r>
+            <a:r>
+              <a:rPr b="0" lang="id-ID" sz="1800" spc="-1" strike="noStrike">
+                <a:latin typeface="Arial"/>
+              </a:rPr>
+              <a:t>for</a:t>
+            </a:r>
+            <a:r>
+              <a:rPr b="0" lang="id-ID" sz="1800" spc="-1" strike="noStrike">
+                <a:latin typeface="Arial"/>
+              </a:rPr>
+              <a:t>ma</a:t>
+            </a:r>
+            <a:r>
+              <a:rPr b="0" lang="id-ID" sz="1800" spc="-1" strike="noStrike">
+                <a:latin typeface="Arial"/>
+              </a:rPr>
+              <a:t>t</a:t>
             </a:r>
             <a:endParaRPr b="0" lang="id-ID" sz="1800" spc="-1" strike="noStrike">
               <a:latin typeface="Arial"/>
@@ -2796,7 +2862,7 @@
         <p:spPr>
           <a:xfrm>
             <a:off x="504000" y="1326600"/>
-            <a:ext cx="9072000" cy="3288600"/>
+            <a:ext cx="9071640" cy="3288240"/>
           </a:xfrm>
           <a:prstGeom prst="rect">
             <a:avLst/>
@@ -2819,12 +2885,12 @@
               <a:buChar char=""/>
             </a:pPr>
             <a:r>
-              <a:rPr b="0" lang="id-ID" sz="3200" spc="-1" strike="noStrike">
+              <a:rPr b="0" lang="id-ID" sz="1800" spc="-1" strike="noStrike">
                 <a:latin typeface="Arial"/>
               </a:rPr>
               <a:t>Click to edit the outline text format</a:t>
             </a:r>
-            <a:endParaRPr b="0" lang="id-ID" sz="3200" spc="-1" strike="noStrike">
+            <a:endParaRPr b="0" lang="id-ID" sz="1800" spc="-1" strike="noStrike">
               <a:latin typeface="Arial"/>
             </a:endParaRPr>
           </a:p>
@@ -2841,12 +2907,12 @@
               <a:buChar char=""/>
             </a:pPr>
             <a:r>
-              <a:rPr b="0" lang="id-ID" sz="2800" spc="-1" strike="noStrike">
+              <a:rPr b="0" lang="id-ID" sz="1800" spc="-1" strike="noStrike">
                 <a:latin typeface="Arial"/>
               </a:rPr>
               <a:t>Second Outline Level</a:t>
             </a:r>
-            <a:endParaRPr b="0" lang="id-ID" sz="2800" spc="-1" strike="noStrike">
+            <a:endParaRPr b="0" lang="id-ID" sz="1800" spc="-1" strike="noStrike">
               <a:latin typeface="Arial"/>
             </a:endParaRPr>
           </a:p>
@@ -2863,12 +2929,12 @@
               <a:buChar char=""/>
             </a:pPr>
             <a:r>
-              <a:rPr b="0" lang="id-ID" sz="2400" spc="-1" strike="noStrike">
+              <a:rPr b="0" lang="id-ID" sz="1800" spc="-1" strike="noStrike">
                 <a:latin typeface="Arial"/>
               </a:rPr>
               <a:t>Third Outline Level</a:t>
             </a:r>
-            <a:endParaRPr b="0" lang="id-ID" sz="2400" spc="-1" strike="noStrike">
+            <a:endParaRPr b="0" lang="id-ID" sz="1800" spc="-1" strike="noStrike">
               <a:latin typeface="Arial"/>
             </a:endParaRPr>
           </a:p>
@@ -2885,12 +2951,12 @@
               <a:buChar char=""/>
             </a:pPr>
             <a:r>
-              <a:rPr b="0" lang="id-ID" sz="2000" spc="-1" strike="noStrike">
+              <a:rPr b="0" lang="id-ID" sz="1800" spc="-1" strike="noStrike">
                 <a:latin typeface="Arial"/>
               </a:rPr>
               <a:t>Fourth Outline Level</a:t>
             </a:r>
-            <a:endParaRPr b="0" lang="id-ID" sz="2000" spc="-1" strike="noStrike">
+            <a:endParaRPr b="0" lang="id-ID" sz="1800" spc="-1" strike="noStrike">
               <a:latin typeface="Arial"/>
             </a:endParaRPr>
           </a:p>
@@ -2907,12 +2973,12 @@
               <a:buChar char=""/>
             </a:pPr>
             <a:r>
-              <a:rPr b="0" lang="id-ID" sz="2000" spc="-1" strike="noStrike">
+              <a:rPr b="0" lang="id-ID" sz="1800" spc="-1" strike="noStrike">
                 <a:latin typeface="Arial"/>
               </a:rPr>
               <a:t>Fifth Outline Level</a:t>
             </a:r>
-            <a:endParaRPr b="0" lang="id-ID" sz="2000" spc="-1" strike="noStrike">
+            <a:endParaRPr b="0" lang="id-ID" sz="1800" spc="-1" strike="noStrike">
               <a:latin typeface="Arial"/>
             </a:endParaRPr>
           </a:p>
@@ -2929,12 +2995,12 @@
               <a:buChar char=""/>
             </a:pPr>
             <a:r>
-              <a:rPr b="0" lang="id-ID" sz="2000" spc="-1" strike="noStrike">
+              <a:rPr b="0" lang="id-ID" sz="1800" spc="-1" strike="noStrike">
                 <a:latin typeface="Arial"/>
               </a:rPr>
               <a:t>Sixth Outline Level</a:t>
             </a:r>
-            <a:endParaRPr b="0" lang="id-ID" sz="2000" spc="-1" strike="noStrike">
+            <a:endParaRPr b="0" lang="id-ID" sz="1800" spc="-1" strike="noStrike">
               <a:latin typeface="Arial"/>
             </a:endParaRPr>
           </a:p>
@@ -2951,12 +3017,12 @@
               <a:buChar char=""/>
             </a:pPr>
             <a:r>
-              <a:rPr b="0" lang="id-ID" sz="2000" spc="-1" strike="noStrike">
+              <a:rPr b="0" lang="id-ID" sz="1800" spc="-1" strike="noStrike">
                 <a:latin typeface="Arial"/>
               </a:rPr>
               <a:t>Seventh Outline Level</a:t>
             </a:r>
-            <a:endParaRPr b="0" lang="id-ID" sz="2000" spc="-1" strike="noStrike">
+            <a:endParaRPr b="0" lang="id-ID" sz="1800" spc="-1" strike="noStrike">
               <a:latin typeface="Arial"/>
             </a:endParaRPr>
           </a:p>
@@ -3028,7 +3094,85 @@
               <a:rPr b="0" lang="id-ID" sz="4400" spc="-1" strike="noStrike">
                 <a:latin typeface="Arial"/>
               </a:rPr>
-              <a:t>Click to edit the title text format</a:t>
+              <a:t>Cli</a:t>
+            </a:r>
+            <a:r>
+              <a:rPr b="0" lang="id-ID" sz="4400" spc="-1" strike="noStrike">
+                <a:latin typeface="Arial"/>
+              </a:rPr>
+              <a:t>ck </a:t>
+            </a:r>
+            <a:r>
+              <a:rPr b="0" lang="id-ID" sz="4400" spc="-1" strike="noStrike">
+                <a:latin typeface="Arial"/>
+              </a:rPr>
+              <a:t>to </a:t>
+            </a:r>
+            <a:r>
+              <a:rPr b="0" lang="id-ID" sz="4400" spc="-1" strike="noStrike">
+                <a:latin typeface="Arial"/>
+              </a:rPr>
+              <a:t>ed</a:t>
+            </a:r>
+            <a:r>
+              <a:rPr b="0" lang="id-ID" sz="4400" spc="-1" strike="noStrike">
+                <a:latin typeface="Arial"/>
+              </a:rPr>
+              <a:t>it </a:t>
+            </a:r>
+            <a:r>
+              <a:rPr b="0" lang="id-ID" sz="4400" spc="-1" strike="noStrike">
+                <a:latin typeface="Arial"/>
+              </a:rPr>
+              <a:t>th</a:t>
+            </a:r>
+            <a:r>
+              <a:rPr b="0" lang="id-ID" sz="4400" spc="-1" strike="noStrike">
+                <a:latin typeface="Arial"/>
+              </a:rPr>
+              <a:t>e </a:t>
+            </a:r>
+            <a:r>
+              <a:rPr b="0" lang="id-ID" sz="4400" spc="-1" strike="noStrike">
+                <a:latin typeface="Arial"/>
+              </a:rPr>
+              <a:t>titl</a:t>
+            </a:r>
+            <a:r>
+              <a:rPr b="0" lang="id-ID" sz="4400" spc="-1" strike="noStrike">
+                <a:latin typeface="Arial"/>
+              </a:rPr>
+              <a:t>e </a:t>
+            </a:r>
+            <a:r>
+              <a:rPr b="0" lang="id-ID" sz="4400" spc="-1" strike="noStrike">
+                <a:latin typeface="Arial"/>
+              </a:rPr>
+              <a:t>te</a:t>
+            </a:r>
+            <a:r>
+              <a:rPr b="0" lang="id-ID" sz="4400" spc="-1" strike="noStrike">
+                <a:latin typeface="Arial"/>
+              </a:rPr>
+              <a:t>xt </a:t>
+            </a:r>
+            <a:r>
+              <a:rPr b="0" lang="id-ID" sz="4400" spc="-1" strike="noStrike">
+                <a:latin typeface="Arial"/>
+              </a:rPr>
+              <a:t>for</a:t>
+            </a:r>
+            <a:r>
+              <a:rPr b="0" lang="id-ID" sz="4400" spc="-1" strike="noStrike">
+                <a:latin typeface="Arial"/>
+              </a:rPr>
+              <a:t>m</a:t>
+            </a:r>
+            <a:r>
+              <a:rPr b="0" lang="id-ID" sz="4400" spc="-1" strike="noStrike">
+                <a:latin typeface="Arial"/>
+              </a:rPr>
+              <a:t>at</a:t>
             </a:r>
             <a:endParaRPr b="0" lang="id-ID" sz="4400" spc="-1" strike="noStrike">
               <a:latin typeface="Arial"/>
@@ -3269,7 +3413,7 @@
         <p:spPr>
           <a:xfrm>
             <a:off x="3105000" y="1260000"/>
-            <a:ext cx="3868560" cy="2071800"/>
+            <a:ext cx="3868200" cy="2071440"/>
           </a:xfrm>
           <a:prstGeom prst="rect">
             <a:avLst/>
@@ -3320,7 +3464,7 @@
         <p:spPr>
           <a:xfrm>
             <a:off x="3510000" y="3420000"/>
-            <a:ext cx="3058560" cy="538560"/>
+            <a:ext cx="3058200" cy="538200"/>
           </a:xfrm>
           <a:prstGeom prst="rect">
             <a:avLst/>
@@ -3371,7 +3515,7 @@
         <p:spPr>
           <a:xfrm>
             <a:off x="4590360" y="5239080"/>
-            <a:ext cx="899640" cy="412560"/>
+            <a:ext cx="899280" cy="412200"/>
           </a:xfrm>
           <a:prstGeom prst="rect">
             <a:avLst/>
@@ -3421,68 +3565,15 @@
         </p:nvSpPr>
         <p:spPr>
           <a:xfrm>
-            <a:off x="9533880" y="5406840"/>
-            <a:ext cx="94680" cy="94680"/>
-          </a:xfrm>
-          <a:custGeom>
-            <a:avLst/>
-            <a:gdLst/>
-            <a:ahLst/>
-            <a:rect l="l" t="t" r="r" b="b"/>
-            <a:pathLst>
-              <a:path w="640" h="861">
-                <a:moveTo>
-                  <a:pt x="640" y="233"/>
-                </a:moveTo>
-                <a:lnTo>
-                  <a:pt x="221" y="293"/>
-                </a:lnTo>
-                <a:lnTo>
-                  <a:pt x="506" y="12"/>
-                </a:lnTo>
-                <a:lnTo>
-                  <a:pt x="367" y="0"/>
-                </a:lnTo>
-                <a:lnTo>
-                  <a:pt x="29" y="406"/>
-                </a:lnTo>
-                <a:lnTo>
-                  <a:pt x="431" y="347"/>
-                </a:lnTo>
-                <a:lnTo>
-                  <a:pt x="145" y="645"/>
-                </a:lnTo>
-                <a:lnTo>
-                  <a:pt x="99" y="520"/>
-                </a:lnTo>
-                <a:lnTo>
-                  <a:pt x="0" y="861"/>
-                </a:lnTo>
-                <a:lnTo>
-                  <a:pt x="326" y="765"/>
-                </a:lnTo>
-                <a:lnTo>
-                  <a:pt x="209" y="711"/>
-                </a:lnTo>
-                <a:lnTo>
-                  <a:pt x="640" y="233"/>
-                </a:lnTo>
-                <a:lnTo>
-                  <a:pt x="640" y="233"/>
-                </a:lnTo>
-                <a:close/>
-              </a:path>
-            </a:pathLst>
-          </a:custGeom>
-          <a:solidFill>
-            <a:srgbClr val="00ff58"/>
-          </a:solidFill>
+            <a:off x="9608040" y="5358600"/>
+            <a:ext cx="375120" cy="190440"/>
+          </a:xfrm>
+          <a:prstGeom prst="rect">
+            <a:avLst/>
+          </a:prstGeom>
+          <a:noFill/>
           <a:ln w="0">
-            <a:solidFill>
-              <a:srgbClr val="3465a4">
-                <a:alpha val="0"/>
-              </a:srgbClr>
-            </a:solidFill>
+            <a:noFill/>
           </a:ln>
         </p:spPr>
         <p:style>
@@ -3491,32 +3582,6 @@
           <a:effectRef idx="0"/>
           <a:fontRef idx="minor"/>
         </p:style>
-      </p:sp>
-      <p:sp>
-        <p:nvSpPr>
-          <p:cNvPr id="80" name=""/>
-          <p:cNvSpPr/>
-          <p:nvPr/>
-        </p:nvSpPr>
-        <p:spPr>
-          <a:xfrm>
-            <a:off x="9571680" y="5358600"/>
-            <a:ext cx="375480" cy="190800"/>
-          </a:xfrm>
-          <a:prstGeom prst="rect">
-            <a:avLst/>
-          </a:prstGeom>
-          <a:noFill/>
-          <a:ln w="0">
-            <a:noFill/>
-          </a:ln>
-        </p:spPr>
-        <p:style>
-          <a:lnRef idx="0"/>
-          <a:fillRef idx="0"/>
-          <a:effectRef idx="0"/>
-          <a:fontRef idx="minor"/>
-        </p:style>
         <p:txBody>
           <a:bodyPr lIns="90000" rIns="90000" tIns="45000" bIns="45000">
             <a:noAutofit/>
@@ -3543,108 +3608,75 @@
           </a:p>
         </p:txBody>
       </p:sp>
-      <p:sp>
-        <p:nvSpPr>
-          <p:cNvPr id="81" name=""/>
-          <p:cNvSpPr/>
-          <p:nvPr/>
-        </p:nvSpPr>
-        <p:spPr>
-          <a:xfrm>
-            <a:off x="9218880" y="5358600"/>
-            <a:ext cx="331200" cy="325800"/>
-          </a:xfrm>
-          <a:prstGeom prst="rect">
-            <a:avLst/>
-          </a:prstGeom>
-          <a:noFill/>
+      <p:pic>
+        <p:nvPicPr>
+          <p:cNvPr id="80" name="" descr=""/>
+          <p:cNvPicPr/>
+          <p:nvPr/>
+        </p:nvPicPr>
+        <p:blipFill>
+          <a:blip r:embed="rId2"/>
+          <a:stretch/>
+        </p:blipFill>
+        <p:spPr>
+          <a:xfrm>
+            <a:off x="9550800" y="5389560"/>
+            <a:ext cx="120240" cy="120240"/>
+          </a:xfrm>
+          <a:prstGeom prst="rect">
+            <a:avLst/>
+          </a:prstGeom>
           <a:ln w="0">
             <a:noFill/>
           </a:ln>
         </p:spPr>
-        <p:style>
-          <a:lnRef idx="0"/>
-          <a:fillRef idx="0"/>
-          <a:effectRef idx="0"/>
-          <a:fontRef idx="minor"/>
-        </p:style>
-        <p:txBody>
-          <a:bodyPr lIns="90000" rIns="90000" tIns="45000" bIns="45000">
-            <a:noAutofit/>
-          </a:bodyPr>
-          <a:p>
-            <a:pPr algn="r">
-              <a:lnSpc>
-                <a:spcPts val="933"/>
-              </a:lnSpc>
-            </a:pPr>
-            <a:r>
-              <a:rPr b="1" lang="en-US" sz="900" spc="-1" strike="noStrike">
-                <a:solidFill>
-                  <a:srgbClr val="ffffff"/>
-                </a:solidFill>
-                <a:latin typeface="Montserrat"/>
-                <a:ea typeface="DejaVu Sans"/>
-              </a:rPr>
-              <a:t>🕪</a:t>
-            </a:r>
-            <a:endParaRPr b="0" lang="id-ID" sz="900" spc="-1" strike="noStrike">
-              <a:latin typeface="Arial"/>
-            </a:endParaRPr>
-          </a:p>
-        </p:txBody>
-      </p:sp>
-      <p:sp>
-        <p:nvSpPr>
-          <p:cNvPr id="82" name=""/>
-          <p:cNvSpPr/>
-          <p:nvPr/>
-        </p:nvSpPr>
-        <p:spPr>
-          <a:xfrm>
-            <a:off x="9049680" y="5358960"/>
-            <a:ext cx="289440" cy="190800"/>
-          </a:xfrm>
-          <a:prstGeom prst="rect">
-            <a:avLst/>
-          </a:prstGeom>
-          <a:noFill/>
+      </p:pic>
+      <p:pic>
+        <p:nvPicPr>
+          <p:cNvPr id="81" name="" descr=""/>
+          <p:cNvPicPr/>
+          <p:nvPr/>
+        </p:nvPicPr>
+        <p:blipFill>
+          <a:blip r:embed="rId3"/>
+          <a:stretch/>
+        </p:blipFill>
+        <p:spPr>
+          <a:xfrm>
+            <a:off x="9335880" y="5385600"/>
+            <a:ext cx="127440" cy="127440"/>
+          </a:xfrm>
+          <a:prstGeom prst="rect">
+            <a:avLst/>
+          </a:prstGeom>
           <a:ln w="0">
             <a:noFill/>
           </a:ln>
         </p:spPr>
-        <p:style>
-          <a:lnRef idx="0"/>
-          <a:fillRef idx="0"/>
-          <a:effectRef idx="0"/>
-          <a:fontRef idx="minor"/>
-        </p:style>
-        <p:txBody>
-          <a:bodyPr lIns="90000" rIns="90000" tIns="45000" bIns="45000">
-            <a:noAutofit/>
-          </a:bodyPr>
-          <a:p>
-            <a:pPr algn="r">
-              <a:lnSpc>
-                <a:spcPts val="802"/>
-              </a:lnSpc>
-            </a:pPr>
-            <a:r>
-              <a:rPr b="1" lang="en-US" sz="700" spc="-1" strike="noStrike">
-                <a:solidFill>
-                  <a:srgbClr val="000000"/>
-                </a:solidFill>
-                <a:latin typeface="Montserrat"/>
-                <a:ea typeface="DejaVu Sans"/>
-              </a:rPr>
-              <a:t>📶</a:t>
-            </a:r>
-            <a:endParaRPr b="0" lang="id-ID" sz="700" spc="-1" strike="noStrike">
-              <a:latin typeface="Arial"/>
-            </a:endParaRPr>
-          </a:p>
-        </p:txBody>
-      </p:sp>
+      </p:pic>
+      <p:pic>
+        <p:nvPicPr>
+          <p:cNvPr id="82" name="" descr=""/>
+          <p:cNvPicPr/>
+          <p:nvPr/>
+        </p:nvPicPr>
+        <p:blipFill>
+          <a:blip r:embed="rId4"/>
+          <a:stretch/>
+        </p:blipFill>
+        <p:spPr>
+          <a:xfrm>
+            <a:off x="9056160" y="5380920"/>
+            <a:ext cx="134280" cy="134280"/>
+          </a:xfrm>
+          <a:prstGeom prst="rect">
+            <a:avLst/>
+          </a:prstGeom>
+          <a:ln w="0">
+            <a:noFill/>
+          </a:ln>
+        </p:spPr>
+      </p:pic>
     </p:spTree>
   </p:cSld>
   <mc:AlternateContent>
@@ -3695,17 +3727,21 @@
         </p:nvSpPr>
         <p:spPr>
           <a:xfrm>
-            <a:off x="4320000" y="4722480"/>
-            <a:ext cx="1438560" cy="244080"/>
-          </a:xfrm>
-          <a:prstGeom prst="rect">
+            <a:off x="4320000" y="1800000"/>
+            <a:ext cx="1440000" cy="1440000"/>
+          </a:xfrm>
+          <a:prstGeom prst="ellipse">
             <a:avLst/>
           </a:prstGeom>
           <a:solidFill>
-            <a:srgbClr val="ffffff"/>
+            <a:srgbClr val="729fcf"/>
           </a:solidFill>
           <a:ln w="0">
-            <a:noFill/>
+            <a:solidFill>
+              <a:srgbClr val="3465a4">
+                <a:alpha val="0"/>
+              </a:srgbClr>
+            </a:solidFill>
           </a:ln>
         </p:spPr>
         <p:style>
@@ -3714,6 +3750,34 @@
           <a:effectRef idx="0"/>
           <a:fontRef idx="minor"/>
         </p:style>
+      </p:sp>
+      <p:sp>
+        <p:nvSpPr>
+          <p:cNvPr id="84" name=""/>
+          <p:cNvSpPr/>
+          <p:nvPr/>
+        </p:nvSpPr>
+        <p:spPr>
+          <a:xfrm>
+            <a:off x="4320000" y="4722480"/>
+            <a:ext cx="1438200" cy="243720"/>
+          </a:xfrm>
+          <a:prstGeom prst="rect">
+            <a:avLst/>
+          </a:prstGeom>
+          <a:solidFill>
+            <a:srgbClr val="ffffff"/>
+          </a:solidFill>
+          <a:ln w="0">
+            <a:noFill/>
+          </a:ln>
+        </p:spPr>
+        <p:style>
+          <a:lnRef idx="0"/>
+          <a:fillRef idx="0"/>
+          <a:effectRef idx="0"/>
+          <a:fontRef idx="minor"/>
+        </p:style>
         <p:txBody>
           <a:bodyPr lIns="90000" rIns="90000" tIns="45000" bIns="45000">
             <a:noAutofit/>
@@ -3752,14 +3816,14 @@
       </p:sp>
       <p:sp>
         <p:nvSpPr>
-          <p:cNvPr id="84" name=""/>
+          <p:cNvPr id="85" name=""/>
           <p:cNvSpPr/>
           <p:nvPr/>
         </p:nvSpPr>
         <p:spPr>
           <a:xfrm>
             <a:off x="4545000" y="3240000"/>
-            <a:ext cx="988560" cy="460800"/>
+            <a:ext cx="988200" cy="460440"/>
           </a:xfrm>
           <a:prstGeom prst="rect">
             <a:avLst/>
@@ -3803,38 +3867,6 @@
       </p:sp>
       <p:sp>
         <p:nvSpPr>
-          <p:cNvPr id="85" name=""/>
-          <p:cNvSpPr/>
-          <p:nvPr/>
-        </p:nvSpPr>
-        <p:spPr>
-          <a:xfrm>
-            <a:off x="4140000" y="1440000"/>
-            <a:ext cx="1798560" cy="1798560"/>
-          </a:xfrm>
-          <a:prstGeom prst="smileyFace">
-            <a:avLst>
-              <a:gd name="adj" fmla="val 9282"/>
-            </a:avLst>
-          </a:prstGeom>
-          <a:solidFill>
-            <a:srgbClr val="729fcf"/>
-          </a:solidFill>
-          <a:ln w="0">
-            <a:solidFill>
-              <a:srgbClr val="3465a4"/>
-            </a:solidFill>
-          </a:ln>
-        </p:spPr>
-        <p:style>
-          <a:lnRef idx="0"/>
-          <a:fillRef idx="0"/>
-          <a:effectRef idx="0"/>
-          <a:fontRef idx="minor"/>
-        </p:style>
-      </p:sp>
-      <p:sp>
-        <p:nvSpPr>
           <p:cNvPr id="86" name=""/>
           <p:cNvSpPr/>
           <p:nvPr/>
@@ -3842,7 +3874,7 @@
         <p:spPr>
           <a:xfrm>
             <a:off x="3996000" y="4140000"/>
-            <a:ext cx="358560" cy="358560"/>
+            <a:ext cx="358200" cy="358200"/>
           </a:xfrm>
           <a:prstGeom prst="ellipse">
             <a:avLst/>
@@ -3874,7 +3906,7 @@
         <p:spPr>
           <a:xfrm>
             <a:off x="4176000" y="4140000"/>
-            <a:ext cx="1618560" cy="358560"/>
+            <a:ext cx="1618200" cy="358200"/>
           </a:xfrm>
           <a:prstGeom prst="rect">
             <a:avLst/>
@@ -3906,7 +3938,7 @@
         <p:spPr>
           <a:xfrm>
             <a:off x="5580000" y="4140000"/>
-            <a:ext cx="394560" cy="358560"/>
+            <a:ext cx="394200" cy="358200"/>
           </a:xfrm>
           <a:prstGeom prst="ellipse">
             <a:avLst/>
@@ -3963,7 +3995,7 @@
         <p:spPr>
           <a:xfrm>
             <a:off x="4032000" y="4140000"/>
-            <a:ext cx="1474560" cy="358560"/>
+            <a:ext cx="1474200" cy="358200"/>
           </a:xfrm>
           <a:prstGeom prst="rect">
             <a:avLst/>
@@ -4005,6 +4037,308 @@
           </a:p>
         </p:txBody>
       </p:sp>
+      <p:sp>
+        <p:nvSpPr>
+          <p:cNvPr id="90" name=""/>
+          <p:cNvSpPr/>
+          <p:nvPr/>
+        </p:nvSpPr>
+        <p:spPr>
+          <a:xfrm>
+            <a:off x="4757760" y="2040120"/>
+            <a:ext cx="559800" cy="559800"/>
+          </a:xfrm>
+          <a:custGeom>
+            <a:avLst/>
+            <a:gdLst/>
+            <a:ahLst/>
+            <a:rect l="0" t="0" r="r" b="b"/>
+            <a:pathLst>
+              <a:path w="1556" h="1556">
+                <a:moveTo>
+                  <a:pt x="1555" y="778"/>
+                </a:moveTo>
+                <a:cubicBezTo>
+                  <a:pt x="1555" y="914"/>
+                  <a:pt x="1520" y="1049"/>
+                  <a:pt x="1451" y="1167"/>
+                </a:cubicBezTo>
+                <a:cubicBezTo>
+                  <a:pt x="1383" y="1285"/>
+                  <a:pt x="1284" y="1383"/>
+                  <a:pt x="1166" y="1452"/>
+                </a:cubicBezTo>
+                <a:cubicBezTo>
+                  <a:pt x="1048" y="1520"/>
+                  <a:pt x="914" y="1555"/>
+                  <a:pt x="778" y="1555"/>
+                </a:cubicBezTo>
+                <a:cubicBezTo>
+                  <a:pt x="641" y="1555"/>
+                  <a:pt x="507" y="1520"/>
+                  <a:pt x="389" y="1452"/>
+                </a:cubicBezTo>
+                <a:cubicBezTo>
+                  <a:pt x="271" y="1383"/>
+                  <a:pt x="172" y="1285"/>
+                  <a:pt x="104" y="1167"/>
+                </a:cubicBezTo>
+                <a:cubicBezTo>
+                  <a:pt x="35" y="1049"/>
+                  <a:pt x="0" y="914"/>
+                  <a:pt x="0" y="778"/>
+                </a:cubicBezTo>
+                <a:cubicBezTo>
+                  <a:pt x="0" y="641"/>
+                  <a:pt x="36" y="507"/>
+                  <a:pt x="104" y="389"/>
+                </a:cubicBezTo>
+                <a:cubicBezTo>
+                  <a:pt x="173" y="271"/>
+                  <a:pt x="271" y="172"/>
+                  <a:pt x="389" y="104"/>
+                </a:cubicBezTo>
+                <a:cubicBezTo>
+                  <a:pt x="507" y="36"/>
+                  <a:pt x="641" y="0"/>
+                  <a:pt x="778" y="0"/>
+                </a:cubicBezTo>
+                <a:cubicBezTo>
+                  <a:pt x="914" y="0"/>
+                  <a:pt x="1048" y="36"/>
+                  <a:pt x="1166" y="104"/>
+                </a:cubicBezTo>
+                <a:cubicBezTo>
+                  <a:pt x="1284" y="172"/>
+                  <a:pt x="1382" y="271"/>
+                  <a:pt x="1451" y="389"/>
+                </a:cubicBezTo>
+                <a:cubicBezTo>
+                  <a:pt x="1519" y="507"/>
+                  <a:pt x="1555" y="641"/>
+                  <a:pt x="1555" y="778"/>
+                </a:cubicBezTo>
+                <a:close/>
+              </a:path>
+            </a:pathLst>
+          </a:custGeom>
+          <a:solidFill>
+            <a:srgbClr val="d8d8d8"/>
+          </a:solidFill>
+          <a:ln w="0">
+            <a:noFill/>
+          </a:ln>
+        </p:spPr>
+      </p:sp>
+      <p:sp>
+        <p:nvSpPr>
+          <p:cNvPr id="91" name=""/>
+          <p:cNvSpPr/>
+          <p:nvPr/>
+        </p:nvSpPr>
+        <p:spPr>
+          <a:xfrm>
+            <a:off x="4561560" y="2729520"/>
+            <a:ext cx="953640" cy="509760"/>
+          </a:xfrm>
+          <a:custGeom>
+            <a:avLst/>
+            <a:gdLst/>
+            <a:ahLst/>
+            <a:rect l="0" t="0" r="r" b="b"/>
+            <a:pathLst>
+              <a:path w="2650" h="1417">
+                <a:moveTo>
+                  <a:pt x="97" y="708"/>
+                </a:moveTo>
+                <a:cubicBezTo>
+                  <a:pt x="221" y="493"/>
+                  <a:pt x="400" y="314"/>
+                  <a:pt x="615" y="189"/>
+                </a:cubicBezTo>
+                <a:cubicBezTo>
+                  <a:pt x="830" y="65"/>
+                  <a:pt x="1074" y="0"/>
+                  <a:pt x="1323" y="0"/>
+                </a:cubicBezTo>
+                <a:cubicBezTo>
+                  <a:pt x="1571" y="0"/>
+                  <a:pt x="1815" y="65"/>
+                  <a:pt x="2030" y="189"/>
+                </a:cubicBezTo>
+                <a:cubicBezTo>
+                  <a:pt x="2245" y="314"/>
+                  <a:pt x="2424" y="493"/>
+                  <a:pt x="2548" y="708"/>
+                </a:cubicBezTo>
+                <a:cubicBezTo>
+                  <a:pt x="2588" y="777"/>
+                  <a:pt x="2622" y="848"/>
+                  <a:pt x="2649" y="922"/>
+                </a:cubicBezTo>
+                <a:cubicBezTo>
+                  <a:pt x="2551" y="1008"/>
+                  <a:pt x="2444" y="1085"/>
+                  <a:pt x="2330" y="1151"/>
+                </a:cubicBezTo>
+                <a:cubicBezTo>
+                  <a:pt x="2057" y="1308"/>
+                  <a:pt x="1752" y="1399"/>
+                  <a:pt x="1439" y="1416"/>
+                </a:cubicBezTo>
+                <a:lnTo>
+                  <a:pt x="1323" y="1416"/>
+                </a:lnTo>
+                <a:lnTo>
+                  <a:pt x="1220" y="1416"/>
+                </a:lnTo>
+                <a:cubicBezTo>
+                  <a:pt x="907" y="1399"/>
+                  <a:pt x="602" y="1308"/>
+                  <a:pt x="329" y="1151"/>
+                </a:cubicBezTo>
+                <a:cubicBezTo>
+                  <a:pt x="211" y="1083"/>
+                  <a:pt x="101" y="1003"/>
+                  <a:pt x="0" y="913"/>
+                </a:cubicBezTo>
+                <a:cubicBezTo>
+                  <a:pt x="26" y="842"/>
+                  <a:pt x="59" y="774"/>
+                  <a:pt x="97" y="708"/>
+                </a:cubicBezTo>
+                <a:close/>
+              </a:path>
+            </a:pathLst>
+          </a:custGeom>
+          <a:solidFill>
+            <a:srgbClr val="d8d8d8"/>
+          </a:solidFill>
+          <a:ln w="0">
+            <a:noFill/>
+          </a:ln>
+        </p:spPr>
+      </p:sp>
+      <p:sp>
+        <p:nvSpPr>
+          <p:cNvPr id="92" name=""/>
+          <p:cNvSpPr/>
+          <p:nvPr/>
+        </p:nvSpPr>
+        <p:spPr>
+          <a:xfrm>
+            <a:off x="9608400" y="5358600"/>
+            <a:ext cx="375120" cy="190440"/>
+          </a:xfrm>
+          <a:prstGeom prst="rect">
+            <a:avLst/>
+          </a:prstGeom>
+          <a:noFill/>
+          <a:ln w="0">
+            <a:noFill/>
+          </a:ln>
+        </p:spPr>
+        <p:style>
+          <a:lnRef idx="0"/>
+          <a:fillRef idx="0"/>
+          <a:effectRef idx="0"/>
+          <a:fontRef idx="minor"/>
+        </p:style>
+        <p:txBody>
+          <a:bodyPr lIns="90000" rIns="90000" tIns="45000" bIns="45000">
+            <a:noAutofit/>
+          </a:bodyPr>
+          <a:p>
+            <a:pPr algn="r">
+              <a:lnSpc>
+                <a:spcPts val="802"/>
+              </a:lnSpc>
+            </a:pPr>
+            <a:r>
+              <a:rPr b="1" lang="en-US" sz="700" spc="-1" strike="noStrike">
+                <a:solidFill>
+                  <a:srgbClr val="ffffff"/>
+                </a:solidFill>
+                <a:latin typeface="Montserrat"/>
+                <a:ea typeface="DejaVu Sans"/>
+              </a:rPr>
+              <a:t>90%</a:t>
+            </a:r>
+            <a:endParaRPr b="0" lang="id-ID" sz="700" spc="-1" strike="noStrike">
+              <a:latin typeface="Arial"/>
+            </a:endParaRPr>
+          </a:p>
+        </p:txBody>
+      </p:sp>
+      <p:pic>
+        <p:nvPicPr>
+          <p:cNvPr id="93" name="" descr=""/>
+          <p:cNvPicPr/>
+          <p:nvPr/>
+        </p:nvPicPr>
+        <p:blipFill>
+          <a:blip r:embed="rId2"/>
+          <a:stretch/>
+        </p:blipFill>
+        <p:spPr>
+          <a:xfrm>
+            <a:off x="9551160" y="5389560"/>
+            <a:ext cx="120240" cy="120240"/>
+          </a:xfrm>
+          <a:prstGeom prst="rect">
+            <a:avLst/>
+          </a:prstGeom>
+          <a:ln w="0">
+            <a:noFill/>
+          </a:ln>
+        </p:spPr>
+      </p:pic>
+      <p:pic>
+        <p:nvPicPr>
+          <p:cNvPr id="94" name="" descr=""/>
+          <p:cNvPicPr/>
+          <p:nvPr/>
+        </p:nvPicPr>
+        <p:blipFill>
+          <a:blip r:embed="rId3"/>
+          <a:stretch/>
+        </p:blipFill>
+        <p:spPr>
+          <a:xfrm>
+            <a:off x="9336240" y="5385600"/>
+            <a:ext cx="127440" cy="127440"/>
+          </a:xfrm>
+          <a:prstGeom prst="rect">
+            <a:avLst/>
+          </a:prstGeom>
+          <a:ln w="0">
+            <a:noFill/>
+          </a:ln>
+        </p:spPr>
+      </p:pic>
+      <p:pic>
+        <p:nvPicPr>
+          <p:cNvPr id="95" name="" descr=""/>
+          <p:cNvPicPr/>
+          <p:nvPr/>
+        </p:nvPicPr>
+        <p:blipFill>
+          <a:blip r:embed="rId4"/>
+          <a:stretch/>
+        </p:blipFill>
+        <p:spPr>
+          <a:xfrm>
+            <a:off x="9056520" y="5380920"/>
+            <a:ext cx="134280" cy="134280"/>
+          </a:xfrm>
+          <a:prstGeom prst="rect">
+            <a:avLst/>
+          </a:prstGeom>
+          <a:ln w="0">
+            <a:noFill/>
+          </a:ln>
+        </p:spPr>
+      </p:pic>
     </p:spTree>
   </p:cSld>
   <mc:AlternateContent>
@@ -4049,14 +4383,14 @@
       </p:grpSpPr>
       <p:sp>
         <p:nvSpPr>
-          <p:cNvPr id="90" name=""/>
+          <p:cNvPr id="96" name=""/>
           <p:cNvSpPr/>
           <p:nvPr/>
         </p:nvSpPr>
         <p:spPr>
           <a:xfrm>
             <a:off x="4545000" y="3240000"/>
-            <a:ext cx="988560" cy="460800"/>
+            <a:ext cx="988200" cy="460440"/>
           </a:xfrm>
           <a:prstGeom prst="rect">
             <a:avLst/>
@@ -4100,27 +4434,21 @@
       </p:sp>
       <p:sp>
         <p:nvSpPr>
-          <p:cNvPr id="91" name=""/>
+          <p:cNvPr id="97" name=""/>
           <p:cNvSpPr/>
           <p:nvPr/>
         </p:nvSpPr>
         <p:spPr>
           <a:xfrm>
-            <a:off x="4140000" y="1440000"/>
-            <a:ext cx="1798560" cy="1798560"/>
-          </a:xfrm>
-          <a:prstGeom prst="smileyFace">
-            <a:avLst>
-              <a:gd name="adj" fmla="val 9282"/>
-            </a:avLst>
-          </a:prstGeom>
-          <a:solidFill>
-            <a:srgbClr val="729fcf"/>
-          </a:solidFill>
+            <a:off x="3510000" y="4104000"/>
+            <a:ext cx="3058200" cy="578160"/>
+          </a:xfrm>
+          <a:prstGeom prst="rect">
+            <a:avLst/>
+          </a:prstGeom>
+          <a:noFill/>
           <a:ln w="0">
-            <a:solidFill>
-              <a:srgbClr val="3465a4"/>
-            </a:solidFill>
+            <a:noFill/>
           </a:ln>
         </p:spPr>
         <p:style>
@@ -4129,17 +4457,271 @@
           <a:effectRef idx="0"/>
           <a:fontRef idx="minor"/>
         </p:style>
-      </p:sp>
-      <p:sp>
-        <p:nvSpPr>
-          <p:cNvPr id="92" name=""/>
+        <p:txBody>
+          <a:bodyPr lIns="90000" rIns="90000" tIns="45000" bIns="45000">
+            <a:noAutofit/>
+          </a:bodyPr>
+          <a:p>
+            <a:pPr algn="ctr">
+              <a:lnSpc>
+                <a:spcPts val="1928"/>
+              </a:lnSpc>
+            </a:pPr>
+            <a:r>
+              <a:rPr b="0" lang="en-US" sz="900" spc="-1" strike="noStrike">
+                <a:solidFill>
+                  <a:srgbClr val="dee6ef"/>
+                </a:solidFill>
+                <a:latin typeface="Montserrat"/>
+                <a:ea typeface="Noto Sans CJK SC"/>
+              </a:rPr>
+              <a:t>Scan your fingerprint, or use your face to unlock.</a:t>
+            </a:r>
+            <a:endParaRPr b="0" lang="id-ID" sz="900" spc="-1" strike="noStrike">
+              <a:latin typeface="Arial"/>
+            </a:endParaRPr>
+          </a:p>
+        </p:txBody>
+      </p:sp>
+      <p:grpSp>
+        <p:nvGrpSpPr>
+          <p:cNvPr id="98" name=""/>
+          <p:cNvGrpSpPr/>
+          <p:nvPr/>
+        </p:nvGrpSpPr>
+        <p:grpSpPr>
+          <a:xfrm>
+            <a:off x="4320360" y="1800360"/>
+            <a:ext cx="1440000" cy="1440000"/>
+            <a:chOff x="4320360" y="1800360"/>
+            <a:chExt cx="1440000" cy="1440000"/>
+          </a:xfrm>
+        </p:grpSpPr>
+        <p:sp>
+          <p:nvSpPr>
+            <p:cNvPr id="99" name=""/>
+            <p:cNvSpPr/>
+            <p:nvPr/>
+          </p:nvSpPr>
+          <p:spPr>
+            <a:xfrm>
+              <a:off x="4320360" y="1800360"/>
+              <a:ext cx="1440000" cy="1440000"/>
+            </a:xfrm>
+            <a:prstGeom prst="ellipse">
+              <a:avLst/>
+            </a:prstGeom>
+            <a:solidFill>
+              <a:srgbClr val="729fcf"/>
+            </a:solidFill>
+            <a:ln w="0">
+              <a:solidFill>
+                <a:srgbClr val="3465a4">
+                  <a:alpha val="0"/>
+                </a:srgbClr>
+              </a:solidFill>
+            </a:ln>
+          </p:spPr>
+          <p:style>
+            <a:lnRef idx="0"/>
+            <a:fillRef idx="0"/>
+            <a:effectRef idx="0"/>
+            <a:fontRef idx="minor"/>
+          </p:style>
+        </p:sp>
+        <p:sp>
+          <p:nvSpPr>
+            <p:cNvPr id="100" name=""/>
+            <p:cNvSpPr/>
+            <p:nvPr/>
+          </p:nvSpPr>
+          <p:spPr>
+            <a:xfrm>
+              <a:off x="4758120" y="2040480"/>
+              <a:ext cx="559800" cy="559800"/>
+            </a:xfrm>
+            <a:custGeom>
+              <a:avLst/>
+              <a:gdLst/>
+              <a:ahLst/>
+              <a:rect l="0" t="0" r="r" b="b"/>
+              <a:pathLst>
+                <a:path w="1556" h="1556">
+                  <a:moveTo>
+                    <a:pt x="1555" y="778"/>
+                  </a:moveTo>
+                  <a:cubicBezTo>
+                    <a:pt x="1555" y="914"/>
+                    <a:pt x="1520" y="1049"/>
+                    <a:pt x="1451" y="1167"/>
+                  </a:cubicBezTo>
+                  <a:cubicBezTo>
+                    <a:pt x="1383" y="1285"/>
+                    <a:pt x="1284" y="1383"/>
+                    <a:pt x="1166" y="1452"/>
+                  </a:cubicBezTo>
+                  <a:cubicBezTo>
+                    <a:pt x="1048" y="1520"/>
+                    <a:pt x="914" y="1555"/>
+                    <a:pt x="778" y="1555"/>
+                  </a:cubicBezTo>
+                  <a:cubicBezTo>
+                    <a:pt x="641" y="1555"/>
+                    <a:pt x="507" y="1520"/>
+                    <a:pt x="389" y="1452"/>
+                  </a:cubicBezTo>
+                  <a:cubicBezTo>
+                    <a:pt x="271" y="1383"/>
+                    <a:pt x="172" y="1285"/>
+                    <a:pt x="104" y="1167"/>
+                  </a:cubicBezTo>
+                  <a:cubicBezTo>
+                    <a:pt x="35" y="1049"/>
+                    <a:pt x="0" y="914"/>
+                    <a:pt x="0" y="778"/>
+                  </a:cubicBezTo>
+                  <a:cubicBezTo>
+                    <a:pt x="0" y="641"/>
+                    <a:pt x="36" y="507"/>
+                    <a:pt x="104" y="389"/>
+                  </a:cubicBezTo>
+                  <a:cubicBezTo>
+                    <a:pt x="173" y="271"/>
+                    <a:pt x="271" y="172"/>
+                    <a:pt x="389" y="104"/>
+                  </a:cubicBezTo>
+                  <a:cubicBezTo>
+                    <a:pt x="507" y="36"/>
+                    <a:pt x="641" y="0"/>
+                    <a:pt x="778" y="0"/>
+                  </a:cubicBezTo>
+                  <a:cubicBezTo>
+                    <a:pt x="914" y="0"/>
+                    <a:pt x="1048" y="36"/>
+                    <a:pt x="1166" y="104"/>
+                  </a:cubicBezTo>
+                  <a:cubicBezTo>
+                    <a:pt x="1284" y="172"/>
+                    <a:pt x="1382" y="271"/>
+                    <a:pt x="1451" y="389"/>
+                  </a:cubicBezTo>
+                  <a:cubicBezTo>
+                    <a:pt x="1519" y="507"/>
+                    <a:pt x="1555" y="641"/>
+                    <a:pt x="1555" y="778"/>
+                  </a:cubicBezTo>
+                  <a:close/>
+                </a:path>
+              </a:pathLst>
+            </a:custGeom>
+            <a:solidFill>
+              <a:srgbClr val="d8d8d8"/>
+            </a:solidFill>
+            <a:ln w="0">
+              <a:noFill/>
+            </a:ln>
+          </p:spPr>
+        </p:sp>
+        <p:sp>
+          <p:nvSpPr>
+            <p:cNvPr id="101" name=""/>
+            <p:cNvSpPr/>
+            <p:nvPr/>
+          </p:nvSpPr>
+          <p:spPr>
+            <a:xfrm>
+              <a:off x="4561920" y="2729880"/>
+              <a:ext cx="953640" cy="509760"/>
+            </a:xfrm>
+            <a:custGeom>
+              <a:avLst/>
+              <a:gdLst/>
+              <a:ahLst/>
+              <a:rect l="0" t="0" r="r" b="b"/>
+              <a:pathLst>
+                <a:path w="2650" h="1417">
+                  <a:moveTo>
+                    <a:pt x="97" y="708"/>
+                  </a:moveTo>
+                  <a:cubicBezTo>
+                    <a:pt x="221" y="493"/>
+                    <a:pt x="400" y="314"/>
+                    <a:pt x="615" y="189"/>
+                  </a:cubicBezTo>
+                  <a:cubicBezTo>
+                    <a:pt x="830" y="65"/>
+                    <a:pt x="1074" y="0"/>
+                    <a:pt x="1323" y="0"/>
+                  </a:cubicBezTo>
+                  <a:cubicBezTo>
+                    <a:pt x="1571" y="0"/>
+                    <a:pt x="1815" y="65"/>
+                    <a:pt x="2030" y="189"/>
+                  </a:cubicBezTo>
+                  <a:cubicBezTo>
+                    <a:pt x="2245" y="314"/>
+                    <a:pt x="2424" y="493"/>
+                    <a:pt x="2548" y="708"/>
+                  </a:cubicBezTo>
+                  <a:cubicBezTo>
+                    <a:pt x="2588" y="777"/>
+                    <a:pt x="2622" y="848"/>
+                    <a:pt x="2649" y="922"/>
+                  </a:cubicBezTo>
+                  <a:cubicBezTo>
+                    <a:pt x="2551" y="1008"/>
+                    <a:pt x="2444" y="1085"/>
+                    <a:pt x="2330" y="1151"/>
+                  </a:cubicBezTo>
+                  <a:cubicBezTo>
+                    <a:pt x="2057" y="1308"/>
+                    <a:pt x="1752" y="1399"/>
+                    <a:pt x="1439" y="1416"/>
+                  </a:cubicBezTo>
+                  <a:lnTo>
+                    <a:pt x="1323" y="1416"/>
+                  </a:lnTo>
+                  <a:lnTo>
+                    <a:pt x="1220" y="1416"/>
+                  </a:lnTo>
+                  <a:cubicBezTo>
+                    <a:pt x="907" y="1399"/>
+                    <a:pt x="602" y="1308"/>
+                    <a:pt x="329" y="1151"/>
+                  </a:cubicBezTo>
+                  <a:cubicBezTo>
+                    <a:pt x="211" y="1083"/>
+                    <a:pt x="101" y="1003"/>
+                    <a:pt x="0" y="913"/>
+                  </a:cubicBezTo>
+                  <a:cubicBezTo>
+                    <a:pt x="26" y="842"/>
+                    <a:pt x="59" y="774"/>
+                    <a:pt x="97" y="708"/>
+                  </a:cubicBezTo>
+                  <a:close/>
+                </a:path>
+              </a:pathLst>
+            </a:custGeom>
+            <a:solidFill>
+              <a:srgbClr val="d8d8d8"/>
+            </a:solidFill>
+            <a:ln w="0">
+              <a:noFill/>
+            </a:ln>
+          </p:spPr>
+        </p:sp>
+      </p:grpSp>
+      <p:sp>
+        <p:nvSpPr>
+          <p:cNvPr id="102" name=""/>
           <p:cNvSpPr/>
           <p:nvPr/>
         </p:nvSpPr>
         <p:spPr>
           <a:xfrm>
-            <a:off x="3510000" y="4104000"/>
-            <a:ext cx="3058560" cy="578520"/>
+            <a:off x="9608400" y="5358600"/>
+            <a:ext cx="375120" cy="190440"/>
           </a:xfrm>
           <a:prstGeom prst="rect">
             <a:avLst/>
@@ -4160,27 +4742,96 @@
             <a:noAutofit/>
           </a:bodyPr>
           <a:p>
-            <a:pPr algn="ctr">
+            <a:pPr algn="r">
               <a:lnSpc>
-                <a:spcPts val="1928"/>
+                <a:spcPts val="802"/>
               </a:lnSpc>
             </a:pPr>
             <a:r>
-              <a:rPr b="0" lang="en-US" sz="900" spc="-1" strike="noStrike">
+              <a:rPr b="1" lang="en-US" sz="700" spc="-1" strike="noStrike">
                 <a:solidFill>
-                  <a:srgbClr val="dee6ef"/>
+                  <a:srgbClr val="ffffff"/>
                 </a:solidFill>
                 <a:latin typeface="Montserrat"/>
-                <a:ea typeface="Noto Sans CJK SC"/>
-              </a:rPr>
-              <a:t>Scan your fingerprint, or use your face to unlock.</a:t>
-            </a:r>
-            <a:endParaRPr b="0" lang="id-ID" sz="900" spc="-1" strike="noStrike">
-              <a:latin typeface="Arial"/>
-            </a:endParaRPr>
-          </a:p>
-        </p:txBody>
-      </p:sp>
+                <a:ea typeface="DejaVu Sans"/>
+              </a:rPr>
+              <a:t>90%</a:t>
+            </a:r>
+            <a:endParaRPr b="0" lang="id-ID" sz="700" spc="-1" strike="noStrike">
+              <a:latin typeface="Arial"/>
+            </a:endParaRPr>
+          </a:p>
+        </p:txBody>
+      </p:sp>
+      <p:pic>
+        <p:nvPicPr>
+          <p:cNvPr id="103" name="" descr=""/>
+          <p:cNvPicPr/>
+          <p:nvPr/>
+        </p:nvPicPr>
+        <p:blipFill>
+          <a:blip r:embed="rId2"/>
+          <a:stretch/>
+        </p:blipFill>
+        <p:spPr>
+          <a:xfrm>
+            <a:off x="9551160" y="5389560"/>
+            <a:ext cx="120240" cy="120240"/>
+          </a:xfrm>
+          <a:prstGeom prst="rect">
+            <a:avLst/>
+          </a:prstGeom>
+          <a:ln w="0">
+            <a:noFill/>
+          </a:ln>
+        </p:spPr>
+      </p:pic>
+      <p:pic>
+        <p:nvPicPr>
+          <p:cNvPr id="104" name="" descr=""/>
+          <p:cNvPicPr/>
+          <p:nvPr/>
+        </p:nvPicPr>
+        <p:blipFill>
+          <a:blip r:embed="rId3"/>
+          <a:stretch/>
+        </p:blipFill>
+        <p:spPr>
+          <a:xfrm>
+            <a:off x="9336240" y="5385600"/>
+            <a:ext cx="127440" cy="127440"/>
+          </a:xfrm>
+          <a:prstGeom prst="rect">
+            <a:avLst/>
+          </a:prstGeom>
+          <a:ln w="0">
+            <a:noFill/>
+          </a:ln>
+        </p:spPr>
+      </p:pic>
+      <p:pic>
+        <p:nvPicPr>
+          <p:cNvPr id="105" name="" descr=""/>
+          <p:cNvPicPr/>
+          <p:nvPr/>
+        </p:nvPicPr>
+        <p:blipFill>
+          <a:blip r:embed="rId4"/>
+          <a:stretch/>
+        </p:blipFill>
+        <p:spPr>
+          <a:xfrm>
+            <a:off x="9056520" y="5380920"/>
+            <a:ext cx="134280" cy="134280"/>
+          </a:xfrm>
+          <a:prstGeom prst="rect">
+            <a:avLst/>
+          </a:prstGeom>
+          <a:ln w="0">
+            <a:noFill/>
+          </a:ln>
+        </p:spPr>
+      </p:pic>
     </p:spTree>
   </p:cSld>
   <mc:AlternateContent>
@@ -4218,7 +4869,7 @@
                               <p:par>
                                 <p:cTn id="5" nodeType="withEffect" fill="hold" presetClass="entr" presetID="18" presetSubtype="12">
                                   <p:stCondLst>
-                                    <p:cond delay="500"/>
+                                    <p:cond delay="1000"/>
                                   </p:stCondLst>
                                   <p:childTnLst>
                                     <p:set>
@@ -4229,7 +4880,7 @@
                                           </p:stCondLst>
                                         </p:cTn>
                                         <p:tgtEl>
-                                          <p:spTgt spid="91"/>
+                                          <p:spTgt spid="98"/>
                                         </p:tgtEl>
                                         <p:attrNameLst>
                                           <p:attrName>style.visibility</p:attrName>
@@ -4243,7 +4894,7 @@
                                       <p:cBhvr additive="repl">
                                         <p:cTn id="7" dur="500"/>
                                         <p:tgtEl>
-                                          <p:spTgt spid="91"/>
+                                          <p:spTgt spid="98"/>
                                         </p:tgtEl>
                                       </p:cBhvr>
                                     </p:animEffect>
@@ -4251,7 +4902,7 @@
                                       <p:cMediaNode>
                                         <p:cTn/>
                                         <p:tgtEl>
-                                          <p:sndTgt r:embed="rId2" name="apert.wav"/>
+                                          <p:sndTgt r:embed="rId5" name="apert.wav"/>
                                         </p:tgtEl>
                                       </p:cMediaNode>
                                     </p:audio>
@@ -4316,14 +4967,14 @@
       </p:grpSpPr>
       <p:sp>
         <p:nvSpPr>
-          <p:cNvPr id="93" name=""/>
+          <p:cNvPr id="106" name=""/>
           <p:cNvSpPr/>
           <p:nvPr/>
         </p:nvSpPr>
         <p:spPr>
           <a:xfrm>
             <a:off x="0" y="0"/>
-            <a:ext cx="10078560" cy="178560"/>
+            <a:ext cx="10078200" cy="178200"/>
           </a:xfrm>
           <a:prstGeom prst="rect">
             <a:avLst/>
@@ -4350,7 +5001,7 @@
       </p:sp>
       <p:pic>
         <p:nvPicPr>
-          <p:cNvPr id="94" name="" descr=""/>
+          <p:cNvPr id="107" name="" descr=""/>
           <p:cNvPicPr/>
           <p:nvPr/>
         </p:nvPicPr>
@@ -4363,7 +5014,7 @@
         <p:spPr>
           <a:xfrm>
             <a:off x="116640" y="37440"/>
-            <a:ext cx="62280" cy="97200"/>
+            <a:ext cx="61920" cy="96840"/>
           </a:xfrm>
           <a:prstGeom prst="rect">
             <a:avLst/>
@@ -4375,14 +5026,14 @@
       </p:pic>
       <p:sp>
         <p:nvSpPr>
-          <p:cNvPr id="95" name=""/>
+          <p:cNvPr id="108" name=""/>
           <p:cNvSpPr/>
           <p:nvPr/>
         </p:nvSpPr>
         <p:spPr>
           <a:xfrm>
             <a:off x="211680" y="0"/>
-            <a:ext cx="628920" cy="190800"/>
+            <a:ext cx="628560" cy="190440"/>
           </a:xfrm>
           <a:prstGeom prst="rect">
             <a:avLst/>
@@ -4426,14 +5077,14 @@
       </p:sp>
       <p:sp>
         <p:nvSpPr>
-          <p:cNvPr id="96" name=""/>
+          <p:cNvPr id="109" name=""/>
           <p:cNvSpPr/>
           <p:nvPr/>
         </p:nvSpPr>
         <p:spPr>
           <a:xfrm>
             <a:off x="4855320" y="-5400"/>
-            <a:ext cx="368280" cy="190800"/>
+            <a:ext cx="367920" cy="190440"/>
           </a:xfrm>
           <a:prstGeom prst="rect">
             <a:avLst/>
@@ -4462,7 +5113,7 @@
             <a:r>
               <a:rPr b="1" lang="en-US" sz="700" spc="-1" strike="noStrike">
                 <a:solidFill>
-                  <a:srgbClr val="000000"/>
+                  <a:srgbClr val="ffffff"/>
                 </a:solidFill>
                 <a:latin typeface="Montserrat"/>
                 <a:ea typeface="DejaVu Sans"/>
@@ -4470,81 +5121,31 @@
               <a:t>7:30</a:t>
             </a:r>
             <a:endParaRPr b="0" lang="id-ID" sz="700" spc="-1" strike="noStrike">
-              <a:latin typeface="Arial"/>
-            </a:endParaRPr>
-          </a:p>
-        </p:txBody>
-      </p:sp>
-      <p:sp>
-        <p:nvSpPr>
-          <p:cNvPr id="97" name=""/>
+              <a:solidFill>
+                <a:srgbClr val="ffffff"/>
+              </a:solidFill>
+              <a:latin typeface="Arial"/>
+            </a:endParaRPr>
+          </a:p>
+        </p:txBody>
+      </p:sp>
+      <p:sp>
+        <p:nvSpPr>
+          <p:cNvPr id="110" name=""/>
           <p:cNvSpPr/>
           <p:nvPr/>
         </p:nvSpPr>
         <p:spPr>
           <a:xfrm>
-            <a:off x="9713880" y="42840"/>
-            <a:ext cx="94680" cy="94680"/>
-          </a:xfrm>
-          <a:custGeom>
-            <a:avLst/>
-            <a:gdLst/>
-            <a:ahLst/>
-            <a:rect l="l" t="t" r="r" b="b"/>
-            <a:pathLst>
-              <a:path w="640" h="861">
-                <a:moveTo>
-                  <a:pt x="640" y="233"/>
-                </a:moveTo>
-                <a:lnTo>
-                  <a:pt x="221" y="293"/>
-                </a:lnTo>
-                <a:lnTo>
-                  <a:pt x="506" y="12"/>
-                </a:lnTo>
-                <a:lnTo>
-                  <a:pt x="367" y="0"/>
-                </a:lnTo>
-                <a:lnTo>
-                  <a:pt x="29" y="406"/>
-                </a:lnTo>
-                <a:lnTo>
-                  <a:pt x="431" y="347"/>
-                </a:lnTo>
-                <a:lnTo>
-                  <a:pt x="145" y="645"/>
-                </a:lnTo>
-                <a:lnTo>
-                  <a:pt x="99" y="520"/>
-                </a:lnTo>
-                <a:lnTo>
-                  <a:pt x="0" y="861"/>
-                </a:lnTo>
-                <a:lnTo>
-                  <a:pt x="326" y="765"/>
-                </a:lnTo>
-                <a:lnTo>
-                  <a:pt x="209" y="711"/>
-                </a:lnTo>
-                <a:lnTo>
-                  <a:pt x="640" y="233"/>
-                </a:lnTo>
-                <a:lnTo>
-                  <a:pt x="640" y="233"/>
-                </a:lnTo>
-                <a:close/>
-              </a:path>
-            </a:pathLst>
-          </a:custGeom>
-          <a:solidFill>
-            <a:srgbClr val="00ff58"/>
-          </a:solidFill>
+            <a:off x="9679680" y="-5400"/>
+            <a:ext cx="375120" cy="190440"/>
+          </a:xfrm>
+          <a:prstGeom prst="rect">
+            <a:avLst/>
+          </a:prstGeom>
+          <a:noFill/>
           <a:ln w="0">
-            <a:solidFill>
-              <a:srgbClr val="3465a4">
-                <a:alpha val="0"/>
-              </a:srgbClr>
-            </a:solidFill>
+            <a:noFill/>
           </a:ln>
         </p:spPr>
         <p:style>
@@ -4553,32 +5154,6 @@
           <a:effectRef idx="0"/>
           <a:fontRef idx="minor"/>
         </p:style>
-      </p:sp>
-      <p:sp>
-        <p:nvSpPr>
-          <p:cNvPr id="98" name=""/>
-          <p:cNvSpPr/>
-          <p:nvPr/>
-        </p:nvSpPr>
-        <p:spPr>
-          <a:xfrm>
-            <a:off x="9751680" y="-5400"/>
-            <a:ext cx="375480" cy="190800"/>
-          </a:xfrm>
-          <a:prstGeom prst="rect">
-            <a:avLst/>
-          </a:prstGeom>
-          <a:noFill/>
-          <a:ln w="0">
-            <a:noFill/>
-          </a:ln>
-        </p:spPr>
-        <p:style>
-          <a:lnRef idx="0"/>
-          <a:fillRef idx="0"/>
-          <a:effectRef idx="0"/>
-          <a:fontRef idx="minor"/>
-        </p:style>
         <p:txBody>
           <a:bodyPr lIns="90000" rIns="90000" tIns="45000" bIns="45000">
             <a:noAutofit/>
@@ -4607,116 +5182,14 @@
       </p:sp>
       <p:sp>
         <p:nvSpPr>
-          <p:cNvPr id="99" name=""/>
+          <p:cNvPr id="111" name=""/>
           <p:cNvSpPr/>
           <p:nvPr/>
         </p:nvSpPr>
         <p:spPr>
           <a:xfrm>
-            <a:off x="9398880" y="-5400"/>
-            <a:ext cx="331200" cy="325800"/>
-          </a:xfrm>
-          <a:prstGeom prst="rect">
-            <a:avLst/>
-          </a:prstGeom>
-          <a:noFill/>
-          <a:ln w="0">
-            <a:noFill/>
-          </a:ln>
-        </p:spPr>
-        <p:style>
-          <a:lnRef idx="0"/>
-          <a:fillRef idx="0"/>
-          <a:effectRef idx="0"/>
-          <a:fontRef idx="minor"/>
-        </p:style>
-        <p:txBody>
-          <a:bodyPr lIns="90000" rIns="90000" tIns="45000" bIns="45000">
-            <a:noAutofit/>
-          </a:bodyPr>
-          <a:p>
-            <a:pPr algn="r">
-              <a:lnSpc>
-                <a:spcPts val="933"/>
-              </a:lnSpc>
-            </a:pPr>
-            <a:r>
-              <a:rPr b="1" lang="en-US" sz="900" spc="-1" strike="noStrike">
-                <a:solidFill>
-                  <a:srgbClr val="ffffff"/>
-                </a:solidFill>
-                <a:latin typeface="Montserrat"/>
-                <a:ea typeface="DejaVu Sans"/>
-              </a:rPr>
-              <a:t>🕪</a:t>
-            </a:r>
-            <a:endParaRPr b="0" lang="id-ID" sz="900" spc="-1" strike="noStrike">
-              <a:latin typeface="Arial"/>
-            </a:endParaRPr>
-          </a:p>
-        </p:txBody>
-      </p:sp>
-      <p:sp>
-        <p:nvSpPr>
-          <p:cNvPr id="100" name=""/>
-          <p:cNvSpPr/>
-          <p:nvPr/>
-        </p:nvSpPr>
-        <p:spPr>
-          <a:xfrm>
-            <a:off x="9229680" y="-5040"/>
-            <a:ext cx="289440" cy="190800"/>
-          </a:xfrm>
-          <a:prstGeom prst="rect">
-            <a:avLst/>
-          </a:prstGeom>
-          <a:noFill/>
-          <a:ln w="0">
-            <a:noFill/>
-          </a:ln>
-        </p:spPr>
-        <p:style>
-          <a:lnRef idx="0"/>
-          <a:fillRef idx="0"/>
-          <a:effectRef idx="0"/>
-          <a:fontRef idx="minor"/>
-        </p:style>
-        <p:txBody>
-          <a:bodyPr lIns="90000" rIns="90000" tIns="45000" bIns="45000">
-            <a:noAutofit/>
-          </a:bodyPr>
-          <a:p>
-            <a:pPr algn="r">
-              <a:lnSpc>
-                <a:spcPts val="802"/>
-              </a:lnSpc>
-            </a:pPr>
-            <a:r>
-              <a:rPr b="1" lang="en-US" sz="700" spc="-1" strike="noStrike">
-                <a:solidFill>
-                  <a:srgbClr val="000000"/>
-                </a:solidFill>
-                <a:latin typeface="Montserrat"/>
-                <a:ea typeface="DejaVu Sans"/>
-              </a:rPr>
-              <a:t>📶</a:t>
-            </a:r>
-            <a:endParaRPr b="0" lang="id-ID" sz="700" spc="-1" strike="noStrike">
-              <a:latin typeface="Arial"/>
-            </a:endParaRPr>
-          </a:p>
-        </p:txBody>
-      </p:sp>
-      <p:sp>
-        <p:nvSpPr>
-          <p:cNvPr id="101" name=""/>
-          <p:cNvSpPr/>
-          <p:nvPr/>
-        </p:nvSpPr>
-        <p:spPr>
-          <a:xfrm>
             <a:off x="4590360" y="5238000"/>
-            <a:ext cx="846720" cy="358560"/>
+            <a:ext cx="846360" cy="358200"/>
           </a:xfrm>
           <a:custGeom>
             <a:avLst/>
@@ -4772,14 +5245,14 @@
       </p:sp>
       <p:sp>
         <p:nvSpPr>
-          <p:cNvPr id="102" name=""/>
+          <p:cNvPr id="112" name=""/>
           <p:cNvSpPr/>
           <p:nvPr/>
         </p:nvSpPr>
         <p:spPr>
           <a:xfrm>
             <a:off x="4428000" y="5238000"/>
-            <a:ext cx="358920" cy="358920"/>
+            <a:ext cx="358560" cy="358560"/>
           </a:xfrm>
           <a:custGeom>
             <a:avLst/>
@@ -4875,14 +5348,14 @@
       </p:sp>
       <p:sp>
         <p:nvSpPr>
-          <p:cNvPr id="103" name=""/>
+          <p:cNvPr id="113" name=""/>
           <p:cNvSpPr/>
           <p:nvPr/>
         </p:nvSpPr>
         <p:spPr>
           <a:xfrm>
             <a:off x="5256360" y="5238360"/>
-            <a:ext cx="358920" cy="358920"/>
+            <a:ext cx="358560" cy="358560"/>
           </a:xfrm>
           <a:custGeom>
             <a:avLst/>
@@ -4978,14 +5451,14 @@
       </p:sp>
       <p:sp>
         <p:nvSpPr>
-          <p:cNvPr id="104" name=""/>
+          <p:cNvPr id="114" name=""/>
           <p:cNvSpPr/>
           <p:nvPr/>
         </p:nvSpPr>
         <p:spPr>
           <a:xfrm>
             <a:off x="4752000" y="5220360"/>
-            <a:ext cx="538560" cy="363240"/>
+            <a:ext cx="538200" cy="362880"/>
           </a:xfrm>
           <a:prstGeom prst="rect">
             <a:avLst/>
@@ -5029,14 +5502,14 @@
       </p:sp>
       <p:sp>
         <p:nvSpPr>
-          <p:cNvPr id="105" name=""/>
+          <p:cNvPr id="115" name=""/>
           <p:cNvSpPr/>
           <p:nvPr/>
         </p:nvSpPr>
         <p:spPr>
           <a:xfrm rot="612000">
-            <a:off x="5254920" y="5278680"/>
-            <a:ext cx="282960" cy="262080"/>
+            <a:off x="5254920" y="5278320"/>
+            <a:ext cx="282600" cy="261720"/>
           </a:xfrm>
           <a:custGeom>
             <a:avLst/>
@@ -5118,14 +5591,14 @@
       </p:sp>
       <p:sp>
         <p:nvSpPr>
-          <p:cNvPr id="106" name=""/>
+          <p:cNvPr id="116" name=""/>
           <p:cNvSpPr/>
           <p:nvPr/>
         </p:nvSpPr>
         <p:spPr>
           <a:xfrm>
             <a:off x="4860000" y="5220000"/>
-            <a:ext cx="358560" cy="363240"/>
+            <a:ext cx="358200" cy="362880"/>
           </a:xfrm>
           <a:prstGeom prst="rect">
             <a:avLst/>
@@ -5169,14 +5642,14 @@
       </p:sp>
       <p:sp>
         <p:nvSpPr>
-          <p:cNvPr id="107" name=""/>
+          <p:cNvPr id="117" name=""/>
           <p:cNvSpPr/>
           <p:nvPr/>
         </p:nvSpPr>
         <p:spPr>
           <a:xfrm rot="597600">
-            <a:off x="4520880" y="5271480"/>
-            <a:ext cx="265320" cy="265320"/>
+            <a:off x="4520520" y="5271480"/>
+            <a:ext cx="264960" cy="264960"/>
           </a:xfrm>
           <a:prstGeom prst="smileyFace">
             <a:avLst>
@@ -5200,6 +5673,425 @@
           <a:fontRef idx="minor"/>
         </p:style>
       </p:sp>
+      <p:sp>
+        <p:nvSpPr>
+          <p:cNvPr id="118" name=""/>
+          <p:cNvSpPr txBox="1"/>
+          <p:nvPr/>
+        </p:nvSpPr>
+        <p:spPr>
+          <a:xfrm>
+            <a:off x="180000" y="1260000"/>
+            <a:ext cx="540000" cy="540000"/>
+          </a:xfrm>
+          <a:prstGeom prst="rect">
+            <a:avLst/>
+          </a:prstGeom>
+          <a:blipFill rotWithShape="0">
+            <a:blip r:embed="rId3"/>
+            <a:stretch/>
+          </a:blipFill>
+          <a:ln w="0">
+            <a:noFill/>
+          </a:ln>
+        </p:spPr>
+        <p:txBody>
+          <a:bodyPr lIns="90000" rIns="90000" tIns="45000" bIns="45000" anchor="ctr" anchorCtr="1">
+            <a:noAutofit/>
+          </a:bodyPr>
+          <a:p>
+            <a:pPr algn="ctr">
+              <a:lnSpc>
+                <a:spcPts val="6749"/>
+              </a:lnSpc>
+            </a:pPr>
+            <a:r>
+              <a:rPr b="0" lang="id-ID" sz="900" spc="-1" strike="noStrike">
+                <a:latin typeface="Montserrat"/>
+              </a:rPr>
+              <a:t>User</a:t>
+            </a:r>
+            <a:endParaRPr b="0" lang="id-ID" sz="900" spc="-1" strike="noStrike">
+              <a:latin typeface="Montserrat"/>
+              <a:ea typeface="Noto Sans CJK SC"/>
+            </a:endParaRPr>
+          </a:p>
+        </p:txBody>
+      </p:sp>
+      <p:sp>
+        <p:nvSpPr>
+          <p:cNvPr id="119" name=""/>
+          <p:cNvSpPr txBox="1"/>
+          <p:nvPr/>
+        </p:nvSpPr>
+        <p:spPr>
+          <a:xfrm>
+            <a:off x="163800" y="2143800"/>
+            <a:ext cx="556200" cy="556200"/>
+          </a:xfrm>
+          <a:prstGeom prst="rect">
+            <a:avLst/>
+          </a:prstGeom>
+          <a:blipFill rotWithShape="0">
+            <a:blip r:embed="rId4"/>
+            <a:stretch/>
+          </a:blipFill>
+          <a:ln w="0">
+            <a:noFill/>
+          </a:ln>
+        </p:spPr>
+        <p:txBody>
+          <a:bodyPr lIns="90000" rIns="90000" tIns="45000" bIns="45000" anchor="ctr" anchorCtr="1">
+            <a:noAutofit/>
+          </a:bodyPr>
+          <a:p>
+            <a:pPr algn="ctr">
+              <a:lnSpc>
+                <a:spcPts val="7393"/>
+              </a:lnSpc>
+            </a:pPr>
+            <a:r>
+              <a:rPr b="0" lang="id-ID" sz="800" spc="-1" strike="noStrike">
+                <a:latin typeface="Montserrat"/>
+              </a:rPr>
+              <a:t>Me</a:t>
+            </a:r>
+            <a:r>
+              <a:rPr b="0" lang="id-ID" sz="800" spc="-1" strike="noStrike">
+                <a:latin typeface="Montserrat"/>
+              </a:rPr>
+              <a:t>dia</a:t>
+            </a:r>
+            <a:r>
+              <a:rPr b="0" lang="id-ID" sz="800" spc="-1" strike="noStrike">
+                <a:latin typeface="Montserrat"/>
+              </a:rPr>
+              <a:t>Br</a:t>
+            </a:r>
+            <a:r>
+              <a:rPr b="0" lang="id-ID" sz="800" spc="-1" strike="noStrike">
+                <a:latin typeface="Montserrat"/>
+              </a:rPr>
+              <a:t>ow</a:t>
+            </a:r>
+            <a:r>
+              <a:rPr b="0" lang="id-ID" sz="800" spc="-1" strike="noStrike">
+                <a:latin typeface="Montserrat"/>
+              </a:rPr>
+              <a:t>se</a:t>
+            </a:r>
+            <a:endParaRPr b="0" lang="id-ID" sz="800" spc="-1" strike="noStrike">
+              <a:latin typeface="Arial"/>
+            </a:endParaRPr>
+          </a:p>
+        </p:txBody>
+      </p:sp>
+      <p:sp>
+        <p:nvSpPr>
+          <p:cNvPr id="120" name=""/>
+          <p:cNvSpPr txBox="1"/>
+          <p:nvPr/>
+        </p:nvSpPr>
+        <p:spPr>
+          <a:xfrm>
+            <a:off x="180000" y="360000"/>
+            <a:ext cx="540000" cy="540000"/>
+          </a:xfrm>
+          <a:prstGeom prst="rect">
+            <a:avLst/>
+          </a:prstGeom>
+          <a:blipFill rotWithShape="0">
+            <a:blip r:embed="rId5"/>
+            <a:stretch/>
+          </a:blipFill>
+          <a:ln w="0">
+            <a:noFill/>
+          </a:ln>
+        </p:spPr>
+        <p:txBody>
+          <a:bodyPr lIns="90000" rIns="90000" tIns="45000" bIns="45000" anchor="ctr" anchorCtr="1">
+            <a:noAutofit/>
+          </a:bodyPr>
+          <a:p>
+            <a:pPr algn="ctr">
+              <a:lnSpc>
+                <a:spcPts val="6588"/>
+              </a:lnSpc>
+            </a:pPr>
+            <a:r>
+              <a:rPr b="0" lang="id-ID" sz="900" spc="-1" strike="noStrike">
+                <a:latin typeface="Montserrat"/>
+              </a:rPr>
+              <a:t>Devic</a:t>
+            </a:r>
+            <a:r>
+              <a:rPr b="0" lang="id-ID" sz="900" spc="-1" strike="noStrike">
+                <a:latin typeface="Montserrat"/>
+              </a:rPr>
+              <a:t>e</a:t>
+            </a:r>
+            <a:endParaRPr b="0" lang="id-ID" sz="900" spc="-1" strike="noStrike">
+              <a:latin typeface="Montserrat"/>
+            </a:endParaRPr>
+          </a:p>
+        </p:txBody>
+      </p:sp>
+      <p:sp>
+        <p:nvSpPr>
+          <p:cNvPr id="121" name=""/>
+          <p:cNvSpPr txBox="1"/>
+          <p:nvPr/>
+        </p:nvSpPr>
+        <p:spPr>
+          <a:xfrm>
+            <a:off x="1080000" y="2160000"/>
+            <a:ext cx="540000" cy="540000"/>
+          </a:xfrm>
+          <a:prstGeom prst="rect">
+            <a:avLst/>
+          </a:prstGeom>
+          <a:blipFill rotWithShape="0">
+            <a:blip r:embed="rId6"/>
+            <a:stretch/>
+          </a:blipFill>
+          <a:ln w="0">
+            <a:noFill/>
+          </a:ln>
+        </p:spPr>
+        <p:txBody>
+          <a:bodyPr lIns="90000" rIns="90000" tIns="45000" bIns="45000" anchor="ctr" anchorCtr="1">
+            <a:noAutofit/>
+          </a:bodyPr>
+          <a:p>
+            <a:pPr algn="ctr">
+              <a:lnSpc>
+                <a:spcPts val="7231"/>
+              </a:lnSpc>
+            </a:pPr>
+            <a:r>
+              <a:rPr b="0" lang="id-ID" sz="800" spc="-1" strike="noStrike">
+                <a:latin typeface="Montserrat"/>
+              </a:rPr>
+              <a:t>G</a:t>
+            </a:r>
+            <a:r>
+              <a:rPr b="0" lang="id-ID" sz="800" spc="-1" strike="noStrike">
+                <a:latin typeface="Montserrat"/>
+              </a:rPr>
+              <a:t>a</a:t>
+            </a:r>
+            <a:r>
+              <a:rPr b="0" lang="id-ID" sz="800" spc="-1" strike="noStrike">
+                <a:latin typeface="Montserrat"/>
+              </a:rPr>
+              <a:t>m</a:t>
+            </a:r>
+            <a:r>
+              <a:rPr b="0" lang="id-ID" sz="800" spc="-1" strike="noStrike">
+                <a:latin typeface="Montserrat"/>
+              </a:rPr>
+              <a:t>e</a:t>
+            </a:r>
+            <a:r>
+              <a:rPr b="0" lang="id-ID" sz="800" spc="-1" strike="noStrike">
+                <a:latin typeface="Montserrat"/>
+              </a:rPr>
+              <a:t>P</a:t>
+            </a:r>
+            <a:r>
+              <a:rPr b="0" lang="id-ID" sz="800" spc="-1" strike="noStrike">
+                <a:latin typeface="Montserrat"/>
+              </a:rPr>
+              <a:t>l</a:t>
+            </a:r>
+            <a:r>
+              <a:rPr b="0" lang="id-ID" sz="800" spc="-1" strike="noStrike">
+                <a:latin typeface="Montserrat"/>
+              </a:rPr>
+              <a:t>a</a:t>
+            </a:r>
+            <a:r>
+              <a:rPr b="0" lang="id-ID" sz="800" spc="-1" strike="noStrike">
+                <a:latin typeface="Montserrat"/>
+              </a:rPr>
+              <a:t>y</a:t>
+            </a:r>
+            <a:endParaRPr b="0" lang="id-ID" sz="800" spc="-1" strike="noStrike">
+              <a:latin typeface="Arial"/>
+            </a:endParaRPr>
+          </a:p>
+        </p:txBody>
+      </p:sp>
+      <p:sp>
+        <p:nvSpPr>
+          <p:cNvPr id="122" name=""/>
+          <p:cNvSpPr txBox="1"/>
+          <p:nvPr/>
+        </p:nvSpPr>
+        <p:spPr>
+          <a:xfrm>
+            <a:off x="1080000" y="1291680"/>
+            <a:ext cx="508320" cy="508320"/>
+          </a:xfrm>
+          <a:prstGeom prst="rect">
+            <a:avLst/>
+          </a:prstGeom>
+          <a:blipFill rotWithShape="0">
+            <a:blip r:embed="rId7"/>
+            <a:stretch/>
+          </a:blipFill>
+          <a:ln w="0">
+            <a:noFill/>
+          </a:ln>
+        </p:spPr>
+        <p:txBody>
+          <a:bodyPr lIns="90000" rIns="90000" tIns="45000" bIns="45000" anchorCtr="1">
+            <a:noAutofit/>
+          </a:bodyPr>
+          <a:p>
+            <a:pPr algn="ctr">
+              <a:lnSpc>
+                <a:spcPts val="4980"/>
+              </a:lnSpc>
+            </a:pPr>
+            <a:r>
+              <a:rPr b="0" lang="id-ID" sz="800" spc="-1" strike="noStrike">
+                <a:latin typeface="Montserrat"/>
+              </a:rPr>
+              <a:t>Task </a:t>
+            </a:r>
+            <a:r>
+              <a:rPr b="0" lang="id-ID" sz="800" spc="-1" strike="noStrike">
+                <a:latin typeface="Montserrat"/>
+              </a:rPr>
+              <a:t>Manage</a:t>
+            </a:r>
+            <a:r>
+              <a:rPr b="0" lang="id-ID" sz="800" spc="-1" strike="noStrike">
+                <a:latin typeface="Montserrat"/>
+              </a:rPr>
+              <a:t>r</a:t>
+            </a:r>
+            <a:endParaRPr b="0" lang="id-ID" sz="800" spc="-1" strike="noStrike">
+              <a:latin typeface="Arial"/>
+              <a:ea typeface="Noto Sans CJK SC"/>
+            </a:endParaRPr>
+          </a:p>
+        </p:txBody>
+      </p:sp>
+      <p:sp>
+        <p:nvSpPr>
+          <p:cNvPr id="123" name=""/>
+          <p:cNvSpPr txBox="1"/>
+          <p:nvPr/>
+        </p:nvSpPr>
+        <p:spPr>
+          <a:xfrm>
+            <a:off x="1080000" y="414720"/>
+            <a:ext cx="485280" cy="485280"/>
+          </a:xfrm>
+          <a:prstGeom prst="rect">
+            <a:avLst/>
+          </a:prstGeom>
+          <a:blipFill rotWithShape="0">
+            <a:blip r:embed="rId8"/>
+            <a:stretch/>
+          </a:blipFill>
+          <a:ln w="0">
+            <a:noFill/>
+          </a:ln>
+        </p:spPr>
+        <p:txBody>
+          <a:bodyPr lIns="90000" rIns="90000" tIns="45000" bIns="45000" anchor="ctr" anchorCtr="1">
+            <a:noAutofit/>
+          </a:bodyPr>
+          <a:p>
+            <a:pPr algn="ctr">
+              <a:lnSpc>
+                <a:spcPts val="6429"/>
+              </a:lnSpc>
+            </a:pPr>
+            <a:r>
+              <a:rPr b="0" lang="id-ID" sz="900" spc="-1" strike="noStrike">
+                <a:latin typeface="Montserrat"/>
+              </a:rPr>
+              <a:t>Trash Bin</a:t>
+            </a:r>
+            <a:endParaRPr b="0" lang="id-ID" sz="900" spc="-1" strike="noStrike">
+              <a:latin typeface="Arial"/>
+            </a:endParaRPr>
+          </a:p>
+        </p:txBody>
+      </p:sp>
+      <p:pic>
+        <p:nvPicPr>
+          <p:cNvPr id="124" name="" descr=""/>
+          <p:cNvPicPr/>
+          <p:nvPr/>
+        </p:nvPicPr>
+        <p:blipFill>
+          <a:blip r:embed="rId9"/>
+          <a:stretch/>
+        </p:blipFill>
+        <p:spPr>
+          <a:xfrm>
+            <a:off x="9622440" y="37440"/>
+            <a:ext cx="96120" cy="96120"/>
+          </a:xfrm>
+          <a:prstGeom prst="rect">
+            <a:avLst/>
+          </a:prstGeom>
+          <a:ln w="0">
+            <a:noFill/>
+          </a:ln>
+        </p:spPr>
+      </p:pic>
+      <p:pic>
+        <p:nvPicPr>
+          <p:cNvPr id="125" name="" descr=""/>
+          <p:cNvPicPr/>
+          <p:nvPr/>
+        </p:nvPicPr>
+        <p:blipFill>
+          <a:blip r:embed="rId10"/>
+          <a:stretch/>
+        </p:blipFill>
+        <p:spPr>
+          <a:xfrm>
+            <a:off x="9407520" y="36360"/>
+            <a:ext cx="101520" cy="101520"/>
+          </a:xfrm>
+          <a:prstGeom prst="rect">
+            <a:avLst/>
+          </a:prstGeom>
+          <a:ln w="0">
+            <a:noFill/>
+          </a:ln>
+        </p:spPr>
+      </p:pic>
+      <p:pic>
+        <p:nvPicPr>
+          <p:cNvPr id="126" name="" descr=""/>
+          <p:cNvPicPr/>
+          <p:nvPr/>
+        </p:nvPicPr>
+        <p:blipFill>
+          <a:blip r:embed="rId11"/>
+          <a:stretch/>
+        </p:blipFill>
+        <p:spPr>
+          <a:xfrm>
+            <a:off x="9163800" y="32400"/>
+            <a:ext cx="104760" cy="104760"/>
+          </a:xfrm>
+          <a:prstGeom prst="rect">
+            <a:avLst/>
+          </a:prstGeom>
+          <a:ln w="0">
+            <a:noFill/>
+          </a:ln>
+        </p:spPr>
+      </p:pic>
     </p:spTree>
   </p:cSld>
   <mc:AlternateContent>
@@ -5244,14 +6136,14 @@
       </p:grpSpPr>
       <p:sp>
         <p:nvSpPr>
-          <p:cNvPr id="108" name=""/>
+          <p:cNvPr id="127" name=""/>
           <p:cNvSpPr/>
           <p:nvPr/>
         </p:nvSpPr>
         <p:spPr>
           <a:xfrm>
             <a:off x="4903560" y="231840"/>
-            <a:ext cx="264240" cy="217800"/>
+            <a:ext cx="263880" cy="217440"/>
           </a:xfrm>
           <a:custGeom>
             <a:avLst/>
@@ -5294,14 +6186,14 @@
       </p:sp>
       <p:sp>
         <p:nvSpPr>
-          <p:cNvPr id="109" name=""/>
+          <p:cNvPr id="128" name=""/>
           <p:cNvSpPr/>
           <p:nvPr/>
         </p:nvSpPr>
         <p:spPr>
           <a:xfrm>
             <a:off x="3306240" y="334800"/>
-            <a:ext cx="3459240" cy="3459240"/>
+            <a:ext cx="3458880" cy="3458880"/>
           </a:xfrm>
           <a:prstGeom prst="rect">
             <a:avLst/>
@@ -5336,14 +6228,14 @@
       </p:sp>
       <p:sp>
         <p:nvSpPr>
-          <p:cNvPr id="110" name=""/>
+          <p:cNvPr id="129" name=""/>
           <p:cNvSpPr/>
           <p:nvPr/>
         </p:nvSpPr>
         <p:spPr>
           <a:xfrm>
             <a:off x="3340080" y="3020760"/>
-            <a:ext cx="1869120" cy="707040"/>
+            <a:ext cx="1868760" cy="706680"/>
           </a:xfrm>
           <a:prstGeom prst="rect">
             <a:avLst/>
@@ -5377,57 +6269,7 @@
                 <a:latin typeface="Montserrat"/>
                 <a:ea typeface="DejaVu Sans"/>
               </a:rPr>
-              <a:t>S</a:t>
-            </a:r>
-            <a:r>
-              <a:rPr b="0" lang="en-US" sz="1500" spc="-1" strike="noStrike">
-                <a:solidFill>
-                  <a:srgbClr val="000000"/>
-                </a:solidFill>
-                <a:latin typeface="Montserrat"/>
-                <a:ea typeface="DejaVu Sans"/>
-              </a:rPr>
-              <a:t>u</a:t>
-            </a:r>
-            <a:r>
-              <a:rPr b="0" lang="en-US" sz="1500" spc="-1" strike="noStrike">
-                <a:solidFill>
-                  <a:srgbClr val="000000"/>
-                </a:solidFill>
-                <a:latin typeface="Montserrat"/>
-                <a:ea typeface="DejaVu Sans"/>
-              </a:rPr>
-              <a:t>n</a:t>
-            </a:r>
-            <a:r>
-              <a:rPr b="0" lang="en-US" sz="1500" spc="-1" strike="noStrike">
-                <a:solidFill>
-                  <a:srgbClr val="000000"/>
-                </a:solidFill>
-                <a:latin typeface="Montserrat"/>
-                <a:ea typeface="DejaVu Sans"/>
-              </a:rPr>
-              <a:t>d</a:t>
-            </a:r>
-            <a:r>
-              <a:rPr b="0" lang="en-US" sz="1500" spc="-1" strike="noStrike">
-                <a:solidFill>
-                  <a:srgbClr val="000000"/>
-                </a:solidFill>
-                <a:latin typeface="Montserrat"/>
-                <a:ea typeface="DejaVu Sans"/>
-              </a:rPr>
-              <a:t>a</a:t>
-            </a:r>
-            <a:r>
-              <a:rPr b="0" lang="en-US" sz="1500" spc="-1" strike="noStrike">
-                <a:solidFill>
-                  <a:srgbClr val="000000"/>
-                </a:solidFill>
-                <a:latin typeface="Montserrat"/>
-                <a:ea typeface="DejaVu Sans"/>
-              </a:rPr>
-              <a:t>y</a:t>
+              <a:t>Sunday</a:t>
             </a:r>
             <a:endParaRPr b="0" lang="id-ID" sz="1500" spc="-1" strike="noStrike">
               <a:latin typeface="Arial"/>
@@ -5447,107 +6289,7 @@
                 <a:latin typeface="Montserrat"/>
                 <a:ea typeface="DejaVu Sans"/>
               </a:rPr>
-              <a:t>J</a:t>
-            </a:r>
-            <a:r>
-              <a:rPr b="1" lang="en-US" sz="2000" spc="-1" strike="noStrike">
-                <a:solidFill>
-                  <a:srgbClr val="000000"/>
-                </a:solidFill>
-                <a:latin typeface="Montserrat"/>
-                <a:ea typeface="DejaVu Sans"/>
-              </a:rPr>
-              <a:t>u</a:t>
-            </a:r>
-            <a:r>
-              <a:rPr b="1" lang="en-US" sz="2000" spc="-1" strike="noStrike">
-                <a:solidFill>
-                  <a:srgbClr val="000000"/>
-                </a:solidFill>
-                <a:latin typeface="Montserrat"/>
-                <a:ea typeface="DejaVu Sans"/>
-              </a:rPr>
-              <a:t>l</a:t>
-            </a:r>
-            <a:r>
-              <a:rPr b="1" lang="en-US" sz="2000" spc="-1" strike="noStrike">
-                <a:solidFill>
-                  <a:srgbClr val="000000"/>
-                </a:solidFill>
-                <a:latin typeface="Montserrat"/>
-                <a:ea typeface="DejaVu Sans"/>
-              </a:rPr>
-              <a:t>y </a:t>
-            </a:r>
-            <a:r>
-              <a:rPr b="1" lang="en-US" sz="2000" spc="-1" strike="noStrike">
-                <a:solidFill>
-                  <a:srgbClr val="000000"/>
-                </a:solidFill>
-                <a:latin typeface="Montserrat"/>
-                <a:ea typeface="DejaVu Sans"/>
-              </a:rPr>
-              <a:t>1</a:t>
-            </a:r>
-            <a:r>
-              <a:rPr b="1" lang="en-US" sz="2000" spc="-1" strike="noStrike">
-                <a:solidFill>
-                  <a:srgbClr val="000000"/>
-                </a:solidFill>
-                <a:latin typeface="Montserrat"/>
-                <a:ea typeface="DejaVu Sans"/>
-              </a:rPr>
-              <a:t>1</a:t>
-            </a:r>
-            <a:r>
-              <a:rPr b="1" lang="en-US" sz="2000" spc="-1" strike="noStrike">
-                <a:solidFill>
-                  <a:srgbClr val="000000"/>
-                </a:solidFill>
-                <a:latin typeface="Montserrat"/>
-                <a:ea typeface="DejaVu Sans"/>
-              </a:rPr>
-              <a:t>, </a:t>
-            </a:r>
-            <a:r>
-              <a:rPr b="1" lang="en-US" sz="2000" spc="-1" strike="noStrike">
-                <a:solidFill>
-                  <a:srgbClr val="000000"/>
-                </a:solidFill>
-                <a:latin typeface="Montserrat"/>
-                <a:ea typeface="DejaVu Sans"/>
-              </a:rPr>
-              <a:t>2</a:t>
-            </a:r>
-            <a:r>
-              <a:rPr b="1" lang="en-US" sz="2000" spc="-1" strike="noStrike">
-                <a:solidFill>
-                  <a:srgbClr val="000000"/>
-                </a:solidFill>
-                <a:latin typeface="Montserrat"/>
-                <a:ea typeface="DejaVu Sans"/>
-              </a:rPr>
-              <a:t>0</a:t>
-            </a:r>
-            <a:r>
-              <a:rPr b="1" lang="en-US" sz="2000" spc="-1" strike="noStrike">
-                <a:solidFill>
-                  <a:srgbClr val="000000"/>
-                </a:solidFill>
-                <a:latin typeface="Montserrat"/>
-                <a:ea typeface="DejaVu Sans"/>
-              </a:rPr>
-              <a:t>2</a:t>
-            </a:r>
-            <a:r>
-              <a:rPr b="1" lang="en-US" sz="2000" spc="-1" strike="noStrike">
-                <a:solidFill>
-                  <a:srgbClr val="000000"/>
-                </a:solidFill>
-                <a:latin typeface="Montserrat"/>
-                <a:ea typeface="DejaVu Sans"/>
-              </a:rPr>
-              <a:t>1</a:t>
+              <a:t>July 11, 2021</a:t>
             </a:r>
             <a:endParaRPr b="0" lang="id-ID" sz="2000" spc="-1" strike="noStrike">
               <a:latin typeface="Arial"/>
@@ -5557,14 +6299,14 @@
       </p:sp>
       <p:sp>
         <p:nvSpPr>
-          <p:cNvPr id="111" name=""/>
+          <p:cNvPr id="130" name=""/>
           <p:cNvSpPr/>
           <p:nvPr/>
         </p:nvSpPr>
         <p:spPr>
           <a:xfrm>
             <a:off x="0" y="0"/>
-            <a:ext cx="10078560" cy="178560"/>
+            <a:ext cx="10078200" cy="178200"/>
           </a:xfrm>
           <a:prstGeom prst="rect">
             <a:avLst/>
@@ -5591,7 +6333,7 @@
       </p:sp>
       <p:pic>
         <p:nvPicPr>
-          <p:cNvPr id="112" name="" descr=""/>
+          <p:cNvPr id="131" name="" descr=""/>
           <p:cNvPicPr/>
           <p:nvPr/>
         </p:nvPicPr>
@@ -5604,7 +6346,7 @@
         <p:spPr>
           <a:xfrm>
             <a:off x="116640" y="37440"/>
-            <a:ext cx="62280" cy="97200"/>
+            <a:ext cx="61920" cy="96840"/>
           </a:xfrm>
           <a:prstGeom prst="rect">
             <a:avLst/>
@@ -5616,14 +6358,14 @@
       </p:pic>
       <p:sp>
         <p:nvSpPr>
-          <p:cNvPr id="113" name=""/>
+          <p:cNvPr id="132" name=""/>
           <p:cNvSpPr/>
           <p:nvPr/>
         </p:nvSpPr>
         <p:spPr>
           <a:xfrm>
             <a:off x="211680" y="0"/>
-            <a:ext cx="628920" cy="190800"/>
+            <a:ext cx="628560" cy="190440"/>
           </a:xfrm>
           <a:prstGeom prst="rect">
             <a:avLst/>
@@ -5667,14 +6409,14 @@
       </p:sp>
       <p:sp>
         <p:nvSpPr>
-          <p:cNvPr id="114" name=""/>
+          <p:cNvPr id="133" name=""/>
           <p:cNvSpPr/>
           <p:nvPr/>
         </p:nvSpPr>
         <p:spPr>
           <a:xfrm>
             <a:off x="4855320" y="-5400"/>
-            <a:ext cx="368280" cy="190800"/>
+            <a:ext cx="367920" cy="190440"/>
           </a:xfrm>
           <a:prstGeom prst="rect">
             <a:avLst/>
@@ -5713,276 +6455,21 @@
               <a:t>7:30</a:t>
             </a:r>
             <a:endParaRPr b="0" lang="id-ID" sz="700" spc="-1" strike="noStrike">
-              <a:solidFill>
-                <a:srgbClr val="000000"/>
-              </a:solidFill>
-              <a:latin typeface="Arial"/>
-            </a:endParaRPr>
-          </a:p>
-        </p:txBody>
-      </p:sp>
-      <p:sp>
-        <p:nvSpPr>
-          <p:cNvPr id="115" name=""/>
+              <a:latin typeface="Arial"/>
+            </a:endParaRPr>
+          </a:p>
+        </p:txBody>
+      </p:sp>
+      <p:sp>
+        <p:nvSpPr>
+          <p:cNvPr id="134" name=""/>
           <p:cNvSpPr/>
           <p:nvPr/>
         </p:nvSpPr>
         <p:spPr>
           <a:xfrm>
-            <a:off x="9713880" y="42840"/>
-            <a:ext cx="94680" cy="94680"/>
-          </a:xfrm>
-          <a:custGeom>
-            <a:avLst/>
-            <a:gdLst/>
-            <a:ahLst/>
-            <a:rect l="l" t="t" r="r" b="b"/>
-            <a:pathLst>
-              <a:path w="640" h="861">
-                <a:moveTo>
-                  <a:pt x="640" y="233"/>
-                </a:moveTo>
-                <a:lnTo>
-                  <a:pt x="221" y="293"/>
-                </a:lnTo>
-                <a:lnTo>
-                  <a:pt x="506" y="12"/>
-                </a:lnTo>
-                <a:lnTo>
-                  <a:pt x="367" y="0"/>
-                </a:lnTo>
-                <a:lnTo>
-                  <a:pt x="29" y="406"/>
-                </a:lnTo>
-                <a:lnTo>
-                  <a:pt x="431" y="347"/>
-                </a:lnTo>
-                <a:lnTo>
-                  <a:pt x="145" y="645"/>
-                </a:lnTo>
-                <a:lnTo>
-                  <a:pt x="99" y="520"/>
-                </a:lnTo>
-                <a:lnTo>
-                  <a:pt x="0" y="861"/>
-                </a:lnTo>
-                <a:lnTo>
-                  <a:pt x="326" y="765"/>
-                </a:lnTo>
-                <a:lnTo>
-                  <a:pt x="209" y="711"/>
-                </a:lnTo>
-                <a:lnTo>
-                  <a:pt x="640" y="233"/>
-                </a:lnTo>
-                <a:lnTo>
-                  <a:pt x="640" y="233"/>
-                </a:lnTo>
-                <a:close/>
-              </a:path>
-            </a:pathLst>
-          </a:custGeom>
-          <a:solidFill>
-            <a:srgbClr val="00a933"/>
-          </a:solidFill>
-          <a:ln w="0">
-            <a:solidFill>
-              <a:srgbClr val="3465a4">
-                <a:alpha val="0"/>
-              </a:srgbClr>
-            </a:solidFill>
-          </a:ln>
-        </p:spPr>
-        <p:style>
-          <a:lnRef idx="0"/>
-          <a:fillRef idx="0"/>
-          <a:effectRef idx="0"/>
-          <a:fontRef idx="minor"/>
-        </p:style>
-      </p:sp>
-      <p:sp>
-        <p:nvSpPr>
-          <p:cNvPr id="116" name=""/>
-          <p:cNvSpPr/>
-          <p:nvPr/>
-        </p:nvSpPr>
-        <p:spPr>
-          <a:xfrm>
-            <a:off x="9751680" y="-5400"/>
-            <a:ext cx="375480" cy="190800"/>
-          </a:xfrm>
-          <a:prstGeom prst="rect">
-            <a:avLst/>
-          </a:prstGeom>
-          <a:noFill/>
-          <a:ln w="0">
-            <a:noFill/>
-          </a:ln>
-        </p:spPr>
-        <p:style>
-          <a:lnRef idx="0"/>
-          <a:fillRef idx="0"/>
-          <a:effectRef idx="0"/>
-          <a:fontRef idx="minor"/>
-        </p:style>
-        <p:txBody>
-          <a:bodyPr lIns="90000" rIns="90000" tIns="45000" bIns="45000">
-            <a:noAutofit/>
-          </a:bodyPr>
-          <a:p>
-            <a:pPr algn="r">
-              <a:lnSpc>
-                <a:spcPts val="802"/>
-              </a:lnSpc>
-            </a:pPr>
-            <a:r>
-              <a:rPr b="1" lang="en-US" sz="700" spc="-1" strike="noStrike">
-                <a:solidFill>
-                  <a:srgbClr val="ffffff"/>
-                </a:solidFill>
-                <a:latin typeface="Montserrat"/>
-                <a:ea typeface="DejaVu Sans"/>
-              </a:rPr>
-              <a:t>9</a:t>
-            </a:r>
-            <a:r>
-              <a:rPr b="1" lang="en-US" sz="700" spc="-1" strike="noStrike">
-                <a:solidFill>
-                  <a:srgbClr val="ffffff"/>
-                </a:solidFill>
-                <a:latin typeface="Montserrat"/>
-                <a:ea typeface="DejaVu Sans"/>
-              </a:rPr>
-              <a:t>0</a:t>
-            </a:r>
-            <a:r>
-              <a:rPr b="1" lang="en-US" sz="700" spc="-1" strike="noStrike">
-                <a:solidFill>
-                  <a:srgbClr val="ffffff"/>
-                </a:solidFill>
-                <a:latin typeface="Montserrat"/>
-                <a:ea typeface="DejaVu Sans"/>
-              </a:rPr>
-              <a:t>%</a:t>
-            </a:r>
-            <a:endParaRPr b="0" lang="id-ID" sz="700" spc="-1" strike="noStrike">
-              <a:latin typeface="Arial"/>
-            </a:endParaRPr>
-          </a:p>
-        </p:txBody>
-      </p:sp>
-      <p:sp>
-        <p:nvSpPr>
-          <p:cNvPr id="117" name=""/>
-          <p:cNvSpPr/>
-          <p:nvPr/>
-        </p:nvSpPr>
-        <p:spPr>
-          <a:xfrm>
-            <a:off x="9395280" y="-5400"/>
-            <a:ext cx="334800" cy="325800"/>
-          </a:xfrm>
-          <a:prstGeom prst="rect">
-            <a:avLst/>
-          </a:prstGeom>
-          <a:noFill/>
-          <a:ln w="0">
-            <a:noFill/>
-          </a:ln>
-        </p:spPr>
-        <p:style>
-          <a:lnRef idx="0"/>
-          <a:fillRef idx="0"/>
-          <a:effectRef idx="0"/>
-          <a:fontRef idx="minor"/>
-        </p:style>
-        <p:txBody>
-          <a:bodyPr lIns="90000" rIns="90000" tIns="45000" bIns="45000">
-            <a:noAutofit/>
-          </a:bodyPr>
-          <a:p>
-            <a:pPr algn="r">
-              <a:lnSpc>
-                <a:spcPts val="933"/>
-              </a:lnSpc>
-            </a:pPr>
-            <a:r>
-              <a:rPr b="1" lang="en-US" sz="900" spc="-1" strike="noStrike">
-                <a:solidFill>
-                  <a:srgbClr val="000000"/>
-                </a:solidFill>
-                <a:latin typeface="Montserrat"/>
-                <a:ea typeface="DejaVu Sans"/>
-              </a:rPr>
-              <a:t>🕪</a:t>
-            </a:r>
-            <a:endParaRPr b="0" lang="id-ID" sz="900" spc="-1" strike="noStrike">
-              <a:latin typeface="Arial"/>
-            </a:endParaRPr>
-          </a:p>
-        </p:txBody>
-      </p:sp>
-      <p:sp>
-        <p:nvSpPr>
-          <p:cNvPr id="118" name=""/>
-          <p:cNvSpPr/>
-          <p:nvPr/>
-        </p:nvSpPr>
-        <p:spPr>
-          <a:xfrm>
-            <a:off x="9229680" y="-5040"/>
-            <a:ext cx="289440" cy="190800"/>
-          </a:xfrm>
-          <a:prstGeom prst="rect">
-            <a:avLst/>
-          </a:prstGeom>
-          <a:noFill/>
-          <a:ln w="0">
-            <a:noFill/>
-          </a:ln>
-        </p:spPr>
-        <p:style>
-          <a:lnRef idx="0"/>
-          <a:fillRef idx="0"/>
-          <a:effectRef idx="0"/>
-          <a:fontRef idx="minor"/>
-        </p:style>
-        <p:txBody>
-          <a:bodyPr lIns="90000" rIns="90000" tIns="45000" bIns="45000">
-            <a:noAutofit/>
-          </a:bodyPr>
-          <a:p>
-            <a:pPr algn="r">
-              <a:lnSpc>
-                <a:spcPts val="802"/>
-              </a:lnSpc>
-            </a:pPr>
-            <a:r>
-              <a:rPr b="1" lang="en-US" sz="700" spc="-1" strike="noStrike">
-                <a:solidFill>
-                  <a:srgbClr val="000000"/>
-                </a:solidFill>
-                <a:latin typeface="Montserrat"/>
-                <a:ea typeface="DejaVu Sans"/>
-              </a:rPr>
-              <a:t>📶</a:t>
-            </a:r>
-            <a:endParaRPr b="0" lang="id-ID" sz="700" spc="-1" strike="noStrike">
-              <a:latin typeface="Arial"/>
-            </a:endParaRPr>
-          </a:p>
-        </p:txBody>
-      </p:sp>
-      <p:sp>
-        <p:nvSpPr>
-          <p:cNvPr id="119" name=""/>
-          <p:cNvSpPr/>
-          <p:nvPr/>
-        </p:nvSpPr>
-        <p:spPr>
-          <a:xfrm>
             <a:off x="3468960" y="487800"/>
-            <a:ext cx="3116160" cy="594720"/>
+            <a:ext cx="3115800" cy="594360"/>
           </a:xfrm>
           <a:prstGeom prst="rect">
             <a:avLst/>
@@ -6006,14 +6493,14 @@
       </p:sp>
       <p:sp>
         <p:nvSpPr>
-          <p:cNvPr id="120" name=""/>
+          <p:cNvPr id="135" name=""/>
           <p:cNvSpPr/>
           <p:nvPr/>
         </p:nvSpPr>
         <p:spPr>
           <a:xfrm>
             <a:off x="3425400" y="469800"/>
-            <a:ext cx="3225600" cy="761400"/>
+            <a:ext cx="3225240" cy="761040"/>
           </a:xfrm>
           <a:prstGeom prst="rect">
             <a:avLst/>
@@ -6077,7 +6564,7 @@
       </p:sp>
       <p:sp>
         <p:nvSpPr>
-          <p:cNvPr id="121" name=""/>
+          <p:cNvPr id="136" name=""/>
           <p:cNvSpPr/>
           <p:nvPr/>
         </p:nvSpPr>
@@ -6105,14 +6592,14 @@
       </p:sp>
       <p:sp>
         <p:nvSpPr>
-          <p:cNvPr id="122" name=""/>
+          <p:cNvPr id="137" name=""/>
           <p:cNvSpPr/>
           <p:nvPr/>
         </p:nvSpPr>
         <p:spPr>
           <a:xfrm>
             <a:off x="4590000" y="5238000"/>
-            <a:ext cx="846720" cy="358560"/>
+            <a:ext cx="846360" cy="358200"/>
           </a:xfrm>
           <a:custGeom>
             <a:avLst/>
@@ -6168,14 +6655,14 @@
       </p:sp>
       <p:sp>
         <p:nvSpPr>
-          <p:cNvPr id="123" name=""/>
+          <p:cNvPr id="138" name=""/>
           <p:cNvSpPr/>
           <p:nvPr/>
         </p:nvSpPr>
         <p:spPr>
           <a:xfrm>
             <a:off x="4427640" y="5238000"/>
-            <a:ext cx="358920" cy="358920"/>
+            <a:ext cx="358560" cy="358560"/>
           </a:xfrm>
           <a:custGeom>
             <a:avLst/>
@@ -6271,14 +6758,14 @@
       </p:sp>
       <p:sp>
         <p:nvSpPr>
-          <p:cNvPr id="124" name=""/>
+          <p:cNvPr id="139" name=""/>
           <p:cNvSpPr/>
           <p:nvPr/>
         </p:nvSpPr>
         <p:spPr>
           <a:xfrm>
             <a:off x="5256000" y="5238360"/>
-            <a:ext cx="358920" cy="358920"/>
+            <a:ext cx="358560" cy="358560"/>
           </a:xfrm>
           <a:custGeom>
             <a:avLst/>
@@ -6374,14 +6861,14 @@
       </p:sp>
       <p:sp>
         <p:nvSpPr>
-          <p:cNvPr id="125" name=""/>
+          <p:cNvPr id="140" name=""/>
           <p:cNvSpPr/>
           <p:nvPr/>
         </p:nvSpPr>
         <p:spPr>
           <a:xfrm>
             <a:off x="4751640" y="5220360"/>
-            <a:ext cx="538560" cy="363240"/>
+            <a:ext cx="538200" cy="362880"/>
           </a:xfrm>
           <a:prstGeom prst="rect">
             <a:avLst/>
@@ -6425,14 +6912,14 @@
       </p:sp>
       <p:sp>
         <p:nvSpPr>
-          <p:cNvPr id="126" name=""/>
+          <p:cNvPr id="141" name=""/>
           <p:cNvSpPr/>
           <p:nvPr/>
         </p:nvSpPr>
         <p:spPr>
           <a:xfrm rot="612000">
-            <a:off x="5254560" y="5278680"/>
-            <a:ext cx="282960" cy="262080"/>
+            <a:off x="5254560" y="5278320"/>
+            <a:ext cx="282600" cy="261720"/>
           </a:xfrm>
           <a:custGeom>
             <a:avLst/>
@@ -6514,14 +7001,14 @@
       </p:sp>
       <p:sp>
         <p:nvSpPr>
-          <p:cNvPr id="127" name=""/>
+          <p:cNvPr id="142" name=""/>
           <p:cNvSpPr/>
           <p:nvPr/>
         </p:nvSpPr>
         <p:spPr>
           <a:xfrm>
             <a:off x="4859640" y="5220000"/>
-            <a:ext cx="358560" cy="363240"/>
+            <a:ext cx="358200" cy="362880"/>
           </a:xfrm>
           <a:prstGeom prst="rect">
             <a:avLst/>
@@ -6565,14 +7052,14 @@
       </p:sp>
       <p:sp>
         <p:nvSpPr>
-          <p:cNvPr id="128" name=""/>
+          <p:cNvPr id="143" name=""/>
           <p:cNvSpPr/>
           <p:nvPr/>
         </p:nvSpPr>
         <p:spPr>
           <a:xfrm rot="597600">
-            <a:off x="4520520" y="5271480"/>
-            <a:ext cx="265320" cy="265320"/>
+            <a:off x="4520160" y="5271480"/>
+            <a:ext cx="264960" cy="264960"/>
           </a:xfrm>
           <a:prstGeom prst="smileyFace">
             <a:avLst>
@@ -6596,6 +7083,434 @@
           <a:fontRef idx="minor"/>
         </p:style>
       </p:sp>
+      <p:sp>
+        <p:nvSpPr>
+          <p:cNvPr id="144" name=""/>
+          <p:cNvSpPr txBox="1"/>
+          <p:nvPr/>
+        </p:nvSpPr>
+        <p:spPr>
+          <a:xfrm>
+            <a:off x="182160" y="1352160"/>
+            <a:ext cx="540000" cy="540000"/>
+          </a:xfrm>
+          <a:prstGeom prst="rect">
+            <a:avLst/>
+          </a:prstGeom>
+          <a:blipFill rotWithShape="0">
+            <a:blip r:embed="rId3"/>
+            <a:stretch/>
+          </a:blipFill>
+          <a:ln w="0">
+            <a:noFill/>
+          </a:ln>
+        </p:spPr>
+        <p:txBody>
+          <a:bodyPr lIns="90000" rIns="90000" tIns="45000" bIns="45000" anchor="ctr" anchorCtr="1">
+            <a:noAutofit/>
+          </a:bodyPr>
+          <a:p>
+            <a:pPr algn="ctr">
+              <a:lnSpc>
+                <a:spcPts val="6749"/>
+              </a:lnSpc>
+            </a:pPr>
+            <a:r>
+              <a:rPr b="0" lang="id-ID" sz="900" spc="-1" strike="noStrike">
+                <a:latin typeface="Montserrat"/>
+              </a:rPr>
+              <a:t>User</a:t>
+            </a:r>
+            <a:endParaRPr b="0" lang="id-ID" sz="900" spc="-1" strike="noStrike">
+              <a:latin typeface="Montserrat"/>
+              <a:ea typeface="Noto Sans CJK SC"/>
+            </a:endParaRPr>
+          </a:p>
+        </p:txBody>
+      </p:sp>
+      <p:sp>
+        <p:nvSpPr>
+          <p:cNvPr id="145" name=""/>
+          <p:cNvSpPr txBox="1"/>
+          <p:nvPr/>
+        </p:nvSpPr>
+        <p:spPr>
+          <a:xfrm>
+            <a:off x="165960" y="2235960"/>
+            <a:ext cx="556200" cy="556200"/>
+          </a:xfrm>
+          <a:prstGeom prst="rect">
+            <a:avLst/>
+          </a:prstGeom>
+          <a:blipFill rotWithShape="0">
+            <a:blip r:embed="rId4"/>
+            <a:stretch/>
+          </a:blipFill>
+          <a:ln w="0">
+            <a:noFill/>
+          </a:ln>
+        </p:spPr>
+        <p:txBody>
+          <a:bodyPr lIns="90000" rIns="90000" tIns="45000" bIns="45000" anchor="ctr" anchorCtr="1">
+            <a:noAutofit/>
+          </a:bodyPr>
+          <a:p>
+            <a:pPr algn="ctr">
+              <a:lnSpc>
+                <a:spcPts val="7393"/>
+              </a:lnSpc>
+            </a:pPr>
+            <a:r>
+              <a:rPr b="0" lang="id-ID" sz="800" spc="-1" strike="noStrike">
+                <a:latin typeface="Montserrat"/>
+              </a:rPr>
+              <a:t>Me</a:t>
+            </a:r>
+            <a:r>
+              <a:rPr b="0" lang="id-ID" sz="800" spc="-1" strike="noStrike">
+                <a:latin typeface="Montserrat"/>
+              </a:rPr>
+              <a:t>dia</a:t>
+            </a:r>
+            <a:r>
+              <a:rPr b="0" lang="id-ID" sz="800" spc="-1" strike="noStrike">
+                <a:latin typeface="Montserrat"/>
+              </a:rPr>
+              <a:t>Bro</a:t>
+            </a:r>
+            <a:r>
+              <a:rPr b="0" lang="id-ID" sz="800" spc="-1" strike="noStrike">
+                <a:latin typeface="Montserrat"/>
+              </a:rPr>
+              <a:t>ws</a:t>
+            </a:r>
+            <a:r>
+              <a:rPr b="0" lang="id-ID" sz="800" spc="-1" strike="noStrike">
+                <a:latin typeface="Montserrat"/>
+              </a:rPr>
+              <a:t>e</a:t>
+            </a:r>
+            <a:endParaRPr b="0" lang="id-ID" sz="800" spc="-1" strike="noStrike">
+              <a:latin typeface="Arial"/>
+            </a:endParaRPr>
+          </a:p>
+        </p:txBody>
+      </p:sp>
+      <p:sp>
+        <p:nvSpPr>
+          <p:cNvPr id="146" name=""/>
+          <p:cNvSpPr txBox="1"/>
+          <p:nvPr/>
+        </p:nvSpPr>
+        <p:spPr>
+          <a:xfrm>
+            <a:off x="182160" y="452160"/>
+            <a:ext cx="540000" cy="540000"/>
+          </a:xfrm>
+          <a:prstGeom prst="rect">
+            <a:avLst/>
+          </a:prstGeom>
+          <a:blipFill rotWithShape="0">
+            <a:blip r:embed="rId5"/>
+            <a:stretch/>
+          </a:blipFill>
+          <a:ln w="0">
+            <a:noFill/>
+          </a:ln>
+        </p:spPr>
+        <p:txBody>
+          <a:bodyPr lIns="90000" rIns="90000" tIns="45000" bIns="45000" anchor="ctr" anchorCtr="1">
+            <a:noAutofit/>
+          </a:bodyPr>
+          <a:p>
+            <a:pPr algn="ctr">
+              <a:lnSpc>
+                <a:spcPts val="6588"/>
+              </a:lnSpc>
+            </a:pPr>
+            <a:r>
+              <a:rPr b="0" lang="id-ID" sz="900" spc="-1" strike="noStrike">
+                <a:latin typeface="Montserrat"/>
+              </a:rPr>
+              <a:t>Device</a:t>
+            </a:r>
+            <a:endParaRPr b="0" lang="id-ID" sz="900" spc="-1" strike="noStrike">
+              <a:latin typeface="Montserrat"/>
+            </a:endParaRPr>
+          </a:p>
+        </p:txBody>
+      </p:sp>
+      <p:sp>
+        <p:nvSpPr>
+          <p:cNvPr id="147" name=""/>
+          <p:cNvSpPr txBox="1"/>
+          <p:nvPr/>
+        </p:nvSpPr>
+        <p:spPr>
+          <a:xfrm>
+            <a:off x="1082160" y="2252160"/>
+            <a:ext cx="540000" cy="540000"/>
+          </a:xfrm>
+          <a:prstGeom prst="rect">
+            <a:avLst/>
+          </a:prstGeom>
+          <a:blipFill rotWithShape="0">
+            <a:blip r:embed="rId6"/>
+            <a:stretch/>
+          </a:blipFill>
+          <a:ln w="0">
+            <a:noFill/>
+          </a:ln>
+        </p:spPr>
+        <p:txBody>
+          <a:bodyPr lIns="90000" rIns="90000" tIns="45000" bIns="45000" anchor="ctr" anchorCtr="1">
+            <a:noAutofit/>
+          </a:bodyPr>
+          <a:p>
+            <a:pPr algn="ctr">
+              <a:lnSpc>
+                <a:spcPts val="7231"/>
+              </a:lnSpc>
+            </a:pPr>
+            <a:r>
+              <a:rPr b="0" lang="id-ID" sz="800" spc="-1" strike="noStrike">
+                <a:latin typeface="Montserrat"/>
+              </a:rPr>
+              <a:t>Gam</a:t>
+            </a:r>
+            <a:r>
+              <a:rPr b="0" lang="id-ID" sz="800" spc="-1" strike="noStrike">
+                <a:latin typeface="Montserrat"/>
+              </a:rPr>
+              <a:t>ePla</a:t>
+            </a:r>
+            <a:r>
+              <a:rPr b="0" lang="id-ID" sz="800" spc="-1" strike="noStrike">
+                <a:latin typeface="Montserrat"/>
+              </a:rPr>
+              <a:t>y</a:t>
+            </a:r>
+            <a:endParaRPr b="0" lang="id-ID" sz="800" spc="-1" strike="noStrike">
+              <a:latin typeface="Arial"/>
+            </a:endParaRPr>
+          </a:p>
+        </p:txBody>
+      </p:sp>
+      <p:sp>
+        <p:nvSpPr>
+          <p:cNvPr id="148" name=""/>
+          <p:cNvSpPr txBox="1"/>
+          <p:nvPr/>
+        </p:nvSpPr>
+        <p:spPr>
+          <a:xfrm>
+            <a:off x="1082160" y="1383840"/>
+            <a:ext cx="508320" cy="508320"/>
+          </a:xfrm>
+          <a:prstGeom prst="rect">
+            <a:avLst/>
+          </a:prstGeom>
+          <a:blipFill rotWithShape="0">
+            <a:blip r:embed="rId7"/>
+            <a:stretch/>
+          </a:blipFill>
+          <a:ln w="0">
+            <a:noFill/>
+          </a:ln>
+        </p:spPr>
+        <p:txBody>
+          <a:bodyPr lIns="90000" rIns="90000" tIns="45000" bIns="45000" anchorCtr="1">
+            <a:noAutofit/>
+          </a:bodyPr>
+          <a:p>
+            <a:pPr algn="ctr">
+              <a:lnSpc>
+                <a:spcPts val="4980"/>
+              </a:lnSpc>
+            </a:pPr>
+            <a:r>
+              <a:rPr b="0" lang="id-ID" sz="800" spc="-1" strike="noStrike">
+                <a:latin typeface="Montserrat"/>
+              </a:rPr>
+              <a:t>Task Manager</a:t>
+            </a:r>
+            <a:endParaRPr b="0" lang="id-ID" sz="800" spc="-1" strike="noStrike">
+              <a:latin typeface="Arial"/>
+              <a:ea typeface="Noto Sans CJK SC"/>
+            </a:endParaRPr>
+          </a:p>
+        </p:txBody>
+      </p:sp>
+      <p:sp>
+        <p:nvSpPr>
+          <p:cNvPr id="149" name=""/>
+          <p:cNvSpPr txBox="1"/>
+          <p:nvPr/>
+        </p:nvSpPr>
+        <p:spPr>
+          <a:xfrm>
+            <a:off x="1082160" y="506880"/>
+            <a:ext cx="485280" cy="485280"/>
+          </a:xfrm>
+          <a:prstGeom prst="rect">
+            <a:avLst/>
+          </a:prstGeom>
+          <a:blipFill rotWithShape="0">
+            <a:blip r:embed="rId8"/>
+            <a:stretch/>
+          </a:blipFill>
+          <a:ln w="0">
+            <a:noFill/>
+          </a:ln>
+        </p:spPr>
+        <p:txBody>
+          <a:bodyPr lIns="90000" rIns="90000" tIns="45000" bIns="45000" anchor="ctr" anchorCtr="1">
+            <a:noAutofit/>
+          </a:bodyPr>
+          <a:p>
+            <a:pPr algn="ctr">
+              <a:lnSpc>
+                <a:spcPts val="6429"/>
+              </a:lnSpc>
+            </a:pPr>
+            <a:r>
+              <a:rPr b="0" lang="id-ID" sz="900" spc="-1" strike="noStrike">
+                <a:latin typeface="Montserrat"/>
+              </a:rPr>
+              <a:t>Trash </a:t>
+            </a:r>
+            <a:r>
+              <a:rPr b="0" lang="id-ID" sz="900" spc="-1" strike="noStrike">
+                <a:latin typeface="Montserrat"/>
+              </a:rPr>
+              <a:t>Bin</a:t>
+            </a:r>
+            <a:endParaRPr b="0" lang="id-ID" sz="900" spc="-1" strike="noStrike">
+              <a:latin typeface="Arial"/>
+            </a:endParaRPr>
+          </a:p>
+        </p:txBody>
+      </p:sp>
+      <p:sp>
+        <p:nvSpPr>
+          <p:cNvPr id="150" name=""/>
+          <p:cNvSpPr/>
+          <p:nvPr/>
+        </p:nvSpPr>
+        <p:spPr>
+          <a:xfrm>
+            <a:off x="9680040" y="-5400"/>
+            <a:ext cx="375120" cy="190440"/>
+          </a:xfrm>
+          <a:prstGeom prst="rect">
+            <a:avLst/>
+          </a:prstGeom>
+          <a:noFill/>
+          <a:ln w="0">
+            <a:noFill/>
+          </a:ln>
+        </p:spPr>
+        <p:style>
+          <a:lnRef idx="0"/>
+          <a:fillRef idx="0"/>
+          <a:effectRef idx="0"/>
+          <a:fontRef idx="minor"/>
+        </p:style>
+        <p:txBody>
+          <a:bodyPr lIns="90000" rIns="90000" tIns="45000" bIns="45000">
+            <a:noAutofit/>
+          </a:bodyPr>
+          <a:p>
+            <a:pPr algn="r">
+              <a:lnSpc>
+                <a:spcPts val="802"/>
+              </a:lnSpc>
+            </a:pPr>
+            <a:r>
+              <a:rPr b="1" lang="en-US" sz="700" spc="-1" strike="noStrike">
+                <a:solidFill>
+                  <a:srgbClr val="ffffff"/>
+                </a:solidFill>
+                <a:latin typeface="Montserrat"/>
+                <a:ea typeface="DejaVu Sans"/>
+              </a:rPr>
+              <a:t>90%</a:t>
+            </a:r>
+            <a:endParaRPr b="0" lang="id-ID" sz="700" spc="-1" strike="noStrike">
+              <a:latin typeface="Arial"/>
+            </a:endParaRPr>
+          </a:p>
+        </p:txBody>
+      </p:sp>
+      <p:pic>
+        <p:nvPicPr>
+          <p:cNvPr id="151" name="" descr=""/>
+          <p:cNvPicPr/>
+          <p:nvPr/>
+        </p:nvPicPr>
+        <p:blipFill>
+          <a:blip r:embed="rId9"/>
+          <a:stretch/>
+        </p:blipFill>
+        <p:spPr>
+          <a:xfrm>
+            <a:off x="9622800" y="37440"/>
+            <a:ext cx="96120" cy="96120"/>
+          </a:xfrm>
+          <a:prstGeom prst="rect">
+            <a:avLst/>
+          </a:prstGeom>
+          <a:ln w="0">
+            <a:noFill/>
+          </a:ln>
+        </p:spPr>
+      </p:pic>
+      <p:pic>
+        <p:nvPicPr>
+          <p:cNvPr id="152" name="" descr=""/>
+          <p:cNvPicPr/>
+          <p:nvPr/>
+        </p:nvPicPr>
+        <p:blipFill>
+          <a:blip r:embed="rId10"/>
+          <a:stretch/>
+        </p:blipFill>
+        <p:spPr>
+          <a:xfrm>
+            <a:off x="9407880" y="36360"/>
+            <a:ext cx="101520" cy="101520"/>
+          </a:xfrm>
+          <a:prstGeom prst="rect">
+            <a:avLst/>
+          </a:prstGeom>
+          <a:ln w="0">
+            <a:noFill/>
+          </a:ln>
+        </p:spPr>
+      </p:pic>
+      <p:pic>
+        <p:nvPicPr>
+          <p:cNvPr id="153" name="" descr=""/>
+          <p:cNvPicPr/>
+          <p:nvPr/>
+        </p:nvPicPr>
+        <p:blipFill>
+          <a:blip r:embed="rId11"/>
+          <a:stretch/>
+        </p:blipFill>
+        <p:spPr>
+          <a:xfrm>
+            <a:off x="9164160" y="32400"/>
+            <a:ext cx="104760" cy="104760"/>
+          </a:xfrm>
+          <a:prstGeom prst="rect">
+            <a:avLst/>
+          </a:prstGeom>
+          <a:ln w="0">
+            <a:noFill/>
+          </a:ln>
+        </p:spPr>
+      </p:pic>
     </p:spTree>
   </p:cSld>
   <mc:AlternateContent>
@@ -6636,14 +7551,14 @@
       </p:grpSpPr>
       <p:sp>
         <p:nvSpPr>
-          <p:cNvPr id="129" name=""/>
+          <p:cNvPr id="154" name=""/>
           <p:cNvSpPr/>
           <p:nvPr/>
         </p:nvSpPr>
         <p:spPr>
           <a:xfrm>
             <a:off x="0" y="0"/>
-            <a:ext cx="10078560" cy="178560"/>
+            <a:ext cx="10078200" cy="178200"/>
           </a:xfrm>
           <a:prstGeom prst="rect">
             <a:avLst/>
@@ -6670,7 +7585,7 @@
       </p:sp>
       <p:pic>
         <p:nvPicPr>
-          <p:cNvPr id="130" name="" descr=""/>
+          <p:cNvPr id="155" name="" descr=""/>
           <p:cNvPicPr/>
           <p:nvPr/>
         </p:nvPicPr>
@@ -6683,7 +7598,7 @@
         <p:spPr>
           <a:xfrm>
             <a:off x="116640" y="37440"/>
-            <a:ext cx="62280" cy="97200"/>
+            <a:ext cx="61920" cy="96840"/>
           </a:xfrm>
           <a:prstGeom prst="rect">
             <a:avLst/>
@@ -6695,14 +7610,14 @@
       </p:pic>
       <p:sp>
         <p:nvSpPr>
-          <p:cNvPr id="131" name=""/>
+          <p:cNvPr id="156" name=""/>
           <p:cNvSpPr/>
           <p:nvPr/>
         </p:nvSpPr>
         <p:spPr>
           <a:xfrm>
             <a:off x="211680" y="0"/>
-            <a:ext cx="628920" cy="190800"/>
+            <a:ext cx="628560" cy="190440"/>
           </a:xfrm>
           <a:prstGeom prst="rect">
             <a:avLst/>
@@ -6746,14 +7661,14 @@
       </p:sp>
       <p:sp>
         <p:nvSpPr>
-          <p:cNvPr id="132" name=""/>
+          <p:cNvPr id="157" name=""/>
           <p:cNvSpPr/>
           <p:nvPr/>
         </p:nvSpPr>
         <p:spPr>
           <a:xfrm>
             <a:off x="4855320" y="-5400"/>
-            <a:ext cx="368280" cy="190800"/>
+            <a:ext cx="367920" cy="190440"/>
           </a:xfrm>
           <a:prstGeom prst="rect">
             <a:avLst/>
@@ -6797,246 +7712,14 @@
       </p:sp>
       <p:sp>
         <p:nvSpPr>
-          <p:cNvPr id="133" name=""/>
+          <p:cNvPr id="158" name=""/>
           <p:cNvSpPr/>
           <p:nvPr/>
         </p:nvSpPr>
         <p:spPr>
           <a:xfrm>
-            <a:off x="9713880" y="42840"/>
-            <a:ext cx="94680" cy="94680"/>
-          </a:xfrm>
-          <a:custGeom>
-            <a:avLst/>
-            <a:gdLst/>
-            <a:ahLst/>
-            <a:rect l="l" t="t" r="r" b="b"/>
-            <a:pathLst>
-              <a:path w="640" h="861">
-                <a:moveTo>
-                  <a:pt x="640" y="233"/>
-                </a:moveTo>
-                <a:lnTo>
-                  <a:pt x="221" y="293"/>
-                </a:lnTo>
-                <a:lnTo>
-                  <a:pt x="506" y="12"/>
-                </a:lnTo>
-                <a:lnTo>
-                  <a:pt x="367" y="0"/>
-                </a:lnTo>
-                <a:lnTo>
-                  <a:pt x="29" y="406"/>
-                </a:lnTo>
-                <a:lnTo>
-                  <a:pt x="431" y="347"/>
-                </a:lnTo>
-                <a:lnTo>
-                  <a:pt x="145" y="645"/>
-                </a:lnTo>
-                <a:lnTo>
-                  <a:pt x="99" y="520"/>
-                </a:lnTo>
-                <a:lnTo>
-                  <a:pt x="0" y="861"/>
-                </a:lnTo>
-                <a:lnTo>
-                  <a:pt x="326" y="765"/>
-                </a:lnTo>
-                <a:lnTo>
-                  <a:pt x="209" y="711"/>
-                </a:lnTo>
-                <a:lnTo>
-                  <a:pt x="640" y="233"/>
-                </a:lnTo>
-                <a:lnTo>
-                  <a:pt x="640" y="233"/>
-                </a:lnTo>
-                <a:close/>
-              </a:path>
-            </a:pathLst>
-          </a:custGeom>
-          <a:solidFill>
-            <a:srgbClr val="00a933"/>
-          </a:solidFill>
-          <a:ln w="0">
-            <a:solidFill>
-              <a:srgbClr val="3465a4">
-                <a:alpha val="0"/>
-              </a:srgbClr>
-            </a:solidFill>
-          </a:ln>
-        </p:spPr>
-        <p:style>
-          <a:lnRef idx="0"/>
-          <a:fillRef idx="0"/>
-          <a:effectRef idx="0"/>
-          <a:fontRef idx="minor"/>
-        </p:style>
-      </p:sp>
-      <p:sp>
-        <p:nvSpPr>
-          <p:cNvPr id="134" name=""/>
-          <p:cNvSpPr/>
-          <p:nvPr/>
-        </p:nvSpPr>
-        <p:spPr>
-          <a:xfrm>
-            <a:off x="9751680" y="-5400"/>
-            <a:ext cx="375480" cy="190800"/>
-          </a:xfrm>
-          <a:prstGeom prst="rect">
-            <a:avLst/>
-          </a:prstGeom>
-          <a:noFill/>
-          <a:ln w="0">
-            <a:noFill/>
-          </a:ln>
-        </p:spPr>
-        <p:style>
-          <a:lnRef idx="0"/>
-          <a:fillRef idx="0"/>
-          <a:effectRef idx="0"/>
-          <a:fontRef idx="minor"/>
-        </p:style>
-        <p:txBody>
-          <a:bodyPr lIns="90000" rIns="90000" tIns="45000" bIns="45000">
-            <a:noAutofit/>
-          </a:bodyPr>
-          <a:p>
-            <a:pPr algn="r">
-              <a:lnSpc>
-                <a:spcPts val="802"/>
-              </a:lnSpc>
-            </a:pPr>
-            <a:r>
-              <a:rPr b="1" lang="en-US" sz="700" spc="-1" strike="noStrike">
-                <a:solidFill>
-                  <a:srgbClr val="ffffff"/>
-                </a:solidFill>
-                <a:latin typeface="Montserrat"/>
-                <a:ea typeface="DejaVu Sans"/>
-              </a:rPr>
-              <a:t>90%</a:t>
-            </a:r>
-            <a:endParaRPr b="0" lang="id-ID" sz="700" spc="-1" strike="noStrike">
-              <a:latin typeface="Arial"/>
-            </a:endParaRPr>
-          </a:p>
-        </p:txBody>
-      </p:sp>
-      <p:sp>
-        <p:nvSpPr>
-          <p:cNvPr id="135" name=""/>
-          <p:cNvSpPr/>
-          <p:nvPr/>
-        </p:nvSpPr>
-        <p:spPr>
-          <a:xfrm>
-            <a:off x="9395280" y="-5400"/>
-            <a:ext cx="334800" cy="325800"/>
-          </a:xfrm>
-          <a:prstGeom prst="rect">
-            <a:avLst/>
-          </a:prstGeom>
-          <a:noFill/>
-          <a:ln w="0">
-            <a:noFill/>
-          </a:ln>
-        </p:spPr>
-        <p:style>
-          <a:lnRef idx="0"/>
-          <a:fillRef idx="0"/>
-          <a:effectRef idx="0"/>
-          <a:fontRef idx="minor"/>
-        </p:style>
-        <p:txBody>
-          <a:bodyPr lIns="90000" rIns="90000" tIns="45000" bIns="45000">
-            <a:noAutofit/>
-          </a:bodyPr>
-          <a:p>
-            <a:pPr algn="r">
-              <a:lnSpc>
-                <a:spcPts val="933"/>
-              </a:lnSpc>
-            </a:pPr>
-            <a:r>
-              <a:rPr b="1" lang="en-US" sz="900" spc="-1" strike="noStrike">
-                <a:solidFill>
-                  <a:srgbClr val="000000"/>
-                </a:solidFill>
-                <a:latin typeface="Montserrat"/>
-                <a:ea typeface="DejaVu Sans"/>
-              </a:rPr>
-              <a:t>🕪</a:t>
-            </a:r>
-            <a:endParaRPr b="0" lang="id-ID" sz="900" spc="-1" strike="noStrike">
-              <a:latin typeface="Arial"/>
-            </a:endParaRPr>
-          </a:p>
-        </p:txBody>
-      </p:sp>
-      <p:sp>
-        <p:nvSpPr>
-          <p:cNvPr id="136" name=""/>
-          <p:cNvSpPr/>
-          <p:nvPr/>
-        </p:nvSpPr>
-        <p:spPr>
-          <a:xfrm>
-            <a:off x="9229680" y="-5040"/>
-            <a:ext cx="289440" cy="190800"/>
-          </a:xfrm>
-          <a:prstGeom prst="rect">
-            <a:avLst/>
-          </a:prstGeom>
-          <a:noFill/>
-          <a:ln w="0">
-            <a:noFill/>
-          </a:ln>
-        </p:spPr>
-        <p:style>
-          <a:lnRef idx="0"/>
-          <a:fillRef idx="0"/>
-          <a:effectRef idx="0"/>
-          <a:fontRef idx="minor"/>
-        </p:style>
-        <p:txBody>
-          <a:bodyPr lIns="90000" rIns="90000" tIns="45000" bIns="45000">
-            <a:noAutofit/>
-          </a:bodyPr>
-          <a:p>
-            <a:pPr algn="r">
-              <a:lnSpc>
-                <a:spcPts val="802"/>
-              </a:lnSpc>
-            </a:pPr>
-            <a:r>
-              <a:rPr b="1" lang="en-US" sz="700" spc="-1" strike="noStrike">
-                <a:solidFill>
-                  <a:srgbClr val="000000"/>
-                </a:solidFill>
-                <a:latin typeface="Montserrat"/>
-                <a:ea typeface="DejaVu Sans"/>
-              </a:rPr>
-              <a:t>📶</a:t>
-            </a:r>
-            <a:endParaRPr b="0" lang="id-ID" sz="700" spc="-1" strike="noStrike">
-              <a:latin typeface="Arial"/>
-            </a:endParaRPr>
-          </a:p>
-        </p:txBody>
-      </p:sp>
-      <p:sp>
-        <p:nvSpPr>
-          <p:cNvPr id="137" name=""/>
-          <p:cNvSpPr/>
-          <p:nvPr/>
-        </p:nvSpPr>
-        <p:spPr>
-          <a:xfrm>
             <a:off x="4590360" y="3222000"/>
-            <a:ext cx="846720" cy="358560"/>
+            <a:ext cx="846360" cy="358200"/>
           </a:xfrm>
           <a:custGeom>
             <a:avLst/>
@@ -7092,14 +7775,14 @@
       </p:sp>
       <p:sp>
         <p:nvSpPr>
-          <p:cNvPr id="138" name=""/>
+          <p:cNvPr id="159" name=""/>
           <p:cNvSpPr/>
           <p:nvPr/>
         </p:nvSpPr>
         <p:spPr>
           <a:xfrm>
             <a:off x="4428000" y="3222000"/>
-            <a:ext cx="358920" cy="358920"/>
+            <a:ext cx="358560" cy="358560"/>
           </a:xfrm>
           <a:custGeom>
             <a:avLst/>
@@ -7195,14 +7878,14 @@
       </p:sp>
       <p:sp>
         <p:nvSpPr>
-          <p:cNvPr id="139" name=""/>
+          <p:cNvPr id="160" name=""/>
           <p:cNvSpPr/>
           <p:nvPr/>
         </p:nvSpPr>
         <p:spPr>
           <a:xfrm>
             <a:off x="5256360" y="3222360"/>
-            <a:ext cx="358920" cy="358920"/>
+            <a:ext cx="358560" cy="358560"/>
           </a:xfrm>
           <a:custGeom>
             <a:avLst/>
@@ -7298,14 +7981,14 @@
       </p:sp>
       <p:sp>
         <p:nvSpPr>
-          <p:cNvPr id="140" name=""/>
+          <p:cNvPr id="161" name=""/>
           <p:cNvSpPr/>
           <p:nvPr/>
         </p:nvSpPr>
         <p:spPr>
           <a:xfrm>
             <a:off x="4752000" y="3204360"/>
-            <a:ext cx="538560" cy="363240"/>
+            <a:ext cx="538200" cy="362880"/>
           </a:xfrm>
           <a:prstGeom prst="rect">
             <a:avLst/>
@@ -7349,14 +8032,14 @@
       </p:sp>
       <p:sp>
         <p:nvSpPr>
-          <p:cNvPr id="141" name=""/>
+          <p:cNvPr id="162" name=""/>
           <p:cNvSpPr/>
           <p:nvPr/>
         </p:nvSpPr>
         <p:spPr>
           <a:xfrm rot="612000">
-            <a:off x="5254920" y="3262680"/>
-            <a:ext cx="282960" cy="262080"/>
+            <a:off x="5254920" y="3262320"/>
+            <a:ext cx="282600" cy="261720"/>
           </a:xfrm>
           <a:custGeom>
             <a:avLst/>
@@ -7438,14 +8121,14 @@
       </p:sp>
       <p:sp>
         <p:nvSpPr>
-          <p:cNvPr id="142" name=""/>
+          <p:cNvPr id="163" name=""/>
           <p:cNvSpPr/>
           <p:nvPr/>
         </p:nvSpPr>
         <p:spPr>
           <a:xfrm>
             <a:off x="4860000" y="3204360"/>
-            <a:ext cx="358560" cy="363240"/>
+            <a:ext cx="358200" cy="362880"/>
           </a:xfrm>
           <a:prstGeom prst="rect">
             <a:avLst/>
@@ -7489,14 +8172,14 @@
       </p:sp>
       <p:sp>
         <p:nvSpPr>
-          <p:cNvPr id="143" name=""/>
+          <p:cNvPr id="164" name=""/>
           <p:cNvSpPr/>
           <p:nvPr/>
         </p:nvSpPr>
         <p:spPr>
           <a:xfrm rot="597600">
-            <a:off x="4521240" y="3255840"/>
-            <a:ext cx="265320" cy="265320"/>
+            <a:off x="4520880" y="3255840"/>
+            <a:ext cx="264960" cy="264960"/>
           </a:xfrm>
           <a:prstGeom prst="smileyFace">
             <a:avLst>
@@ -7522,14 +8205,14 @@
       </p:sp>
       <p:sp>
         <p:nvSpPr>
-          <p:cNvPr id="144" name=""/>
+          <p:cNvPr id="165" name=""/>
           <p:cNvSpPr/>
           <p:nvPr/>
         </p:nvSpPr>
         <p:spPr>
           <a:xfrm>
             <a:off x="3835440" y="3657600"/>
-            <a:ext cx="2381760" cy="2282040"/>
+            <a:ext cx="2381400" cy="2281680"/>
           </a:xfrm>
           <a:prstGeom prst="flowChartAlternateProcess">
             <a:avLst/>
@@ -7554,27 +8237,21 @@
       </p:sp>
       <p:sp>
         <p:nvSpPr>
-          <p:cNvPr id="145" name=""/>
+          <p:cNvPr id="166" name=""/>
           <p:cNvSpPr/>
           <p:nvPr/>
         </p:nvSpPr>
         <p:spPr>
           <a:xfrm>
-            <a:off x="3960000" y="5400000"/>
-            <a:ext cx="179640" cy="179640"/>
-          </a:xfrm>
-          <a:prstGeom prst="smileyFace">
-            <a:avLst>
-              <a:gd name="adj" fmla="val 9282"/>
-            </a:avLst>
-          </a:prstGeom>
-          <a:solidFill>
-            <a:srgbClr val="729fcf"/>
-          </a:solidFill>
+            <a:off x="4104000" y="5360400"/>
+            <a:ext cx="539280" cy="260280"/>
+          </a:xfrm>
+          <a:prstGeom prst="rect">
+            <a:avLst/>
+          </a:prstGeom>
+          <a:noFill/>
           <a:ln w="0">
-            <a:solidFill>
-              <a:srgbClr val="3465a4"/>
-            </a:solidFill>
+            <a:noFill/>
           </a:ln>
         </p:spPr>
         <p:style>
@@ -7583,32 +8260,6 @@
           <a:effectRef idx="0"/>
           <a:fontRef idx="minor"/>
         </p:style>
-      </p:sp>
-      <p:sp>
-        <p:nvSpPr>
-          <p:cNvPr id="146" name=""/>
-          <p:cNvSpPr/>
-          <p:nvPr/>
-        </p:nvSpPr>
-        <p:spPr>
-          <a:xfrm>
-            <a:off x="4104000" y="5360400"/>
-            <a:ext cx="539640" cy="260640"/>
-          </a:xfrm>
-          <a:prstGeom prst="rect">
-            <a:avLst/>
-          </a:prstGeom>
-          <a:noFill/>
-          <a:ln w="0">
-            <a:noFill/>
-          </a:ln>
-        </p:spPr>
-        <p:style>
-          <a:lnRef idx="0"/>
-          <a:fillRef idx="0"/>
-          <a:effectRef idx="0"/>
-          <a:fontRef idx="minor"/>
-        </p:style>
         <p:txBody>
           <a:bodyPr lIns="90000" rIns="90000" tIns="45000" bIns="45000">
             <a:noAutofit/>
@@ -7625,6 +8276,7 @@
                   <a:srgbClr val="ffffff"/>
                 </a:solidFill>
                 <a:latin typeface="Montserrat"/>
+                <a:ea typeface="DejaVu Sans"/>
               </a:rPr>
               <a:t>User</a:t>
             </a:r>
@@ -7636,153 +8288,18 @@
       </p:sp>
       <p:sp>
         <p:nvSpPr>
-          <p:cNvPr id="147" name=""/>
+          <p:cNvPr id="167" name=""/>
           <p:cNvSpPr/>
           <p:nvPr/>
         </p:nvSpPr>
         <p:spPr>
           <a:xfrm>
-            <a:off x="5940000" y="5400000"/>
-            <a:ext cx="179640" cy="179640"/>
-          </a:xfrm>
-          <a:custGeom>
-            <a:avLst/>
-            <a:gdLst/>
-            <a:ahLst/>
-            <a:rect l="l" t="t" r="r" b="b"/>
-            <a:pathLst>
-              <a:path w="21600" h="21600">
-                <a:moveTo>
-                  <a:pt x="10800" y="5143"/>
-                </a:moveTo>
-                <a:cubicBezTo>
-                  <a:pt x="7593" y="5143"/>
-                  <a:pt x="5143" y="7593"/>
-                  <a:pt x="5143" y="10800"/>
-                </a:cubicBezTo>
-                <a:cubicBezTo>
-                  <a:pt x="5143" y="14007"/>
-                  <a:pt x="7593" y="16457"/>
-                  <a:pt x="10800" y="16457"/>
-                </a:cubicBezTo>
-                <a:cubicBezTo>
-                  <a:pt x="14007" y="16457"/>
-                  <a:pt x="16457" y="14007"/>
-                  <a:pt x="16457" y="10800"/>
-                </a:cubicBezTo>
-                <a:cubicBezTo>
-                  <a:pt x="16457" y="7593"/>
-                  <a:pt x="14007" y="5143"/>
-                  <a:pt x="10800" y="5143"/>
-                </a:cubicBezTo>
-                <a:close/>
-                <a:moveTo>
-                  <a:pt x="0" y="10800"/>
-                </a:moveTo>
-                <a:cubicBezTo>
-                  <a:pt x="0" y="9159"/>
-                  <a:pt x="1010" y="7827"/>
-                  <a:pt x="2468" y="7371"/>
-                </a:cubicBezTo>
-                <a:cubicBezTo>
-                  <a:pt x="2205" y="6866"/>
-                  <a:pt x="2057" y="6285"/>
-                  <a:pt x="2057" y="5657"/>
-                </a:cubicBezTo>
-                <a:cubicBezTo>
-                  <a:pt x="2057" y="3617"/>
-                  <a:pt x="3616" y="2057"/>
-                  <a:pt x="5657" y="2057"/>
-                </a:cubicBezTo>
-                <a:cubicBezTo>
-                  <a:pt x="6285" y="2057"/>
-                  <a:pt x="6867" y="2206"/>
-                  <a:pt x="7371" y="2468"/>
-                </a:cubicBezTo>
-                <a:cubicBezTo>
-                  <a:pt x="7827" y="1010"/>
-                  <a:pt x="9158" y="0"/>
-                  <a:pt x="10800" y="0"/>
-                </a:cubicBezTo>
-                <a:cubicBezTo>
-                  <a:pt x="12442" y="0"/>
-                  <a:pt x="13773" y="1010"/>
-                  <a:pt x="14229" y="2468"/>
-                </a:cubicBezTo>
-                <a:cubicBezTo>
-                  <a:pt x="14733" y="2206"/>
-                  <a:pt x="15315" y="2057"/>
-                  <a:pt x="15943" y="2057"/>
-                </a:cubicBezTo>
-                <a:cubicBezTo>
-                  <a:pt x="17984" y="2057"/>
-                  <a:pt x="19543" y="3617"/>
-                  <a:pt x="19543" y="5657"/>
-                </a:cubicBezTo>
-                <a:cubicBezTo>
-                  <a:pt x="19543" y="6285"/>
-                  <a:pt x="19395" y="6866"/>
-                  <a:pt x="19132" y="7371"/>
-                </a:cubicBezTo>
-                <a:cubicBezTo>
-                  <a:pt x="20590" y="7827"/>
-                  <a:pt x="21600" y="9159"/>
-                  <a:pt x="21600" y="10800"/>
-                </a:cubicBezTo>
-                <a:cubicBezTo>
-                  <a:pt x="21600" y="12441"/>
-                  <a:pt x="20590" y="13773"/>
-                  <a:pt x="19132" y="14229"/>
-                </a:cubicBezTo>
-                <a:cubicBezTo>
-                  <a:pt x="19395" y="14734"/>
-                  <a:pt x="19543" y="15315"/>
-                  <a:pt x="19543" y="15943"/>
-                </a:cubicBezTo>
-                <a:cubicBezTo>
-                  <a:pt x="19543" y="17983"/>
-                  <a:pt x="17984" y="19543"/>
-                  <a:pt x="15943" y="19543"/>
-                </a:cubicBezTo>
-                <a:cubicBezTo>
-                  <a:pt x="15315" y="19543"/>
-                  <a:pt x="14733" y="19394"/>
-                  <a:pt x="14229" y="19132"/>
-                </a:cubicBezTo>
-                <a:cubicBezTo>
-                  <a:pt x="13773" y="20590"/>
-                  <a:pt x="12442" y="21600"/>
-                  <a:pt x="10800" y="21600"/>
-                </a:cubicBezTo>
-                <a:cubicBezTo>
-                  <a:pt x="9158" y="21600"/>
-                  <a:pt x="7827" y="20590"/>
-                  <a:pt x="7371" y="19132"/>
-                </a:cubicBezTo>
-                <a:cubicBezTo>
-                  <a:pt x="6867" y="19394"/>
-                  <a:pt x="6285" y="19543"/>
-                  <a:pt x="5657" y="19543"/>
-                </a:cubicBezTo>
-                <a:cubicBezTo>
-                  <a:pt x="3616" y="19543"/>
-                  <a:pt x="2057" y="17983"/>
-                  <a:pt x="2057" y="15943"/>
-                </a:cubicBezTo>
-                <a:cubicBezTo>
-                  <a:pt x="2057" y="15315"/>
-                  <a:pt x="2205" y="14734"/>
-                  <a:pt x="2468" y="14229"/>
-                </a:cubicBezTo>
-                <a:cubicBezTo>
-                  <a:pt x="1010" y="13773"/>
-                  <a:pt x="0" y="12441"/>
-                  <a:pt x="0" y="10800"/>
-                </a:cubicBezTo>
-                <a:close/>
-              </a:path>
-            </a:pathLst>
-          </a:custGeom>
+            <a:off x="3996000" y="3780000"/>
+            <a:ext cx="221400" cy="221400"/>
+          </a:xfrm>
+          <a:prstGeom prst="ellipse">
+            <a:avLst/>
+          </a:prstGeom>
           <a:solidFill>
             <a:srgbClr val="ffffff"/>
           </a:solidFill>
@@ -7803,16 +8320,16 @@
       </p:sp>
       <p:sp>
         <p:nvSpPr>
-          <p:cNvPr id="148" name=""/>
+          <p:cNvPr id="168" name=""/>
           <p:cNvSpPr/>
           <p:nvPr/>
         </p:nvSpPr>
         <p:spPr>
           <a:xfrm>
-            <a:off x="3996000" y="3780000"/>
-            <a:ext cx="221760" cy="221760"/>
-          </a:xfrm>
-          <a:prstGeom prst="ellipse">
+            <a:off x="4107240" y="3780000"/>
+            <a:ext cx="1832040" cy="221400"/>
+          </a:xfrm>
+          <a:prstGeom prst="rect">
             <a:avLst/>
           </a:prstGeom>
           <a:solidFill>
@@ -7835,16 +8352,67 @@
       </p:sp>
       <p:sp>
         <p:nvSpPr>
-          <p:cNvPr id="149" name=""/>
+          <p:cNvPr id="169" name=""/>
           <p:cNvSpPr/>
           <p:nvPr/>
         </p:nvSpPr>
         <p:spPr>
           <a:xfrm>
-            <a:off x="4107240" y="3780000"/>
-            <a:ext cx="1832400" cy="221760"/>
-          </a:xfrm>
-          <a:prstGeom prst="rect">
+            <a:off x="4018320" y="3780000"/>
+            <a:ext cx="1920960" cy="221400"/>
+          </a:xfrm>
+          <a:prstGeom prst="rect">
+            <a:avLst/>
+          </a:prstGeom>
+          <a:noFill/>
+          <a:ln w="0">
+            <a:noFill/>
+          </a:ln>
+        </p:spPr>
+        <p:style>
+          <a:lnRef idx="0"/>
+          <a:fillRef idx="0"/>
+          <a:effectRef idx="0"/>
+          <a:fontRef idx="minor"/>
+        </p:style>
+        <p:txBody>
+          <a:bodyPr lIns="90000" rIns="90000" tIns="45000" bIns="45000">
+            <a:noAutofit/>
+          </a:bodyPr>
+          <a:p>
+            <a:pPr>
+              <a:lnSpc>
+                <a:spcPts val="1287"/>
+              </a:lnSpc>
+            </a:pPr>
+            <a:r>
+              <a:rPr b="0" lang="en-US" sz="1400" spc="-1" strike="noStrike">
+                <a:solidFill>
+                  <a:srgbClr val="b2b2b2"/>
+                </a:solidFill>
+                <a:latin typeface="Montserrat Thin"/>
+                <a:ea typeface="Noto Sans CJK SC"/>
+              </a:rPr>
+              <a:t>Search...</a:t>
+            </a:r>
+            <a:endParaRPr b="0" lang="id-ID" sz="1400" spc="-1" strike="noStrike">
+              <a:latin typeface="Arial"/>
+            </a:endParaRPr>
+          </a:p>
+        </p:txBody>
+      </p:sp>
+      <p:sp>
+        <p:nvSpPr>
+          <p:cNvPr id="170" name=""/>
+          <p:cNvSpPr/>
+          <p:nvPr/>
+        </p:nvSpPr>
+        <p:spPr>
+          <a:xfrm>
+            <a:off x="5825880" y="3780000"/>
+            <a:ext cx="221400" cy="221400"/>
+          </a:xfrm>
+          <a:prstGeom prst="ellipse">
             <a:avLst/>
           </a:prstGeom>
           <a:solidFill>
@@ -7867,14 +8435,14 @@
       </p:sp>
       <p:sp>
         <p:nvSpPr>
-          <p:cNvPr id="150" name=""/>
+          <p:cNvPr id="171" name=""/>
           <p:cNvSpPr/>
           <p:nvPr/>
         </p:nvSpPr>
         <p:spPr>
           <a:xfrm>
-            <a:off x="4018320" y="3780000"/>
-            <a:ext cx="1921320" cy="221760"/>
+            <a:off x="3960000" y="4019400"/>
+            <a:ext cx="2087280" cy="299880"/>
           </a:xfrm>
           <a:prstGeom prst="rect">
             <a:avLst/>
@@ -7895,50 +8463,310 @@
             <a:noAutofit/>
           </a:bodyPr>
           <a:p>
-            <a:pPr>
+            <a:pPr algn="ctr">
               <a:lnSpc>
-                <a:spcPts val="1287"/>
+                <a:spcPct val="100000"/>
               </a:lnSpc>
             </a:pPr>
             <a:r>
-              <a:rPr b="0" lang="en-US" sz="1400" spc="-1" strike="noStrike">
+              <a:rPr b="0" i="1" lang="id-ID" sz="700" spc="-1" strike="noStrike">
                 <a:solidFill>
-                  <a:srgbClr val="b2b2b2"/>
+                  <a:srgbClr val="ffffff"/>
                 </a:solidFill>
                 <a:latin typeface="Montserrat Thin"/>
-                <a:ea typeface="Noto Sans CJK SC"/>
-              </a:rPr>
-              <a:t>Search...</a:t>
-            </a:r>
-            <a:endParaRPr b="0" lang="id-ID" sz="1400" spc="-1" strike="noStrike">
-              <a:latin typeface="Arial"/>
-            </a:endParaRPr>
-          </a:p>
-        </p:txBody>
-      </p:sp>
-      <p:sp>
-        <p:nvSpPr>
-          <p:cNvPr id="151" name=""/>
+                <a:ea typeface="DejaVu Sans"/>
+              </a:rPr>
+              <a:t>Do more with the search feature. Try it!</a:t>
+            </a:r>
+            <a:endParaRPr b="0" lang="id-ID" sz="700" spc="-1" strike="noStrike">
+              <a:latin typeface="Arial"/>
+            </a:endParaRPr>
+          </a:p>
+        </p:txBody>
+      </p:sp>
+      <p:sp>
+        <p:nvSpPr>
+          <p:cNvPr id="172" name=""/>
+          <p:cNvSpPr txBox="1"/>
+          <p:nvPr/>
+        </p:nvSpPr>
+        <p:spPr>
+          <a:xfrm>
+            <a:off x="182160" y="1352160"/>
+            <a:ext cx="540000" cy="540000"/>
+          </a:xfrm>
+          <a:prstGeom prst="rect">
+            <a:avLst/>
+          </a:prstGeom>
+          <a:blipFill rotWithShape="0">
+            <a:blip r:embed="rId3"/>
+            <a:stretch/>
+          </a:blipFill>
+          <a:ln w="0">
+            <a:noFill/>
+          </a:ln>
+        </p:spPr>
+        <p:txBody>
+          <a:bodyPr lIns="90000" rIns="90000" tIns="45000" bIns="45000" anchor="ctr" anchorCtr="1">
+            <a:noAutofit/>
+          </a:bodyPr>
+          <a:p>
+            <a:pPr algn="ctr">
+              <a:lnSpc>
+                <a:spcPts val="6749"/>
+              </a:lnSpc>
+            </a:pPr>
+            <a:r>
+              <a:rPr b="0" lang="id-ID" sz="900" spc="-1" strike="noStrike">
+                <a:latin typeface="Montserrat"/>
+              </a:rPr>
+              <a:t>User</a:t>
+            </a:r>
+            <a:endParaRPr b="0" lang="id-ID" sz="900" spc="-1" strike="noStrike">
+              <a:latin typeface="Montserrat"/>
+              <a:ea typeface="Noto Sans CJK SC"/>
+            </a:endParaRPr>
+          </a:p>
+        </p:txBody>
+      </p:sp>
+      <p:sp>
+        <p:nvSpPr>
+          <p:cNvPr id="173" name=""/>
+          <p:cNvSpPr txBox="1"/>
+          <p:nvPr/>
+        </p:nvSpPr>
+        <p:spPr>
+          <a:xfrm>
+            <a:off x="165960" y="2235960"/>
+            <a:ext cx="556200" cy="556200"/>
+          </a:xfrm>
+          <a:prstGeom prst="rect">
+            <a:avLst/>
+          </a:prstGeom>
+          <a:blipFill rotWithShape="0">
+            <a:blip r:embed="rId4"/>
+            <a:stretch/>
+          </a:blipFill>
+          <a:ln w="0">
+            <a:noFill/>
+          </a:ln>
+        </p:spPr>
+        <p:txBody>
+          <a:bodyPr lIns="90000" rIns="90000" tIns="45000" bIns="45000" anchor="ctr" anchorCtr="1">
+            <a:noAutofit/>
+          </a:bodyPr>
+          <a:p>
+            <a:pPr algn="ctr">
+              <a:lnSpc>
+                <a:spcPts val="7393"/>
+              </a:lnSpc>
+            </a:pPr>
+            <a:r>
+              <a:rPr b="0" lang="id-ID" sz="800" spc="-1" strike="noStrike">
+                <a:latin typeface="Montserrat"/>
+              </a:rPr>
+              <a:t>MediaBrowse</a:t>
+            </a:r>
+            <a:endParaRPr b="0" lang="id-ID" sz="800" spc="-1" strike="noStrike">
+              <a:latin typeface="Arial"/>
+            </a:endParaRPr>
+          </a:p>
+        </p:txBody>
+      </p:sp>
+      <p:sp>
+        <p:nvSpPr>
+          <p:cNvPr id="174" name=""/>
+          <p:cNvSpPr txBox="1"/>
+          <p:nvPr/>
+        </p:nvSpPr>
+        <p:spPr>
+          <a:xfrm>
+            <a:off x="182160" y="452160"/>
+            <a:ext cx="540000" cy="540000"/>
+          </a:xfrm>
+          <a:prstGeom prst="rect">
+            <a:avLst/>
+          </a:prstGeom>
+          <a:blipFill rotWithShape="0">
+            <a:blip r:embed="rId5"/>
+            <a:stretch/>
+          </a:blipFill>
+          <a:ln w="0">
+            <a:noFill/>
+          </a:ln>
+        </p:spPr>
+        <p:txBody>
+          <a:bodyPr lIns="90000" rIns="90000" tIns="45000" bIns="45000" anchor="ctr" anchorCtr="1">
+            <a:noAutofit/>
+          </a:bodyPr>
+          <a:p>
+            <a:pPr algn="ctr">
+              <a:lnSpc>
+                <a:spcPts val="6588"/>
+              </a:lnSpc>
+            </a:pPr>
+            <a:r>
+              <a:rPr b="0" lang="id-ID" sz="900" spc="-1" strike="noStrike">
+                <a:latin typeface="Montserrat"/>
+              </a:rPr>
+              <a:t>Device</a:t>
+            </a:r>
+            <a:endParaRPr b="0" lang="id-ID" sz="900" spc="-1" strike="noStrike">
+              <a:latin typeface="Montserrat"/>
+            </a:endParaRPr>
+          </a:p>
+        </p:txBody>
+      </p:sp>
+      <p:sp>
+        <p:nvSpPr>
+          <p:cNvPr id="175" name=""/>
+          <p:cNvSpPr txBox="1"/>
+          <p:nvPr/>
+        </p:nvSpPr>
+        <p:spPr>
+          <a:xfrm>
+            <a:off x="1082160" y="2252160"/>
+            <a:ext cx="540000" cy="540000"/>
+          </a:xfrm>
+          <a:prstGeom prst="rect">
+            <a:avLst/>
+          </a:prstGeom>
+          <a:blipFill rotWithShape="0">
+            <a:blip r:embed="rId6"/>
+            <a:stretch/>
+          </a:blipFill>
+          <a:ln w="0">
+            <a:noFill/>
+          </a:ln>
+        </p:spPr>
+        <p:txBody>
+          <a:bodyPr lIns="90000" rIns="90000" tIns="45000" bIns="45000" anchor="ctr" anchorCtr="1">
+            <a:noAutofit/>
+          </a:bodyPr>
+          <a:p>
+            <a:pPr algn="ctr">
+              <a:lnSpc>
+                <a:spcPts val="7231"/>
+              </a:lnSpc>
+            </a:pPr>
+            <a:r>
+              <a:rPr b="0" lang="id-ID" sz="800" spc="-1" strike="noStrike">
+                <a:latin typeface="Montserrat"/>
+              </a:rPr>
+              <a:t>GamePlay</a:t>
+            </a:r>
+            <a:endParaRPr b="0" lang="id-ID" sz="800" spc="-1" strike="noStrike">
+              <a:latin typeface="Arial"/>
+            </a:endParaRPr>
+          </a:p>
+        </p:txBody>
+      </p:sp>
+      <p:sp>
+        <p:nvSpPr>
+          <p:cNvPr id="176" name=""/>
+          <p:cNvSpPr txBox="1"/>
+          <p:nvPr/>
+        </p:nvSpPr>
+        <p:spPr>
+          <a:xfrm>
+            <a:off x="1082160" y="1383840"/>
+            <a:ext cx="508320" cy="508320"/>
+          </a:xfrm>
+          <a:prstGeom prst="rect">
+            <a:avLst/>
+          </a:prstGeom>
+          <a:blipFill rotWithShape="0">
+            <a:blip r:embed="rId7"/>
+            <a:stretch/>
+          </a:blipFill>
+          <a:ln w="0">
+            <a:noFill/>
+          </a:ln>
+        </p:spPr>
+        <p:txBody>
+          <a:bodyPr lIns="90000" rIns="90000" tIns="45000" bIns="45000" anchorCtr="1">
+            <a:noAutofit/>
+          </a:bodyPr>
+          <a:p>
+            <a:pPr algn="ctr">
+              <a:lnSpc>
+                <a:spcPts val="4980"/>
+              </a:lnSpc>
+            </a:pPr>
+            <a:r>
+              <a:rPr b="0" lang="id-ID" sz="800" spc="-1" strike="noStrike">
+                <a:latin typeface="Montserrat"/>
+              </a:rPr>
+              <a:t>Task Manager</a:t>
+            </a:r>
+            <a:endParaRPr b="0" lang="id-ID" sz="800" spc="-1" strike="noStrike">
+              <a:latin typeface="Arial"/>
+              <a:ea typeface="Noto Sans CJK SC"/>
+            </a:endParaRPr>
+          </a:p>
+        </p:txBody>
+      </p:sp>
+      <p:sp>
+        <p:nvSpPr>
+          <p:cNvPr id="177" name=""/>
+          <p:cNvSpPr txBox="1"/>
+          <p:nvPr/>
+        </p:nvSpPr>
+        <p:spPr>
+          <a:xfrm>
+            <a:off x="1082160" y="506880"/>
+            <a:ext cx="485280" cy="485280"/>
+          </a:xfrm>
+          <a:prstGeom prst="rect">
+            <a:avLst/>
+          </a:prstGeom>
+          <a:blipFill rotWithShape="0">
+            <a:blip r:embed="rId8"/>
+            <a:stretch/>
+          </a:blipFill>
+          <a:ln w="0">
+            <a:noFill/>
+          </a:ln>
+        </p:spPr>
+        <p:txBody>
+          <a:bodyPr lIns="90000" rIns="90000" tIns="45000" bIns="45000" anchor="ctr" anchorCtr="1">
+            <a:noAutofit/>
+          </a:bodyPr>
+          <a:p>
+            <a:pPr algn="ctr">
+              <a:lnSpc>
+                <a:spcPts val="6429"/>
+              </a:lnSpc>
+            </a:pPr>
+            <a:r>
+              <a:rPr b="0" lang="id-ID" sz="900" spc="-1" strike="noStrike">
+                <a:latin typeface="Montserrat"/>
+              </a:rPr>
+              <a:t>Trash Bin</a:t>
+            </a:r>
+            <a:endParaRPr b="0" lang="id-ID" sz="900" spc="-1" strike="noStrike">
+              <a:latin typeface="Arial"/>
+            </a:endParaRPr>
+          </a:p>
+        </p:txBody>
+      </p:sp>
+      <p:sp>
+        <p:nvSpPr>
+          <p:cNvPr id="178" name=""/>
           <p:cNvSpPr/>
           <p:nvPr/>
         </p:nvSpPr>
         <p:spPr>
           <a:xfrm>
-            <a:off x="5825880" y="3780000"/>
-            <a:ext cx="221760" cy="221760"/>
-          </a:xfrm>
-          <a:prstGeom prst="ellipse">
-            <a:avLst/>
-          </a:prstGeom>
-          <a:solidFill>
-            <a:srgbClr val="ffffff"/>
-          </a:solidFill>
+            <a:off x="9680040" y="-5400"/>
+            <a:ext cx="375120" cy="190440"/>
+          </a:xfrm>
+          <a:prstGeom prst="rect">
+            <a:avLst/>
+          </a:prstGeom>
+          <a:noFill/>
           <a:ln w="0">
-            <a:solidFill>
-              <a:srgbClr val="3465a4">
-                <a:alpha val="0"/>
-              </a:srgbClr>
-            </a:solidFill>
+            <a:noFill/>
           </a:ln>
         </p:spPr>
         <p:style>
@@ -7947,50 +8775,25 @@
           <a:effectRef idx="0"/>
           <a:fontRef idx="minor"/>
         </p:style>
-      </p:sp>
-      <p:sp>
-        <p:nvSpPr>
-          <p:cNvPr id="152" name=""/>
-          <p:cNvSpPr/>
-          <p:nvPr/>
-        </p:nvSpPr>
-        <p:spPr>
-          <a:xfrm>
-            <a:off x="3960000" y="4019400"/>
-            <a:ext cx="2087640" cy="300240"/>
-          </a:xfrm>
-          <a:prstGeom prst="rect">
-            <a:avLst/>
-          </a:prstGeom>
-          <a:noFill/>
-          <a:ln w="0">
-            <a:noFill/>
-          </a:ln>
-        </p:spPr>
-        <p:style>
-          <a:lnRef idx="0"/>
-          <a:fillRef idx="0"/>
-          <a:effectRef idx="0"/>
-          <a:fontRef idx="minor"/>
-        </p:style>
         <p:txBody>
           <a:bodyPr lIns="90000" rIns="90000" tIns="45000" bIns="45000">
             <a:noAutofit/>
           </a:bodyPr>
           <a:p>
-            <a:pPr algn="ctr">
+            <a:pPr algn="r">
               <a:lnSpc>
-                <a:spcPct val="100000"/>
+                <a:spcPts val="802"/>
               </a:lnSpc>
             </a:pPr>
             <a:r>
-              <a:rPr b="0" i="1" lang="id-ID" sz="700" spc="-1" strike="noStrike">
+              <a:rPr b="1" lang="en-US" sz="700" spc="-1" strike="noStrike">
                 <a:solidFill>
                   <a:srgbClr val="ffffff"/>
                 </a:solidFill>
-                <a:latin typeface="Montserrat Thin"/>
-              </a:rPr>
-              <a:t>Do more with the search feature. Try it!</a:t>
+                <a:latin typeface="Montserrat"/>
+                <a:ea typeface="DejaVu Sans"/>
+              </a:rPr>
+              <a:t>90%</a:t>
             </a:r>
             <a:endParaRPr b="0" lang="id-ID" sz="700" spc="-1" strike="noStrike">
               <a:latin typeface="Arial"/>
@@ -7998,6 +8801,374 @@
           </a:p>
         </p:txBody>
       </p:sp>
+      <p:pic>
+        <p:nvPicPr>
+          <p:cNvPr id="179" name="" descr=""/>
+          <p:cNvPicPr/>
+          <p:nvPr/>
+        </p:nvPicPr>
+        <p:blipFill>
+          <a:blip r:embed="rId9"/>
+          <a:stretch/>
+        </p:blipFill>
+        <p:spPr>
+          <a:xfrm>
+            <a:off x="9622800" y="37440"/>
+            <a:ext cx="96120" cy="96120"/>
+          </a:xfrm>
+          <a:prstGeom prst="rect">
+            <a:avLst/>
+          </a:prstGeom>
+          <a:ln w="0">
+            <a:noFill/>
+          </a:ln>
+        </p:spPr>
+      </p:pic>
+      <p:pic>
+        <p:nvPicPr>
+          <p:cNvPr id="180" name="" descr=""/>
+          <p:cNvPicPr/>
+          <p:nvPr/>
+        </p:nvPicPr>
+        <p:blipFill>
+          <a:blip r:embed="rId10"/>
+          <a:stretch/>
+        </p:blipFill>
+        <p:spPr>
+          <a:xfrm>
+            <a:off x="9407880" y="36360"/>
+            <a:ext cx="101520" cy="101520"/>
+          </a:xfrm>
+          <a:prstGeom prst="rect">
+            <a:avLst/>
+          </a:prstGeom>
+          <a:ln w="0">
+            <a:noFill/>
+          </a:ln>
+        </p:spPr>
+      </p:pic>
+      <p:pic>
+        <p:nvPicPr>
+          <p:cNvPr id="181" name="" descr=""/>
+          <p:cNvPicPr/>
+          <p:nvPr/>
+        </p:nvPicPr>
+        <p:blipFill>
+          <a:blip r:embed="rId11"/>
+          <a:stretch/>
+        </p:blipFill>
+        <p:spPr>
+          <a:xfrm>
+            <a:off x="9164160" y="32400"/>
+            <a:ext cx="104760" cy="104760"/>
+          </a:xfrm>
+          <a:prstGeom prst="rect">
+            <a:avLst/>
+          </a:prstGeom>
+          <a:ln w="0">
+            <a:noFill/>
+          </a:ln>
+        </p:spPr>
+      </p:pic>
+      <p:grpSp>
+        <p:nvGrpSpPr>
+          <p:cNvPr id="182" name=""/>
+          <p:cNvGrpSpPr/>
+          <p:nvPr/>
+        </p:nvGrpSpPr>
+        <p:grpSpPr>
+          <a:xfrm>
+            <a:off x="3960000" y="5400000"/>
+            <a:ext cx="180000" cy="180000"/>
+            <a:chOff x="3960000" y="5400000"/>
+            <a:chExt cx="180000" cy="180000"/>
+          </a:xfrm>
+        </p:grpSpPr>
+        <p:sp>
+          <p:nvSpPr>
+            <p:cNvPr id="183" name=""/>
+            <p:cNvSpPr/>
+            <p:nvPr/>
+          </p:nvSpPr>
+          <p:spPr>
+            <a:xfrm>
+              <a:off x="3960000" y="5400000"/>
+              <a:ext cx="180000" cy="180000"/>
+            </a:xfrm>
+            <a:prstGeom prst="ellipse">
+              <a:avLst/>
+            </a:prstGeom>
+            <a:solidFill>
+              <a:srgbClr val="729fcf"/>
+            </a:solidFill>
+            <a:ln w="0">
+              <a:solidFill>
+                <a:srgbClr val="3465a4">
+                  <a:alpha val="0"/>
+                </a:srgbClr>
+              </a:solidFill>
+            </a:ln>
+          </p:spPr>
+          <p:style>
+            <a:lnRef idx="0"/>
+            <a:fillRef idx="0"/>
+            <a:effectRef idx="0"/>
+            <a:fontRef idx="minor"/>
+          </p:style>
+        </p:sp>
+        <p:sp>
+          <p:nvSpPr>
+            <p:cNvPr id="184" name=""/>
+            <p:cNvSpPr/>
+            <p:nvPr/>
+          </p:nvSpPr>
+          <p:spPr>
+            <a:xfrm>
+              <a:off x="4014720" y="5429880"/>
+              <a:ext cx="69840" cy="70200"/>
+            </a:xfrm>
+            <a:custGeom>
+              <a:avLst/>
+              <a:gdLst/>
+              <a:ahLst/>
+              <a:rect l="0" t="0" r="r" b="b"/>
+              <a:pathLst>
+                <a:path w="195" h="196">
+                  <a:moveTo>
+                    <a:pt x="194" y="98"/>
+                  </a:moveTo>
+                  <a:cubicBezTo>
+                    <a:pt x="194" y="115"/>
+                    <a:pt x="190" y="131"/>
+                    <a:pt x="181" y="146"/>
+                  </a:cubicBezTo>
+                  <a:cubicBezTo>
+                    <a:pt x="173" y="161"/>
+                    <a:pt x="161" y="173"/>
+                    <a:pt x="146" y="182"/>
+                  </a:cubicBezTo>
+                  <a:cubicBezTo>
+                    <a:pt x="131" y="190"/>
+                    <a:pt x="114" y="195"/>
+                    <a:pt x="97" y="195"/>
+                  </a:cubicBezTo>
+                  <a:cubicBezTo>
+                    <a:pt x="80" y="195"/>
+                    <a:pt x="63" y="190"/>
+                    <a:pt x="49" y="182"/>
+                  </a:cubicBezTo>
+                  <a:cubicBezTo>
+                    <a:pt x="34" y="173"/>
+                    <a:pt x="22" y="161"/>
+                    <a:pt x="13" y="146"/>
+                  </a:cubicBezTo>
+                  <a:cubicBezTo>
+                    <a:pt x="4" y="131"/>
+                    <a:pt x="0" y="115"/>
+                    <a:pt x="0" y="98"/>
+                  </a:cubicBezTo>
+                  <a:cubicBezTo>
+                    <a:pt x="0" y="80"/>
+                    <a:pt x="4" y="64"/>
+                    <a:pt x="13" y="49"/>
+                  </a:cubicBezTo>
+                  <a:cubicBezTo>
+                    <a:pt x="22" y="34"/>
+                    <a:pt x="34" y="22"/>
+                    <a:pt x="49" y="13"/>
+                  </a:cubicBezTo>
+                  <a:cubicBezTo>
+                    <a:pt x="63" y="5"/>
+                    <a:pt x="80" y="0"/>
+                    <a:pt x="97" y="0"/>
+                  </a:cubicBezTo>
+                  <a:cubicBezTo>
+                    <a:pt x="114" y="0"/>
+                    <a:pt x="131" y="5"/>
+                    <a:pt x="146" y="13"/>
+                  </a:cubicBezTo>
+                  <a:cubicBezTo>
+                    <a:pt x="161" y="22"/>
+                    <a:pt x="173" y="34"/>
+                    <a:pt x="181" y="49"/>
+                  </a:cubicBezTo>
+                  <a:cubicBezTo>
+                    <a:pt x="190" y="64"/>
+                    <a:pt x="194" y="80"/>
+                    <a:pt x="194" y="98"/>
+                  </a:cubicBezTo>
+                  <a:close/>
+                </a:path>
+              </a:pathLst>
+            </a:custGeom>
+            <a:solidFill>
+              <a:srgbClr val="d8d8d8"/>
+            </a:solidFill>
+            <a:ln w="0">
+              <a:noFill/>
+            </a:ln>
+          </p:spPr>
+        </p:sp>
+        <p:sp>
+          <p:nvSpPr>
+            <p:cNvPr id="185" name=""/>
+            <p:cNvSpPr/>
+            <p:nvPr/>
+          </p:nvSpPr>
+          <p:spPr>
+            <a:xfrm>
+              <a:off x="3990240" y="5516280"/>
+              <a:ext cx="119160" cy="63720"/>
+            </a:xfrm>
+            <a:custGeom>
+              <a:avLst/>
+              <a:gdLst/>
+              <a:ahLst/>
+              <a:rect l="0" t="0" r="r" b="b"/>
+              <a:pathLst>
+                <a:path w="332" h="178">
+                  <a:moveTo>
+                    <a:pt x="12" y="88"/>
+                  </a:moveTo>
+                  <a:cubicBezTo>
+                    <a:pt x="28" y="61"/>
+                    <a:pt x="50" y="39"/>
+                    <a:pt x="77" y="23"/>
+                  </a:cubicBezTo>
+                  <a:cubicBezTo>
+                    <a:pt x="104" y="8"/>
+                    <a:pt x="134" y="0"/>
+                    <a:pt x="165" y="0"/>
+                  </a:cubicBezTo>
+                  <a:cubicBezTo>
+                    <a:pt x="196" y="0"/>
+                    <a:pt x="227" y="8"/>
+                    <a:pt x="254" y="23"/>
+                  </a:cubicBezTo>
+                  <a:cubicBezTo>
+                    <a:pt x="281" y="39"/>
+                    <a:pt x="303" y="61"/>
+                    <a:pt x="318" y="88"/>
+                  </a:cubicBezTo>
+                  <a:cubicBezTo>
+                    <a:pt x="323" y="97"/>
+                    <a:pt x="328" y="106"/>
+                    <a:pt x="331" y="115"/>
+                  </a:cubicBezTo>
+                  <a:cubicBezTo>
+                    <a:pt x="319" y="126"/>
+                    <a:pt x="305" y="135"/>
+                    <a:pt x="291" y="144"/>
+                  </a:cubicBezTo>
+                  <a:cubicBezTo>
+                    <a:pt x="257" y="163"/>
+                    <a:pt x="219" y="175"/>
+                    <a:pt x="180" y="177"/>
+                  </a:cubicBezTo>
+                  <a:lnTo>
+                    <a:pt x="165" y="177"/>
+                  </a:lnTo>
+                  <a:lnTo>
+                    <a:pt x="152" y="177"/>
+                  </a:lnTo>
+                  <a:cubicBezTo>
+                    <a:pt x="113" y="175"/>
+                    <a:pt x="75" y="163"/>
+                    <a:pt x="41" y="144"/>
+                  </a:cubicBezTo>
+                  <a:cubicBezTo>
+                    <a:pt x="26" y="135"/>
+                    <a:pt x="12" y="125"/>
+                    <a:pt x="0" y="114"/>
+                  </a:cubicBezTo>
+                  <a:cubicBezTo>
+                    <a:pt x="3" y="105"/>
+                    <a:pt x="7" y="97"/>
+                    <a:pt x="12" y="88"/>
+                  </a:cubicBezTo>
+                  <a:close/>
+                </a:path>
+              </a:pathLst>
+            </a:custGeom>
+            <a:solidFill>
+              <a:srgbClr val="d8d8d8"/>
+            </a:solidFill>
+            <a:ln w="0">
+              <a:noFill/>
+            </a:ln>
+          </p:spPr>
+        </p:sp>
+      </p:grpSp>
+      <p:grpSp>
+        <p:nvGrpSpPr>
+          <p:cNvPr id="186" name=""/>
+          <p:cNvGrpSpPr/>
+          <p:nvPr/>
+        </p:nvGrpSpPr>
+        <p:grpSpPr>
+          <a:xfrm>
+            <a:off x="5880240" y="5351760"/>
+            <a:ext cx="249120" cy="242280"/>
+            <a:chOff x="5880240" y="5351760"/>
+            <a:chExt cx="249120" cy="242280"/>
+          </a:xfrm>
+        </p:grpSpPr>
+        <p:sp>
+          <p:nvSpPr>
+            <p:cNvPr id="187" name=""/>
+            <p:cNvSpPr/>
+            <p:nvPr/>
+          </p:nvSpPr>
+          <p:spPr>
+            <a:xfrm>
+              <a:off x="5880240" y="5351760"/>
+              <a:ext cx="249120" cy="242280"/>
+            </a:xfrm>
+            <a:prstGeom prst="ellipse">
+              <a:avLst/>
+            </a:prstGeom>
+            <a:solidFill>
+              <a:srgbClr val="666666"/>
+            </a:solidFill>
+            <a:ln w="0">
+              <a:solidFill>
+                <a:srgbClr val="b4c7dc">
+                  <a:alpha val="0"/>
+                </a:srgbClr>
+              </a:solidFill>
+            </a:ln>
+          </p:spPr>
+          <p:style>
+            <a:lnRef idx="0"/>
+            <a:fillRef idx="0"/>
+            <a:effectRef idx="0"/>
+            <a:fontRef idx="minor"/>
+          </p:style>
+        </p:sp>
+        <p:pic>
+          <p:nvPicPr>
+            <p:cNvPr id="188" name="" descr=""/>
+            <p:cNvPicPr/>
+            <p:nvPr/>
+          </p:nvPicPr>
+          <p:blipFill>
+            <a:blip r:embed="rId12"/>
+            <a:stretch/>
+          </p:blipFill>
+          <p:spPr>
+            <a:xfrm>
+              <a:off x="5916960" y="5395320"/>
+              <a:ext cx="162000" cy="161640"/>
+            </a:xfrm>
+            <a:prstGeom prst="rect">
+              <a:avLst/>
+            </a:prstGeom>
+            <a:ln w="0">
+              <a:noFill/>
+            </a:ln>
+          </p:spPr>
+        </p:pic>
+      </p:grpSp>
     </p:spTree>
   </p:cSld>
   <mc:AlternateContent>

--- a/extras/pptx/MPD OS Desktop Environment.pptx
+++ b/extras/pptx/MPD OS Desktop Environment.pptx
@@ -12,6 +12,7 @@
     <p:sldId id="259" r:id="rId7"/>
     <p:sldId id="260" r:id="rId8"/>
     <p:sldId id="261" r:id="rId9"/>
+    <p:sldId id="262" r:id="rId10"/>
   </p:sldIdLst>
   <p:sldSz cx="10080625" cy="5670550"/>
   <p:notesSz cx="7772400" cy="10058400"/>
@@ -2760,7 +2761,7 @@
         <p:spPr>
           <a:xfrm>
             <a:off x="504000" y="226080"/>
-            <a:ext cx="9071640" cy="946080"/>
+            <a:ext cx="9072000" cy="946440"/>
           </a:xfrm>
           <a:prstGeom prst="rect">
             <a:avLst/>
@@ -2771,79 +2772,32 @@
             <a:noAutofit/>
           </a:bodyPr>
           <a:p>
+            <a:pPr algn="ctr"/>
             <a:r>
-              <a:rPr b="0" lang="id-ID" sz="1800" spc="-1" strike="noStrike">
+              <a:rPr b="0" lang="id-ID" sz="4400" spc="-1" strike="noStrike">
                 <a:latin typeface="Arial"/>
               </a:rPr>
-              <a:t>Cli</a:t>
+              <a:t>Click to </a:t>
             </a:r>
             <a:r>
-              <a:rPr b="0" lang="id-ID" sz="1800" spc="-1" strike="noStrike">
+              <a:rPr b="0" lang="id-ID" sz="4400" spc="-1" strike="noStrike">
                 <a:latin typeface="Arial"/>
               </a:rPr>
-              <a:t>ck </a:t>
+              <a:t>edit the </a:t>
             </a:r>
             <a:r>
-              <a:rPr b="0" lang="id-ID" sz="1800" spc="-1" strike="noStrike">
+              <a:rPr b="0" lang="id-ID" sz="4400" spc="-1" strike="noStrike">
                 <a:latin typeface="Arial"/>
               </a:rPr>
-              <a:t>to </a:t>
+              <a:t>title text </a:t>
             </a:r>
             <a:r>
-              <a:rPr b="0" lang="id-ID" sz="1800" spc="-1" strike="noStrike">
+              <a:rPr b="0" lang="id-ID" sz="4400" spc="-1" strike="noStrike">
                 <a:latin typeface="Arial"/>
               </a:rPr>
-              <a:t>edi</a:t>
+              <a:t>format</a:t>
             </a:r>
-            <a:r>
-              <a:rPr b="0" lang="id-ID" sz="1800" spc="-1" strike="noStrike">
-                <a:latin typeface="Arial"/>
-              </a:rPr>
-              <a:t>t </a:t>
-            </a:r>
-            <a:r>
-              <a:rPr b="0" lang="id-ID" sz="1800" spc="-1" strike="noStrike">
-                <a:latin typeface="Arial"/>
-              </a:rPr>
-              <a:t>the </a:t>
-            </a:r>
-            <a:r>
-              <a:rPr b="0" lang="id-ID" sz="1800" spc="-1" strike="noStrike">
-                <a:latin typeface="Arial"/>
-              </a:rPr>
-              <a:t>title </a:t>
-            </a:r>
-            <a:r>
-              <a:rPr b="0" lang="id-ID" sz="1800" spc="-1" strike="noStrike">
-                <a:latin typeface="Arial"/>
-              </a:rPr>
-              <a:t>tex</a:t>
-            </a:r>
-            <a:r>
-              <a:rPr b="0" lang="id-ID" sz="1800" spc="-1" strike="noStrike">
-                <a:latin typeface="Arial"/>
-              </a:rPr>
-              <a:t>t </a:t>
-            </a:r>
-            <a:r>
-              <a:rPr b="0" lang="id-ID" sz="1800" spc="-1" strike="noStrike">
-                <a:latin typeface="Arial"/>
-              </a:rPr>
-              <a:t>for</a:t>
-            </a:r>
-            <a:r>
-              <a:rPr b="0" lang="id-ID" sz="1800" spc="-1" strike="noStrike">
-                <a:latin typeface="Arial"/>
-              </a:rPr>
-              <a:t>ma</a:t>
-            </a:r>
-            <a:r>
-              <a:rPr b="0" lang="id-ID" sz="1800" spc="-1" strike="noStrike">
-                <a:latin typeface="Arial"/>
-              </a:rPr>
-              <a:t>t</a:t>
-            </a:r>
-            <a:endParaRPr b="0" lang="id-ID" sz="1800" spc="-1" strike="noStrike">
+            <a:endParaRPr b="0" lang="id-ID" sz="4400" spc="-1" strike="noStrike">
               <a:latin typeface="Arial"/>
             </a:endParaRPr>
           </a:p>
@@ -2862,7 +2816,7 @@
         <p:spPr>
           <a:xfrm>
             <a:off x="504000" y="1326600"/>
-            <a:ext cx="9071640" cy="3288240"/>
+            <a:ext cx="9072000" cy="3288600"/>
           </a:xfrm>
           <a:prstGeom prst="rect">
             <a:avLst/>
@@ -2885,12 +2839,12 @@
               <a:buChar char=""/>
             </a:pPr>
             <a:r>
-              <a:rPr b="0" lang="id-ID" sz="1800" spc="-1" strike="noStrike">
+              <a:rPr b="0" lang="id-ID" sz="3200" spc="-1" strike="noStrike">
                 <a:latin typeface="Arial"/>
               </a:rPr>
               <a:t>Click to edit the outline text format</a:t>
             </a:r>
-            <a:endParaRPr b="0" lang="id-ID" sz="1800" spc="-1" strike="noStrike">
+            <a:endParaRPr b="0" lang="id-ID" sz="3200" spc="-1" strike="noStrike">
               <a:latin typeface="Arial"/>
             </a:endParaRPr>
           </a:p>
@@ -2907,12 +2861,12 @@
               <a:buChar char=""/>
             </a:pPr>
             <a:r>
-              <a:rPr b="0" lang="id-ID" sz="1800" spc="-1" strike="noStrike">
+              <a:rPr b="0" lang="id-ID" sz="2800" spc="-1" strike="noStrike">
                 <a:latin typeface="Arial"/>
               </a:rPr>
               <a:t>Second Outline Level</a:t>
             </a:r>
-            <a:endParaRPr b="0" lang="id-ID" sz="1800" spc="-1" strike="noStrike">
+            <a:endParaRPr b="0" lang="id-ID" sz="2800" spc="-1" strike="noStrike">
               <a:latin typeface="Arial"/>
             </a:endParaRPr>
           </a:p>
@@ -2929,12 +2883,12 @@
               <a:buChar char=""/>
             </a:pPr>
             <a:r>
-              <a:rPr b="0" lang="id-ID" sz="1800" spc="-1" strike="noStrike">
+              <a:rPr b="0" lang="id-ID" sz="2400" spc="-1" strike="noStrike">
                 <a:latin typeface="Arial"/>
               </a:rPr>
               <a:t>Third Outline Level</a:t>
             </a:r>
-            <a:endParaRPr b="0" lang="id-ID" sz="1800" spc="-1" strike="noStrike">
+            <a:endParaRPr b="0" lang="id-ID" sz="2400" spc="-1" strike="noStrike">
               <a:latin typeface="Arial"/>
             </a:endParaRPr>
           </a:p>
@@ -2951,12 +2905,12 @@
               <a:buChar char=""/>
             </a:pPr>
             <a:r>
-              <a:rPr b="0" lang="id-ID" sz="1800" spc="-1" strike="noStrike">
+              <a:rPr b="0" lang="id-ID" sz="2000" spc="-1" strike="noStrike">
                 <a:latin typeface="Arial"/>
               </a:rPr>
               <a:t>Fourth Outline Level</a:t>
             </a:r>
-            <a:endParaRPr b="0" lang="id-ID" sz="1800" spc="-1" strike="noStrike">
+            <a:endParaRPr b="0" lang="id-ID" sz="2000" spc="-1" strike="noStrike">
               <a:latin typeface="Arial"/>
             </a:endParaRPr>
           </a:p>
@@ -2973,12 +2927,12 @@
               <a:buChar char=""/>
             </a:pPr>
             <a:r>
-              <a:rPr b="0" lang="id-ID" sz="1800" spc="-1" strike="noStrike">
+              <a:rPr b="0" lang="id-ID" sz="2000" spc="-1" strike="noStrike">
                 <a:latin typeface="Arial"/>
               </a:rPr>
               <a:t>Fifth Outline Level</a:t>
             </a:r>
-            <a:endParaRPr b="0" lang="id-ID" sz="1800" spc="-1" strike="noStrike">
+            <a:endParaRPr b="0" lang="id-ID" sz="2000" spc="-1" strike="noStrike">
               <a:latin typeface="Arial"/>
             </a:endParaRPr>
           </a:p>
@@ -2995,12 +2949,12 @@
               <a:buChar char=""/>
             </a:pPr>
             <a:r>
-              <a:rPr b="0" lang="id-ID" sz="1800" spc="-1" strike="noStrike">
+              <a:rPr b="0" lang="id-ID" sz="2000" spc="-1" strike="noStrike">
                 <a:latin typeface="Arial"/>
               </a:rPr>
               <a:t>Sixth Outline Level</a:t>
             </a:r>
-            <a:endParaRPr b="0" lang="id-ID" sz="1800" spc="-1" strike="noStrike">
+            <a:endParaRPr b="0" lang="id-ID" sz="2000" spc="-1" strike="noStrike">
               <a:latin typeface="Arial"/>
             </a:endParaRPr>
           </a:p>
@@ -3017,12 +2971,12 @@
               <a:buChar char=""/>
             </a:pPr>
             <a:r>
-              <a:rPr b="0" lang="id-ID" sz="1800" spc="-1" strike="noStrike">
+              <a:rPr b="0" lang="id-ID" sz="2000" spc="-1" strike="noStrike">
                 <a:latin typeface="Arial"/>
               </a:rPr>
               <a:t>Seventh Outline Level</a:t>
             </a:r>
-            <a:endParaRPr b="0" lang="id-ID" sz="1800" spc="-1" strike="noStrike">
+            <a:endParaRPr b="0" lang="id-ID" sz="2000" spc="-1" strike="noStrike">
               <a:latin typeface="Arial"/>
             </a:endParaRPr>
           </a:p>
@@ -3094,13 +3048,25 @@
               <a:rPr b="0" lang="id-ID" sz="4400" spc="-1" strike="noStrike">
                 <a:latin typeface="Arial"/>
               </a:rPr>
-              <a:t>Cli</a:t>
+              <a:t>C</a:t>
             </a:r>
             <a:r>
               <a:rPr b="0" lang="id-ID" sz="4400" spc="-1" strike="noStrike">
                 <a:latin typeface="Arial"/>
               </a:rPr>
-              <a:t>ck </a:t>
+              <a:t>li</a:t>
+            </a:r>
+            <a:r>
+              <a:rPr b="0" lang="id-ID" sz="4400" spc="-1" strike="noStrike">
+                <a:latin typeface="Arial"/>
+              </a:rPr>
+              <a:t>c</a:t>
+            </a:r>
+            <a:r>
+              <a:rPr b="0" lang="id-ID" sz="4400" spc="-1" strike="noStrike">
+                <a:latin typeface="Arial"/>
+              </a:rPr>
+              <a:t>k </a:t>
             </a:r>
             <a:r>
               <a:rPr b="0" lang="id-ID" sz="4400" spc="-1" strike="noStrike">
@@ -3112,13 +3078,19 @@
               <a:rPr b="0" lang="id-ID" sz="4400" spc="-1" strike="noStrike">
                 <a:latin typeface="Arial"/>
               </a:rPr>
-              <a:t>ed</a:t>
+              <a:t>e</a:t>
             </a:r>
             <a:r>
               <a:rPr b="0" lang="id-ID" sz="4400" spc="-1" strike="noStrike">
                 <a:latin typeface="Arial"/>
               </a:rPr>
-              <a:t>it </a:t>
+              <a:t>di</a:t>
+            </a:r>
+            <a:r>
+              <a:rPr b="0" lang="id-ID" sz="4400" spc="-1" strike="noStrike">
+                <a:latin typeface="Arial"/>
+              </a:rPr>
+              <a:t>t </a:t>
             </a:r>
             <a:r>
               <a:rPr b="0" lang="id-ID" sz="4400" spc="-1" strike="noStrike">
@@ -3136,13 +3108,13 @@
               <a:rPr b="0" lang="id-ID" sz="4400" spc="-1" strike="noStrike">
                 <a:latin typeface="Arial"/>
               </a:rPr>
-              <a:t>titl</a:t>
+              <a:t>tit</a:t>
             </a:r>
             <a:r>
               <a:rPr b="0" lang="id-ID" sz="4400" spc="-1" strike="noStrike">
                 <a:latin typeface="Arial"/>
               </a:rPr>
-              <a:t>e </a:t>
+              <a:t>le </a:t>
             </a:r>
             <a:r>
               <a:rPr b="0" lang="id-ID" sz="4400" spc="-1" strike="noStrike">
@@ -3160,7 +3132,13 @@
               <a:rPr b="0" lang="id-ID" sz="4400" spc="-1" strike="noStrike">
                 <a:latin typeface="Arial"/>
               </a:rPr>
-              <a:t>for</a:t>
+              <a:t>fo</a:t>
+            </a:r>
+            <a:r>
+              <a:rPr b="0" lang="id-ID" sz="4400" spc="-1" strike="noStrike">
+                <a:latin typeface="Arial"/>
+              </a:rPr>
+              <a:t>r</a:t>
             </a:r>
             <a:r>
               <a:rPr b="0" lang="id-ID" sz="4400" spc="-1" strike="noStrike">
@@ -3413,7 +3391,7 @@
         <p:spPr>
           <a:xfrm>
             <a:off x="3105000" y="1260000"/>
-            <a:ext cx="3868200" cy="2071440"/>
+            <a:ext cx="3867480" cy="2070720"/>
           </a:xfrm>
           <a:prstGeom prst="rect">
             <a:avLst/>
@@ -3464,7 +3442,7 @@
         <p:spPr>
           <a:xfrm>
             <a:off x="3510000" y="3420000"/>
-            <a:ext cx="3058200" cy="538200"/>
+            <a:ext cx="3057480" cy="537480"/>
           </a:xfrm>
           <a:prstGeom prst="rect">
             <a:avLst/>
@@ -3515,7 +3493,7 @@
         <p:spPr>
           <a:xfrm>
             <a:off x="4590360" y="5239080"/>
-            <a:ext cx="899280" cy="412200"/>
+            <a:ext cx="898560" cy="411480"/>
           </a:xfrm>
           <a:prstGeom prst="rect">
             <a:avLst/>
@@ -3566,7 +3544,7 @@
         <p:spPr>
           <a:xfrm>
             <a:off x="9608040" y="5358600"/>
-            <a:ext cx="375120" cy="190440"/>
+            <a:ext cx="374400" cy="189720"/>
           </a:xfrm>
           <a:prstGeom prst="rect">
             <a:avLst/>
@@ -3621,7 +3599,7 @@
         <p:spPr>
           <a:xfrm>
             <a:off x="9550800" y="5389560"/>
-            <a:ext cx="120240" cy="120240"/>
+            <a:ext cx="119520" cy="119520"/>
           </a:xfrm>
           <a:prstGeom prst="rect">
             <a:avLst/>
@@ -3644,7 +3622,7 @@
         <p:spPr>
           <a:xfrm>
             <a:off x="9335880" y="5385600"/>
-            <a:ext cx="127440" cy="127440"/>
+            <a:ext cx="126720" cy="126720"/>
           </a:xfrm>
           <a:prstGeom prst="rect">
             <a:avLst/>
@@ -3667,7 +3645,7 @@
         <p:spPr>
           <a:xfrm>
             <a:off x="9056160" y="5380920"/>
-            <a:ext cx="134280" cy="134280"/>
+            <a:ext cx="133560" cy="133560"/>
           </a:xfrm>
           <a:prstGeom prst="rect">
             <a:avLst/>
@@ -3728,7 +3706,7 @@
         <p:spPr>
           <a:xfrm>
             <a:off x="4320000" y="1800000"/>
-            <a:ext cx="1440000" cy="1440000"/>
+            <a:ext cx="1439280" cy="1439280"/>
           </a:xfrm>
           <a:prstGeom prst="ellipse">
             <a:avLst/>
@@ -3760,7 +3738,7 @@
         <p:spPr>
           <a:xfrm>
             <a:off x="4320000" y="4722480"/>
-            <a:ext cx="1438200" cy="243720"/>
+            <a:ext cx="1437480" cy="243000"/>
           </a:xfrm>
           <a:prstGeom prst="rect">
             <a:avLst/>
@@ -3823,7 +3801,7 @@
         <p:spPr>
           <a:xfrm>
             <a:off x="4545000" y="3240000"/>
-            <a:ext cx="988200" cy="460440"/>
+            <a:ext cx="987480" cy="459720"/>
           </a:xfrm>
           <a:prstGeom prst="rect">
             <a:avLst/>
@@ -3874,7 +3852,7 @@
         <p:spPr>
           <a:xfrm>
             <a:off x="3996000" y="4140000"/>
-            <a:ext cx="358200" cy="358200"/>
+            <a:ext cx="357480" cy="357480"/>
           </a:xfrm>
           <a:prstGeom prst="ellipse">
             <a:avLst/>
@@ -3906,7 +3884,7 @@
         <p:spPr>
           <a:xfrm>
             <a:off x="4176000" y="4140000"/>
-            <a:ext cx="1618200" cy="358200"/>
+            <a:ext cx="1617480" cy="357480"/>
           </a:xfrm>
           <a:prstGeom prst="rect">
             <a:avLst/>
@@ -3938,7 +3916,7 @@
         <p:spPr>
           <a:xfrm>
             <a:off x="5580000" y="4140000"/>
-            <a:ext cx="394200" cy="358200"/>
+            <a:ext cx="393480" cy="357480"/>
           </a:xfrm>
           <a:prstGeom prst="ellipse">
             <a:avLst/>
@@ -3995,7 +3973,7 @@
         <p:spPr>
           <a:xfrm>
             <a:off x="4032000" y="4140000"/>
-            <a:ext cx="1474200" cy="358200"/>
+            <a:ext cx="1473480" cy="357480"/>
           </a:xfrm>
           <a:prstGeom prst="rect">
             <a:avLst/>
@@ -4046,13 +4024,13 @@
         <p:spPr>
           <a:xfrm>
             <a:off x="4757760" y="2040120"/>
-            <a:ext cx="559800" cy="559800"/>
+            <a:ext cx="559080" cy="559080"/>
           </a:xfrm>
           <a:custGeom>
             <a:avLst/>
             <a:gdLst/>
             <a:ahLst/>
-            <a:rect l="0" t="0" r="r" b="b"/>
+            <a:rect l="l" t="t" r="r" b="b"/>
             <a:pathLst>
               <a:path w="1556" h="1556">
                 <a:moveTo>
@@ -4129,6 +4107,12 @@
             <a:noFill/>
           </a:ln>
         </p:spPr>
+        <p:style>
+          <a:lnRef idx="0"/>
+          <a:fillRef idx="0"/>
+          <a:effectRef idx="0"/>
+          <a:fontRef idx="minor"/>
+        </p:style>
       </p:sp>
       <p:sp>
         <p:nvSpPr>
@@ -4139,13 +4123,13 @@
         <p:spPr>
           <a:xfrm>
             <a:off x="4561560" y="2729520"/>
-            <a:ext cx="953640" cy="509760"/>
+            <a:ext cx="952920" cy="509040"/>
           </a:xfrm>
           <a:custGeom>
             <a:avLst/>
             <a:gdLst/>
             <a:ahLst/>
-            <a:rect l="0" t="0" r="r" b="b"/>
+            <a:rect l="l" t="t" r="r" b="b"/>
             <a:pathLst>
               <a:path w="2650" h="1417">
                 <a:moveTo>
@@ -4218,6 +4202,12 @@
             <a:noFill/>
           </a:ln>
         </p:spPr>
+        <p:style>
+          <a:lnRef idx="0"/>
+          <a:fillRef idx="0"/>
+          <a:effectRef idx="0"/>
+          <a:fontRef idx="minor"/>
+        </p:style>
       </p:sp>
       <p:sp>
         <p:nvSpPr>
@@ -4228,7 +4218,7 @@
         <p:spPr>
           <a:xfrm>
             <a:off x="9608400" y="5358600"/>
-            <a:ext cx="375120" cy="190440"/>
+            <a:ext cx="374400" cy="189720"/>
           </a:xfrm>
           <a:prstGeom prst="rect">
             <a:avLst/>
@@ -4283,7 +4273,7 @@
         <p:spPr>
           <a:xfrm>
             <a:off x="9551160" y="5389560"/>
-            <a:ext cx="120240" cy="120240"/>
+            <a:ext cx="119520" cy="119520"/>
           </a:xfrm>
           <a:prstGeom prst="rect">
             <a:avLst/>
@@ -4306,7 +4296,7 @@
         <p:spPr>
           <a:xfrm>
             <a:off x="9336240" y="5385600"/>
-            <a:ext cx="127440" cy="127440"/>
+            <a:ext cx="126720" cy="126720"/>
           </a:xfrm>
           <a:prstGeom prst="rect">
             <a:avLst/>
@@ -4329,7 +4319,7 @@
         <p:spPr>
           <a:xfrm>
             <a:off x="9056520" y="5380920"/>
-            <a:ext cx="134280" cy="134280"/>
+            <a:ext cx="133560" cy="133560"/>
           </a:xfrm>
           <a:prstGeom prst="rect">
             <a:avLst/>
@@ -4390,7 +4380,7 @@
         <p:spPr>
           <a:xfrm>
             <a:off x="4545000" y="3240000"/>
-            <a:ext cx="988200" cy="460440"/>
+            <a:ext cx="987480" cy="459720"/>
           </a:xfrm>
           <a:prstGeom prst="rect">
             <a:avLst/>
@@ -4441,7 +4431,7 @@
         <p:spPr>
           <a:xfrm>
             <a:off x="3510000" y="4104000"/>
-            <a:ext cx="3058200" cy="578160"/>
+            <a:ext cx="3057480" cy="577440"/>
           </a:xfrm>
           <a:prstGeom prst="rect">
             <a:avLst/>
@@ -4492,9 +4482,9 @@
         <p:grpSpPr>
           <a:xfrm>
             <a:off x="4320360" y="1800360"/>
-            <a:ext cx="1440000" cy="1440000"/>
+            <a:ext cx="1439280" cy="1439280"/>
             <a:chOff x="4320360" y="1800360"/>
-            <a:chExt cx="1440000" cy="1440000"/>
+            <a:chExt cx="1439280" cy="1439280"/>
           </a:xfrm>
         </p:grpSpPr>
         <p:sp>
@@ -4506,7 +4496,7 @@
           <p:spPr>
             <a:xfrm>
               <a:off x="4320360" y="1800360"/>
-              <a:ext cx="1440000" cy="1440000"/>
+              <a:ext cx="1439280" cy="1439280"/>
             </a:xfrm>
             <a:prstGeom prst="ellipse">
               <a:avLst/>
@@ -4538,13 +4528,13 @@
           <p:spPr>
             <a:xfrm>
               <a:off x="4758120" y="2040480"/>
-              <a:ext cx="559800" cy="559800"/>
+              <a:ext cx="559080" cy="559080"/>
             </a:xfrm>
             <a:custGeom>
               <a:avLst/>
               <a:gdLst/>
               <a:ahLst/>
-              <a:rect l="0" t="0" r="r" b="b"/>
+              <a:rect l="l" t="t" r="r" b="b"/>
               <a:pathLst>
                 <a:path w="1556" h="1556">
                   <a:moveTo>
@@ -4621,6 +4611,12 @@
               <a:noFill/>
             </a:ln>
           </p:spPr>
+          <p:style>
+            <a:lnRef idx="0"/>
+            <a:fillRef idx="0"/>
+            <a:effectRef idx="0"/>
+            <a:fontRef idx="minor"/>
+          </p:style>
         </p:sp>
         <p:sp>
           <p:nvSpPr>
@@ -4631,13 +4627,13 @@
           <p:spPr>
             <a:xfrm>
               <a:off x="4561920" y="2729880"/>
-              <a:ext cx="953640" cy="509760"/>
+              <a:ext cx="952920" cy="509040"/>
             </a:xfrm>
             <a:custGeom>
               <a:avLst/>
               <a:gdLst/>
               <a:ahLst/>
-              <a:rect l="0" t="0" r="r" b="b"/>
+              <a:rect l="l" t="t" r="r" b="b"/>
               <a:pathLst>
                 <a:path w="2650" h="1417">
                   <a:moveTo>
@@ -4710,6 +4706,12 @@
               <a:noFill/>
             </a:ln>
           </p:spPr>
+          <p:style>
+            <a:lnRef idx="0"/>
+            <a:fillRef idx="0"/>
+            <a:effectRef idx="0"/>
+            <a:fontRef idx="minor"/>
+          </p:style>
         </p:sp>
       </p:grpSp>
       <p:sp>
@@ -4721,7 +4723,7 @@
         <p:spPr>
           <a:xfrm>
             <a:off x="9608400" y="5358600"/>
-            <a:ext cx="375120" cy="190440"/>
+            <a:ext cx="374400" cy="189720"/>
           </a:xfrm>
           <a:prstGeom prst="rect">
             <a:avLst/>
@@ -4776,7 +4778,7 @@
         <p:spPr>
           <a:xfrm>
             <a:off x="9551160" y="5389560"/>
-            <a:ext cx="120240" cy="120240"/>
+            <a:ext cx="119520" cy="119520"/>
           </a:xfrm>
           <a:prstGeom prst="rect">
             <a:avLst/>
@@ -4799,7 +4801,7 @@
         <p:spPr>
           <a:xfrm>
             <a:off x="9336240" y="5385600"/>
-            <a:ext cx="127440" cy="127440"/>
+            <a:ext cx="126720" cy="126720"/>
           </a:xfrm>
           <a:prstGeom prst="rect">
             <a:avLst/>
@@ -4822,7 +4824,7 @@
         <p:spPr>
           <a:xfrm>
             <a:off x="9056520" y="5380920"/>
-            <a:ext cx="134280" cy="134280"/>
+            <a:ext cx="133560" cy="133560"/>
           </a:xfrm>
           <a:prstGeom prst="rect">
             <a:avLst/>
@@ -4974,7 +4976,7 @@
         <p:spPr>
           <a:xfrm>
             <a:off x="0" y="0"/>
-            <a:ext cx="10078200" cy="178200"/>
+            <a:ext cx="10077480" cy="177480"/>
           </a:xfrm>
           <a:prstGeom prst="rect">
             <a:avLst/>
@@ -5014,7 +5016,7 @@
         <p:spPr>
           <a:xfrm>
             <a:off x="116640" y="37440"/>
-            <a:ext cx="61920" cy="96840"/>
+            <a:ext cx="61200" cy="96120"/>
           </a:xfrm>
           <a:prstGeom prst="rect">
             <a:avLst/>
@@ -5033,7 +5035,7 @@
         <p:spPr>
           <a:xfrm>
             <a:off x="211680" y="0"/>
-            <a:ext cx="628560" cy="190440"/>
+            <a:ext cx="627840" cy="189720"/>
           </a:xfrm>
           <a:prstGeom prst="rect">
             <a:avLst/>
@@ -5084,7 +5086,7 @@
         <p:spPr>
           <a:xfrm>
             <a:off x="4855320" y="-5400"/>
-            <a:ext cx="367920" cy="190440"/>
+            <a:ext cx="367200" cy="189720"/>
           </a:xfrm>
           <a:prstGeom prst="rect">
             <a:avLst/>
@@ -5121,9 +5123,6 @@
               <a:t>7:30</a:t>
             </a:r>
             <a:endParaRPr b="0" lang="id-ID" sz="700" spc="-1" strike="noStrike">
-              <a:solidFill>
-                <a:srgbClr val="ffffff"/>
-              </a:solidFill>
               <a:latin typeface="Arial"/>
             </a:endParaRPr>
           </a:p>
@@ -5138,7 +5137,7 @@
         <p:spPr>
           <a:xfrm>
             <a:off x="9679680" y="-5400"/>
-            <a:ext cx="375120" cy="190440"/>
+            <a:ext cx="374400" cy="189720"/>
           </a:xfrm>
           <a:prstGeom prst="rect">
             <a:avLst/>
@@ -5189,7 +5188,7 @@
         <p:spPr>
           <a:xfrm>
             <a:off x="4590360" y="5238000"/>
-            <a:ext cx="846360" cy="358200"/>
+            <a:ext cx="845640" cy="357480"/>
           </a:xfrm>
           <a:custGeom>
             <a:avLst/>
@@ -5252,7 +5251,7 @@
         <p:spPr>
           <a:xfrm>
             <a:off x="4428000" y="5238000"/>
-            <a:ext cx="358560" cy="358560"/>
+            <a:ext cx="357840" cy="357840"/>
           </a:xfrm>
           <a:custGeom>
             <a:avLst/>
@@ -5355,7 +5354,7 @@
         <p:spPr>
           <a:xfrm>
             <a:off x="5256360" y="5238360"/>
-            <a:ext cx="358560" cy="358560"/>
+            <a:ext cx="357840" cy="357840"/>
           </a:xfrm>
           <a:custGeom>
             <a:avLst/>
@@ -5458,7 +5457,7 @@
         <p:spPr>
           <a:xfrm>
             <a:off x="4752000" y="5220360"/>
-            <a:ext cx="538200" cy="362880"/>
+            <a:ext cx="537480" cy="362160"/>
           </a:xfrm>
           <a:prstGeom prst="rect">
             <a:avLst/>
@@ -5508,8 +5507,8 @@
         </p:nvSpPr>
         <p:spPr>
           <a:xfrm rot="612000">
-            <a:off x="5254920" y="5278320"/>
-            <a:ext cx="282600" cy="261720"/>
+            <a:off x="5254560" y="5277600"/>
+            <a:ext cx="281880" cy="261000"/>
           </a:xfrm>
           <a:custGeom>
             <a:avLst/>
@@ -5598,7 +5597,7 @@
         <p:spPr>
           <a:xfrm>
             <a:off x="4860000" y="5220000"/>
-            <a:ext cx="358200" cy="362880"/>
+            <a:ext cx="357480" cy="362160"/>
           </a:xfrm>
           <a:prstGeom prst="rect">
             <a:avLst/>
@@ -5648,8 +5647,8 @@
         </p:nvSpPr>
         <p:spPr>
           <a:xfrm rot="597600">
-            <a:off x="4520520" y="5271480"/>
-            <a:ext cx="264960" cy="264960"/>
+            <a:off x="4519800" y="5271120"/>
+            <a:ext cx="264240" cy="264240"/>
           </a:xfrm>
           <a:prstGeom prst="smileyFace">
             <a:avLst>
@@ -5673,370 +5672,20 @@
           <a:fontRef idx="minor"/>
         </p:style>
       </p:sp>
-      <p:sp>
-        <p:nvSpPr>
-          <p:cNvPr id="118" name=""/>
-          <p:cNvSpPr txBox="1"/>
-          <p:nvPr/>
-        </p:nvSpPr>
-        <p:spPr>
-          <a:xfrm>
-            <a:off x="180000" y="1260000"/>
-            <a:ext cx="540000" cy="540000"/>
-          </a:xfrm>
-          <a:prstGeom prst="rect">
-            <a:avLst/>
-          </a:prstGeom>
-          <a:blipFill rotWithShape="0">
-            <a:blip r:embed="rId3"/>
-            <a:stretch/>
-          </a:blipFill>
-          <a:ln w="0">
-            <a:noFill/>
-          </a:ln>
-        </p:spPr>
-        <p:txBody>
-          <a:bodyPr lIns="90000" rIns="90000" tIns="45000" bIns="45000" anchor="ctr" anchorCtr="1">
-            <a:noAutofit/>
-          </a:bodyPr>
-          <a:p>
-            <a:pPr algn="ctr">
-              <a:lnSpc>
-                <a:spcPts val="6749"/>
-              </a:lnSpc>
-            </a:pPr>
-            <a:r>
-              <a:rPr b="0" lang="id-ID" sz="900" spc="-1" strike="noStrike">
-                <a:latin typeface="Montserrat"/>
-              </a:rPr>
-              <a:t>User</a:t>
-            </a:r>
-            <a:endParaRPr b="0" lang="id-ID" sz="900" spc="-1" strike="noStrike">
-              <a:latin typeface="Montserrat"/>
-              <a:ea typeface="Noto Sans CJK SC"/>
-            </a:endParaRPr>
-          </a:p>
-        </p:txBody>
-      </p:sp>
-      <p:sp>
-        <p:nvSpPr>
-          <p:cNvPr id="119" name=""/>
-          <p:cNvSpPr txBox="1"/>
-          <p:nvPr/>
-        </p:nvSpPr>
-        <p:spPr>
-          <a:xfrm>
-            <a:off x="163800" y="2143800"/>
-            <a:ext cx="556200" cy="556200"/>
-          </a:xfrm>
-          <a:prstGeom prst="rect">
-            <a:avLst/>
-          </a:prstGeom>
-          <a:blipFill rotWithShape="0">
-            <a:blip r:embed="rId4"/>
-            <a:stretch/>
-          </a:blipFill>
-          <a:ln w="0">
-            <a:noFill/>
-          </a:ln>
-        </p:spPr>
-        <p:txBody>
-          <a:bodyPr lIns="90000" rIns="90000" tIns="45000" bIns="45000" anchor="ctr" anchorCtr="1">
-            <a:noAutofit/>
-          </a:bodyPr>
-          <a:p>
-            <a:pPr algn="ctr">
-              <a:lnSpc>
-                <a:spcPts val="7393"/>
-              </a:lnSpc>
-            </a:pPr>
-            <a:r>
-              <a:rPr b="0" lang="id-ID" sz="800" spc="-1" strike="noStrike">
-                <a:latin typeface="Montserrat"/>
-              </a:rPr>
-              <a:t>Me</a:t>
-            </a:r>
-            <a:r>
-              <a:rPr b="0" lang="id-ID" sz="800" spc="-1" strike="noStrike">
-                <a:latin typeface="Montserrat"/>
-              </a:rPr>
-              <a:t>dia</a:t>
-            </a:r>
-            <a:r>
-              <a:rPr b="0" lang="id-ID" sz="800" spc="-1" strike="noStrike">
-                <a:latin typeface="Montserrat"/>
-              </a:rPr>
-              <a:t>Br</a:t>
-            </a:r>
-            <a:r>
-              <a:rPr b="0" lang="id-ID" sz="800" spc="-1" strike="noStrike">
-                <a:latin typeface="Montserrat"/>
-              </a:rPr>
-              <a:t>ow</a:t>
-            </a:r>
-            <a:r>
-              <a:rPr b="0" lang="id-ID" sz="800" spc="-1" strike="noStrike">
-                <a:latin typeface="Montserrat"/>
-              </a:rPr>
-              <a:t>se</a:t>
-            </a:r>
-            <a:endParaRPr b="0" lang="id-ID" sz="800" spc="-1" strike="noStrike">
-              <a:latin typeface="Arial"/>
-            </a:endParaRPr>
-          </a:p>
-        </p:txBody>
-      </p:sp>
-      <p:sp>
-        <p:nvSpPr>
-          <p:cNvPr id="120" name=""/>
-          <p:cNvSpPr txBox="1"/>
-          <p:nvPr/>
-        </p:nvSpPr>
-        <p:spPr>
-          <a:xfrm>
-            <a:off x="180000" y="360000"/>
-            <a:ext cx="540000" cy="540000"/>
-          </a:xfrm>
-          <a:prstGeom prst="rect">
-            <a:avLst/>
-          </a:prstGeom>
-          <a:blipFill rotWithShape="0">
-            <a:blip r:embed="rId5"/>
-            <a:stretch/>
-          </a:blipFill>
-          <a:ln w="0">
-            <a:noFill/>
-          </a:ln>
-        </p:spPr>
-        <p:txBody>
-          <a:bodyPr lIns="90000" rIns="90000" tIns="45000" bIns="45000" anchor="ctr" anchorCtr="1">
-            <a:noAutofit/>
-          </a:bodyPr>
-          <a:p>
-            <a:pPr algn="ctr">
-              <a:lnSpc>
-                <a:spcPts val="6588"/>
-              </a:lnSpc>
-            </a:pPr>
-            <a:r>
-              <a:rPr b="0" lang="id-ID" sz="900" spc="-1" strike="noStrike">
-                <a:latin typeface="Montserrat"/>
-              </a:rPr>
-              <a:t>Devic</a:t>
-            </a:r>
-            <a:r>
-              <a:rPr b="0" lang="id-ID" sz="900" spc="-1" strike="noStrike">
-                <a:latin typeface="Montserrat"/>
-              </a:rPr>
-              <a:t>e</a:t>
-            </a:r>
-            <a:endParaRPr b="0" lang="id-ID" sz="900" spc="-1" strike="noStrike">
-              <a:latin typeface="Montserrat"/>
-            </a:endParaRPr>
-          </a:p>
-        </p:txBody>
-      </p:sp>
-      <p:sp>
-        <p:nvSpPr>
-          <p:cNvPr id="121" name=""/>
-          <p:cNvSpPr txBox="1"/>
-          <p:nvPr/>
-        </p:nvSpPr>
-        <p:spPr>
-          <a:xfrm>
-            <a:off x="1080000" y="2160000"/>
-            <a:ext cx="540000" cy="540000"/>
-          </a:xfrm>
-          <a:prstGeom prst="rect">
-            <a:avLst/>
-          </a:prstGeom>
-          <a:blipFill rotWithShape="0">
-            <a:blip r:embed="rId6"/>
-            <a:stretch/>
-          </a:blipFill>
-          <a:ln w="0">
-            <a:noFill/>
-          </a:ln>
-        </p:spPr>
-        <p:txBody>
-          <a:bodyPr lIns="90000" rIns="90000" tIns="45000" bIns="45000" anchor="ctr" anchorCtr="1">
-            <a:noAutofit/>
-          </a:bodyPr>
-          <a:p>
-            <a:pPr algn="ctr">
-              <a:lnSpc>
-                <a:spcPts val="7231"/>
-              </a:lnSpc>
-            </a:pPr>
-            <a:r>
-              <a:rPr b="0" lang="id-ID" sz="800" spc="-1" strike="noStrike">
-                <a:latin typeface="Montserrat"/>
-              </a:rPr>
-              <a:t>G</a:t>
-            </a:r>
-            <a:r>
-              <a:rPr b="0" lang="id-ID" sz="800" spc="-1" strike="noStrike">
-                <a:latin typeface="Montserrat"/>
-              </a:rPr>
-              <a:t>a</a:t>
-            </a:r>
-            <a:r>
-              <a:rPr b="0" lang="id-ID" sz="800" spc="-1" strike="noStrike">
-                <a:latin typeface="Montserrat"/>
-              </a:rPr>
-              <a:t>m</a:t>
-            </a:r>
-            <a:r>
-              <a:rPr b="0" lang="id-ID" sz="800" spc="-1" strike="noStrike">
-                <a:latin typeface="Montserrat"/>
-              </a:rPr>
-              <a:t>e</a:t>
-            </a:r>
-            <a:r>
-              <a:rPr b="0" lang="id-ID" sz="800" spc="-1" strike="noStrike">
-                <a:latin typeface="Montserrat"/>
-              </a:rPr>
-              <a:t>P</a:t>
-            </a:r>
-            <a:r>
-              <a:rPr b="0" lang="id-ID" sz="800" spc="-1" strike="noStrike">
-                <a:latin typeface="Montserrat"/>
-              </a:rPr>
-              <a:t>l</a:t>
-            </a:r>
-            <a:r>
-              <a:rPr b="0" lang="id-ID" sz="800" spc="-1" strike="noStrike">
-                <a:latin typeface="Montserrat"/>
-              </a:rPr>
-              <a:t>a</a:t>
-            </a:r>
-            <a:r>
-              <a:rPr b="0" lang="id-ID" sz="800" spc="-1" strike="noStrike">
-                <a:latin typeface="Montserrat"/>
-              </a:rPr>
-              <a:t>y</a:t>
-            </a:r>
-            <a:endParaRPr b="0" lang="id-ID" sz="800" spc="-1" strike="noStrike">
-              <a:latin typeface="Arial"/>
-            </a:endParaRPr>
-          </a:p>
-        </p:txBody>
-      </p:sp>
-      <p:sp>
-        <p:nvSpPr>
-          <p:cNvPr id="122" name=""/>
-          <p:cNvSpPr txBox="1"/>
-          <p:nvPr/>
-        </p:nvSpPr>
-        <p:spPr>
-          <a:xfrm>
-            <a:off x="1080000" y="1291680"/>
-            <a:ext cx="508320" cy="508320"/>
-          </a:xfrm>
-          <a:prstGeom prst="rect">
-            <a:avLst/>
-          </a:prstGeom>
-          <a:blipFill rotWithShape="0">
-            <a:blip r:embed="rId7"/>
-            <a:stretch/>
-          </a:blipFill>
-          <a:ln w="0">
-            <a:noFill/>
-          </a:ln>
-        </p:spPr>
-        <p:txBody>
-          <a:bodyPr lIns="90000" rIns="90000" tIns="45000" bIns="45000" anchorCtr="1">
-            <a:noAutofit/>
-          </a:bodyPr>
-          <a:p>
-            <a:pPr algn="ctr">
-              <a:lnSpc>
-                <a:spcPts val="4980"/>
-              </a:lnSpc>
-            </a:pPr>
-            <a:r>
-              <a:rPr b="0" lang="id-ID" sz="800" spc="-1" strike="noStrike">
-                <a:latin typeface="Montserrat"/>
-              </a:rPr>
-              <a:t>Task </a:t>
-            </a:r>
-            <a:r>
-              <a:rPr b="0" lang="id-ID" sz="800" spc="-1" strike="noStrike">
-                <a:latin typeface="Montserrat"/>
-              </a:rPr>
-              <a:t>Manage</a:t>
-            </a:r>
-            <a:r>
-              <a:rPr b="0" lang="id-ID" sz="800" spc="-1" strike="noStrike">
-                <a:latin typeface="Montserrat"/>
-              </a:rPr>
-              <a:t>r</a:t>
-            </a:r>
-            <a:endParaRPr b="0" lang="id-ID" sz="800" spc="-1" strike="noStrike">
-              <a:latin typeface="Arial"/>
-              <a:ea typeface="Noto Sans CJK SC"/>
-            </a:endParaRPr>
-          </a:p>
-        </p:txBody>
-      </p:sp>
-      <p:sp>
-        <p:nvSpPr>
-          <p:cNvPr id="123" name=""/>
-          <p:cNvSpPr txBox="1"/>
-          <p:nvPr/>
-        </p:nvSpPr>
-        <p:spPr>
-          <a:xfrm>
-            <a:off x="1080000" y="414720"/>
-            <a:ext cx="485280" cy="485280"/>
-          </a:xfrm>
-          <a:prstGeom prst="rect">
-            <a:avLst/>
-          </a:prstGeom>
-          <a:blipFill rotWithShape="0">
-            <a:blip r:embed="rId8"/>
-            <a:stretch/>
-          </a:blipFill>
-          <a:ln w="0">
-            <a:noFill/>
-          </a:ln>
-        </p:spPr>
-        <p:txBody>
-          <a:bodyPr lIns="90000" rIns="90000" tIns="45000" bIns="45000" anchor="ctr" anchorCtr="1">
-            <a:noAutofit/>
-          </a:bodyPr>
-          <a:p>
-            <a:pPr algn="ctr">
-              <a:lnSpc>
-                <a:spcPts val="6429"/>
-              </a:lnSpc>
-            </a:pPr>
-            <a:r>
-              <a:rPr b="0" lang="id-ID" sz="900" spc="-1" strike="noStrike">
-                <a:latin typeface="Montserrat"/>
-              </a:rPr>
-              <a:t>Trash Bin</a:t>
-            </a:r>
-            <a:endParaRPr b="0" lang="id-ID" sz="900" spc="-1" strike="noStrike">
-              <a:latin typeface="Arial"/>
-            </a:endParaRPr>
-          </a:p>
-        </p:txBody>
-      </p:sp>
       <p:pic>
         <p:nvPicPr>
-          <p:cNvPr id="124" name="" descr=""/>
+          <p:cNvPr id="118" name="" descr=""/>
           <p:cNvPicPr/>
           <p:nvPr/>
         </p:nvPicPr>
         <p:blipFill>
-          <a:blip r:embed="rId9"/>
+          <a:blip r:embed="rId3"/>
           <a:stretch/>
         </p:blipFill>
         <p:spPr>
           <a:xfrm>
             <a:off x="9622440" y="37440"/>
-            <a:ext cx="96120" cy="96120"/>
+            <a:ext cx="95400" cy="95400"/>
           </a:xfrm>
           <a:prstGeom prst="rect">
             <a:avLst/>
@@ -6048,18 +5697,18 @@
       </p:pic>
       <p:pic>
         <p:nvPicPr>
-          <p:cNvPr id="125" name="" descr=""/>
+          <p:cNvPr id="119" name="" descr=""/>
           <p:cNvPicPr/>
           <p:nvPr/>
         </p:nvPicPr>
         <p:blipFill>
-          <a:blip r:embed="rId10"/>
+          <a:blip r:embed="rId4"/>
           <a:stretch/>
         </p:blipFill>
         <p:spPr>
           <a:xfrm>
             <a:off x="9407520" y="36360"/>
-            <a:ext cx="101520" cy="101520"/>
+            <a:ext cx="100800" cy="100800"/>
           </a:xfrm>
           <a:prstGeom prst="rect">
             <a:avLst/>
@@ -6071,18 +5720,18 @@
       </p:pic>
       <p:pic>
         <p:nvPicPr>
-          <p:cNvPr id="126" name="" descr=""/>
+          <p:cNvPr id="120" name="" descr=""/>
           <p:cNvPicPr/>
           <p:nvPr/>
         </p:nvPicPr>
         <p:blipFill>
-          <a:blip r:embed="rId11"/>
+          <a:blip r:embed="rId5"/>
           <a:stretch/>
         </p:blipFill>
         <p:spPr>
           <a:xfrm>
             <a:off x="9163800" y="32400"/>
-            <a:ext cx="104760" cy="104760"/>
+            <a:ext cx="104040" cy="104040"/>
           </a:xfrm>
           <a:prstGeom prst="rect">
             <a:avLst/>
@@ -6092,6 +5741,186 @@
           </a:ln>
         </p:spPr>
       </p:pic>
+      <p:sp>
+        <p:nvSpPr>
+          <p:cNvPr id="121" name=""/>
+          <p:cNvSpPr/>
+          <p:nvPr/>
+        </p:nvSpPr>
+        <p:spPr>
+          <a:xfrm>
+            <a:off x="182160" y="1352160"/>
+            <a:ext cx="539280" cy="539280"/>
+          </a:xfrm>
+          <a:prstGeom prst="rect">
+            <a:avLst/>
+          </a:prstGeom>
+          <a:blipFill rotWithShape="0">
+            <a:blip r:embed="rId6"/>
+            <a:srcRect/>
+            <a:stretch/>
+          </a:blipFill>
+          <a:ln w="0">
+            <a:noFill/>
+          </a:ln>
+        </p:spPr>
+        <p:style>
+          <a:lnRef idx="0"/>
+          <a:fillRef idx="0"/>
+          <a:effectRef idx="0"/>
+          <a:fontRef idx="minor"/>
+        </p:style>
+      </p:sp>
+      <p:sp>
+        <p:nvSpPr>
+          <p:cNvPr id="122" name=""/>
+          <p:cNvSpPr/>
+          <p:nvPr/>
+        </p:nvSpPr>
+        <p:spPr>
+          <a:xfrm>
+            <a:off x="165960" y="2235960"/>
+            <a:ext cx="555480" cy="555480"/>
+          </a:xfrm>
+          <a:prstGeom prst="rect">
+            <a:avLst/>
+          </a:prstGeom>
+          <a:blipFill rotWithShape="0">
+            <a:blip r:embed="rId7"/>
+            <a:srcRect/>
+            <a:stretch/>
+          </a:blipFill>
+          <a:ln w="0">
+            <a:noFill/>
+          </a:ln>
+        </p:spPr>
+        <p:style>
+          <a:lnRef idx="0"/>
+          <a:fillRef idx="0"/>
+          <a:effectRef idx="0"/>
+          <a:fontRef idx="minor"/>
+        </p:style>
+      </p:sp>
+      <p:sp>
+        <p:nvSpPr>
+          <p:cNvPr id="123" name=""/>
+          <p:cNvSpPr/>
+          <p:nvPr/>
+        </p:nvSpPr>
+        <p:spPr>
+          <a:xfrm>
+            <a:off x="182160" y="452160"/>
+            <a:ext cx="539280" cy="539280"/>
+          </a:xfrm>
+          <a:prstGeom prst="rect">
+            <a:avLst/>
+          </a:prstGeom>
+          <a:blipFill rotWithShape="0">
+            <a:blip r:embed="rId8"/>
+            <a:srcRect/>
+            <a:stretch/>
+          </a:blipFill>
+          <a:ln w="0">
+            <a:noFill/>
+          </a:ln>
+        </p:spPr>
+        <p:style>
+          <a:lnRef idx="0"/>
+          <a:fillRef idx="0"/>
+          <a:effectRef idx="0"/>
+          <a:fontRef idx="minor"/>
+        </p:style>
+      </p:sp>
+      <p:sp>
+        <p:nvSpPr>
+          <p:cNvPr id="124" name=""/>
+          <p:cNvSpPr/>
+          <p:nvPr/>
+        </p:nvSpPr>
+        <p:spPr>
+          <a:xfrm>
+            <a:off x="1082160" y="2252160"/>
+            <a:ext cx="539280" cy="539280"/>
+          </a:xfrm>
+          <a:prstGeom prst="rect">
+            <a:avLst/>
+          </a:prstGeom>
+          <a:blipFill rotWithShape="0">
+            <a:blip r:embed="rId9"/>
+            <a:srcRect/>
+            <a:stretch/>
+          </a:blipFill>
+          <a:ln w="0">
+            <a:noFill/>
+          </a:ln>
+        </p:spPr>
+        <p:style>
+          <a:lnRef idx="0"/>
+          <a:fillRef idx="0"/>
+          <a:effectRef idx="0"/>
+          <a:fontRef idx="minor"/>
+        </p:style>
+      </p:sp>
+      <p:sp>
+        <p:nvSpPr>
+          <p:cNvPr id="125" name=""/>
+          <p:cNvSpPr/>
+          <p:nvPr/>
+        </p:nvSpPr>
+        <p:spPr>
+          <a:xfrm>
+            <a:off x="1082160" y="1383840"/>
+            <a:ext cx="507600" cy="507600"/>
+          </a:xfrm>
+          <a:prstGeom prst="rect">
+            <a:avLst/>
+          </a:prstGeom>
+          <a:blipFill rotWithShape="0">
+            <a:blip r:embed="rId10"/>
+            <a:srcRect/>
+            <a:stretch/>
+          </a:blipFill>
+          <a:ln w="0">
+            <a:noFill/>
+          </a:ln>
+        </p:spPr>
+        <p:style>
+          <a:lnRef idx="0"/>
+          <a:fillRef idx="0"/>
+          <a:effectRef idx="0"/>
+          <a:fontRef idx="minor"/>
+        </p:style>
+      </p:sp>
+      <p:sp>
+        <p:nvSpPr>
+          <p:cNvPr id="126" name=""/>
+          <p:cNvSpPr/>
+          <p:nvPr/>
+        </p:nvSpPr>
+        <p:spPr>
+          <a:xfrm>
+            <a:off x="1082160" y="506880"/>
+            <a:ext cx="484560" cy="484560"/>
+          </a:xfrm>
+          <a:prstGeom prst="rect">
+            <a:avLst/>
+          </a:prstGeom>
+          <a:blipFill rotWithShape="0">
+            <a:blip r:embed="rId11"/>
+            <a:srcRect/>
+            <a:stretch/>
+          </a:blipFill>
+          <a:ln w="0">
+            <a:noFill/>
+          </a:ln>
+        </p:spPr>
+        <p:style>
+          <a:lnRef idx="0"/>
+          <a:fillRef idx="0"/>
+          <a:effectRef idx="0"/>
+          <a:fontRef idx="minor"/>
+        </p:style>
+      </p:sp>
     </p:spTree>
   </p:cSld>
   <mc:AlternateContent>
@@ -6143,7 +5972,7 @@
         <p:spPr>
           <a:xfrm>
             <a:off x="4903560" y="231840"/>
-            <a:ext cx="263880" cy="217440"/>
+            <a:ext cx="263160" cy="216720"/>
           </a:xfrm>
           <a:custGeom>
             <a:avLst/>
@@ -6193,7 +6022,7 @@
         <p:spPr>
           <a:xfrm>
             <a:off x="3306240" y="334800"/>
-            <a:ext cx="3458880" cy="3458880"/>
+            <a:ext cx="3458160" cy="3458160"/>
           </a:xfrm>
           <a:prstGeom prst="rect">
             <a:avLst/>
@@ -6235,7 +6064,7 @@
         <p:spPr>
           <a:xfrm>
             <a:off x="3340080" y="3020760"/>
-            <a:ext cx="1868760" cy="706680"/>
+            <a:ext cx="1868040" cy="705960"/>
           </a:xfrm>
           <a:prstGeom prst="rect">
             <a:avLst/>
@@ -6306,7 +6135,7 @@
         <p:spPr>
           <a:xfrm>
             <a:off x="0" y="0"/>
-            <a:ext cx="10078200" cy="178200"/>
+            <a:ext cx="10077480" cy="177480"/>
           </a:xfrm>
           <a:prstGeom prst="rect">
             <a:avLst/>
@@ -6346,7 +6175,7 @@
         <p:spPr>
           <a:xfrm>
             <a:off x="116640" y="37440"/>
-            <a:ext cx="61920" cy="96840"/>
+            <a:ext cx="61200" cy="96120"/>
           </a:xfrm>
           <a:prstGeom prst="rect">
             <a:avLst/>
@@ -6365,7 +6194,7 @@
         <p:spPr>
           <a:xfrm>
             <a:off x="211680" y="0"/>
-            <a:ext cx="628560" cy="190440"/>
+            <a:ext cx="627840" cy="189720"/>
           </a:xfrm>
           <a:prstGeom prst="rect">
             <a:avLst/>
@@ -6416,7 +6245,7 @@
         <p:spPr>
           <a:xfrm>
             <a:off x="4855320" y="-5400"/>
-            <a:ext cx="367920" cy="190440"/>
+            <a:ext cx="367200" cy="189720"/>
           </a:xfrm>
           <a:prstGeom prst="rect">
             <a:avLst/>
@@ -6469,7 +6298,7 @@
         <p:spPr>
           <a:xfrm>
             <a:off x="3468960" y="487800"/>
-            <a:ext cx="3115800" cy="594360"/>
+            <a:ext cx="3115080" cy="593640"/>
           </a:xfrm>
           <a:prstGeom prst="rect">
             <a:avLst/>
@@ -6500,7 +6329,7 @@
         <p:spPr>
           <a:xfrm>
             <a:off x="3425400" y="469800"/>
-            <a:ext cx="3225240" cy="761040"/>
+            <a:ext cx="3224520" cy="760320"/>
           </a:xfrm>
           <a:prstGeom prst="rect">
             <a:avLst/>
@@ -6599,7 +6428,7 @@
         <p:spPr>
           <a:xfrm>
             <a:off x="4590000" y="5238000"/>
-            <a:ext cx="846360" cy="358200"/>
+            <a:ext cx="845640" cy="357480"/>
           </a:xfrm>
           <a:custGeom>
             <a:avLst/>
@@ -6662,7 +6491,7 @@
         <p:spPr>
           <a:xfrm>
             <a:off x="4427640" y="5238000"/>
-            <a:ext cx="358560" cy="358560"/>
+            <a:ext cx="357840" cy="357840"/>
           </a:xfrm>
           <a:custGeom>
             <a:avLst/>
@@ -6765,7 +6594,7 @@
         <p:spPr>
           <a:xfrm>
             <a:off x="5256000" y="5238360"/>
-            <a:ext cx="358560" cy="358560"/>
+            <a:ext cx="357840" cy="357840"/>
           </a:xfrm>
           <a:custGeom>
             <a:avLst/>
@@ -6868,7 +6697,7 @@
         <p:spPr>
           <a:xfrm>
             <a:off x="4751640" y="5220360"/>
-            <a:ext cx="538200" cy="362880"/>
+            <a:ext cx="537480" cy="362160"/>
           </a:xfrm>
           <a:prstGeom prst="rect">
             <a:avLst/>
@@ -6918,8 +6747,8 @@
         </p:nvSpPr>
         <p:spPr>
           <a:xfrm rot="612000">
-            <a:off x="5254560" y="5278320"/>
-            <a:ext cx="282600" cy="261720"/>
+            <a:off x="5254200" y="5277600"/>
+            <a:ext cx="281880" cy="261000"/>
           </a:xfrm>
           <a:custGeom>
             <a:avLst/>
@@ -7008,7 +6837,7 @@
         <p:spPr>
           <a:xfrm>
             <a:off x="4859640" y="5220000"/>
-            <a:ext cx="358200" cy="362880"/>
+            <a:ext cx="357480" cy="362160"/>
           </a:xfrm>
           <a:prstGeom prst="rect">
             <a:avLst/>
@@ -7058,8 +6887,8 @@
         </p:nvSpPr>
         <p:spPr>
           <a:xfrm rot="597600">
-            <a:off x="4520160" y="5271480"/>
-            <a:ext cx="264960" cy="264960"/>
+            <a:off x="4519440" y="5271120"/>
+            <a:ext cx="264240" cy="264240"/>
           </a:xfrm>
           <a:prstGeom prst="smileyFace">
             <a:avLst>
@@ -7086,25 +6915,32 @@
       <p:sp>
         <p:nvSpPr>
           <p:cNvPr id="144" name=""/>
-          <p:cNvSpPr txBox="1"/>
+          <p:cNvSpPr/>
           <p:nvPr/>
         </p:nvSpPr>
         <p:spPr>
           <a:xfrm>
             <a:off x="182160" y="1352160"/>
-            <a:ext cx="540000" cy="540000"/>
+            <a:ext cx="539280" cy="539280"/>
           </a:xfrm>
           <a:prstGeom prst="rect">
             <a:avLst/>
           </a:prstGeom>
           <a:blipFill rotWithShape="0">
             <a:blip r:embed="rId3"/>
+            <a:srcRect/>
             <a:stretch/>
           </a:blipFill>
           <a:ln w="0">
             <a:noFill/>
           </a:ln>
         </p:spPr>
+        <p:style>
+          <a:lnRef idx="0"/>
+          <a:fillRef idx="0"/>
+          <a:effectRef idx="0"/>
+          <a:fontRef idx="minor"/>
+        </p:style>
         <p:txBody>
           <a:bodyPr lIns="90000" rIns="90000" tIns="45000" bIns="45000" anchor="ctr" anchorCtr="1">
             <a:noAutofit/>
@@ -7117,13 +6953,16 @@
             </a:pPr>
             <a:r>
               <a:rPr b="0" lang="id-ID" sz="900" spc="-1" strike="noStrike">
+                <a:solidFill>
+                  <a:srgbClr val="000000"/>
+                </a:solidFill>
                 <a:latin typeface="Montserrat"/>
+                <a:ea typeface="DejaVu Sans"/>
               </a:rPr>
               <a:t>User</a:t>
             </a:r>
             <a:endParaRPr b="0" lang="id-ID" sz="900" spc="-1" strike="noStrike">
-              <a:latin typeface="Montserrat"/>
-              <a:ea typeface="Noto Sans CJK SC"/>
+              <a:latin typeface="Arial"/>
             </a:endParaRPr>
           </a:p>
         </p:txBody>
@@ -7131,25 +6970,32 @@
       <p:sp>
         <p:nvSpPr>
           <p:cNvPr id="145" name=""/>
-          <p:cNvSpPr txBox="1"/>
+          <p:cNvSpPr/>
           <p:nvPr/>
         </p:nvSpPr>
         <p:spPr>
           <a:xfrm>
             <a:off x="165960" y="2235960"/>
-            <a:ext cx="556200" cy="556200"/>
+            <a:ext cx="555480" cy="555480"/>
           </a:xfrm>
           <a:prstGeom prst="rect">
             <a:avLst/>
           </a:prstGeom>
           <a:blipFill rotWithShape="0">
             <a:blip r:embed="rId4"/>
+            <a:srcRect/>
             <a:stretch/>
           </a:blipFill>
           <a:ln w="0">
             <a:noFill/>
           </a:ln>
         </p:spPr>
+        <p:style>
+          <a:lnRef idx="0"/>
+          <a:fillRef idx="0"/>
+          <a:effectRef idx="0"/>
+          <a:fontRef idx="minor"/>
+        </p:style>
         <p:txBody>
           <a:bodyPr lIns="90000" rIns="90000" tIns="45000" bIns="45000" anchor="ctr" anchorCtr="1">
             <a:noAutofit/>
@@ -7162,33 +7008,13 @@
             </a:pPr>
             <a:r>
               <a:rPr b="0" lang="id-ID" sz="800" spc="-1" strike="noStrike">
+                <a:solidFill>
+                  <a:srgbClr val="000000"/>
+                </a:solidFill>
                 <a:latin typeface="Montserrat"/>
+                <a:ea typeface="DejaVu Sans"/>
               </a:rPr>
-              <a:t>Me</a:t>
-            </a:r>
-            <a:r>
-              <a:rPr b="0" lang="id-ID" sz="800" spc="-1" strike="noStrike">
-                <a:latin typeface="Montserrat"/>
-              </a:rPr>
-              <a:t>dia</a:t>
-            </a:r>
-            <a:r>
-              <a:rPr b="0" lang="id-ID" sz="800" spc="-1" strike="noStrike">
-                <a:latin typeface="Montserrat"/>
-              </a:rPr>
-              <a:t>Bro</a:t>
-            </a:r>
-            <a:r>
-              <a:rPr b="0" lang="id-ID" sz="800" spc="-1" strike="noStrike">
-                <a:latin typeface="Montserrat"/>
-              </a:rPr>
-              <a:t>ws</a:t>
-            </a:r>
-            <a:r>
-              <a:rPr b="0" lang="id-ID" sz="800" spc="-1" strike="noStrike">
-                <a:latin typeface="Montserrat"/>
-              </a:rPr>
-              <a:t>e</a:t>
+              <a:t>MediaBrowse</a:t>
             </a:r>
             <a:endParaRPr b="0" lang="id-ID" sz="800" spc="-1" strike="noStrike">
               <a:latin typeface="Arial"/>
@@ -7199,25 +7025,32 @@
       <p:sp>
         <p:nvSpPr>
           <p:cNvPr id="146" name=""/>
-          <p:cNvSpPr txBox="1"/>
+          <p:cNvSpPr/>
           <p:nvPr/>
         </p:nvSpPr>
         <p:spPr>
           <a:xfrm>
             <a:off x="182160" y="452160"/>
-            <a:ext cx="540000" cy="540000"/>
+            <a:ext cx="539280" cy="539280"/>
           </a:xfrm>
           <a:prstGeom prst="rect">
             <a:avLst/>
           </a:prstGeom>
           <a:blipFill rotWithShape="0">
             <a:blip r:embed="rId5"/>
+            <a:srcRect/>
             <a:stretch/>
           </a:blipFill>
           <a:ln w="0">
             <a:noFill/>
           </a:ln>
         </p:spPr>
+        <p:style>
+          <a:lnRef idx="0"/>
+          <a:fillRef idx="0"/>
+          <a:effectRef idx="0"/>
+          <a:fontRef idx="minor"/>
+        </p:style>
         <p:txBody>
           <a:bodyPr lIns="90000" rIns="90000" tIns="45000" bIns="45000" anchor="ctr" anchorCtr="1">
             <a:noAutofit/>
@@ -7230,12 +7063,16 @@
             </a:pPr>
             <a:r>
               <a:rPr b="0" lang="id-ID" sz="900" spc="-1" strike="noStrike">
+                <a:solidFill>
+                  <a:srgbClr val="000000"/>
+                </a:solidFill>
                 <a:latin typeface="Montserrat"/>
+                <a:ea typeface="DejaVu Sans"/>
               </a:rPr>
               <a:t>Device</a:t>
             </a:r>
             <a:endParaRPr b="0" lang="id-ID" sz="900" spc="-1" strike="noStrike">
-              <a:latin typeface="Montserrat"/>
+              <a:latin typeface="Arial"/>
             </a:endParaRPr>
           </a:p>
         </p:txBody>
@@ -7243,25 +7080,32 @@
       <p:sp>
         <p:nvSpPr>
           <p:cNvPr id="147" name=""/>
-          <p:cNvSpPr txBox="1"/>
+          <p:cNvSpPr/>
           <p:nvPr/>
         </p:nvSpPr>
         <p:spPr>
           <a:xfrm>
             <a:off x="1082160" y="2252160"/>
-            <a:ext cx="540000" cy="540000"/>
+            <a:ext cx="539280" cy="539280"/>
           </a:xfrm>
           <a:prstGeom prst="rect">
             <a:avLst/>
           </a:prstGeom>
           <a:blipFill rotWithShape="0">
             <a:blip r:embed="rId6"/>
+            <a:srcRect/>
             <a:stretch/>
           </a:blipFill>
           <a:ln w="0">
             <a:noFill/>
           </a:ln>
         </p:spPr>
+        <p:style>
+          <a:lnRef idx="0"/>
+          <a:fillRef idx="0"/>
+          <a:effectRef idx="0"/>
+          <a:fontRef idx="minor"/>
+        </p:style>
         <p:txBody>
           <a:bodyPr lIns="90000" rIns="90000" tIns="45000" bIns="45000" anchor="ctr" anchorCtr="1">
             <a:noAutofit/>
@@ -7274,21 +7118,13 @@
             </a:pPr>
             <a:r>
               <a:rPr b="0" lang="id-ID" sz="800" spc="-1" strike="noStrike">
+                <a:solidFill>
+                  <a:srgbClr val="000000"/>
+                </a:solidFill>
                 <a:latin typeface="Montserrat"/>
+                <a:ea typeface="DejaVu Sans"/>
               </a:rPr>
-              <a:t>Gam</a:t>
-            </a:r>
-            <a:r>
-              <a:rPr b="0" lang="id-ID" sz="800" spc="-1" strike="noStrike">
-                <a:latin typeface="Montserrat"/>
-              </a:rPr>
-              <a:t>ePla</a:t>
-            </a:r>
-            <a:r>
-              <a:rPr b="0" lang="id-ID" sz="800" spc="-1" strike="noStrike">
-                <a:latin typeface="Montserrat"/>
-              </a:rPr>
-              <a:t>y</a:t>
+              <a:t>GamePlay</a:t>
             </a:r>
             <a:endParaRPr b="0" lang="id-ID" sz="800" spc="-1" strike="noStrike">
               <a:latin typeface="Arial"/>
@@ -7299,25 +7135,32 @@
       <p:sp>
         <p:nvSpPr>
           <p:cNvPr id="148" name=""/>
-          <p:cNvSpPr txBox="1"/>
+          <p:cNvSpPr/>
           <p:nvPr/>
         </p:nvSpPr>
         <p:spPr>
           <a:xfrm>
             <a:off x="1082160" y="1383840"/>
-            <a:ext cx="508320" cy="508320"/>
+            <a:ext cx="507600" cy="507600"/>
           </a:xfrm>
           <a:prstGeom prst="rect">
             <a:avLst/>
           </a:prstGeom>
           <a:blipFill rotWithShape="0">
             <a:blip r:embed="rId7"/>
+            <a:srcRect/>
             <a:stretch/>
           </a:blipFill>
           <a:ln w="0">
             <a:noFill/>
           </a:ln>
         </p:spPr>
+        <p:style>
+          <a:lnRef idx="0"/>
+          <a:fillRef idx="0"/>
+          <a:effectRef idx="0"/>
+          <a:fontRef idx="minor"/>
+        </p:style>
         <p:txBody>
           <a:bodyPr lIns="90000" rIns="90000" tIns="45000" bIns="45000" anchorCtr="1">
             <a:noAutofit/>
@@ -7330,13 +7173,16 @@
             </a:pPr>
             <a:r>
               <a:rPr b="0" lang="id-ID" sz="800" spc="-1" strike="noStrike">
+                <a:solidFill>
+                  <a:srgbClr val="000000"/>
+                </a:solidFill>
                 <a:latin typeface="Montserrat"/>
+                <a:ea typeface="DejaVu Sans"/>
               </a:rPr>
               <a:t>Task Manager</a:t>
             </a:r>
             <a:endParaRPr b="0" lang="id-ID" sz="800" spc="-1" strike="noStrike">
               <a:latin typeface="Arial"/>
-              <a:ea typeface="Noto Sans CJK SC"/>
             </a:endParaRPr>
           </a:p>
         </p:txBody>
@@ -7344,25 +7190,32 @@
       <p:sp>
         <p:nvSpPr>
           <p:cNvPr id="149" name=""/>
-          <p:cNvSpPr txBox="1"/>
+          <p:cNvSpPr/>
           <p:nvPr/>
         </p:nvSpPr>
         <p:spPr>
           <a:xfrm>
             <a:off x="1082160" y="506880"/>
-            <a:ext cx="485280" cy="485280"/>
+            <a:ext cx="484560" cy="484560"/>
           </a:xfrm>
           <a:prstGeom prst="rect">
             <a:avLst/>
           </a:prstGeom>
           <a:blipFill rotWithShape="0">
             <a:blip r:embed="rId8"/>
+            <a:srcRect/>
             <a:stretch/>
           </a:blipFill>
           <a:ln w="0">
             <a:noFill/>
           </a:ln>
         </p:spPr>
+        <p:style>
+          <a:lnRef idx="0"/>
+          <a:fillRef idx="0"/>
+          <a:effectRef idx="0"/>
+          <a:fontRef idx="minor"/>
+        </p:style>
         <p:txBody>
           <a:bodyPr lIns="90000" rIns="90000" tIns="45000" bIns="45000" anchor="ctr" anchorCtr="1">
             <a:noAutofit/>
@@ -7375,15 +7228,13 @@
             </a:pPr>
             <a:r>
               <a:rPr b="0" lang="id-ID" sz="900" spc="-1" strike="noStrike">
+                <a:solidFill>
+                  <a:srgbClr val="000000"/>
+                </a:solidFill>
                 <a:latin typeface="Montserrat"/>
+                <a:ea typeface="DejaVu Sans"/>
               </a:rPr>
-              <a:t>Trash </a:t>
-            </a:r>
-            <a:r>
-              <a:rPr b="0" lang="id-ID" sz="900" spc="-1" strike="noStrike">
-                <a:latin typeface="Montserrat"/>
-              </a:rPr>
-              <a:t>Bin</a:t>
+              <a:t>Trash Bin</a:t>
             </a:r>
             <a:endParaRPr b="0" lang="id-ID" sz="900" spc="-1" strike="noStrike">
               <a:latin typeface="Arial"/>
@@ -7400,7 +7251,7 @@
         <p:spPr>
           <a:xfrm>
             <a:off x="9680040" y="-5400"/>
-            <a:ext cx="375120" cy="190440"/>
+            <a:ext cx="374400" cy="189720"/>
           </a:xfrm>
           <a:prstGeom prst="rect">
             <a:avLst/>
@@ -7455,7 +7306,7 @@
         <p:spPr>
           <a:xfrm>
             <a:off x="9622800" y="37440"/>
-            <a:ext cx="96120" cy="96120"/>
+            <a:ext cx="95400" cy="95400"/>
           </a:xfrm>
           <a:prstGeom prst="rect">
             <a:avLst/>
@@ -7478,7 +7329,7 @@
         <p:spPr>
           <a:xfrm>
             <a:off x="9407880" y="36360"/>
-            <a:ext cx="101520" cy="101520"/>
+            <a:ext cx="100800" cy="100800"/>
           </a:xfrm>
           <a:prstGeom prst="rect">
             <a:avLst/>
@@ -7501,7 +7352,7 @@
         <p:spPr>
           <a:xfrm>
             <a:off x="9164160" y="32400"/>
-            <a:ext cx="104760" cy="104760"/>
+            <a:ext cx="104040" cy="104040"/>
           </a:xfrm>
           <a:prstGeom prst="rect">
             <a:avLst/>
@@ -7558,7 +7409,7 @@
         <p:spPr>
           <a:xfrm>
             <a:off x="0" y="0"/>
-            <a:ext cx="10078200" cy="178200"/>
+            <a:ext cx="10077480" cy="177480"/>
           </a:xfrm>
           <a:prstGeom prst="rect">
             <a:avLst/>
@@ -7598,7 +7449,7 @@
         <p:spPr>
           <a:xfrm>
             <a:off x="116640" y="37440"/>
-            <a:ext cx="61920" cy="96840"/>
+            <a:ext cx="61200" cy="96120"/>
           </a:xfrm>
           <a:prstGeom prst="rect">
             <a:avLst/>
@@ -7617,7 +7468,7 @@
         <p:spPr>
           <a:xfrm>
             <a:off x="211680" y="0"/>
-            <a:ext cx="628560" cy="190440"/>
+            <a:ext cx="627840" cy="189720"/>
           </a:xfrm>
           <a:prstGeom prst="rect">
             <a:avLst/>
@@ -7668,7 +7519,7 @@
         <p:spPr>
           <a:xfrm>
             <a:off x="4855320" y="-5400"/>
-            <a:ext cx="367920" cy="190440"/>
+            <a:ext cx="367200" cy="189720"/>
           </a:xfrm>
           <a:prstGeom prst="rect">
             <a:avLst/>
@@ -7719,7 +7570,7 @@
         <p:spPr>
           <a:xfrm>
             <a:off x="4590360" y="3222000"/>
-            <a:ext cx="846360" cy="358200"/>
+            <a:ext cx="845640" cy="357480"/>
           </a:xfrm>
           <a:custGeom>
             <a:avLst/>
@@ -7782,7 +7633,7 @@
         <p:spPr>
           <a:xfrm>
             <a:off x="4428000" y="3222000"/>
-            <a:ext cx="358560" cy="358560"/>
+            <a:ext cx="357840" cy="357840"/>
           </a:xfrm>
           <a:custGeom>
             <a:avLst/>
@@ -7885,7 +7736,7 @@
         <p:spPr>
           <a:xfrm>
             <a:off x="5256360" y="3222360"/>
-            <a:ext cx="358560" cy="358560"/>
+            <a:ext cx="357840" cy="357840"/>
           </a:xfrm>
           <a:custGeom>
             <a:avLst/>
@@ -7988,7 +7839,7 @@
         <p:spPr>
           <a:xfrm>
             <a:off x="4752000" y="3204360"/>
-            <a:ext cx="538200" cy="362880"/>
+            <a:ext cx="537480" cy="362160"/>
           </a:xfrm>
           <a:prstGeom prst="rect">
             <a:avLst/>
@@ -8038,8 +7889,8 @@
         </p:nvSpPr>
         <p:spPr>
           <a:xfrm rot="612000">
-            <a:off x="5254920" y="3262320"/>
-            <a:ext cx="282600" cy="261720"/>
+            <a:off x="5254560" y="3261600"/>
+            <a:ext cx="281880" cy="261000"/>
           </a:xfrm>
           <a:custGeom>
             <a:avLst/>
@@ -8128,7 +7979,7 @@
         <p:spPr>
           <a:xfrm>
             <a:off x="4860000" y="3204360"/>
-            <a:ext cx="358200" cy="362880"/>
+            <a:ext cx="357480" cy="362160"/>
           </a:xfrm>
           <a:prstGeom prst="rect">
             <a:avLst/>
@@ -8178,8 +8029,8 @@
         </p:nvSpPr>
         <p:spPr>
           <a:xfrm rot="597600">
-            <a:off x="4520880" y="3255840"/>
-            <a:ext cx="264960" cy="264960"/>
+            <a:off x="4520160" y="3255480"/>
+            <a:ext cx="264240" cy="264240"/>
           </a:xfrm>
           <a:prstGeom prst="smileyFace">
             <a:avLst>
@@ -8212,7 +8063,7 @@
         <p:spPr>
           <a:xfrm>
             <a:off x="3835440" y="3657600"/>
-            <a:ext cx="2381400" cy="2281680"/>
+            <a:ext cx="2380680" cy="2280960"/>
           </a:xfrm>
           <a:prstGeom prst="flowChartAlternateProcess">
             <a:avLst/>
@@ -8244,7 +8095,7 @@
         <p:spPr>
           <a:xfrm>
             <a:off x="4104000" y="5360400"/>
-            <a:ext cx="539280" cy="260280"/>
+            <a:ext cx="538560" cy="259560"/>
           </a:xfrm>
           <a:prstGeom prst="rect">
             <a:avLst/>
@@ -8295,7 +8146,7 @@
         <p:spPr>
           <a:xfrm>
             <a:off x="3996000" y="3780000"/>
-            <a:ext cx="221400" cy="221400"/>
+            <a:ext cx="220680" cy="220680"/>
           </a:xfrm>
           <a:prstGeom prst="ellipse">
             <a:avLst/>
@@ -8327,7 +8178,7 @@
         <p:spPr>
           <a:xfrm>
             <a:off x="4107240" y="3780000"/>
-            <a:ext cx="1832040" cy="221400"/>
+            <a:ext cx="1831320" cy="220680"/>
           </a:xfrm>
           <a:prstGeom prst="rect">
             <a:avLst/>
@@ -8359,7 +8210,7 @@
         <p:spPr>
           <a:xfrm>
             <a:off x="4018320" y="3780000"/>
-            <a:ext cx="1920960" cy="221400"/>
+            <a:ext cx="1920240" cy="220680"/>
           </a:xfrm>
           <a:prstGeom prst="rect">
             <a:avLst/>
@@ -8410,7 +8261,7 @@
         <p:spPr>
           <a:xfrm>
             <a:off x="5825880" y="3780000"/>
-            <a:ext cx="221400" cy="221400"/>
+            <a:ext cx="220680" cy="220680"/>
           </a:xfrm>
           <a:prstGeom prst="ellipse">
             <a:avLst/>
@@ -8442,7 +8293,7 @@
         <p:spPr>
           <a:xfrm>
             <a:off x="3960000" y="4019400"/>
-            <a:ext cx="2087280" cy="299880"/>
+            <a:ext cx="2086560" cy="299160"/>
           </a:xfrm>
           <a:prstGeom prst="rect">
             <a:avLst/>
@@ -8487,279 +8338,13 @@
       <p:sp>
         <p:nvSpPr>
           <p:cNvPr id="172" name=""/>
-          <p:cNvSpPr txBox="1"/>
-          <p:nvPr/>
-        </p:nvSpPr>
-        <p:spPr>
-          <a:xfrm>
-            <a:off x="182160" y="1352160"/>
-            <a:ext cx="540000" cy="540000"/>
-          </a:xfrm>
-          <a:prstGeom prst="rect">
-            <a:avLst/>
-          </a:prstGeom>
-          <a:blipFill rotWithShape="0">
-            <a:blip r:embed="rId3"/>
-            <a:stretch/>
-          </a:blipFill>
-          <a:ln w="0">
-            <a:noFill/>
-          </a:ln>
-        </p:spPr>
-        <p:txBody>
-          <a:bodyPr lIns="90000" rIns="90000" tIns="45000" bIns="45000" anchor="ctr" anchorCtr="1">
-            <a:noAutofit/>
-          </a:bodyPr>
-          <a:p>
-            <a:pPr algn="ctr">
-              <a:lnSpc>
-                <a:spcPts val="6749"/>
-              </a:lnSpc>
-            </a:pPr>
-            <a:r>
-              <a:rPr b="0" lang="id-ID" sz="900" spc="-1" strike="noStrike">
-                <a:latin typeface="Montserrat"/>
-              </a:rPr>
-              <a:t>User</a:t>
-            </a:r>
-            <a:endParaRPr b="0" lang="id-ID" sz="900" spc="-1" strike="noStrike">
-              <a:latin typeface="Montserrat"/>
-              <a:ea typeface="Noto Sans CJK SC"/>
-            </a:endParaRPr>
-          </a:p>
-        </p:txBody>
-      </p:sp>
-      <p:sp>
-        <p:nvSpPr>
-          <p:cNvPr id="173" name=""/>
-          <p:cNvSpPr txBox="1"/>
-          <p:nvPr/>
-        </p:nvSpPr>
-        <p:spPr>
-          <a:xfrm>
-            <a:off x="165960" y="2235960"/>
-            <a:ext cx="556200" cy="556200"/>
-          </a:xfrm>
-          <a:prstGeom prst="rect">
-            <a:avLst/>
-          </a:prstGeom>
-          <a:blipFill rotWithShape="0">
-            <a:blip r:embed="rId4"/>
-            <a:stretch/>
-          </a:blipFill>
-          <a:ln w="0">
-            <a:noFill/>
-          </a:ln>
-        </p:spPr>
-        <p:txBody>
-          <a:bodyPr lIns="90000" rIns="90000" tIns="45000" bIns="45000" anchor="ctr" anchorCtr="1">
-            <a:noAutofit/>
-          </a:bodyPr>
-          <a:p>
-            <a:pPr algn="ctr">
-              <a:lnSpc>
-                <a:spcPts val="7393"/>
-              </a:lnSpc>
-            </a:pPr>
-            <a:r>
-              <a:rPr b="0" lang="id-ID" sz="800" spc="-1" strike="noStrike">
-                <a:latin typeface="Montserrat"/>
-              </a:rPr>
-              <a:t>MediaBrowse</a:t>
-            </a:r>
-            <a:endParaRPr b="0" lang="id-ID" sz="800" spc="-1" strike="noStrike">
-              <a:latin typeface="Arial"/>
-            </a:endParaRPr>
-          </a:p>
-        </p:txBody>
-      </p:sp>
-      <p:sp>
-        <p:nvSpPr>
-          <p:cNvPr id="174" name=""/>
-          <p:cNvSpPr txBox="1"/>
-          <p:nvPr/>
-        </p:nvSpPr>
-        <p:spPr>
-          <a:xfrm>
-            <a:off x="182160" y="452160"/>
-            <a:ext cx="540000" cy="540000"/>
-          </a:xfrm>
-          <a:prstGeom prst="rect">
-            <a:avLst/>
-          </a:prstGeom>
-          <a:blipFill rotWithShape="0">
-            <a:blip r:embed="rId5"/>
-            <a:stretch/>
-          </a:blipFill>
-          <a:ln w="0">
-            <a:noFill/>
-          </a:ln>
-        </p:spPr>
-        <p:txBody>
-          <a:bodyPr lIns="90000" rIns="90000" tIns="45000" bIns="45000" anchor="ctr" anchorCtr="1">
-            <a:noAutofit/>
-          </a:bodyPr>
-          <a:p>
-            <a:pPr algn="ctr">
-              <a:lnSpc>
-                <a:spcPts val="6588"/>
-              </a:lnSpc>
-            </a:pPr>
-            <a:r>
-              <a:rPr b="0" lang="id-ID" sz="900" spc="-1" strike="noStrike">
-                <a:latin typeface="Montserrat"/>
-              </a:rPr>
-              <a:t>Device</a:t>
-            </a:r>
-            <a:endParaRPr b="0" lang="id-ID" sz="900" spc="-1" strike="noStrike">
-              <a:latin typeface="Montserrat"/>
-            </a:endParaRPr>
-          </a:p>
-        </p:txBody>
-      </p:sp>
-      <p:sp>
-        <p:nvSpPr>
-          <p:cNvPr id="175" name=""/>
-          <p:cNvSpPr txBox="1"/>
-          <p:nvPr/>
-        </p:nvSpPr>
-        <p:spPr>
-          <a:xfrm>
-            <a:off x="1082160" y="2252160"/>
-            <a:ext cx="540000" cy="540000"/>
-          </a:xfrm>
-          <a:prstGeom prst="rect">
-            <a:avLst/>
-          </a:prstGeom>
-          <a:blipFill rotWithShape="0">
-            <a:blip r:embed="rId6"/>
-            <a:stretch/>
-          </a:blipFill>
-          <a:ln w="0">
-            <a:noFill/>
-          </a:ln>
-        </p:spPr>
-        <p:txBody>
-          <a:bodyPr lIns="90000" rIns="90000" tIns="45000" bIns="45000" anchor="ctr" anchorCtr="1">
-            <a:noAutofit/>
-          </a:bodyPr>
-          <a:p>
-            <a:pPr algn="ctr">
-              <a:lnSpc>
-                <a:spcPts val="7231"/>
-              </a:lnSpc>
-            </a:pPr>
-            <a:r>
-              <a:rPr b="0" lang="id-ID" sz="800" spc="-1" strike="noStrike">
-                <a:latin typeface="Montserrat"/>
-              </a:rPr>
-              <a:t>GamePlay</a:t>
-            </a:r>
-            <a:endParaRPr b="0" lang="id-ID" sz="800" spc="-1" strike="noStrike">
-              <a:latin typeface="Arial"/>
-            </a:endParaRPr>
-          </a:p>
-        </p:txBody>
-      </p:sp>
-      <p:sp>
-        <p:nvSpPr>
-          <p:cNvPr id="176" name=""/>
-          <p:cNvSpPr txBox="1"/>
-          <p:nvPr/>
-        </p:nvSpPr>
-        <p:spPr>
-          <a:xfrm>
-            <a:off x="1082160" y="1383840"/>
-            <a:ext cx="508320" cy="508320"/>
-          </a:xfrm>
-          <a:prstGeom prst="rect">
-            <a:avLst/>
-          </a:prstGeom>
-          <a:blipFill rotWithShape="0">
-            <a:blip r:embed="rId7"/>
-            <a:stretch/>
-          </a:blipFill>
-          <a:ln w="0">
-            <a:noFill/>
-          </a:ln>
-        </p:spPr>
-        <p:txBody>
-          <a:bodyPr lIns="90000" rIns="90000" tIns="45000" bIns="45000" anchorCtr="1">
-            <a:noAutofit/>
-          </a:bodyPr>
-          <a:p>
-            <a:pPr algn="ctr">
-              <a:lnSpc>
-                <a:spcPts val="4980"/>
-              </a:lnSpc>
-            </a:pPr>
-            <a:r>
-              <a:rPr b="0" lang="id-ID" sz="800" spc="-1" strike="noStrike">
-                <a:latin typeface="Montserrat"/>
-              </a:rPr>
-              <a:t>Task Manager</a:t>
-            </a:r>
-            <a:endParaRPr b="0" lang="id-ID" sz="800" spc="-1" strike="noStrike">
-              <a:latin typeface="Arial"/>
-              <a:ea typeface="Noto Sans CJK SC"/>
-            </a:endParaRPr>
-          </a:p>
-        </p:txBody>
-      </p:sp>
-      <p:sp>
-        <p:nvSpPr>
-          <p:cNvPr id="177" name=""/>
-          <p:cNvSpPr txBox="1"/>
-          <p:nvPr/>
-        </p:nvSpPr>
-        <p:spPr>
-          <a:xfrm>
-            <a:off x="1082160" y="506880"/>
-            <a:ext cx="485280" cy="485280"/>
-          </a:xfrm>
-          <a:prstGeom prst="rect">
-            <a:avLst/>
-          </a:prstGeom>
-          <a:blipFill rotWithShape="0">
-            <a:blip r:embed="rId8"/>
-            <a:stretch/>
-          </a:blipFill>
-          <a:ln w="0">
-            <a:noFill/>
-          </a:ln>
-        </p:spPr>
-        <p:txBody>
-          <a:bodyPr lIns="90000" rIns="90000" tIns="45000" bIns="45000" anchor="ctr" anchorCtr="1">
-            <a:noAutofit/>
-          </a:bodyPr>
-          <a:p>
-            <a:pPr algn="ctr">
-              <a:lnSpc>
-                <a:spcPts val="6429"/>
-              </a:lnSpc>
-            </a:pPr>
-            <a:r>
-              <a:rPr b="0" lang="id-ID" sz="900" spc="-1" strike="noStrike">
-                <a:latin typeface="Montserrat"/>
-              </a:rPr>
-              <a:t>Trash Bin</a:t>
-            </a:r>
-            <a:endParaRPr b="0" lang="id-ID" sz="900" spc="-1" strike="noStrike">
-              <a:latin typeface="Arial"/>
-            </a:endParaRPr>
-          </a:p>
-        </p:txBody>
-      </p:sp>
-      <p:sp>
-        <p:nvSpPr>
-          <p:cNvPr id="178" name=""/>
           <p:cNvSpPr/>
           <p:nvPr/>
         </p:nvSpPr>
         <p:spPr>
           <a:xfrm>
             <a:off x="9680040" y="-5400"/>
-            <a:ext cx="375120" cy="190440"/>
+            <a:ext cx="374400" cy="189720"/>
           </a:xfrm>
           <a:prstGeom prst="rect">
             <a:avLst/>
@@ -8803,18 +8388,18 @@
       </p:sp>
       <p:pic>
         <p:nvPicPr>
-          <p:cNvPr id="179" name="" descr=""/>
+          <p:cNvPr id="173" name="" descr=""/>
           <p:cNvPicPr/>
           <p:nvPr/>
         </p:nvPicPr>
         <p:blipFill>
-          <a:blip r:embed="rId9"/>
+          <a:blip r:embed="rId3"/>
           <a:stretch/>
         </p:blipFill>
         <p:spPr>
           <a:xfrm>
             <a:off x="9622800" y="37440"/>
-            <a:ext cx="96120" cy="96120"/>
+            <a:ext cx="95400" cy="95400"/>
           </a:xfrm>
           <a:prstGeom prst="rect">
             <a:avLst/>
@@ -8826,18 +8411,18 @@
       </p:pic>
       <p:pic>
         <p:nvPicPr>
-          <p:cNvPr id="180" name="" descr=""/>
+          <p:cNvPr id="174" name="" descr=""/>
           <p:cNvPicPr/>
           <p:nvPr/>
         </p:nvPicPr>
         <p:blipFill>
-          <a:blip r:embed="rId10"/>
+          <a:blip r:embed="rId4"/>
           <a:stretch/>
         </p:blipFill>
         <p:spPr>
           <a:xfrm>
             <a:off x="9407880" y="36360"/>
-            <a:ext cx="101520" cy="101520"/>
+            <a:ext cx="100800" cy="100800"/>
           </a:xfrm>
           <a:prstGeom prst="rect">
             <a:avLst/>
@@ -8849,18 +8434,18 @@
       </p:pic>
       <p:pic>
         <p:nvPicPr>
-          <p:cNvPr id="181" name="" descr=""/>
+          <p:cNvPr id="175" name="" descr=""/>
           <p:cNvPicPr/>
           <p:nvPr/>
         </p:nvPicPr>
         <p:blipFill>
-          <a:blip r:embed="rId11"/>
+          <a:blip r:embed="rId5"/>
           <a:stretch/>
         </p:blipFill>
         <p:spPr>
           <a:xfrm>
             <a:off x="9164160" y="32400"/>
-            <a:ext cx="104760" cy="104760"/>
+            <a:ext cx="104040" cy="104040"/>
           </a:xfrm>
           <a:prstGeom prst="rect">
             <a:avLst/>
@@ -8872,28 +8457,28 @@
       </p:pic>
       <p:grpSp>
         <p:nvGrpSpPr>
-          <p:cNvPr id="182" name=""/>
+          <p:cNvPr id="176" name=""/>
           <p:cNvGrpSpPr/>
           <p:nvPr/>
         </p:nvGrpSpPr>
         <p:grpSpPr>
           <a:xfrm>
             <a:off x="3960000" y="5400000"/>
-            <a:ext cx="180000" cy="180000"/>
+            <a:ext cx="179280" cy="179280"/>
             <a:chOff x="3960000" y="5400000"/>
-            <a:chExt cx="180000" cy="180000"/>
+            <a:chExt cx="179280" cy="179280"/>
           </a:xfrm>
         </p:grpSpPr>
         <p:sp>
           <p:nvSpPr>
-            <p:cNvPr id="183" name=""/>
+            <p:cNvPr id="177" name=""/>
             <p:cNvSpPr/>
             <p:nvPr/>
           </p:nvSpPr>
           <p:spPr>
             <a:xfrm>
               <a:off x="3960000" y="5400000"/>
-              <a:ext cx="180000" cy="180000"/>
+              <a:ext cx="179280" cy="179280"/>
             </a:xfrm>
             <a:prstGeom prst="ellipse">
               <a:avLst/>
@@ -8918,20 +8503,20 @@
         </p:sp>
         <p:sp>
           <p:nvSpPr>
-            <p:cNvPr id="184" name=""/>
+            <p:cNvPr id="178" name=""/>
             <p:cNvSpPr/>
             <p:nvPr/>
           </p:nvSpPr>
           <p:spPr>
             <a:xfrm>
               <a:off x="4014720" y="5429880"/>
-              <a:ext cx="69840" cy="70200"/>
+              <a:ext cx="69120" cy="69480"/>
             </a:xfrm>
             <a:custGeom>
               <a:avLst/>
               <a:gdLst/>
               <a:ahLst/>
-              <a:rect l="0" t="0" r="r" b="b"/>
+              <a:rect l="l" t="t" r="r" b="b"/>
               <a:pathLst>
                 <a:path w="195" h="196">
                   <a:moveTo>
@@ -9008,23 +8593,29 @@
               <a:noFill/>
             </a:ln>
           </p:spPr>
+          <p:style>
+            <a:lnRef idx="0"/>
+            <a:fillRef idx="0"/>
+            <a:effectRef idx="0"/>
+            <a:fontRef idx="minor"/>
+          </p:style>
         </p:sp>
         <p:sp>
           <p:nvSpPr>
-            <p:cNvPr id="185" name=""/>
+            <p:cNvPr id="179" name=""/>
             <p:cNvSpPr/>
             <p:nvPr/>
           </p:nvSpPr>
           <p:spPr>
             <a:xfrm>
               <a:off x="3990240" y="5516280"/>
-              <a:ext cx="119160" cy="63720"/>
+              <a:ext cx="118440" cy="63000"/>
             </a:xfrm>
             <a:custGeom>
               <a:avLst/>
               <a:gdLst/>
               <a:ahLst/>
-              <a:rect l="0" t="0" r="r" b="b"/>
+              <a:rect l="l" t="t" r="r" b="b"/>
               <a:pathLst>
                 <a:path w="332" h="178">
                   <a:moveTo>
@@ -9097,32 +8688,38 @@
               <a:noFill/>
             </a:ln>
           </p:spPr>
+          <p:style>
+            <a:lnRef idx="0"/>
+            <a:fillRef idx="0"/>
+            <a:effectRef idx="0"/>
+            <a:fontRef idx="minor"/>
+          </p:style>
         </p:sp>
       </p:grpSp>
       <p:grpSp>
         <p:nvGrpSpPr>
-          <p:cNvPr id="186" name=""/>
+          <p:cNvPr id="180" name=""/>
           <p:cNvGrpSpPr/>
           <p:nvPr/>
         </p:nvGrpSpPr>
         <p:grpSpPr>
           <a:xfrm>
             <a:off x="5880240" y="5351760"/>
-            <a:ext cx="249120" cy="242280"/>
+            <a:ext cx="248400" cy="241560"/>
             <a:chOff x="5880240" y="5351760"/>
-            <a:chExt cx="249120" cy="242280"/>
+            <a:chExt cx="248400" cy="241560"/>
           </a:xfrm>
         </p:grpSpPr>
         <p:sp>
           <p:nvSpPr>
-            <p:cNvPr id="187" name=""/>
+            <p:cNvPr id="181" name=""/>
             <p:cNvSpPr/>
             <p:nvPr/>
           </p:nvSpPr>
           <p:spPr>
             <a:xfrm>
               <a:off x="5880240" y="5351760"/>
-              <a:ext cx="249120" cy="242280"/>
+              <a:ext cx="248400" cy="241560"/>
             </a:xfrm>
             <a:prstGeom prst="ellipse">
               <a:avLst/>
@@ -9147,18 +8744,18 @@
         </p:sp>
         <p:pic>
           <p:nvPicPr>
-            <p:cNvPr id="188" name="" descr=""/>
+            <p:cNvPr id="182" name="" descr=""/>
             <p:cNvPicPr/>
             <p:nvPr/>
           </p:nvPicPr>
           <p:blipFill>
-            <a:blip r:embed="rId12"/>
+            <a:blip r:embed="rId6"/>
             <a:stretch/>
           </p:blipFill>
           <p:spPr>
             <a:xfrm>
               <a:off x="5916960" y="5395320"/>
-              <a:ext cx="162000" cy="161640"/>
+              <a:ext cx="161280" cy="160920"/>
             </a:xfrm>
             <a:prstGeom prst="rect">
               <a:avLst/>
@@ -9169,6 +8766,1759 @@
           </p:spPr>
         </p:pic>
       </p:grpSp>
+      <p:sp>
+        <p:nvSpPr>
+          <p:cNvPr id="183" name=""/>
+          <p:cNvSpPr/>
+          <p:nvPr/>
+        </p:nvSpPr>
+        <p:spPr>
+          <a:xfrm>
+            <a:off x="182160" y="1352160"/>
+            <a:ext cx="539280" cy="539280"/>
+          </a:xfrm>
+          <a:prstGeom prst="rect">
+            <a:avLst/>
+          </a:prstGeom>
+          <a:blipFill rotWithShape="0">
+            <a:blip r:embed="rId7"/>
+            <a:srcRect/>
+            <a:stretch/>
+          </a:blipFill>
+          <a:ln w="0">
+            <a:noFill/>
+          </a:ln>
+        </p:spPr>
+        <p:style>
+          <a:lnRef idx="0"/>
+          <a:fillRef idx="0"/>
+          <a:effectRef idx="0"/>
+          <a:fontRef idx="minor"/>
+        </p:style>
+      </p:sp>
+      <p:sp>
+        <p:nvSpPr>
+          <p:cNvPr id="184" name=""/>
+          <p:cNvSpPr/>
+          <p:nvPr/>
+        </p:nvSpPr>
+        <p:spPr>
+          <a:xfrm>
+            <a:off x="165960" y="2235960"/>
+            <a:ext cx="555480" cy="555480"/>
+          </a:xfrm>
+          <a:prstGeom prst="rect">
+            <a:avLst/>
+          </a:prstGeom>
+          <a:blipFill rotWithShape="0">
+            <a:blip r:embed="rId8"/>
+            <a:srcRect/>
+            <a:stretch/>
+          </a:blipFill>
+          <a:ln w="0">
+            <a:noFill/>
+          </a:ln>
+        </p:spPr>
+        <p:style>
+          <a:lnRef idx="0"/>
+          <a:fillRef idx="0"/>
+          <a:effectRef idx="0"/>
+          <a:fontRef idx="minor"/>
+        </p:style>
+      </p:sp>
+      <p:sp>
+        <p:nvSpPr>
+          <p:cNvPr id="185" name=""/>
+          <p:cNvSpPr/>
+          <p:nvPr/>
+        </p:nvSpPr>
+        <p:spPr>
+          <a:xfrm>
+            <a:off x="182160" y="452160"/>
+            <a:ext cx="539280" cy="539280"/>
+          </a:xfrm>
+          <a:prstGeom prst="rect">
+            <a:avLst/>
+          </a:prstGeom>
+          <a:blipFill rotWithShape="0">
+            <a:blip r:embed="rId9"/>
+            <a:srcRect/>
+            <a:stretch/>
+          </a:blipFill>
+          <a:ln w="0">
+            <a:noFill/>
+          </a:ln>
+        </p:spPr>
+        <p:style>
+          <a:lnRef idx="0"/>
+          <a:fillRef idx="0"/>
+          <a:effectRef idx="0"/>
+          <a:fontRef idx="minor"/>
+        </p:style>
+      </p:sp>
+      <p:sp>
+        <p:nvSpPr>
+          <p:cNvPr id="186" name=""/>
+          <p:cNvSpPr/>
+          <p:nvPr/>
+        </p:nvSpPr>
+        <p:spPr>
+          <a:xfrm>
+            <a:off x="1082160" y="2252160"/>
+            <a:ext cx="539280" cy="539280"/>
+          </a:xfrm>
+          <a:prstGeom prst="rect">
+            <a:avLst/>
+          </a:prstGeom>
+          <a:blipFill rotWithShape="0">
+            <a:blip r:embed="rId10"/>
+            <a:srcRect/>
+            <a:stretch/>
+          </a:blipFill>
+          <a:ln w="0">
+            <a:noFill/>
+          </a:ln>
+        </p:spPr>
+        <p:style>
+          <a:lnRef idx="0"/>
+          <a:fillRef idx="0"/>
+          <a:effectRef idx="0"/>
+          <a:fontRef idx="minor"/>
+        </p:style>
+      </p:sp>
+      <p:sp>
+        <p:nvSpPr>
+          <p:cNvPr id="187" name=""/>
+          <p:cNvSpPr/>
+          <p:nvPr/>
+        </p:nvSpPr>
+        <p:spPr>
+          <a:xfrm>
+            <a:off x="1082160" y="1383840"/>
+            <a:ext cx="507600" cy="507600"/>
+          </a:xfrm>
+          <a:prstGeom prst="rect">
+            <a:avLst/>
+          </a:prstGeom>
+          <a:blipFill rotWithShape="0">
+            <a:blip r:embed="rId11"/>
+            <a:srcRect/>
+            <a:stretch/>
+          </a:blipFill>
+          <a:ln w="0">
+            <a:noFill/>
+          </a:ln>
+        </p:spPr>
+        <p:style>
+          <a:lnRef idx="0"/>
+          <a:fillRef idx="0"/>
+          <a:effectRef idx="0"/>
+          <a:fontRef idx="minor"/>
+        </p:style>
+      </p:sp>
+      <p:sp>
+        <p:nvSpPr>
+          <p:cNvPr id="188" name=""/>
+          <p:cNvSpPr/>
+          <p:nvPr/>
+        </p:nvSpPr>
+        <p:spPr>
+          <a:xfrm>
+            <a:off x="1082160" y="506880"/>
+            <a:ext cx="484560" cy="484560"/>
+          </a:xfrm>
+          <a:prstGeom prst="rect">
+            <a:avLst/>
+          </a:prstGeom>
+          <a:blipFill rotWithShape="0">
+            <a:blip r:embed="rId12"/>
+            <a:srcRect/>
+            <a:stretch/>
+          </a:blipFill>
+          <a:ln w="0">
+            <a:noFill/>
+          </a:ln>
+        </p:spPr>
+        <p:style>
+          <a:lnRef idx="0"/>
+          <a:fillRef idx="0"/>
+          <a:effectRef idx="0"/>
+          <a:fontRef idx="minor"/>
+        </p:style>
+      </p:sp>
+    </p:spTree>
+  </p:cSld>
+  <mc:AlternateContent>
+    <mc:Choice Requires="p14">
+      <p:transition spd="slow" p14:dur="2000"/>
+    </mc:Choice>
+    <mc:Fallback>
+      <p:transition spd="slow"/>
+    </mc:Fallback>
+  </mc:AlternateContent>
+</p:sld>
+</file>
+
+<file path=ppt/slides/slide7.xml><?xml version="1.0" encoding="utf-8"?>
+<p:sld xmlns:a="http://schemas.openxmlformats.org/drawingml/2006/main" xmlns:p="http://schemas.openxmlformats.org/presentationml/2006/main" xmlns:r="http://schemas.openxmlformats.org/officeDocument/2006/relationships" xmlns:p14="http://schemas.microsoft.com/office/powerpoint/2010/main" xmlns:p15="http://schemas.microsoft.com/office/powerpoint/2012/main" xmlns:mc="http://schemas.openxmlformats.org/markup-compatibility/2006">
+  <p:cSld>
+    <p:bg>
+      <p:bgPr>
+        <a:solidFill>
+          <a:srgbClr val="0d1347"/>
+        </a:solidFill>
+      </p:bgPr>
+    </p:bg>
+    <p:spTree>
+      <p:nvGrpSpPr>
+        <p:cNvPr id="1" name=""/>
+        <p:cNvGrpSpPr/>
+        <p:nvPr/>
+      </p:nvGrpSpPr>
+      <p:grpSpPr>
+        <a:xfrm>
+          <a:off x="0" y="0"/>
+          <a:ext cx="0" cy="0"/>
+          <a:chOff x="0" y="0"/>
+          <a:chExt cx="0" cy="0"/>
+        </a:xfrm>
+      </p:grpSpPr>
+      <p:sp>
+        <p:nvSpPr>
+          <p:cNvPr id="189" name=""/>
+          <p:cNvSpPr/>
+          <p:nvPr/>
+        </p:nvSpPr>
+        <p:spPr>
+          <a:xfrm>
+            <a:off x="0" y="0"/>
+            <a:ext cx="10077480" cy="177480"/>
+          </a:xfrm>
+          <a:prstGeom prst="rect">
+            <a:avLst/>
+          </a:prstGeom>
+          <a:solidFill>
+            <a:srgbClr val="000000">
+              <a:alpha val="15000"/>
+            </a:srgbClr>
+          </a:solidFill>
+          <a:ln w="0">
+            <a:solidFill>
+              <a:srgbClr val="3465a4">
+                <a:alpha val="0"/>
+              </a:srgbClr>
+            </a:solidFill>
+          </a:ln>
+        </p:spPr>
+        <p:style>
+          <a:lnRef idx="0"/>
+          <a:fillRef idx="0"/>
+          <a:effectRef idx="0"/>
+          <a:fontRef idx="minor"/>
+        </p:style>
+      </p:sp>
+      <p:pic>
+        <p:nvPicPr>
+          <p:cNvPr id="190" name="" descr=""/>
+          <p:cNvPicPr/>
+          <p:nvPr/>
+        </p:nvPicPr>
+        <p:blipFill>
+          <a:blip r:embed="rId1">
+            <a:lum bright="100000"/>
+          </a:blip>
+          <a:stretch/>
+        </p:blipFill>
+        <p:spPr>
+          <a:xfrm>
+            <a:off x="116640" y="37440"/>
+            <a:ext cx="61200" cy="96120"/>
+          </a:xfrm>
+          <a:prstGeom prst="rect">
+            <a:avLst/>
+          </a:prstGeom>
+          <a:ln w="0">
+            <a:noFill/>
+          </a:ln>
+        </p:spPr>
+      </p:pic>
+      <p:sp>
+        <p:nvSpPr>
+          <p:cNvPr id="191" name=""/>
+          <p:cNvSpPr/>
+          <p:nvPr/>
+        </p:nvSpPr>
+        <p:spPr>
+          <a:xfrm>
+            <a:off x="211680" y="0"/>
+            <a:ext cx="1048320" cy="189720"/>
+          </a:xfrm>
+          <a:prstGeom prst="rect">
+            <a:avLst/>
+          </a:prstGeom>
+          <a:noFill/>
+          <a:ln w="0">
+            <a:noFill/>
+          </a:ln>
+        </p:spPr>
+        <p:style>
+          <a:lnRef idx="0"/>
+          <a:fillRef idx="0"/>
+          <a:effectRef idx="0"/>
+          <a:fontRef idx="minor"/>
+        </p:style>
+        <p:txBody>
+          <a:bodyPr lIns="90000" rIns="90000" tIns="45000" bIns="45000">
+            <a:noAutofit/>
+          </a:bodyPr>
+          <a:p>
+            <a:pPr>
+              <a:lnSpc>
+                <a:spcPts val="802"/>
+              </a:lnSpc>
+            </a:pPr>
+            <a:r>
+              <a:rPr b="1" lang="en-US" sz="700" spc="-1" strike="noStrike">
+                <a:solidFill>
+                  <a:srgbClr val="ffffff"/>
+                </a:solidFill>
+                <a:latin typeface="Montserrat"/>
+                <a:ea typeface="DejaVu Sans"/>
+              </a:rPr>
+              <a:t>Summary View</a:t>
+            </a:r>
+            <a:endParaRPr b="0" lang="id-ID" sz="700" spc="-1" strike="noStrike">
+              <a:latin typeface="Arial"/>
+            </a:endParaRPr>
+          </a:p>
+        </p:txBody>
+      </p:sp>
+      <p:sp>
+        <p:nvSpPr>
+          <p:cNvPr id="192" name=""/>
+          <p:cNvSpPr/>
+          <p:nvPr/>
+        </p:nvSpPr>
+        <p:spPr>
+          <a:xfrm>
+            <a:off x="4855320" y="-5400"/>
+            <a:ext cx="367200" cy="189720"/>
+          </a:xfrm>
+          <a:prstGeom prst="rect">
+            <a:avLst/>
+          </a:prstGeom>
+          <a:noFill/>
+          <a:ln w="0">
+            <a:noFill/>
+          </a:ln>
+        </p:spPr>
+        <p:style>
+          <a:lnRef idx="0"/>
+          <a:fillRef idx="0"/>
+          <a:effectRef idx="0"/>
+          <a:fontRef idx="minor"/>
+        </p:style>
+        <p:txBody>
+          <a:bodyPr lIns="90000" rIns="90000" tIns="45000" bIns="45000">
+            <a:noAutofit/>
+          </a:bodyPr>
+          <a:p>
+            <a:pPr algn="ctr">
+              <a:lnSpc>
+                <a:spcPts val="802"/>
+              </a:lnSpc>
+            </a:pPr>
+            <a:r>
+              <a:rPr b="1" lang="en-US" sz="700" spc="-1" strike="noStrike">
+                <a:solidFill>
+                  <a:srgbClr val="ffffff"/>
+                </a:solidFill>
+                <a:latin typeface="Montserrat"/>
+                <a:ea typeface="DejaVu Sans"/>
+              </a:rPr>
+              <a:t>7:30</a:t>
+            </a:r>
+            <a:endParaRPr b="0" lang="id-ID" sz="700" spc="-1" strike="noStrike">
+              <a:latin typeface="Arial"/>
+            </a:endParaRPr>
+          </a:p>
+        </p:txBody>
+      </p:sp>
+      <p:sp>
+        <p:nvSpPr>
+          <p:cNvPr id="193" name=""/>
+          <p:cNvSpPr/>
+          <p:nvPr/>
+        </p:nvSpPr>
+        <p:spPr>
+          <a:xfrm>
+            <a:off x="9680040" y="-5400"/>
+            <a:ext cx="374400" cy="189720"/>
+          </a:xfrm>
+          <a:prstGeom prst="rect">
+            <a:avLst/>
+          </a:prstGeom>
+          <a:noFill/>
+          <a:ln w="0">
+            <a:noFill/>
+          </a:ln>
+        </p:spPr>
+        <p:style>
+          <a:lnRef idx="0"/>
+          <a:fillRef idx="0"/>
+          <a:effectRef idx="0"/>
+          <a:fontRef idx="minor"/>
+        </p:style>
+        <p:txBody>
+          <a:bodyPr lIns="90000" rIns="90000" tIns="45000" bIns="45000">
+            <a:noAutofit/>
+          </a:bodyPr>
+          <a:p>
+            <a:pPr algn="r">
+              <a:lnSpc>
+                <a:spcPts val="802"/>
+              </a:lnSpc>
+            </a:pPr>
+            <a:r>
+              <a:rPr b="1" lang="en-US" sz="700" spc="-1" strike="noStrike">
+                <a:solidFill>
+                  <a:srgbClr val="ffffff"/>
+                </a:solidFill>
+                <a:latin typeface="Montserrat"/>
+                <a:ea typeface="DejaVu Sans"/>
+              </a:rPr>
+              <a:t>90%</a:t>
+            </a:r>
+            <a:endParaRPr b="0" lang="id-ID" sz="700" spc="-1" strike="noStrike">
+              <a:latin typeface="Arial"/>
+            </a:endParaRPr>
+          </a:p>
+        </p:txBody>
+      </p:sp>
+      <p:pic>
+        <p:nvPicPr>
+          <p:cNvPr id="194" name="" descr=""/>
+          <p:cNvPicPr/>
+          <p:nvPr/>
+        </p:nvPicPr>
+        <p:blipFill>
+          <a:blip r:embed="rId2"/>
+          <a:stretch/>
+        </p:blipFill>
+        <p:spPr>
+          <a:xfrm>
+            <a:off x="9622800" y="37440"/>
+            <a:ext cx="95400" cy="95400"/>
+          </a:xfrm>
+          <a:prstGeom prst="rect">
+            <a:avLst/>
+          </a:prstGeom>
+          <a:ln w="0">
+            <a:noFill/>
+          </a:ln>
+        </p:spPr>
+      </p:pic>
+      <p:pic>
+        <p:nvPicPr>
+          <p:cNvPr id="195" name="" descr=""/>
+          <p:cNvPicPr/>
+          <p:nvPr/>
+        </p:nvPicPr>
+        <p:blipFill>
+          <a:blip r:embed="rId3"/>
+          <a:stretch/>
+        </p:blipFill>
+        <p:spPr>
+          <a:xfrm>
+            <a:off x="9407880" y="36360"/>
+            <a:ext cx="100800" cy="100800"/>
+          </a:xfrm>
+          <a:prstGeom prst="rect">
+            <a:avLst/>
+          </a:prstGeom>
+          <a:ln w="0">
+            <a:noFill/>
+          </a:ln>
+        </p:spPr>
+      </p:pic>
+      <p:pic>
+        <p:nvPicPr>
+          <p:cNvPr id="196" name="" descr=""/>
+          <p:cNvPicPr/>
+          <p:nvPr/>
+        </p:nvPicPr>
+        <p:blipFill>
+          <a:blip r:embed="rId4"/>
+          <a:stretch/>
+        </p:blipFill>
+        <p:spPr>
+          <a:xfrm>
+            <a:off x="9164160" y="32400"/>
+            <a:ext cx="104040" cy="104040"/>
+          </a:xfrm>
+          <a:prstGeom prst="rect">
+            <a:avLst/>
+          </a:prstGeom>
+          <a:ln w="0">
+            <a:noFill/>
+          </a:ln>
+        </p:spPr>
+      </p:pic>
+      <p:sp>
+        <p:nvSpPr>
+          <p:cNvPr id="197" name=""/>
+          <p:cNvSpPr/>
+          <p:nvPr/>
+        </p:nvSpPr>
+        <p:spPr>
+          <a:xfrm>
+            <a:off x="4590360" y="5238360"/>
+            <a:ext cx="845640" cy="357480"/>
+          </a:xfrm>
+          <a:custGeom>
+            <a:avLst/>
+            <a:gdLst/>
+            <a:ahLst/>
+            <a:rect l="l" t="t" r="r" b="b"/>
+            <a:pathLst>
+              <a:path w="2357" h="1001">
+                <a:moveTo>
+                  <a:pt x="0" y="1000"/>
+                </a:moveTo>
+                <a:cubicBezTo>
+                  <a:pt x="0" y="667"/>
+                  <a:pt x="0" y="333"/>
+                  <a:pt x="0" y="0"/>
+                </a:cubicBezTo>
+                <a:cubicBezTo>
+                  <a:pt x="785" y="0"/>
+                  <a:pt x="1571" y="0"/>
+                  <a:pt x="2356" y="0"/>
+                </a:cubicBezTo>
+                <a:cubicBezTo>
+                  <a:pt x="2356" y="333"/>
+                  <a:pt x="2356" y="667"/>
+                  <a:pt x="2356" y="1000"/>
+                </a:cubicBezTo>
+                <a:cubicBezTo>
+                  <a:pt x="1571" y="1000"/>
+                  <a:pt x="785" y="1000"/>
+                  <a:pt x="0" y="1000"/>
+                </a:cubicBezTo>
+                <a:close/>
+              </a:path>
+            </a:pathLst>
+          </a:custGeom>
+          <a:solidFill>
+            <a:srgbClr val="2ba5d2"/>
+          </a:solidFill>
+          <a:ln w="0">
+            <a:solidFill>
+              <a:srgbClr val="3465a4">
+                <a:alpha val="0"/>
+              </a:srgbClr>
+            </a:solidFill>
+          </a:ln>
+        </p:spPr>
+        <p:style>
+          <a:lnRef idx="0"/>
+          <a:fillRef idx="0"/>
+          <a:effectRef idx="0"/>
+          <a:fontRef idx="minor"/>
+        </p:style>
+      </p:sp>
+      <p:sp>
+        <p:nvSpPr>
+          <p:cNvPr id="198" name=""/>
+          <p:cNvSpPr/>
+          <p:nvPr/>
+        </p:nvSpPr>
+        <p:spPr>
+          <a:xfrm>
+            <a:off x="4428000" y="5238360"/>
+            <a:ext cx="357840" cy="357840"/>
+          </a:xfrm>
+          <a:custGeom>
+            <a:avLst/>
+            <a:gdLst/>
+            <a:ahLst/>
+            <a:rect l="l" t="t" r="r" b="b"/>
+            <a:pathLst>
+              <a:path w="1002" h="1002">
+                <a:moveTo>
+                  <a:pt x="1001" y="501"/>
+                </a:moveTo>
+                <a:cubicBezTo>
+                  <a:pt x="1001" y="588"/>
+                  <a:pt x="978" y="675"/>
+                  <a:pt x="934" y="751"/>
+                </a:cubicBezTo>
+                <a:cubicBezTo>
+                  <a:pt x="890" y="827"/>
+                  <a:pt x="827" y="890"/>
+                  <a:pt x="751" y="934"/>
+                </a:cubicBezTo>
+                <a:cubicBezTo>
+                  <a:pt x="675" y="978"/>
+                  <a:pt x="588" y="1001"/>
+                  <a:pt x="501" y="1001"/>
+                </a:cubicBezTo>
+                <a:cubicBezTo>
+                  <a:pt x="413" y="1001"/>
+                  <a:pt x="326" y="978"/>
+                  <a:pt x="250" y="934"/>
+                </a:cubicBezTo>
+                <a:cubicBezTo>
+                  <a:pt x="174" y="890"/>
+                  <a:pt x="111" y="827"/>
+                  <a:pt x="67" y="751"/>
+                </a:cubicBezTo>
+                <a:cubicBezTo>
+                  <a:pt x="23" y="675"/>
+                  <a:pt x="0" y="588"/>
+                  <a:pt x="0" y="501"/>
+                </a:cubicBezTo>
+                <a:cubicBezTo>
+                  <a:pt x="0" y="413"/>
+                  <a:pt x="23" y="326"/>
+                  <a:pt x="67" y="250"/>
+                </a:cubicBezTo>
+                <a:cubicBezTo>
+                  <a:pt x="111" y="174"/>
+                  <a:pt x="174" y="111"/>
+                  <a:pt x="250" y="67"/>
+                </a:cubicBezTo>
+                <a:cubicBezTo>
+                  <a:pt x="326" y="23"/>
+                  <a:pt x="413" y="0"/>
+                  <a:pt x="501" y="0"/>
+                </a:cubicBezTo>
+                <a:cubicBezTo>
+                  <a:pt x="588" y="0"/>
+                  <a:pt x="675" y="23"/>
+                  <a:pt x="751" y="67"/>
+                </a:cubicBezTo>
+                <a:cubicBezTo>
+                  <a:pt x="827" y="111"/>
+                  <a:pt x="890" y="174"/>
+                  <a:pt x="934" y="250"/>
+                </a:cubicBezTo>
+                <a:cubicBezTo>
+                  <a:pt x="978" y="326"/>
+                  <a:pt x="1001" y="413"/>
+                  <a:pt x="1001" y="501"/>
+                </a:cubicBezTo>
+                <a:close/>
+              </a:path>
+            </a:pathLst>
+          </a:custGeom>
+          <a:solidFill>
+            <a:srgbClr val="2ba5d2"/>
+          </a:solidFill>
+          <a:ln w="0">
+            <a:solidFill>
+              <a:srgbClr val="3465a4">
+                <a:alpha val="10000"/>
+              </a:srgbClr>
+            </a:solidFill>
+          </a:ln>
+        </p:spPr>
+        <p:style>
+          <a:lnRef idx="0"/>
+          <a:fillRef idx="0"/>
+          <a:effectRef idx="0"/>
+          <a:fontRef idx="minor"/>
+        </p:style>
+      </p:sp>
+      <p:sp>
+        <p:nvSpPr>
+          <p:cNvPr id="199" name=""/>
+          <p:cNvSpPr/>
+          <p:nvPr/>
+        </p:nvSpPr>
+        <p:spPr>
+          <a:xfrm>
+            <a:off x="5256360" y="5238720"/>
+            <a:ext cx="357840" cy="357840"/>
+          </a:xfrm>
+          <a:custGeom>
+            <a:avLst/>
+            <a:gdLst/>
+            <a:ahLst/>
+            <a:rect l="l" t="t" r="r" b="b"/>
+            <a:pathLst>
+              <a:path w="1002" h="1002">
+                <a:moveTo>
+                  <a:pt x="1001" y="501"/>
+                </a:moveTo>
+                <a:cubicBezTo>
+                  <a:pt x="1001" y="588"/>
+                  <a:pt x="978" y="675"/>
+                  <a:pt x="934" y="751"/>
+                </a:cubicBezTo>
+                <a:cubicBezTo>
+                  <a:pt x="890" y="827"/>
+                  <a:pt x="827" y="890"/>
+                  <a:pt x="751" y="934"/>
+                </a:cubicBezTo>
+                <a:cubicBezTo>
+                  <a:pt x="675" y="978"/>
+                  <a:pt x="588" y="1001"/>
+                  <a:pt x="501" y="1001"/>
+                </a:cubicBezTo>
+                <a:cubicBezTo>
+                  <a:pt x="413" y="1001"/>
+                  <a:pt x="326" y="978"/>
+                  <a:pt x="250" y="934"/>
+                </a:cubicBezTo>
+                <a:cubicBezTo>
+                  <a:pt x="174" y="890"/>
+                  <a:pt x="111" y="827"/>
+                  <a:pt x="67" y="751"/>
+                </a:cubicBezTo>
+                <a:cubicBezTo>
+                  <a:pt x="23" y="675"/>
+                  <a:pt x="0" y="588"/>
+                  <a:pt x="0" y="501"/>
+                </a:cubicBezTo>
+                <a:cubicBezTo>
+                  <a:pt x="0" y="413"/>
+                  <a:pt x="23" y="326"/>
+                  <a:pt x="67" y="250"/>
+                </a:cubicBezTo>
+                <a:cubicBezTo>
+                  <a:pt x="111" y="174"/>
+                  <a:pt x="174" y="111"/>
+                  <a:pt x="250" y="67"/>
+                </a:cubicBezTo>
+                <a:cubicBezTo>
+                  <a:pt x="326" y="23"/>
+                  <a:pt x="413" y="0"/>
+                  <a:pt x="501" y="0"/>
+                </a:cubicBezTo>
+                <a:cubicBezTo>
+                  <a:pt x="588" y="0"/>
+                  <a:pt x="675" y="23"/>
+                  <a:pt x="751" y="67"/>
+                </a:cubicBezTo>
+                <a:cubicBezTo>
+                  <a:pt x="827" y="111"/>
+                  <a:pt x="890" y="174"/>
+                  <a:pt x="934" y="250"/>
+                </a:cubicBezTo>
+                <a:cubicBezTo>
+                  <a:pt x="978" y="326"/>
+                  <a:pt x="1001" y="413"/>
+                  <a:pt x="1001" y="501"/>
+                </a:cubicBezTo>
+                <a:close/>
+              </a:path>
+            </a:pathLst>
+          </a:custGeom>
+          <a:solidFill>
+            <a:srgbClr val="2ba5d2"/>
+          </a:solidFill>
+          <a:ln w="0">
+            <a:solidFill>
+              <a:srgbClr val="3465a4">
+                <a:alpha val="10000"/>
+              </a:srgbClr>
+            </a:solidFill>
+          </a:ln>
+        </p:spPr>
+        <p:style>
+          <a:lnRef idx="0"/>
+          <a:fillRef idx="0"/>
+          <a:effectRef idx="0"/>
+          <a:fontRef idx="minor"/>
+        </p:style>
+      </p:sp>
+      <p:sp>
+        <p:nvSpPr>
+          <p:cNvPr id="200" name=""/>
+          <p:cNvSpPr/>
+          <p:nvPr/>
+        </p:nvSpPr>
+        <p:spPr>
+          <a:xfrm>
+            <a:off x="4752000" y="5220720"/>
+            <a:ext cx="537480" cy="362160"/>
+          </a:xfrm>
+          <a:prstGeom prst="rect">
+            <a:avLst/>
+          </a:prstGeom>
+          <a:noFill/>
+          <a:ln w="0">
+            <a:noFill/>
+          </a:ln>
+        </p:spPr>
+        <p:style>
+          <a:lnRef idx="0"/>
+          <a:fillRef idx="0"/>
+          <a:effectRef idx="0"/>
+          <a:fontRef idx="minor"/>
+        </p:style>
+        <p:txBody>
+          <a:bodyPr lIns="90000" rIns="90000" tIns="45000" bIns="45000">
+            <a:noAutofit/>
+          </a:bodyPr>
+          <a:p>
+            <a:pPr algn="ctr">
+              <a:lnSpc>
+                <a:spcPct val="100000"/>
+              </a:lnSpc>
+            </a:pPr>
+            <a:r>
+              <a:rPr b="0" lang="en-US" sz="1800" spc="-1" strike="noStrike">
+                <a:solidFill>
+                  <a:srgbClr val="000000"/>
+                </a:solidFill>
+                <a:latin typeface="Cantarell"/>
+                <a:ea typeface="DejaVu Sans"/>
+              </a:rPr>
+              <a:t>⬛</a:t>
+            </a:r>
+            <a:endParaRPr b="0" lang="id-ID" sz="1800" spc="-1" strike="noStrike">
+              <a:latin typeface="Arial"/>
+            </a:endParaRPr>
+          </a:p>
+        </p:txBody>
+      </p:sp>
+      <p:sp>
+        <p:nvSpPr>
+          <p:cNvPr id="201" name=""/>
+          <p:cNvSpPr/>
+          <p:nvPr/>
+        </p:nvSpPr>
+        <p:spPr>
+          <a:xfrm rot="612000">
+            <a:off x="5254560" y="5277960"/>
+            <a:ext cx="281880" cy="261000"/>
+          </a:xfrm>
+          <a:custGeom>
+            <a:avLst/>
+            <a:gdLst/>
+            <a:ahLst/>
+            <a:rect l="l" t="t" r="r" b="b"/>
+            <a:pathLst>
+              <a:path w="792" h="733">
+                <a:moveTo>
+                  <a:pt x="0" y="365"/>
+                </a:moveTo>
+                <a:lnTo>
+                  <a:pt x="113" y="471"/>
+                </a:lnTo>
+                <a:lnTo>
+                  <a:pt x="115" y="624"/>
+                </a:lnTo>
+                <a:lnTo>
+                  <a:pt x="276" y="625"/>
+                </a:lnTo>
+                <a:lnTo>
+                  <a:pt x="395" y="732"/>
+                </a:lnTo>
+                <a:lnTo>
+                  <a:pt x="509" y="626"/>
+                </a:lnTo>
+                <a:lnTo>
+                  <a:pt x="675" y="624"/>
+                </a:lnTo>
+                <a:lnTo>
+                  <a:pt x="675" y="476"/>
+                </a:lnTo>
+                <a:lnTo>
+                  <a:pt x="791" y="365"/>
+                </a:lnTo>
+                <a:lnTo>
+                  <a:pt x="677" y="260"/>
+                </a:lnTo>
+                <a:lnTo>
+                  <a:pt x="674" y="107"/>
+                </a:lnTo>
+                <a:lnTo>
+                  <a:pt x="514" y="106"/>
+                </a:lnTo>
+                <a:lnTo>
+                  <a:pt x="395" y="0"/>
+                </a:lnTo>
+                <a:lnTo>
+                  <a:pt x="281" y="104"/>
+                </a:lnTo>
+                <a:lnTo>
+                  <a:pt x="115" y="107"/>
+                </a:lnTo>
+                <a:lnTo>
+                  <a:pt x="115" y="255"/>
+                </a:lnTo>
+                <a:lnTo>
+                  <a:pt x="0" y="365"/>
+                </a:lnTo>
+              </a:path>
+            </a:pathLst>
+          </a:custGeom>
+          <a:solidFill>
+            <a:srgbClr val="ffbf00"/>
+          </a:solidFill>
+          <a:ln w="12600">
+            <a:solidFill>
+              <a:srgbClr val="ffff00"/>
+            </a:solidFill>
+            <a:round/>
+          </a:ln>
+        </p:spPr>
+        <p:style>
+          <a:lnRef idx="0"/>
+          <a:fillRef idx="0"/>
+          <a:effectRef idx="0"/>
+          <a:fontRef idx="minor"/>
+        </p:style>
+      </p:sp>
+      <p:sp>
+        <p:nvSpPr>
+          <p:cNvPr id="202" name=""/>
+          <p:cNvSpPr/>
+          <p:nvPr/>
+        </p:nvSpPr>
+        <p:spPr>
+          <a:xfrm>
+            <a:off x="4860000" y="5220360"/>
+            <a:ext cx="357480" cy="362160"/>
+          </a:xfrm>
+          <a:prstGeom prst="rect">
+            <a:avLst/>
+          </a:prstGeom>
+          <a:noFill/>
+          <a:ln w="0">
+            <a:noFill/>
+          </a:ln>
+        </p:spPr>
+        <p:style>
+          <a:lnRef idx="0"/>
+          <a:fillRef idx="0"/>
+          <a:effectRef idx="0"/>
+          <a:fontRef idx="minor"/>
+        </p:style>
+        <p:txBody>
+          <a:bodyPr lIns="90000" rIns="90000" tIns="45000" bIns="45000">
+            <a:noAutofit/>
+          </a:bodyPr>
+          <a:p>
+            <a:pPr>
+              <a:lnSpc>
+                <a:spcPct val="100000"/>
+              </a:lnSpc>
+            </a:pPr>
+            <a:r>
+              <a:rPr b="0" lang="en-US" sz="1800" spc="-1" strike="noStrike">
+                <a:solidFill>
+                  <a:srgbClr val="ffffff"/>
+                </a:solidFill>
+                <a:latin typeface="Cantarell"/>
+                <a:ea typeface="DejaVu Sans"/>
+              </a:rPr>
+              <a:t>↑</a:t>
+            </a:r>
+            <a:endParaRPr b="0" lang="id-ID" sz="1800" spc="-1" strike="noStrike">
+              <a:latin typeface="Arial"/>
+            </a:endParaRPr>
+          </a:p>
+        </p:txBody>
+      </p:sp>
+      <p:sp>
+        <p:nvSpPr>
+          <p:cNvPr id="203" name=""/>
+          <p:cNvSpPr/>
+          <p:nvPr/>
+        </p:nvSpPr>
+        <p:spPr>
+          <a:xfrm rot="597600">
+            <a:off x="4519800" y="5271480"/>
+            <a:ext cx="264240" cy="264240"/>
+          </a:xfrm>
+          <a:prstGeom prst="smileyFace">
+            <a:avLst>
+              <a:gd name="adj" fmla="val 9282"/>
+            </a:avLst>
+          </a:prstGeom>
+          <a:solidFill>
+            <a:srgbClr val="006eff"/>
+          </a:solidFill>
+          <a:ln cap="rnd" w="12600">
+            <a:solidFill>
+              <a:srgbClr val="ffffff"/>
+            </a:solidFill>
+            <a:round/>
+          </a:ln>
+        </p:spPr>
+        <p:style>
+          <a:lnRef idx="0"/>
+          <a:fillRef idx="0"/>
+          <a:effectRef idx="0"/>
+          <a:fontRef idx="minor"/>
+        </p:style>
+      </p:sp>
+      <p:sp>
+        <p:nvSpPr>
+          <p:cNvPr id="204" name=""/>
+          <p:cNvSpPr/>
+          <p:nvPr/>
+        </p:nvSpPr>
+        <p:spPr>
+          <a:xfrm>
+            <a:off x="3960000" y="306720"/>
+            <a:ext cx="2160000" cy="357480"/>
+          </a:xfrm>
+          <a:custGeom>
+            <a:avLst/>
+            <a:gdLst/>
+            <a:ahLst/>
+            <a:rect l="l" t="t" r="r" b="b"/>
+            <a:pathLst>
+              <a:path w="2357" h="1001">
+                <a:moveTo>
+                  <a:pt x="0" y="1000"/>
+                </a:moveTo>
+                <a:cubicBezTo>
+                  <a:pt x="0" y="667"/>
+                  <a:pt x="0" y="333"/>
+                  <a:pt x="0" y="0"/>
+                </a:cubicBezTo>
+                <a:cubicBezTo>
+                  <a:pt x="785" y="0"/>
+                  <a:pt x="1571" y="0"/>
+                  <a:pt x="2356" y="0"/>
+                </a:cubicBezTo>
+                <a:cubicBezTo>
+                  <a:pt x="2356" y="333"/>
+                  <a:pt x="2356" y="667"/>
+                  <a:pt x="2356" y="1000"/>
+                </a:cubicBezTo>
+                <a:cubicBezTo>
+                  <a:pt x="1571" y="1000"/>
+                  <a:pt x="785" y="1000"/>
+                  <a:pt x="0" y="1000"/>
+                </a:cubicBezTo>
+                <a:close/>
+              </a:path>
+            </a:pathLst>
+          </a:custGeom>
+          <a:solidFill>
+            <a:srgbClr val="2a6099"/>
+          </a:solidFill>
+          <a:ln w="0">
+            <a:solidFill>
+              <a:srgbClr val="3465a4">
+                <a:alpha val="0"/>
+              </a:srgbClr>
+            </a:solidFill>
+          </a:ln>
+        </p:spPr>
+        <p:style>
+          <a:lnRef idx="0"/>
+          <a:fillRef idx="0"/>
+          <a:effectRef idx="0"/>
+          <a:fontRef idx="minor"/>
+        </p:style>
+      </p:sp>
+      <p:sp>
+        <p:nvSpPr>
+          <p:cNvPr id="205" name=""/>
+          <p:cNvSpPr/>
+          <p:nvPr/>
+        </p:nvSpPr>
+        <p:spPr>
+          <a:xfrm>
+            <a:off x="3816360" y="306720"/>
+            <a:ext cx="357840" cy="357840"/>
+          </a:xfrm>
+          <a:custGeom>
+            <a:avLst/>
+            <a:gdLst/>
+            <a:ahLst/>
+            <a:rect l="l" t="t" r="r" b="b"/>
+            <a:pathLst>
+              <a:path w="1002" h="1002">
+                <a:moveTo>
+                  <a:pt x="1001" y="501"/>
+                </a:moveTo>
+                <a:cubicBezTo>
+                  <a:pt x="1001" y="588"/>
+                  <a:pt x="978" y="675"/>
+                  <a:pt x="934" y="751"/>
+                </a:cubicBezTo>
+                <a:cubicBezTo>
+                  <a:pt x="890" y="827"/>
+                  <a:pt x="827" y="890"/>
+                  <a:pt x="751" y="934"/>
+                </a:cubicBezTo>
+                <a:cubicBezTo>
+                  <a:pt x="675" y="978"/>
+                  <a:pt x="588" y="1001"/>
+                  <a:pt x="501" y="1001"/>
+                </a:cubicBezTo>
+                <a:cubicBezTo>
+                  <a:pt x="413" y="1001"/>
+                  <a:pt x="326" y="978"/>
+                  <a:pt x="250" y="934"/>
+                </a:cubicBezTo>
+                <a:cubicBezTo>
+                  <a:pt x="174" y="890"/>
+                  <a:pt x="111" y="827"/>
+                  <a:pt x="67" y="751"/>
+                </a:cubicBezTo>
+                <a:cubicBezTo>
+                  <a:pt x="23" y="675"/>
+                  <a:pt x="0" y="588"/>
+                  <a:pt x="0" y="501"/>
+                </a:cubicBezTo>
+                <a:cubicBezTo>
+                  <a:pt x="0" y="413"/>
+                  <a:pt x="23" y="326"/>
+                  <a:pt x="67" y="250"/>
+                </a:cubicBezTo>
+                <a:cubicBezTo>
+                  <a:pt x="111" y="174"/>
+                  <a:pt x="174" y="111"/>
+                  <a:pt x="250" y="67"/>
+                </a:cubicBezTo>
+                <a:cubicBezTo>
+                  <a:pt x="326" y="23"/>
+                  <a:pt x="413" y="0"/>
+                  <a:pt x="501" y="0"/>
+                </a:cubicBezTo>
+                <a:cubicBezTo>
+                  <a:pt x="588" y="0"/>
+                  <a:pt x="675" y="23"/>
+                  <a:pt x="751" y="67"/>
+                </a:cubicBezTo>
+                <a:cubicBezTo>
+                  <a:pt x="827" y="111"/>
+                  <a:pt x="890" y="174"/>
+                  <a:pt x="934" y="250"/>
+                </a:cubicBezTo>
+                <a:cubicBezTo>
+                  <a:pt x="978" y="326"/>
+                  <a:pt x="1001" y="413"/>
+                  <a:pt x="1001" y="501"/>
+                </a:cubicBezTo>
+                <a:close/>
+              </a:path>
+            </a:pathLst>
+          </a:custGeom>
+          <a:solidFill>
+            <a:srgbClr val="2a6099"/>
+          </a:solidFill>
+          <a:ln w="0">
+            <a:solidFill>
+              <a:srgbClr val="3465a4">
+                <a:alpha val="10000"/>
+              </a:srgbClr>
+            </a:solidFill>
+          </a:ln>
+        </p:spPr>
+        <p:style>
+          <a:lnRef idx="0"/>
+          <a:fillRef idx="0"/>
+          <a:effectRef idx="0"/>
+          <a:fontRef idx="minor"/>
+        </p:style>
+      </p:sp>
+      <p:sp>
+        <p:nvSpPr>
+          <p:cNvPr id="206" name=""/>
+          <p:cNvSpPr/>
+          <p:nvPr/>
+        </p:nvSpPr>
+        <p:spPr>
+          <a:xfrm>
+            <a:off x="5904720" y="307080"/>
+            <a:ext cx="357840" cy="357840"/>
+          </a:xfrm>
+          <a:custGeom>
+            <a:avLst/>
+            <a:gdLst/>
+            <a:ahLst/>
+            <a:rect l="l" t="t" r="r" b="b"/>
+            <a:pathLst>
+              <a:path w="1002" h="1002">
+                <a:moveTo>
+                  <a:pt x="1001" y="501"/>
+                </a:moveTo>
+                <a:cubicBezTo>
+                  <a:pt x="1001" y="588"/>
+                  <a:pt x="978" y="675"/>
+                  <a:pt x="934" y="751"/>
+                </a:cubicBezTo>
+                <a:cubicBezTo>
+                  <a:pt x="890" y="827"/>
+                  <a:pt x="827" y="890"/>
+                  <a:pt x="751" y="934"/>
+                </a:cubicBezTo>
+                <a:cubicBezTo>
+                  <a:pt x="675" y="978"/>
+                  <a:pt x="588" y="1001"/>
+                  <a:pt x="501" y="1001"/>
+                </a:cubicBezTo>
+                <a:cubicBezTo>
+                  <a:pt x="413" y="1001"/>
+                  <a:pt x="326" y="978"/>
+                  <a:pt x="250" y="934"/>
+                </a:cubicBezTo>
+                <a:cubicBezTo>
+                  <a:pt x="174" y="890"/>
+                  <a:pt x="111" y="827"/>
+                  <a:pt x="67" y="751"/>
+                </a:cubicBezTo>
+                <a:cubicBezTo>
+                  <a:pt x="23" y="675"/>
+                  <a:pt x="0" y="588"/>
+                  <a:pt x="0" y="501"/>
+                </a:cubicBezTo>
+                <a:cubicBezTo>
+                  <a:pt x="0" y="413"/>
+                  <a:pt x="23" y="326"/>
+                  <a:pt x="67" y="250"/>
+                </a:cubicBezTo>
+                <a:cubicBezTo>
+                  <a:pt x="111" y="174"/>
+                  <a:pt x="174" y="111"/>
+                  <a:pt x="250" y="67"/>
+                </a:cubicBezTo>
+                <a:cubicBezTo>
+                  <a:pt x="326" y="23"/>
+                  <a:pt x="413" y="0"/>
+                  <a:pt x="501" y="0"/>
+                </a:cubicBezTo>
+                <a:cubicBezTo>
+                  <a:pt x="588" y="0"/>
+                  <a:pt x="675" y="23"/>
+                  <a:pt x="751" y="67"/>
+                </a:cubicBezTo>
+                <a:cubicBezTo>
+                  <a:pt x="827" y="111"/>
+                  <a:pt x="890" y="174"/>
+                  <a:pt x="934" y="250"/>
+                </a:cubicBezTo>
+                <a:cubicBezTo>
+                  <a:pt x="978" y="326"/>
+                  <a:pt x="1001" y="413"/>
+                  <a:pt x="1001" y="501"/>
+                </a:cubicBezTo>
+                <a:close/>
+              </a:path>
+            </a:pathLst>
+          </a:custGeom>
+          <a:solidFill>
+            <a:srgbClr val="2a6099"/>
+          </a:solidFill>
+          <a:ln w="0">
+            <a:solidFill>
+              <a:srgbClr val="3465a4">
+                <a:alpha val="10000"/>
+              </a:srgbClr>
+            </a:solidFill>
+          </a:ln>
+        </p:spPr>
+        <p:style>
+          <a:lnRef idx="0"/>
+          <a:fillRef idx="0"/>
+          <a:effectRef idx="0"/>
+          <a:fontRef idx="minor"/>
+        </p:style>
+      </p:sp>
+      <p:sp>
+        <p:nvSpPr>
+          <p:cNvPr id="207" name=""/>
+          <p:cNvSpPr/>
+          <p:nvPr/>
+        </p:nvSpPr>
+        <p:spPr>
+          <a:xfrm>
+            <a:off x="-4356000" y="360000"/>
+            <a:ext cx="5292000" cy="5040000"/>
+          </a:xfrm>
+          <a:prstGeom prst="flowChartAlternateProcess">
+            <a:avLst/>
+          </a:prstGeom>
+          <a:solidFill>
+            <a:srgbClr val="131b66"/>
+          </a:solidFill>
+          <a:ln w="0">
+            <a:solidFill>
+              <a:srgbClr val="3465a4">
+                <a:alpha val="0"/>
+              </a:srgbClr>
+            </a:solidFill>
+          </a:ln>
+        </p:spPr>
+        <p:style>
+          <a:lnRef idx="0"/>
+          <a:fillRef idx="0"/>
+          <a:effectRef idx="0"/>
+          <a:fontRef idx="minor"/>
+        </p:style>
+      </p:sp>
+      <p:sp>
+        <p:nvSpPr>
+          <p:cNvPr id="208" name=""/>
+          <p:cNvSpPr/>
+          <p:nvPr/>
+        </p:nvSpPr>
+        <p:spPr>
+          <a:xfrm>
+            <a:off x="9144000" y="360000"/>
+            <a:ext cx="5292000" cy="5040000"/>
+          </a:xfrm>
+          <a:prstGeom prst="flowChartAlternateProcess">
+            <a:avLst/>
+          </a:prstGeom>
+          <a:solidFill>
+            <a:srgbClr val="131b66"/>
+          </a:solidFill>
+          <a:ln w="0">
+            <a:solidFill>
+              <a:srgbClr val="3465a4">
+                <a:alpha val="0"/>
+              </a:srgbClr>
+            </a:solidFill>
+          </a:ln>
+        </p:spPr>
+        <p:style>
+          <a:lnRef idx="0"/>
+          <a:fillRef idx="0"/>
+          <a:effectRef idx="0"/>
+          <a:fontRef idx="minor"/>
+        </p:style>
+      </p:sp>
+      <p:pic>
+        <p:nvPicPr>
+          <p:cNvPr id="209" name="" descr=""/>
+          <p:cNvPicPr/>
+          <p:nvPr/>
+        </p:nvPicPr>
+        <p:blipFill>
+          <a:blip r:embed="rId5"/>
+          <a:stretch/>
+        </p:blipFill>
+        <p:spPr>
+          <a:xfrm>
+            <a:off x="1434960" y="843480"/>
+            <a:ext cx="7210800" cy="4056120"/>
+          </a:xfrm>
+          <a:prstGeom prst="rect">
+            <a:avLst/>
+          </a:prstGeom>
+          <a:ln w="0">
+            <a:noFill/>
+          </a:ln>
+          <a:effectLst>
+            <a:glow rad="63360">
+              <a:srgbClr val="ffffff">
+                <a:alpha val="0"/>
+              </a:srgbClr>
+            </a:glow>
+            <a:softEdge rad="63360"/>
+          </a:effectLst>
+        </p:spPr>
+      </p:pic>
+      <p:grpSp>
+        <p:nvGrpSpPr>
+          <p:cNvPr id="210" name=""/>
+          <p:cNvGrpSpPr/>
+          <p:nvPr/>
+        </p:nvGrpSpPr>
+        <p:grpSpPr>
+          <a:xfrm>
+            <a:off x="127080" y="4608720"/>
+            <a:ext cx="540000" cy="539280"/>
+            <a:chOff x="127080" y="4608720"/>
+            <a:chExt cx="540000" cy="539280"/>
+          </a:xfrm>
+        </p:grpSpPr>
+        <p:sp>
+          <p:nvSpPr>
+            <p:cNvPr id="211" name=""/>
+            <p:cNvSpPr/>
+            <p:nvPr/>
+          </p:nvSpPr>
+          <p:spPr>
+            <a:xfrm>
+              <a:off x="127080" y="4608720"/>
+              <a:ext cx="540000" cy="539280"/>
+            </a:xfrm>
+            <a:prstGeom prst="ellipse">
+              <a:avLst/>
+            </a:prstGeom>
+            <a:solidFill>
+              <a:srgbClr val="729fcf"/>
+            </a:solidFill>
+            <a:ln w="0">
+              <a:solidFill>
+                <a:srgbClr val="3465a4">
+                  <a:alpha val="0"/>
+                </a:srgbClr>
+              </a:solidFill>
+            </a:ln>
+          </p:spPr>
+          <p:style>
+            <a:lnRef idx="0"/>
+            <a:fillRef idx="0"/>
+            <a:effectRef idx="0"/>
+            <a:fontRef idx="minor"/>
+          </p:style>
+        </p:sp>
+        <p:sp>
+          <p:nvSpPr>
+            <p:cNvPr id="212" name=""/>
+            <p:cNvSpPr/>
+            <p:nvPr/>
+          </p:nvSpPr>
+          <p:spPr>
+            <a:xfrm>
+              <a:off x="291960" y="4698720"/>
+              <a:ext cx="208080" cy="208800"/>
+            </a:xfrm>
+            <a:custGeom>
+              <a:avLst/>
+              <a:gdLst/>
+              <a:ahLst/>
+              <a:rect l="l" t="t" r="r" b="b"/>
+              <a:pathLst>
+                <a:path w="195" h="196">
+                  <a:moveTo>
+                    <a:pt x="194" y="98"/>
+                  </a:moveTo>
+                  <a:cubicBezTo>
+                    <a:pt x="194" y="115"/>
+                    <a:pt x="190" y="131"/>
+                    <a:pt x="181" y="146"/>
+                  </a:cubicBezTo>
+                  <a:cubicBezTo>
+                    <a:pt x="173" y="161"/>
+                    <a:pt x="161" y="173"/>
+                    <a:pt x="146" y="182"/>
+                  </a:cubicBezTo>
+                  <a:cubicBezTo>
+                    <a:pt x="131" y="190"/>
+                    <a:pt x="114" y="195"/>
+                    <a:pt x="97" y="195"/>
+                  </a:cubicBezTo>
+                  <a:cubicBezTo>
+                    <a:pt x="80" y="195"/>
+                    <a:pt x="63" y="190"/>
+                    <a:pt x="49" y="182"/>
+                  </a:cubicBezTo>
+                  <a:cubicBezTo>
+                    <a:pt x="34" y="173"/>
+                    <a:pt x="22" y="161"/>
+                    <a:pt x="13" y="146"/>
+                  </a:cubicBezTo>
+                  <a:cubicBezTo>
+                    <a:pt x="4" y="131"/>
+                    <a:pt x="0" y="115"/>
+                    <a:pt x="0" y="98"/>
+                  </a:cubicBezTo>
+                  <a:cubicBezTo>
+                    <a:pt x="0" y="80"/>
+                    <a:pt x="4" y="64"/>
+                    <a:pt x="13" y="49"/>
+                  </a:cubicBezTo>
+                  <a:cubicBezTo>
+                    <a:pt x="22" y="34"/>
+                    <a:pt x="34" y="22"/>
+                    <a:pt x="49" y="13"/>
+                  </a:cubicBezTo>
+                  <a:cubicBezTo>
+                    <a:pt x="63" y="5"/>
+                    <a:pt x="80" y="0"/>
+                    <a:pt x="97" y="0"/>
+                  </a:cubicBezTo>
+                  <a:cubicBezTo>
+                    <a:pt x="114" y="0"/>
+                    <a:pt x="131" y="5"/>
+                    <a:pt x="146" y="13"/>
+                  </a:cubicBezTo>
+                  <a:cubicBezTo>
+                    <a:pt x="161" y="22"/>
+                    <a:pt x="173" y="34"/>
+                    <a:pt x="181" y="49"/>
+                  </a:cubicBezTo>
+                  <a:cubicBezTo>
+                    <a:pt x="190" y="64"/>
+                    <a:pt x="194" y="80"/>
+                    <a:pt x="194" y="98"/>
+                  </a:cubicBezTo>
+                  <a:close/>
+                </a:path>
+              </a:pathLst>
+            </a:custGeom>
+            <a:solidFill>
+              <a:srgbClr val="d8d8d8"/>
+            </a:solidFill>
+            <a:ln w="0">
+              <a:noFill/>
+            </a:ln>
+          </p:spPr>
+          <p:style>
+            <a:lnRef idx="0"/>
+            <a:fillRef idx="0"/>
+            <a:effectRef idx="0"/>
+            <a:fontRef idx="minor"/>
+          </p:style>
+        </p:sp>
+        <p:sp>
+          <p:nvSpPr>
+            <p:cNvPr id="213" name=""/>
+            <p:cNvSpPr/>
+            <p:nvPr/>
+          </p:nvSpPr>
+          <p:spPr>
+            <a:xfrm>
+              <a:off x="218160" y="4958640"/>
+              <a:ext cx="356760" cy="189360"/>
+            </a:xfrm>
+            <a:custGeom>
+              <a:avLst/>
+              <a:gdLst/>
+              <a:ahLst/>
+              <a:rect l="l" t="t" r="r" b="b"/>
+              <a:pathLst>
+                <a:path w="332" h="178">
+                  <a:moveTo>
+                    <a:pt x="12" y="88"/>
+                  </a:moveTo>
+                  <a:cubicBezTo>
+                    <a:pt x="28" y="61"/>
+                    <a:pt x="50" y="39"/>
+                    <a:pt x="77" y="23"/>
+                  </a:cubicBezTo>
+                  <a:cubicBezTo>
+                    <a:pt x="104" y="8"/>
+                    <a:pt x="134" y="0"/>
+                    <a:pt x="165" y="0"/>
+                  </a:cubicBezTo>
+                  <a:cubicBezTo>
+                    <a:pt x="196" y="0"/>
+                    <a:pt x="227" y="8"/>
+                    <a:pt x="254" y="23"/>
+                  </a:cubicBezTo>
+                  <a:cubicBezTo>
+                    <a:pt x="281" y="39"/>
+                    <a:pt x="303" y="61"/>
+                    <a:pt x="318" y="88"/>
+                  </a:cubicBezTo>
+                  <a:cubicBezTo>
+                    <a:pt x="323" y="97"/>
+                    <a:pt x="328" y="106"/>
+                    <a:pt x="331" y="115"/>
+                  </a:cubicBezTo>
+                  <a:cubicBezTo>
+                    <a:pt x="319" y="126"/>
+                    <a:pt x="305" y="135"/>
+                    <a:pt x="291" y="144"/>
+                  </a:cubicBezTo>
+                  <a:cubicBezTo>
+                    <a:pt x="257" y="163"/>
+                    <a:pt x="219" y="175"/>
+                    <a:pt x="180" y="177"/>
+                  </a:cubicBezTo>
+                  <a:lnTo>
+                    <a:pt x="165" y="177"/>
+                  </a:lnTo>
+                  <a:lnTo>
+                    <a:pt x="152" y="177"/>
+                  </a:lnTo>
+                  <a:cubicBezTo>
+                    <a:pt x="113" y="175"/>
+                    <a:pt x="75" y="163"/>
+                    <a:pt x="41" y="144"/>
+                  </a:cubicBezTo>
+                  <a:cubicBezTo>
+                    <a:pt x="26" y="135"/>
+                    <a:pt x="12" y="125"/>
+                    <a:pt x="0" y="114"/>
+                  </a:cubicBezTo>
+                  <a:cubicBezTo>
+                    <a:pt x="3" y="105"/>
+                    <a:pt x="7" y="97"/>
+                    <a:pt x="12" y="88"/>
+                  </a:cubicBezTo>
+                  <a:close/>
+                </a:path>
+              </a:pathLst>
+            </a:custGeom>
+            <a:solidFill>
+              <a:srgbClr val="d8d8d8"/>
+            </a:solidFill>
+            <a:ln w="0">
+              <a:noFill/>
+            </a:ln>
+          </p:spPr>
+          <p:style>
+            <a:lnRef idx="0"/>
+            <a:fillRef idx="0"/>
+            <a:effectRef idx="0"/>
+            <a:fontRef idx="minor"/>
+          </p:style>
+        </p:sp>
+      </p:grpSp>
+      <p:sp>
+        <p:nvSpPr>
+          <p:cNvPr id="214" name=""/>
+          <p:cNvSpPr txBox="1"/>
+          <p:nvPr/>
+        </p:nvSpPr>
+        <p:spPr>
+          <a:xfrm>
+            <a:off x="9360000" y="4569840"/>
+            <a:ext cx="540000" cy="578160"/>
+          </a:xfrm>
+          <a:prstGeom prst="rect">
+            <a:avLst/>
+          </a:prstGeom>
+          <a:noFill/>
+          <a:ln w="0">
+            <a:noFill/>
+          </a:ln>
+        </p:spPr>
+        <p:txBody>
+          <a:bodyPr lIns="90000" rIns="90000" tIns="45000" bIns="45000">
+            <a:noAutofit/>
+          </a:bodyPr>
+          <a:p>
+            <a:pPr algn="ctr"/>
+            <a:r>
+              <a:rPr b="0" lang="id-ID" sz="3200" spc="-1" strike="noStrike">
+                <a:latin typeface="Cantarell"/>
+              </a:rPr>
+              <a:t>⏻</a:t>
+            </a:r>
+            <a:endParaRPr b="0" lang="id-ID" sz="3200" spc="-1" strike="noStrike">
+              <a:latin typeface="Cantarell"/>
+            </a:endParaRPr>
+          </a:p>
+        </p:txBody>
+      </p:sp>
+      <p:sp>
+        <p:nvSpPr>
+          <p:cNvPr id="215" name=""/>
+          <p:cNvSpPr txBox="1"/>
+          <p:nvPr/>
+        </p:nvSpPr>
+        <p:spPr>
+          <a:xfrm>
+            <a:off x="69480" y="3960000"/>
+            <a:ext cx="686520" cy="546120"/>
+          </a:xfrm>
+          <a:prstGeom prst="rect">
+            <a:avLst/>
+          </a:prstGeom>
+          <a:noFill/>
+          <a:ln w="0">
+            <a:noFill/>
+          </a:ln>
+        </p:spPr>
+        <p:txBody>
+          <a:bodyPr lIns="90000" rIns="90000" tIns="45000" bIns="45000">
+            <a:noAutofit/>
+          </a:bodyPr>
+          <a:p>
+            <a:r>
+              <a:rPr b="0" lang="id-ID" sz="3200" spc="-1" strike="noStrike">
+                <a:latin typeface="Arial"/>
+              </a:rPr>
+              <a:t>⛅</a:t>
+            </a:r>
+            <a:endParaRPr b="0" lang="id-ID" sz="3200" spc="-1" strike="noStrike">
+              <a:latin typeface="Arial"/>
+            </a:endParaRPr>
+          </a:p>
+        </p:txBody>
+      </p:sp>
+      <p:sp>
+        <p:nvSpPr>
+          <p:cNvPr id="216" name=""/>
+          <p:cNvSpPr txBox="1"/>
+          <p:nvPr/>
+        </p:nvSpPr>
+        <p:spPr>
+          <a:xfrm>
+            <a:off x="3816360" y="306720"/>
+            <a:ext cx="2303640" cy="369360"/>
+          </a:xfrm>
+          <a:prstGeom prst="rect">
+            <a:avLst/>
+          </a:prstGeom>
+          <a:noFill/>
+          <a:ln w="0">
+            <a:noFill/>
+          </a:ln>
+        </p:spPr>
+        <p:txBody>
+          <a:bodyPr lIns="90000" rIns="90000" tIns="45000" bIns="45000">
+            <a:noAutofit/>
+          </a:bodyPr>
+          <a:p>
+            <a:r>
+              <a:rPr b="0" lang="id-ID" sz="1800" spc="-1" strike="noStrike">
+                <a:latin typeface="Montserrat Thin"/>
+              </a:rPr>
+              <a:t>S</a:t>
+            </a:r>
+            <a:r>
+              <a:rPr b="0" lang="id-ID" sz="1800" spc="-1" strike="noStrike">
+                <a:latin typeface="Montserrat Thin"/>
+              </a:rPr>
+              <a:t>e</a:t>
+            </a:r>
+            <a:r>
+              <a:rPr b="0" lang="id-ID" sz="1800" spc="-1" strike="noStrike">
+                <a:latin typeface="Montserrat Thin"/>
+              </a:rPr>
+              <a:t>a</a:t>
+            </a:r>
+            <a:r>
+              <a:rPr b="0" lang="id-ID" sz="1800" spc="-1" strike="noStrike">
+                <a:latin typeface="Montserrat Thin"/>
+              </a:rPr>
+              <a:t>r</a:t>
+            </a:r>
+            <a:r>
+              <a:rPr b="0" lang="id-ID" sz="1800" spc="-1" strike="noStrike">
+                <a:latin typeface="Montserrat Thin"/>
+              </a:rPr>
+              <a:t>c</a:t>
+            </a:r>
+            <a:r>
+              <a:rPr b="0" lang="id-ID" sz="1800" spc="-1" strike="noStrike">
+                <a:latin typeface="Montserrat Thin"/>
+              </a:rPr>
+              <a:t>h </a:t>
+            </a:r>
+            <a:r>
+              <a:rPr b="0" lang="id-ID" sz="1800" spc="-1" strike="noStrike">
+                <a:latin typeface="Montserrat Thin"/>
+              </a:rPr>
+              <a:t>f</a:t>
+            </a:r>
+            <a:r>
+              <a:rPr b="0" lang="id-ID" sz="1800" spc="-1" strike="noStrike">
+                <a:latin typeface="Montserrat Thin"/>
+              </a:rPr>
+              <a:t>o</a:t>
+            </a:r>
+            <a:r>
+              <a:rPr b="0" lang="id-ID" sz="1800" spc="-1" strike="noStrike">
+                <a:latin typeface="Montserrat Thin"/>
+              </a:rPr>
+              <a:t>r...</a:t>
+            </a:r>
+            <a:endParaRPr b="0" lang="id-ID" sz="1800" spc="-1" strike="noStrike">
+              <a:latin typeface="Montserrat Thin"/>
+            </a:endParaRPr>
+          </a:p>
+        </p:txBody>
+      </p:sp>
     </p:spTree>
   </p:cSld>
   <mc:AlternateContent>
